--- a/presentations/Circuit-Diagrams.pptx
+++ b/presentations/Circuit-Diagrams.pptx
@@ -6,14 +6,14 @@
   </p:sldMasterIdLst>
   <p:sldIdLst>
     <p:sldId id="256" r:id="rId2"/>
-    <p:sldId id="257" r:id="rId3"/>
-    <p:sldId id="258" r:id="rId4"/>
-    <p:sldId id="259" r:id="rId5"/>
-    <p:sldId id="261" r:id="rId6"/>
+    <p:sldId id="267" r:id="rId3"/>
+    <p:sldId id="259" r:id="rId4"/>
+    <p:sldId id="261" r:id="rId5"/>
+    <p:sldId id="266" r:id="rId6"/>
     <p:sldId id="260" r:id="rId7"/>
-    <p:sldId id="262" r:id="rId8"/>
-    <p:sldId id="263" r:id="rId9"/>
-    <p:sldId id="264" r:id="rId10"/>
+    <p:sldId id="264" r:id="rId8"/>
+    <p:sldId id="265" r:id="rId9"/>
+    <p:sldId id="268" r:id="rId10"/>
   </p:sldIdLst>
   <p:sldSz cx="12192000" cy="6858000"/>
   <p:notesSz cx="6858000" cy="9144000"/>
@@ -3417,378 +3417,12 @@
           <a:chExt cx="0" cy="0"/>
         </a:xfrm>
       </p:grpSpPr>
-      <p:cxnSp>
-        <p:nvCxnSpPr>
-          <p:cNvPr id="53" name="Straight Arrow Connector 52">
-            <a:extLst>
-              <a:ext uri="{FF2B5EF4-FFF2-40B4-BE49-F238E27FC236}">
-                <a16:creationId xmlns:a16="http://schemas.microsoft.com/office/drawing/2014/main" id="{8CEBB08F-3871-964A-9B41-62D1492A8EDC}"/>
-              </a:ext>
-            </a:extLst>
-          </p:cNvPr>
-          <p:cNvCxnSpPr>
-            <a:cxnSpLocks/>
-          </p:cNvCxnSpPr>
-          <p:nvPr/>
-        </p:nvCxnSpPr>
-        <p:spPr>
-          <a:xfrm flipV="1">
-            <a:off x="9141145" y="3568547"/>
-            <a:ext cx="0" cy="428205"/>
-          </a:xfrm>
-          <a:prstGeom prst="straightConnector1">
-            <a:avLst/>
-          </a:prstGeom>
-          <a:ln w="57150">
-            <a:solidFill>
-              <a:schemeClr val="tx1"/>
-            </a:solidFill>
-            <a:tailEnd type="triangle"/>
-          </a:ln>
-        </p:spPr>
-        <p:style>
-          <a:lnRef idx="1">
-            <a:schemeClr val="accent1"/>
-          </a:lnRef>
-          <a:fillRef idx="0">
-            <a:schemeClr val="accent1"/>
-          </a:fillRef>
-          <a:effectRef idx="0">
-            <a:schemeClr val="accent1"/>
-          </a:effectRef>
-          <a:fontRef idx="minor">
-            <a:schemeClr val="tx1"/>
-          </a:fontRef>
-        </p:style>
-      </p:cxnSp>
-      <p:cxnSp>
-        <p:nvCxnSpPr>
-          <p:cNvPr id="48" name="Straight Arrow Connector 47">
-            <a:extLst>
-              <a:ext uri="{FF2B5EF4-FFF2-40B4-BE49-F238E27FC236}">
-                <a16:creationId xmlns:a16="http://schemas.microsoft.com/office/drawing/2014/main" id="{04D8B626-0916-8447-9610-B7B3C8AFFD34}"/>
-              </a:ext>
-            </a:extLst>
-          </p:cNvPr>
-          <p:cNvCxnSpPr>
-            <a:cxnSpLocks/>
-            <a:endCxn id="40" idx="2"/>
-          </p:cNvCxnSpPr>
-          <p:nvPr/>
-        </p:nvCxnSpPr>
-        <p:spPr>
-          <a:xfrm flipH="1" flipV="1">
-            <a:off x="3420146" y="3540259"/>
-            <a:ext cx="10034" cy="452950"/>
-          </a:xfrm>
-          <a:prstGeom prst="straightConnector1">
-            <a:avLst/>
-          </a:prstGeom>
-          <a:ln w="57150">
-            <a:solidFill>
-              <a:schemeClr val="tx1"/>
-            </a:solidFill>
-            <a:tailEnd type="triangle"/>
-          </a:ln>
-        </p:spPr>
-        <p:style>
-          <a:lnRef idx="1">
-            <a:schemeClr val="accent1"/>
-          </a:lnRef>
-          <a:fillRef idx="0">
-            <a:schemeClr val="accent1"/>
-          </a:fillRef>
-          <a:effectRef idx="0">
-            <a:schemeClr val="accent1"/>
-          </a:effectRef>
-          <a:fontRef idx="minor">
-            <a:schemeClr val="tx1"/>
-          </a:fontRef>
-        </p:style>
-      </p:cxnSp>
-      <p:sp>
-        <p:nvSpPr>
-          <p:cNvPr id="39" name="Rectangle 38">
-            <a:extLst>
-              <a:ext uri="{FF2B5EF4-FFF2-40B4-BE49-F238E27FC236}">
-                <a16:creationId xmlns:a16="http://schemas.microsoft.com/office/drawing/2014/main" id="{C89DA9BD-B9FA-DC4E-9756-FCA2962BD402}"/>
-              </a:ext>
-            </a:extLst>
-          </p:cNvPr>
-          <p:cNvSpPr/>
-          <p:nvPr/>
-        </p:nvSpPr>
-        <p:spPr>
-          <a:xfrm>
-            <a:off x="8056625" y="781298"/>
-            <a:ext cx="3835687" cy="1860345"/>
-          </a:xfrm>
-          <a:prstGeom prst="rect">
-            <a:avLst/>
-          </a:prstGeom>
-          <a:solidFill>
-            <a:schemeClr val="bg1">
-              <a:lumMod val="75000"/>
-            </a:schemeClr>
-          </a:solidFill>
-        </p:spPr>
-        <p:style>
-          <a:lnRef idx="2">
-            <a:schemeClr val="accent1">
-              <a:shade val="50000"/>
-            </a:schemeClr>
-          </a:lnRef>
-          <a:fillRef idx="1">
-            <a:schemeClr val="accent1"/>
-          </a:fillRef>
-          <a:effectRef idx="0">
-            <a:schemeClr val="accent1"/>
-          </a:effectRef>
-          <a:fontRef idx="minor">
-            <a:schemeClr val="lt1"/>
-          </a:fontRef>
-        </p:style>
-        <p:txBody>
-          <a:bodyPr rtlCol="0" anchor="ctr"/>
-          <a:lstStyle/>
-          <a:p>
-            <a:pPr algn="ctr"/>
-            <a:endParaRPr lang="en-US"/>
-          </a:p>
-        </p:txBody>
-      </p:sp>
-      <p:cxnSp>
-        <p:nvCxnSpPr>
-          <p:cNvPr id="22" name="Straight Arrow Connector 21">
-            <a:extLst>
-              <a:ext uri="{FF2B5EF4-FFF2-40B4-BE49-F238E27FC236}">
-                <a16:creationId xmlns:a16="http://schemas.microsoft.com/office/drawing/2014/main" id="{9467F3CC-6806-9247-9346-6CA57AA402AB}"/>
-              </a:ext>
-            </a:extLst>
-          </p:cNvPr>
-          <p:cNvCxnSpPr>
-            <a:cxnSpLocks/>
-            <a:endCxn id="5" idx="2"/>
-          </p:cNvCxnSpPr>
-          <p:nvPr/>
-        </p:nvCxnSpPr>
-        <p:spPr>
-          <a:xfrm flipH="1" flipV="1">
-            <a:off x="5117182" y="3543802"/>
-            <a:ext cx="16535" cy="422054"/>
-          </a:xfrm>
-          <a:prstGeom prst="straightConnector1">
-            <a:avLst/>
-          </a:prstGeom>
-          <a:ln w="57150">
-            <a:solidFill>
-              <a:schemeClr val="tx1"/>
-            </a:solidFill>
-            <a:tailEnd type="triangle"/>
-          </a:ln>
-        </p:spPr>
-        <p:style>
-          <a:lnRef idx="1">
-            <a:schemeClr val="accent1"/>
-          </a:lnRef>
-          <a:fillRef idx="0">
-            <a:schemeClr val="accent1"/>
-          </a:fillRef>
-          <a:effectRef idx="0">
-            <a:schemeClr val="accent1"/>
-          </a:effectRef>
-          <a:fontRef idx="minor">
-            <a:schemeClr val="tx1"/>
-          </a:fontRef>
-        </p:style>
-      </p:cxnSp>
-      <p:cxnSp>
-        <p:nvCxnSpPr>
-          <p:cNvPr id="29" name="Straight Arrow Connector 28">
-            <a:extLst>
-              <a:ext uri="{FF2B5EF4-FFF2-40B4-BE49-F238E27FC236}">
-                <a16:creationId xmlns:a16="http://schemas.microsoft.com/office/drawing/2014/main" id="{19AC23AC-6C30-864D-BACD-9ED3866D7597}"/>
-              </a:ext>
-            </a:extLst>
-          </p:cNvPr>
-          <p:cNvCxnSpPr>
-            <a:cxnSpLocks/>
-            <a:stCxn id="5" idx="0"/>
-            <a:endCxn id="6" idx="2"/>
-          </p:cNvCxnSpPr>
-          <p:nvPr/>
-        </p:nvCxnSpPr>
-        <p:spPr>
-          <a:xfrm flipV="1">
-            <a:off x="5117182" y="2511721"/>
-            <a:ext cx="156162" cy="373133"/>
-          </a:xfrm>
-          <a:prstGeom prst="straightConnector1">
-            <a:avLst/>
-          </a:prstGeom>
-          <a:ln w="57150">
-            <a:solidFill>
-              <a:schemeClr val="tx1"/>
-            </a:solidFill>
-            <a:tailEnd type="triangle"/>
-          </a:ln>
-        </p:spPr>
-        <p:style>
-          <a:lnRef idx="1">
-            <a:schemeClr val="accent1"/>
-          </a:lnRef>
-          <a:fillRef idx="0">
-            <a:schemeClr val="accent1"/>
-          </a:fillRef>
-          <a:effectRef idx="0">
-            <a:schemeClr val="accent1"/>
-          </a:effectRef>
-          <a:fontRef idx="minor">
-            <a:schemeClr val="tx1"/>
-          </a:fontRef>
-        </p:style>
-      </p:cxnSp>
-      <p:cxnSp>
-        <p:nvCxnSpPr>
-          <p:cNvPr id="34" name="Straight Arrow Connector 33">
-            <a:extLst>
-              <a:ext uri="{FF2B5EF4-FFF2-40B4-BE49-F238E27FC236}">
-                <a16:creationId xmlns:a16="http://schemas.microsoft.com/office/drawing/2014/main" id="{B71E0C78-19E1-6B4F-8255-2C5E283F3C88}"/>
-              </a:ext>
-            </a:extLst>
-          </p:cNvPr>
-          <p:cNvCxnSpPr>
-            <a:cxnSpLocks/>
-            <a:stCxn id="6" idx="3"/>
-            <a:endCxn id="8" idx="2"/>
-          </p:cNvCxnSpPr>
-          <p:nvPr/>
-        </p:nvCxnSpPr>
-        <p:spPr>
-          <a:xfrm flipV="1">
-            <a:off x="6273778" y="1615593"/>
-            <a:ext cx="429637" cy="566654"/>
-          </a:xfrm>
-          <a:prstGeom prst="straightConnector1">
-            <a:avLst/>
-          </a:prstGeom>
-          <a:ln w="57150">
-            <a:solidFill>
-              <a:schemeClr val="tx1"/>
-            </a:solidFill>
-            <a:tailEnd type="triangle"/>
-          </a:ln>
-        </p:spPr>
-        <p:style>
-          <a:lnRef idx="1">
-            <a:schemeClr val="accent1"/>
-          </a:lnRef>
-          <a:fillRef idx="0">
-            <a:schemeClr val="accent1"/>
-          </a:fillRef>
-          <a:effectRef idx="0">
-            <a:schemeClr val="accent1"/>
-          </a:effectRef>
-          <a:fontRef idx="minor">
-            <a:schemeClr val="tx1"/>
-          </a:fontRef>
-        </p:style>
-      </p:cxnSp>
-      <p:cxnSp>
-        <p:nvCxnSpPr>
-          <p:cNvPr id="38" name="Straight Arrow Connector 37">
-            <a:extLst>
-              <a:ext uri="{FF2B5EF4-FFF2-40B4-BE49-F238E27FC236}">
-                <a16:creationId xmlns:a16="http://schemas.microsoft.com/office/drawing/2014/main" id="{D89C17E5-7DDD-8C44-8DCF-C2E5805855FD}"/>
-              </a:ext>
-            </a:extLst>
-          </p:cNvPr>
-          <p:cNvCxnSpPr>
-            <a:cxnSpLocks/>
-            <a:endCxn id="7" idx="2"/>
-          </p:cNvCxnSpPr>
-          <p:nvPr/>
-        </p:nvCxnSpPr>
-        <p:spPr>
-          <a:xfrm flipV="1">
-            <a:off x="6594098" y="3560655"/>
-            <a:ext cx="16535" cy="390917"/>
-          </a:xfrm>
-          <a:prstGeom prst="straightConnector1">
-            <a:avLst/>
-          </a:prstGeom>
-          <a:ln w="57150">
-            <a:solidFill>
-              <a:schemeClr val="tx1"/>
-            </a:solidFill>
-            <a:tailEnd type="triangle"/>
-          </a:ln>
-        </p:spPr>
-        <p:style>
-          <a:lnRef idx="1">
-            <a:schemeClr val="accent1"/>
-          </a:lnRef>
-          <a:fillRef idx="0">
-            <a:schemeClr val="accent1"/>
-          </a:fillRef>
-          <a:effectRef idx="0">
-            <a:schemeClr val="accent1"/>
-          </a:effectRef>
-          <a:fontRef idx="minor">
-            <a:schemeClr val="tx1"/>
-          </a:fontRef>
-        </p:style>
-      </p:cxnSp>
-      <p:cxnSp>
-        <p:nvCxnSpPr>
-          <p:cNvPr id="42" name="Straight Arrow Connector 41">
-            <a:extLst>
-              <a:ext uri="{FF2B5EF4-FFF2-40B4-BE49-F238E27FC236}">
-                <a16:creationId xmlns:a16="http://schemas.microsoft.com/office/drawing/2014/main" id="{5616C25A-C87B-004C-A558-74D1E884A166}"/>
-              </a:ext>
-            </a:extLst>
-          </p:cNvPr>
-          <p:cNvCxnSpPr>
-            <a:cxnSpLocks/>
-          </p:cNvCxnSpPr>
-          <p:nvPr/>
-        </p:nvCxnSpPr>
-        <p:spPr>
-          <a:xfrm flipV="1">
-            <a:off x="7870371" y="3537651"/>
-            <a:ext cx="0" cy="428205"/>
-          </a:xfrm>
-          <a:prstGeom prst="straightConnector1">
-            <a:avLst/>
-          </a:prstGeom>
-          <a:ln w="57150">
-            <a:solidFill>
-              <a:schemeClr val="tx1"/>
-            </a:solidFill>
-            <a:tailEnd type="triangle"/>
-          </a:ln>
-        </p:spPr>
-        <p:style>
-          <a:lnRef idx="1">
-            <a:schemeClr val="accent1"/>
-          </a:lnRef>
-          <a:fillRef idx="0">
-            <a:schemeClr val="accent1"/>
-          </a:fillRef>
-          <a:effectRef idx="0">
-            <a:schemeClr val="accent1"/>
-          </a:effectRef>
-          <a:fontRef idx="minor">
-            <a:schemeClr val="tx1"/>
-          </a:fontRef>
-        </p:style>
-      </p:cxnSp>
       <p:sp>
         <p:nvSpPr>
           <p:cNvPr id="2" name="Title 1">
             <a:extLst>
               <a:ext uri="{FF2B5EF4-FFF2-40B4-BE49-F238E27FC236}">
-                <a16:creationId xmlns:a16="http://schemas.microsoft.com/office/drawing/2014/main" id="{C3604027-C7A1-F448-B7F4-2DD9E18DF6D0}"/>
+                <a16:creationId xmlns:a16="http://schemas.microsoft.com/office/drawing/2014/main" id="{7F44B4D0-1E10-8E4C-9A25-6AF1B5F93A69}"/>
               </a:ext>
             </a:extLst>
           </p:cNvPr>
@@ -3801,878 +3435,93 @@
         </p:nvSpPr>
         <p:spPr>
           <a:xfrm>
-            <a:off x="115459" y="45132"/>
-            <a:ext cx="5806369" cy="597125"/>
+            <a:off x="191430" y="9536"/>
+            <a:ext cx="10515600" cy="611540"/>
           </a:xfrm>
         </p:spPr>
         <p:txBody>
           <a:bodyPr>
-            <a:noAutofit/>
+            <a:normAutofit fontScale="90000"/>
           </a:bodyPr>
           <a:lstStyle/>
           <a:p>
             <a:r>
-              <a:rPr lang="en-US" sz="1600" b="1" dirty="0"/>
-              <a:t>CoderDojo Robots Journey Map</a:t>
-            </a:r>
-          </a:p>
-        </p:txBody>
-      </p:sp>
-      <p:sp>
-        <p:nvSpPr>
-          <p:cNvPr id="4" name="Rectangle 3">
-            <a:extLst>
-              <a:ext uri="{FF2B5EF4-FFF2-40B4-BE49-F238E27FC236}">
-                <a16:creationId xmlns:a16="http://schemas.microsoft.com/office/drawing/2014/main" id="{519CC745-A68D-BC4A-B0B3-E158FDF07F39}"/>
-              </a:ext>
-            </a:extLst>
-          </p:cNvPr>
-          <p:cNvSpPr/>
-          <p:nvPr/>
-        </p:nvSpPr>
-        <p:spPr>
-          <a:xfrm>
-            <a:off x="2713604" y="3944618"/>
-            <a:ext cx="7024052" cy="1508709"/>
-          </a:xfrm>
-          <a:prstGeom prst="rect">
-            <a:avLst/>
-          </a:prstGeom>
-          <a:solidFill>
-            <a:schemeClr val="accent2"/>
-          </a:solidFill>
-        </p:spPr>
-        <p:style>
-          <a:lnRef idx="2">
-            <a:schemeClr val="accent1">
-              <a:shade val="50000"/>
-            </a:schemeClr>
-          </a:lnRef>
-          <a:fillRef idx="1">
-            <a:schemeClr val="accent1"/>
-          </a:fillRef>
-          <a:effectRef idx="0">
-            <a:schemeClr val="accent1"/>
-          </a:effectRef>
-          <a:fontRef idx="minor">
-            <a:schemeClr val="lt1"/>
-          </a:fontRef>
-        </p:style>
-        <p:txBody>
-          <a:bodyPr rtlCol="0" anchor="ctr"/>
-          <a:lstStyle/>
-          <a:p>
-            <a:pPr algn="ctr"/>
+              <a:rPr lang="en-US" dirty="0"/>
+              <a:t>Breadboard Regions</a:t>
+            </a:r>
+          </a:p>
+        </p:txBody>
+      </p:sp>
+      <p:sp>
+        <p:nvSpPr>
+          <p:cNvPr id="3" name="Content Placeholder 2">
+            <a:extLst>
+              <a:ext uri="{FF2B5EF4-FFF2-40B4-BE49-F238E27FC236}">
+                <a16:creationId xmlns:a16="http://schemas.microsoft.com/office/drawing/2014/main" id="{22ADE71C-7FCD-8342-B06C-0603C2E5B8B0}"/>
+              </a:ext>
+            </a:extLst>
+          </p:cNvPr>
+          <p:cNvSpPr>
+            <a:spLocks noGrp="1"/>
+          </p:cNvSpPr>
+          <p:nvPr>
+            <p:ph idx="1"/>
+          </p:nvPr>
+        </p:nvSpPr>
+        <p:spPr>
+          <a:xfrm>
+            <a:off x="838200" y="5508701"/>
+            <a:ext cx="10515600" cy="668261"/>
+          </a:xfrm>
+        </p:spPr>
+        <p:txBody>
+          <a:bodyPr/>
+          <a:lstStyle/>
+          <a:p>
             <a:endParaRPr lang="en-US" dirty="0"/>
-          </a:p>
-        </p:txBody>
-      </p:sp>
-      <p:sp>
-        <p:nvSpPr>
-          <p:cNvPr id="5" name="Rectangle 4">
-            <a:extLst>
-              <a:ext uri="{FF2B5EF4-FFF2-40B4-BE49-F238E27FC236}">
-                <a16:creationId xmlns:a16="http://schemas.microsoft.com/office/drawing/2014/main" id="{D9E24810-81B5-B14B-8C84-0BED0B66E503}"/>
-              </a:ext>
-            </a:extLst>
-          </p:cNvPr>
-          <p:cNvSpPr/>
-          <p:nvPr/>
-        </p:nvSpPr>
-        <p:spPr>
-          <a:xfrm>
-            <a:off x="4303497" y="2884854"/>
-            <a:ext cx="1627369" cy="658948"/>
-          </a:xfrm>
-          <a:prstGeom prst="rect">
-            <a:avLst/>
-          </a:prstGeom>
-          <a:solidFill>
-            <a:srgbClr val="77AF90"/>
-          </a:solidFill>
-        </p:spPr>
-        <p:style>
-          <a:lnRef idx="2">
-            <a:schemeClr val="accent1">
-              <a:shade val="50000"/>
-            </a:schemeClr>
-          </a:lnRef>
-          <a:fillRef idx="1">
-            <a:schemeClr val="accent1"/>
-          </a:fillRef>
-          <a:effectRef idx="0">
-            <a:schemeClr val="accent1"/>
-          </a:effectRef>
-          <a:fontRef idx="minor">
-            <a:schemeClr val="lt1"/>
-          </a:fontRef>
-        </p:style>
-        <p:txBody>
-          <a:bodyPr rtlCol="0" anchor="t"/>
-          <a:lstStyle/>
-          <a:p>
-            <a:r>
-              <a:rPr lang="en-US" dirty="0"/>
-              <a:t>Display Bot</a:t>
-            </a:r>
-          </a:p>
-        </p:txBody>
-      </p:sp>
-      <p:sp>
-        <p:nvSpPr>
-          <p:cNvPr id="6" name="Rectangle 5">
-            <a:extLst>
-              <a:ext uri="{FF2B5EF4-FFF2-40B4-BE49-F238E27FC236}">
-                <a16:creationId xmlns:a16="http://schemas.microsoft.com/office/drawing/2014/main" id="{754E1B94-B7A1-104B-9E8C-1ECC57B889DC}"/>
-              </a:ext>
-            </a:extLst>
-          </p:cNvPr>
-          <p:cNvSpPr/>
-          <p:nvPr/>
-        </p:nvSpPr>
-        <p:spPr>
-          <a:xfrm>
-            <a:off x="4272909" y="1852773"/>
-            <a:ext cx="2000869" cy="658948"/>
-          </a:xfrm>
-          <a:prstGeom prst="rect">
-            <a:avLst/>
-          </a:prstGeom>
-          <a:solidFill>
-            <a:srgbClr val="9DDF56"/>
-          </a:solidFill>
-        </p:spPr>
-        <p:style>
-          <a:lnRef idx="2">
-            <a:schemeClr val="accent1">
-              <a:shade val="50000"/>
-            </a:schemeClr>
-          </a:lnRef>
-          <a:fillRef idx="1">
-            <a:schemeClr val="accent1"/>
-          </a:fillRef>
-          <a:effectRef idx="0">
-            <a:schemeClr val="accent1"/>
-          </a:effectRef>
-          <a:fontRef idx="minor">
-            <a:schemeClr val="lt1"/>
-          </a:fontRef>
-        </p:style>
-        <p:txBody>
-          <a:bodyPr rtlCol="0" anchor="t"/>
-          <a:lstStyle/>
-          <a:p>
-            <a:r>
-              <a:rPr lang="en-US" dirty="0"/>
-              <a:t>Adjusta Bot</a:t>
-            </a:r>
-          </a:p>
-        </p:txBody>
-      </p:sp>
-      <p:sp>
-        <p:nvSpPr>
-          <p:cNvPr id="7" name="Rectangle 6">
-            <a:extLst>
-              <a:ext uri="{FF2B5EF4-FFF2-40B4-BE49-F238E27FC236}">
-                <a16:creationId xmlns:a16="http://schemas.microsoft.com/office/drawing/2014/main" id="{6EEEEC13-FE61-5C43-95F3-0D015731E819}"/>
-              </a:ext>
-            </a:extLst>
-          </p:cNvPr>
-          <p:cNvSpPr/>
-          <p:nvPr/>
-        </p:nvSpPr>
-        <p:spPr>
-          <a:xfrm>
-            <a:off x="6028515" y="2901707"/>
-            <a:ext cx="1164235" cy="658948"/>
-          </a:xfrm>
-          <a:prstGeom prst="rect">
-            <a:avLst/>
-          </a:prstGeom>
-          <a:solidFill>
-            <a:srgbClr val="71AF48"/>
-          </a:solidFill>
-        </p:spPr>
-        <p:style>
-          <a:lnRef idx="2">
-            <a:schemeClr val="accent1">
-              <a:shade val="50000"/>
-            </a:schemeClr>
-          </a:lnRef>
-          <a:fillRef idx="1">
-            <a:schemeClr val="accent1"/>
-          </a:fillRef>
-          <a:effectRef idx="0">
-            <a:schemeClr val="accent1"/>
-          </a:effectRef>
-          <a:fontRef idx="minor">
-            <a:schemeClr val="lt1"/>
-          </a:fontRef>
-        </p:style>
-        <p:txBody>
-          <a:bodyPr rtlCol="0" anchor="t"/>
-          <a:lstStyle/>
-          <a:p>
-            <a:r>
-              <a:rPr lang="en-US" dirty="0"/>
-              <a:t>Servo Bot</a:t>
-            </a:r>
-          </a:p>
-        </p:txBody>
-      </p:sp>
-      <p:sp>
-        <p:nvSpPr>
-          <p:cNvPr id="8" name="Rectangle 7">
-            <a:extLst>
-              <a:ext uri="{FF2B5EF4-FFF2-40B4-BE49-F238E27FC236}">
-                <a16:creationId xmlns:a16="http://schemas.microsoft.com/office/drawing/2014/main" id="{B278BD61-3FE6-CE44-A48C-40ADF4B3474D}"/>
-              </a:ext>
-            </a:extLst>
-          </p:cNvPr>
-          <p:cNvSpPr/>
-          <p:nvPr/>
-        </p:nvSpPr>
-        <p:spPr>
-          <a:xfrm>
-            <a:off x="5878955" y="956645"/>
-            <a:ext cx="1648919" cy="658948"/>
-          </a:xfrm>
-          <a:prstGeom prst="rect">
-            <a:avLst/>
-          </a:prstGeom>
-          <a:solidFill>
-            <a:srgbClr val="7030A0"/>
-          </a:solidFill>
-        </p:spPr>
-        <p:style>
-          <a:lnRef idx="2">
-            <a:schemeClr val="accent1">
-              <a:shade val="50000"/>
-            </a:schemeClr>
-          </a:lnRef>
-          <a:fillRef idx="1">
-            <a:schemeClr val="accent1"/>
-          </a:fillRef>
-          <a:effectRef idx="0">
-            <a:schemeClr val="accent1"/>
-          </a:effectRef>
-          <a:fontRef idx="minor">
-            <a:schemeClr val="lt1"/>
-          </a:fontRef>
-        </p:style>
-        <p:txBody>
-          <a:bodyPr rtlCol="0" anchor="t"/>
-          <a:lstStyle/>
-          <a:p>
-            <a:r>
-              <a:rPr lang="en-US" dirty="0"/>
-              <a:t>Custom Bot</a:t>
-            </a:r>
-          </a:p>
-        </p:txBody>
-      </p:sp>
-      <p:grpSp>
-        <p:nvGrpSpPr>
-          <p:cNvPr id="12" name="Group 11">
-            <a:extLst>
-              <a:ext uri="{FF2B5EF4-FFF2-40B4-BE49-F238E27FC236}">
-                <a16:creationId xmlns:a16="http://schemas.microsoft.com/office/drawing/2014/main" id="{1FF95AF3-8F6F-7346-8F4E-5E901A6AED97}"/>
-              </a:ext>
-            </a:extLst>
-          </p:cNvPr>
-          <p:cNvGrpSpPr/>
-          <p:nvPr/>
-        </p:nvGrpSpPr>
-        <p:grpSpPr>
-          <a:xfrm>
-            <a:off x="608576" y="4865505"/>
-            <a:ext cx="1237839" cy="953918"/>
-            <a:chOff x="838200" y="4662615"/>
-            <a:chExt cx="1237839" cy="953918"/>
-          </a:xfrm>
-        </p:grpSpPr>
-        <p:pic>
-          <p:nvPicPr>
-            <p:cNvPr id="1026" name="Picture 2">
-              <a:extLst>
-                <a:ext uri="{FF2B5EF4-FFF2-40B4-BE49-F238E27FC236}">
-                  <a16:creationId xmlns:a16="http://schemas.microsoft.com/office/drawing/2014/main" id="{CB6F4BF5-92B6-704A-9F83-E0CF109290B6}"/>
-                </a:ext>
-              </a:extLst>
-            </p:cNvPr>
-            <p:cNvPicPr>
-              <a:picLocks noChangeAspect="1" noChangeArrowheads="1"/>
-            </p:cNvPicPr>
-            <p:nvPr/>
-          </p:nvPicPr>
-          <p:blipFill>
-            <a:blip r:embed="rId2">
-              <a:extLst>
-                <a:ext uri="{28A0092B-C50C-407E-A947-70E740481C1C}">
-                  <a14:useLocalDpi xmlns:a14="http://schemas.microsoft.com/office/drawing/2010/main" val="0"/>
-                </a:ext>
-              </a:extLst>
-            </a:blip>
-            <a:srcRect/>
-            <a:stretch>
-              <a:fillRect/>
-            </a:stretch>
-          </p:blipFill>
-          <p:spPr bwMode="auto">
-            <a:xfrm>
-              <a:off x="1067487" y="4662615"/>
-              <a:ext cx="779263" cy="674007"/>
-            </a:xfrm>
-            <a:prstGeom prst="rect">
-              <a:avLst/>
-            </a:prstGeom>
-            <a:noFill/>
-            <a:extLst>
-              <a:ext uri="{909E8E84-426E-40DD-AFC4-6F175D3DCCD1}">
-                <a14:hiddenFill xmlns:a14="http://schemas.microsoft.com/office/drawing/2010/main">
-                  <a:solidFill>
-                    <a:srgbClr val="FFFFFF"/>
-                  </a:solidFill>
-                </a14:hiddenFill>
-              </a:ext>
-            </a:extLst>
-          </p:spPr>
-        </p:pic>
-        <p:sp>
-          <p:nvSpPr>
-            <p:cNvPr id="9" name="TextBox 8">
-              <a:extLst>
-                <a:ext uri="{FF2B5EF4-FFF2-40B4-BE49-F238E27FC236}">
-                  <a16:creationId xmlns:a16="http://schemas.microsoft.com/office/drawing/2014/main" id="{CF0AECD7-467C-BD4B-B88F-B7482505EB9A}"/>
-                </a:ext>
-              </a:extLst>
-            </p:cNvPr>
-            <p:cNvSpPr txBox="1"/>
-            <p:nvPr/>
-          </p:nvSpPr>
-          <p:spPr>
-            <a:xfrm>
-              <a:off x="838200" y="5247201"/>
-              <a:ext cx="1237839" cy="369332"/>
-            </a:xfrm>
-            <a:prstGeom prst="rect">
-              <a:avLst/>
-            </a:prstGeom>
-            <a:noFill/>
-          </p:spPr>
-          <p:txBody>
-            <a:bodyPr wrap="none" rtlCol="0">
-              <a:spAutoFit/>
-            </a:bodyPr>
-            <a:lstStyle/>
-            <a:p>
-              <a:r>
-                <a:rPr lang="en-US" dirty="0"/>
-                <a:t>mBot ($65)</a:t>
-              </a:r>
-            </a:p>
-          </p:txBody>
-        </p:sp>
-      </p:grpSp>
-      <p:sp>
-        <p:nvSpPr>
-          <p:cNvPr id="10" name="Freeform 9">
-            <a:extLst>
-              <a:ext uri="{FF2B5EF4-FFF2-40B4-BE49-F238E27FC236}">
-                <a16:creationId xmlns:a16="http://schemas.microsoft.com/office/drawing/2014/main" id="{55982984-6F66-6C4B-A59E-6DDBFC13291E}"/>
-              </a:ext>
-            </a:extLst>
-          </p:cNvPr>
-          <p:cNvSpPr/>
-          <p:nvPr/>
-        </p:nvSpPr>
-        <p:spPr>
-          <a:xfrm>
-            <a:off x="565938" y="4161713"/>
-            <a:ext cx="1650412" cy="1785299"/>
-          </a:xfrm>
-          <a:custGeom>
-            <a:avLst/>
-            <a:gdLst>
-              <a:gd name="connsiteX0" fmla="*/ 0 w 1650412"/>
-              <a:gd name="connsiteY0" fmla="*/ 54470 h 1785299"/>
-              <a:gd name="connsiteX1" fmla="*/ 1445054 w 1650412"/>
-              <a:gd name="connsiteY1" fmla="*/ 457241 h 1785299"/>
-              <a:gd name="connsiteX2" fmla="*/ 1532668 w 1650412"/>
-              <a:gd name="connsiteY2" fmla="*/ 1785299 h 1785299"/>
-            </a:gdLst>
-            <a:ahLst/>
-            <a:cxnLst>
-              <a:cxn ang="0">
-                <a:pos x="connsiteX0" y="connsiteY0"/>
-              </a:cxn>
-              <a:cxn ang="0">
-                <a:pos x="connsiteX1" y="connsiteY1"/>
-              </a:cxn>
-              <a:cxn ang="0">
-                <a:pos x="connsiteX2" y="connsiteY2"/>
-              </a:cxn>
-            </a:cxnLst>
-            <a:rect l="l" t="t" r="r" b="b"/>
-            <a:pathLst>
-              <a:path w="1650412" h="1785299" extrusionOk="0">
-                <a:moveTo>
-                  <a:pt x="0" y="54470"/>
-                </a:moveTo>
-                <a:cubicBezTo>
-                  <a:pt x="203688" y="-166426"/>
-                  <a:pt x="1114219" y="229727"/>
-                  <a:pt x="1445054" y="457241"/>
-                </a:cubicBezTo>
-                <a:cubicBezTo>
-                  <a:pt x="1875899" y="943534"/>
-                  <a:pt x="1541874" y="1569824"/>
-                  <a:pt x="1532668" y="1785299"/>
-                </a:cubicBezTo>
-              </a:path>
-            </a:pathLst>
-          </a:custGeom>
-          <a:noFill/>
-          <a:ln w="57150">
-            <a:solidFill>
-              <a:srgbClr val="C00000"/>
-            </a:solidFill>
-            <a:prstDash val="dash"/>
-            <a:extLst>
-              <a:ext uri="{C807C97D-BFC1-408E-A445-0C87EB9F89A2}">
-                <ask:lineSketchStyleProps xmlns:ask="http://schemas.microsoft.com/office/drawing/2018/sketchyshapes" sd="1219033472">
-                  <a:custGeom>
-                    <a:avLst/>
-                    <a:gdLst>
-                      <a:gd name="connsiteX0" fmla="*/ 0 w 1564227"/>
-                      <a:gd name="connsiteY0" fmla="*/ 35240 h 1766069"/>
-                      <a:gd name="connsiteX1" fmla="*/ 1445054 w 1564227"/>
-                      <a:gd name="connsiteY1" fmla="*/ 438011 h 1766069"/>
-                      <a:gd name="connsiteX2" fmla="*/ 1532668 w 1564227"/>
-                      <a:gd name="connsiteY2" fmla="*/ 1766069 h 1766069"/>
-                      <a:gd name="connsiteX0" fmla="*/ 0 w 1650412"/>
-                      <a:gd name="connsiteY0" fmla="*/ 54470 h 1785299"/>
-                      <a:gd name="connsiteX1" fmla="*/ 1445054 w 1650412"/>
-                      <a:gd name="connsiteY1" fmla="*/ 457241 h 1785299"/>
-                      <a:gd name="connsiteX2" fmla="*/ 1532668 w 1650412"/>
-                      <a:gd name="connsiteY2" fmla="*/ 1785299 h 1785299"/>
-                    </a:gdLst>
-                    <a:ahLst/>
-                    <a:cxnLst>
-                      <a:cxn ang="0">
-                        <a:pos x="connsiteX0" y="connsiteY0"/>
-                      </a:cxn>
-                      <a:cxn ang="0">
-                        <a:pos x="connsiteX1" y="connsiteY1"/>
-                      </a:cxn>
-                      <a:cxn ang="0">
-                        <a:pos x="connsiteX2" y="connsiteY2"/>
-                      </a:cxn>
-                    </a:cxnLst>
-                    <a:rect l="l" t="t" r="r" b="b"/>
-                    <a:pathLst>
-                      <a:path w="1650412" h="1785299" extrusionOk="0">
-                        <a:moveTo>
-                          <a:pt x="0" y="54470"/>
-                        </a:moveTo>
-                        <a:cubicBezTo>
-                          <a:pt x="253610" y="-135633"/>
-                          <a:pt x="1156333" y="213921"/>
-                          <a:pt x="1445054" y="457241"/>
-                        </a:cubicBezTo>
-                        <a:cubicBezTo>
-                          <a:pt x="1822807" y="932357"/>
-                          <a:pt x="1571262" y="1568890"/>
-                          <a:pt x="1532668" y="1785299"/>
-                        </a:cubicBezTo>
-                      </a:path>
-                    </a:pathLst>
-                  </a:custGeom>
-                  <ask:type>
-                    <ask:lineSketchScribble/>
-                  </ask:type>
-                </ask:lineSketchStyleProps>
-              </a:ext>
-            </a:extLst>
-          </a:ln>
-        </p:spPr>
-        <p:style>
-          <a:lnRef idx="2">
-            <a:schemeClr val="accent1">
-              <a:shade val="50000"/>
-            </a:schemeClr>
-          </a:lnRef>
-          <a:fillRef idx="1">
-            <a:schemeClr val="accent1"/>
-          </a:fillRef>
-          <a:effectRef idx="0">
-            <a:schemeClr val="accent1"/>
-          </a:effectRef>
-          <a:fontRef idx="minor">
-            <a:schemeClr val="lt1"/>
-          </a:fontRef>
-        </p:style>
-        <p:txBody>
-          <a:bodyPr rtlCol="0" anchor="ctr"/>
-          <a:lstStyle/>
-          <a:p>
-            <a:pPr algn="ctr"/>
-            <a:endParaRPr lang="en-US" dirty="0"/>
-          </a:p>
-        </p:txBody>
-      </p:sp>
-      <p:sp>
-        <p:nvSpPr>
-          <p:cNvPr id="11" name="TextBox 10">
-            <a:extLst>
-              <a:ext uri="{FF2B5EF4-FFF2-40B4-BE49-F238E27FC236}">
-                <a16:creationId xmlns:a16="http://schemas.microsoft.com/office/drawing/2014/main" id="{969B7790-A9B3-BC4A-B035-FA7DE88FB580}"/>
-              </a:ext>
-            </a:extLst>
-          </p:cNvPr>
-          <p:cNvSpPr txBox="1"/>
-          <p:nvPr/>
-        </p:nvSpPr>
-        <p:spPr>
-          <a:xfrm>
-            <a:off x="670473" y="4403840"/>
-            <a:ext cx="1027012" cy="461665"/>
-          </a:xfrm>
-          <a:prstGeom prst="rect">
-            <a:avLst/>
-          </a:prstGeom>
-          <a:noFill/>
-        </p:spPr>
-        <p:txBody>
-          <a:bodyPr wrap="none" rtlCol="0">
-            <a:spAutoFit/>
-          </a:bodyPr>
-          <a:lstStyle/>
-          <a:p>
-            <a:r>
-              <a:rPr lang="en-US" sz="1200" dirty="0"/>
-              <a:t>Scratch Block</a:t>
-            </a:r>
-          </a:p>
-          <a:p>
-            <a:r>
-              <a:rPr lang="en-US" sz="1200" dirty="0"/>
-              <a:t>Programming</a:t>
-            </a:r>
-          </a:p>
-        </p:txBody>
-      </p:sp>
-      <p:sp>
-        <p:nvSpPr>
-          <p:cNvPr id="13" name="TextBox 12">
-            <a:extLst>
-              <a:ext uri="{FF2B5EF4-FFF2-40B4-BE49-F238E27FC236}">
-                <a16:creationId xmlns:a16="http://schemas.microsoft.com/office/drawing/2014/main" id="{AA999309-DE15-0444-9ACE-5B2B1753E951}"/>
-              </a:ext>
-            </a:extLst>
-          </p:cNvPr>
-          <p:cNvSpPr txBox="1"/>
-          <p:nvPr/>
-        </p:nvSpPr>
-        <p:spPr>
-          <a:xfrm rot="1051187">
-            <a:off x="470451" y="3891934"/>
-            <a:ext cx="1427057" cy="276999"/>
-          </a:xfrm>
-          <a:prstGeom prst="rect">
-            <a:avLst/>
-          </a:prstGeom>
-          <a:noFill/>
-        </p:spPr>
-        <p:txBody>
-          <a:bodyPr wrap="none" rtlCol="0">
-            <a:spAutoFit/>
-          </a:bodyPr>
-          <a:lstStyle/>
-          <a:p>
-            <a:r>
-              <a:rPr lang="en-US" sz="1200" dirty="0"/>
-              <a:t>Keyboard Skills Wall</a:t>
-            </a:r>
-          </a:p>
-        </p:txBody>
-      </p:sp>
-      <p:sp>
-        <p:nvSpPr>
-          <p:cNvPr id="15" name="TextBox 14">
-            <a:extLst>
-              <a:ext uri="{FF2B5EF4-FFF2-40B4-BE49-F238E27FC236}">
-                <a16:creationId xmlns:a16="http://schemas.microsoft.com/office/drawing/2014/main" id="{4F665246-851F-C04E-874F-45C9D7F77B6A}"/>
-              </a:ext>
-            </a:extLst>
-          </p:cNvPr>
-          <p:cNvSpPr txBox="1"/>
-          <p:nvPr/>
-        </p:nvSpPr>
-        <p:spPr>
-          <a:xfrm>
-            <a:off x="2216350" y="5670013"/>
-            <a:ext cx="1506374" cy="276999"/>
-          </a:xfrm>
-          <a:prstGeom prst="rect">
-            <a:avLst/>
-          </a:prstGeom>
-          <a:noFill/>
-        </p:spPr>
-        <p:txBody>
-          <a:bodyPr wrap="none" rtlCol="0">
-            <a:spAutoFit/>
-          </a:bodyPr>
-          <a:lstStyle/>
-          <a:p>
-            <a:r>
-              <a:rPr lang="en-US" sz="1200" dirty="0"/>
-              <a:t>Python Programming</a:t>
-            </a:r>
-          </a:p>
-        </p:txBody>
-      </p:sp>
-      <p:sp>
-        <p:nvSpPr>
-          <p:cNvPr id="14" name="TextBox 13">
-            <a:extLst>
-              <a:ext uri="{FF2B5EF4-FFF2-40B4-BE49-F238E27FC236}">
-                <a16:creationId xmlns:a16="http://schemas.microsoft.com/office/drawing/2014/main" id="{A917DF13-0871-7A43-8F35-8FB1E0BC7B3B}"/>
-              </a:ext>
-            </a:extLst>
-          </p:cNvPr>
-          <p:cNvSpPr txBox="1"/>
-          <p:nvPr/>
-        </p:nvSpPr>
-        <p:spPr>
-          <a:xfrm>
-            <a:off x="8136423" y="4890214"/>
-            <a:ext cx="1492268" cy="369332"/>
-          </a:xfrm>
-          <a:prstGeom prst="rect">
-            <a:avLst/>
-          </a:prstGeom>
-          <a:noFill/>
-        </p:spPr>
-        <p:txBody>
-          <a:bodyPr wrap="none" rtlCol="0">
-            <a:spAutoFit/>
-          </a:bodyPr>
-          <a:lstStyle/>
-          <a:p>
-            <a:r>
-              <a:rPr lang="en-US" dirty="0"/>
-              <a:t>Motor Drivers</a:t>
-            </a:r>
-          </a:p>
-        </p:txBody>
-      </p:sp>
-      <p:sp>
-        <p:nvSpPr>
-          <p:cNvPr id="16" name="Rectangle 15">
-            <a:extLst>
-              <a:ext uri="{FF2B5EF4-FFF2-40B4-BE49-F238E27FC236}">
-                <a16:creationId xmlns:a16="http://schemas.microsoft.com/office/drawing/2014/main" id="{6EF79FF3-A372-FD43-B7BF-DEA0492AC413}"/>
-              </a:ext>
-            </a:extLst>
-          </p:cNvPr>
-          <p:cNvSpPr/>
-          <p:nvPr/>
-        </p:nvSpPr>
-        <p:spPr>
-          <a:xfrm>
-            <a:off x="2748919" y="3992729"/>
-            <a:ext cx="1547218" cy="369332"/>
-          </a:xfrm>
-          <a:prstGeom prst="rect">
-            <a:avLst/>
-          </a:prstGeom>
-        </p:spPr>
-        <p:txBody>
-          <a:bodyPr wrap="none">
-            <a:spAutoFit/>
-          </a:bodyPr>
-          <a:lstStyle/>
-          <a:p>
-            <a:r>
-              <a:rPr lang="en-US" dirty="0">
-                <a:solidFill>
-                  <a:schemeClr val="bg1"/>
-                </a:solidFill>
-              </a:rPr>
-              <a:t>Base Bot ($25)</a:t>
-            </a:r>
-          </a:p>
-        </p:txBody>
-      </p:sp>
-      <p:sp>
-        <p:nvSpPr>
-          <p:cNvPr id="20" name="TextBox 19">
-            <a:extLst>
-              <a:ext uri="{FF2B5EF4-FFF2-40B4-BE49-F238E27FC236}">
-                <a16:creationId xmlns:a16="http://schemas.microsoft.com/office/drawing/2014/main" id="{F89B6E15-89F0-8647-86CC-2E7D87DEF692}"/>
-              </a:ext>
-            </a:extLst>
-          </p:cNvPr>
-          <p:cNvSpPr txBox="1"/>
-          <p:nvPr/>
-        </p:nvSpPr>
-        <p:spPr>
-          <a:xfrm>
-            <a:off x="6839929" y="4859613"/>
-            <a:ext cx="705642" cy="369332"/>
-          </a:xfrm>
-          <a:prstGeom prst="rect">
-            <a:avLst/>
-          </a:prstGeom>
-          <a:noFill/>
-        </p:spPr>
-        <p:txBody>
-          <a:bodyPr wrap="none" rtlCol="0">
-            <a:spAutoFit/>
-          </a:bodyPr>
-          <a:lstStyle/>
-          <a:p>
-            <a:r>
-              <a:rPr lang="en-US" dirty="0"/>
-              <a:t>PWM</a:t>
-            </a:r>
-          </a:p>
-        </p:txBody>
-      </p:sp>
-      <p:sp>
-        <p:nvSpPr>
-          <p:cNvPr id="21" name="TextBox 20">
-            <a:extLst>
-              <a:ext uri="{FF2B5EF4-FFF2-40B4-BE49-F238E27FC236}">
-                <a16:creationId xmlns:a16="http://schemas.microsoft.com/office/drawing/2014/main" id="{DDD0DD98-2E3B-F740-9EDA-85DC229CF020}"/>
-              </a:ext>
-            </a:extLst>
-          </p:cNvPr>
-          <p:cNvSpPr txBox="1"/>
-          <p:nvPr/>
-        </p:nvSpPr>
-        <p:spPr>
-          <a:xfrm>
-            <a:off x="4436242" y="3158728"/>
-            <a:ext cx="1539973" cy="369332"/>
-          </a:xfrm>
-          <a:prstGeom prst="rect">
-            <a:avLst/>
-          </a:prstGeom>
-          <a:noFill/>
-        </p:spPr>
-        <p:txBody>
-          <a:bodyPr wrap="none" rtlCol="0">
-            <a:spAutoFit/>
-          </a:bodyPr>
-          <a:lstStyle/>
-          <a:p>
-            <a:r>
-              <a:rPr lang="en-US" dirty="0"/>
-              <a:t>OLED, Speaker</a:t>
-            </a:r>
-          </a:p>
-        </p:txBody>
-      </p:sp>
-      <p:sp>
-        <p:nvSpPr>
-          <p:cNvPr id="25" name="TextBox 24">
-            <a:extLst>
-              <a:ext uri="{FF2B5EF4-FFF2-40B4-BE49-F238E27FC236}">
-                <a16:creationId xmlns:a16="http://schemas.microsoft.com/office/drawing/2014/main" id="{03D47F35-9989-8848-8038-304276384654}"/>
-              </a:ext>
-            </a:extLst>
-          </p:cNvPr>
-          <p:cNvSpPr txBox="1"/>
-          <p:nvPr/>
-        </p:nvSpPr>
-        <p:spPr>
-          <a:xfrm>
-            <a:off x="4272909" y="3991557"/>
-            <a:ext cx="2000869" cy="369332"/>
-          </a:xfrm>
-          <a:prstGeom prst="rect">
-            <a:avLst/>
-          </a:prstGeom>
-          <a:noFill/>
-        </p:spPr>
-        <p:txBody>
-          <a:bodyPr wrap="none" rtlCol="0">
-            <a:spAutoFit/>
-          </a:bodyPr>
-          <a:lstStyle/>
-          <a:p>
-            <a:r>
-              <a:rPr lang="en-US" dirty="0"/>
-              <a:t>Collision Avoidance</a:t>
-            </a:r>
           </a:p>
         </p:txBody>
       </p:sp>
       <p:pic>
         <p:nvPicPr>
-          <p:cNvPr id="1028" name="Picture 4">
-            <a:extLst>
-              <a:ext uri="{FF2B5EF4-FFF2-40B4-BE49-F238E27FC236}">
-                <a16:creationId xmlns:a16="http://schemas.microsoft.com/office/drawing/2014/main" id="{BB58B3A3-13BC-F34B-B058-5D123A116A46}"/>
-              </a:ext>
-            </a:extLst>
-          </p:cNvPr>
-          <p:cNvPicPr>
-            <a:picLocks noChangeAspect="1" noChangeArrowheads="1"/>
-          </p:cNvPicPr>
+          <p:cNvPr id="4" name="Google Shape;356;p42">
+            <a:extLst>
+              <a:ext uri="{FF2B5EF4-FFF2-40B4-BE49-F238E27FC236}">
+                <a16:creationId xmlns:a16="http://schemas.microsoft.com/office/drawing/2014/main" id="{60B15BC8-738F-EF40-B125-356C66B73168}"/>
+              </a:ext>
+            </a:extLst>
+          </p:cNvPr>
+          <p:cNvPicPr preferRelativeResize="0"/>
           <p:nvPr/>
         </p:nvPicPr>
         <p:blipFill>
-          <a:blip r:embed="rId3">
-            <a:clrChange>
-              <a:clrFrom>
-                <a:srgbClr val="FFFFFF"/>
-              </a:clrFrom>
-              <a:clrTo>
-                <a:srgbClr val="FFFFFF">
-                  <a:alpha val="0"/>
-                </a:srgbClr>
-              </a:clrTo>
-            </a:clrChange>
-            <a:extLst>
-              <a:ext uri="{28A0092B-C50C-407E-A947-70E740481C1C}">
-                <a14:useLocalDpi xmlns:a14="http://schemas.microsoft.com/office/drawing/2010/main" val="0"/>
-              </a:ext>
-            </a:extLst>
+          <a:blip r:embed="rId2">
+            <a:alphaModFix/>
           </a:blip>
-          <a:srcRect/>
           <a:stretch>
             <a:fillRect/>
           </a:stretch>
         </p:blipFill>
-        <p:spPr bwMode="auto">
-          <a:xfrm>
-            <a:off x="8085984" y="869731"/>
-            <a:ext cx="1103219" cy="982864"/>
+        <p:spPr>
+          <a:xfrm>
+            <a:off x="4197717" y="2152350"/>
+            <a:ext cx="2895600" cy="2790825"/>
           </a:xfrm>
           <a:prstGeom prst="rect">
             <a:avLst/>
           </a:prstGeom>
           <a:noFill/>
-          <a:extLst>
-            <a:ext uri="{909E8E84-426E-40DD-AFC4-6F175D3DCCD1}">
-              <a14:hiddenFill xmlns:a14="http://schemas.microsoft.com/office/drawing/2010/main">
-                <a:solidFill>
-                  <a:srgbClr val="FFFFFF"/>
-                </a:solidFill>
-              </a14:hiddenFill>
-            </a:ext>
-          </a:extLst>
+          <a:ln>
+            <a:noFill/>
+          </a:ln>
         </p:spPr>
       </p:pic>
       <p:sp>
         <p:nvSpPr>
-          <p:cNvPr id="24" name="TextBox 23">
-            <a:extLst>
-              <a:ext uri="{FF2B5EF4-FFF2-40B4-BE49-F238E27FC236}">
-                <a16:creationId xmlns:a16="http://schemas.microsoft.com/office/drawing/2014/main" id="{D6560AE4-09A3-D14F-9A42-C73B8261BE1E}"/>
+          <p:cNvPr id="5" name="Google Shape;357;p42">
+            <a:extLst>
+              <a:ext uri="{FF2B5EF4-FFF2-40B4-BE49-F238E27FC236}">
+                <a16:creationId xmlns:a16="http://schemas.microsoft.com/office/drawing/2014/main" id="{02867DF8-6FFE-4C46-8676-C05976074B63}"/>
               </a:ext>
             </a:extLst>
           </p:cNvPr>
@@ -4681,8 +3530,574 @@
         </p:nvSpPr>
         <p:spPr>
           <a:xfrm>
-            <a:off x="8071502" y="1766107"/>
-            <a:ext cx="1200072" cy="369332"/>
+            <a:off x="4968267" y="1255825"/>
+            <a:ext cx="1354500" cy="534900"/>
+          </a:xfrm>
+          <a:prstGeom prst="rect">
+            <a:avLst/>
+          </a:prstGeom>
+          <a:noFill/>
+          <a:ln>
+            <a:noFill/>
+          </a:ln>
+        </p:spPr>
+        <p:txBody>
+          <a:bodyPr spcFirstLastPara="1" wrap="square" lIns="91425" tIns="91425" rIns="91425" bIns="91425" anchor="t" anchorCtr="0">
+            <a:noAutofit/>
+          </a:bodyPr>
+          <a:lstStyle/>
+          <a:p>
+            <a:pPr marL="0" lvl="0" indent="0" algn="ctr" rtl="0">
+              <a:spcBef>
+                <a:spcPts val="0"/>
+              </a:spcBef>
+              <a:spcAft>
+                <a:spcPts val="0"/>
+              </a:spcAft>
+              <a:buNone/>
+            </a:pPr>
+            <a:r>
+              <a:rPr lang="en" dirty="0"/>
+              <a:t>Power Rail</a:t>
+            </a:r>
+            <a:endParaRPr dirty="0"/>
+          </a:p>
+          <a:p>
+            <a:pPr marL="0" lvl="0" indent="0" algn="ctr" rtl="0">
+              <a:spcBef>
+                <a:spcPts val="0"/>
+              </a:spcBef>
+              <a:spcAft>
+                <a:spcPts val="0"/>
+              </a:spcAft>
+              <a:buNone/>
+            </a:pPr>
+            <a:r>
+              <a:rPr lang="en" dirty="0"/>
+              <a:t>Columns</a:t>
+            </a:r>
+            <a:endParaRPr dirty="0"/>
+          </a:p>
+          <a:p>
+            <a:pPr marL="0" lvl="0" indent="0" algn="ctr" rtl="0">
+              <a:spcBef>
+                <a:spcPts val="0"/>
+              </a:spcBef>
+              <a:spcAft>
+                <a:spcPts val="0"/>
+              </a:spcAft>
+              <a:buNone/>
+            </a:pPr>
+            <a:r>
+              <a:rPr lang="en" dirty="0"/>
+              <a:t>(Bus Strips)</a:t>
+            </a:r>
+            <a:endParaRPr dirty="0"/>
+          </a:p>
+        </p:txBody>
+      </p:sp>
+      <p:cxnSp>
+        <p:nvCxnSpPr>
+          <p:cNvPr id="6" name="Google Shape;358;p42">
+            <a:extLst>
+              <a:ext uri="{FF2B5EF4-FFF2-40B4-BE49-F238E27FC236}">
+                <a16:creationId xmlns:a16="http://schemas.microsoft.com/office/drawing/2014/main" id="{46918BB0-E43B-D744-9FEC-8199CC941103}"/>
+              </a:ext>
+            </a:extLst>
+          </p:cNvPr>
+          <p:cNvCxnSpPr>
+            <a:stCxn id="5" idx="1"/>
+          </p:cNvCxnSpPr>
+          <p:nvPr/>
+        </p:nvCxnSpPr>
+        <p:spPr>
+          <a:xfrm flipH="1">
+            <a:off x="4448067" y="1523275"/>
+            <a:ext cx="520200" cy="750900"/>
+          </a:xfrm>
+          <a:prstGeom prst="straightConnector1">
+            <a:avLst/>
+          </a:prstGeom>
+          <a:noFill/>
+          <a:ln w="38100" cap="flat" cmpd="sng">
+            <a:solidFill>
+              <a:schemeClr val="bg1">
+                <a:lumMod val="50000"/>
+              </a:schemeClr>
+            </a:solidFill>
+            <a:prstDash val="solid"/>
+            <a:round/>
+            <a:headEnd type="none" w="med" len="med"/>
+            <a:tailEnd type="triangle" w="med" len="med"/>
+          </a:ln>
+        </p:spPr>
+      </p:cxnSp>
+      <p:cxnSp>
+        <p:nvCxnSpPr>
+          <p:cNvPr id="7" name="Google Shape;359;p42">
+            <a:extLst>
+              <a:ext uri="{FF2B5EF4-FFF2-40B4-BE49-F238E27FC236}">
+                <a16:creationId xmlns:a16="http://schemas.microsoft.com/office/drawing/2014/main" id="{97EF414F-11C7-964C-9649-668DC4442BA3}"/>
+              </a:ext>
+            </a:extLst>
+          </p:cNvPr>
+          <p:cNvCxnSpPr>
+            <a:cxnSpLocks/>
+          </p:cNvCxnSpPr>
+          <p:nvPr/>
+        </p:nvCxnSpPr>
+        <p:spPr>
+          <a:xfrm>
+            <a:off x="6243929" y="1523275"/>
+            <a:ext cx="633600" cy="750900"/>
+          </a:xfrm>
+          <a:prstGeom prst="straightConnector1">
+            <a:avLst/>
+          </a:prstGeom>
+          <a:noFill/>
+          <a:ln w="38100" cap="flat" cmpd="sng">
+            <a:solidFill>
+              <a:schemeClr val="bg1">
+                <a:lumMod val="50000"/>
+              </a:schemeClr>
+            </a:solidFill>
+            <a:prstDash val="solid"/>
+            <a:round/>
+            <a:headEnd type="none" w="med" len="med"/>
+            <a:tailEnd type="triangle" w="med" len="med"/>
+          </a:ln>
+        </p:spPr>
+      </p:cxnSp>
+      <p:cxnSp>
+        <p:nvCxnSpPr>
+          <p:cNvPr id="8" name="Google Shape;360;p42">
+            <a:extLst>
+              <a:ext uri="{FF2B5EF4-FFF2-40B4-BE49-F238E27FC236}">
+                <a16:creationId xmlns:a16="http://schemas.microsoft.com/office/drawing/2014/main" id="{FFE00851-8064-9F42-9CBB-8B062CA7BFD3}"/>
+              </a:ext>
+            </a:extLst>
+          </p:cNvPr>
+          <p:cNvCxnSpPr/>
+          <p:nvPr/>
+        </p:nvCxnSpPr>
+        <p:spPr>
+          <a:xfrm rot="10800000">
+            <a:off x="5598642" y="4372479"/>
+            <a:ext cx="2002500" cy="716400"/>
+          </a:xfrm>
+          <a:prstGeom prst="straightConnector1">
+            <a:avLst/>
+          </a:prstGeom>
+          <a:noFill/>
+          <a:ln w="38100" cap="flat" cmpd="sng">
+            <a:solidFill>
+              <a:schemeClr val="bg1">
+                <a:lumMod val="50000"/>
+              </a:schemeClr>
+            </a:solidFill>
+            <a:prstDash val="solid"/>
+            <a:round/>
+            <a:headEnd type="none" w="med" len="med"/>
+            <a:tailEnd type="triangle" w="med" len="med"/>
+          </a:ln>
+        </p:spPr>
+      </p:cxnSp>
+      <p:sp>
+        <p:nvSpPr>
+          <p:cNvPr id="9" name="Google Shape;361;p42">
+            <a:extLst>
+              <a:ext uri="{FF2B5EF4-FFF2-40B4-BE49-F238E27FC236}">
+                <a16:creationId xmlns:a16="http://schemas.microsoft.com/office/drawing/2014/main" id="{2079B3CC-85B4-794B-BCF2-FA235EE8A87C}"/>
+              </a:ext>
+            </a:extLst>
+          </p:cNvPr>
+          <p:cNvSpPr txBox="1"/>
+          <p:nvPr/>
+        </p:nvSpPr>
+        <p:spPr>
+          <a:xfrm>
+            <a:off x="7640810" y="4679562"/>
+            <a:ext cx="2249485" cy="637625"/>
+          </a:xfrm>
+          <a:prstGeom prst="rect">
+            <a:avLst/>
+          </a:prstGeom>
+          <a:noFill/>
+          <a:ln>
+            <a:noFill/>
+          </a:ln>
+        </p:spPr>
+        <p:txBody>
+          <a:bodyPr spcFirstLastPara="1" wrap="square" lIns="91425" tIns="91425" rIns="91425" bIns="91425" anchor="t" anchorCtr="0">
+            <a:noAutofit/>
+          </a:bodyPr>
+          <a:lstStyle/>
+          <a:p>
+            <a:pPr marL="0" lvl="0" indent="0" algn="l" rtl="0">
+              <a:spcBef>
+                <a:spcPts val="0"/>
+              </a:spcBef>
+              <a:spcAft>
+                <a:spcPts val="0"/>
+              </a:spcAft>
+              <a:buNone/>
+            </a:pPr>
+            <a:r>
+              <a:rPr lang="en" dirty="0"/>
+              <a:t>component slot (center trough)</a:t>
+            </a:r>
+            <a:endParaRPr dirty="0"/>
+          </a:p>
+        </p:txBody>
+      </p:sp>
+      <p:cxnSp>
+        <p:nvCxnSpPr>
+          <p:cNvPr id="10" name="Google Shape;362;p42">
+            <a:extLst>
+              <a:ext uri="{FF2B5EF4-FFF2-40B4-BE49-F238E27FC236}">
+                <a16:creationId xmlns:a16="http://schemas.microsoft.com/office/drawing/2014/main" id="{3F4F08F7-4E64-6940-8D4E-8688B3B1E43F}"/>
+              </a:ext>
+            </a:extLst>
+          </p:cNvPr>
+          <p:cNvCxnSpPr/>
+          <p:nvPr/>
+        </p:nvCxnSpPr>
+        <p:spPr>
+          <a:xfrm>
+            <a:off x="3511352" y="2193234"/>
+            <a:ext cx="793500" cy="274800"/>
+          </a:xfrm>
+          <a:prstGeom prst="straightConnector1">
+            <a:avLst/>
+          </a:prstGeom>
+          <a:noFill/>
+          <a:ln w="38100" cap="flat" cmpd="sng">
+            <a:solidFill>
+              <a:srgbClr val="FF0000"/>
+            </a:solidFill>
+            <a:prstDash val="solid"/>
+            <a:round/>
+            <a:headEnd type="none" w="med" len="med"/>
+            <a:tailEnd type="triangle" w="med" len="med"/>
+          </a:ln>
+        </p:spPr>
+      </p:cxnSp>
+      <p:sp>
+        <p:nvSpPr>
+          <p:cNvPr id="11" name="Google Shape;363;p42">
+            <a:extLst>
+              <a:ext uri="{FF2B5EF4-FFF2-40B4-BE49-F238E27FC236}">
+                <a16:creationId xmlns:a16="http://schemas.microsoft.com/office/drawing/2014/main" id="{F9827D10-0F24-A849-8381-9F214379F1C9}"/>
+              </a:ext>
+            </a:extLst>
+          </p:cNvPr>
+          <p:cNvSpPr txBox="1"/>
+          <p:nvPr/>
+        </p:nvSpPr>
+        <p:spPr>
+          <a:xfrm>
+            <a:off x="2235690" y="1944284"/>
+            <a:ext cx="1414534" cy="361500"/>
+          </a:xfrm>
+          <a:prstGeom prst="rect">
+            <a:avLst/>
+          </a:prstGeom>
+          <a:noFill/>
+          <a:ln>
+            <a:noFill/>
+          </a:ln>
+        </p:spPr>
+        <p:txBody>
+          <a:bodyPr spcFirstLastPara="1" wrap="square" lIns="91425" tIns="91425" rIns="91425" bIns="91425" anchor="t" anchorCtr="0">
+            <a:noAutofit/>
+          </a:bodyPr>
+          <a:lstStyle/>
+          <a:p>
+            <a:pPr marL="0" lvl="0" indent="0" algn="l" rtl="0">
+              <a:spcBef>
+                <a:spcPts val="0"/>
+              </a:spcBef>
+              <a:spcAft>
+                <a:spcPts val="0"/>
+              </a:spcAft>
+              <a:buNone/>
+            </a:pPr>
+            <a:r>
+              <a:rPr lang="en" dirty="0"/>
+              <a:t>Red for +5 V</a:t>
+            </a:r>
+            <a:endParaRPr dirty="0"/>
+          </a:p>
+        </p:txBody>
+      </p:sp>
+      <p:sp>
+        <p:nvSpPr>
+          <p:cNvPr id="12" name="Google Shape;364;p42">
+            <a:extLst>
+              <a:ext uri="{FF2B5EF4-FFF2-40B4-BE49-F238E27FC236}">
+                <a16:creationId xmlns:a16="http://schemas.microsoft.com/office/drawing/2014/main" id="{D7EEDA11-4CAB-F74A-873F-321DD00E7D85}"/>
+              </a:ext>
+            </a:extLst>
+          </p:cNvPr>
+          <p:cNvSpPr txBox="1"/>
+          <p:nvPr/>
+        </p:nvSpPr>
+        <p:spPr>
+          <a:xfrm>
+            <a:off x="7640816" y="1843350"/>
+            <a:ext cx="2451289" cy="416700"/>
+          </a:xfrm>
+          <a:prstGeom prst="rect">
+            <a:avLst/>
+          </a:prstGeom>
+          <a:noFill/>
+          <a:ln>
+            <a:noFill/>
+          </a:ln>
+        </p:spPr>
+        <p:txBody>
+          <a:bodyPr spcFirstLastPara="1" wrap="square" lIns="91425" tIns="91425" rIns="91425" bIns="91425" anchor="t" anchorCtr="0">
+            <a:noAutofit/>
+          </a:bodyPr>
+          <a:lstStyle/>
+          <a:p>
+            <a:pPr marL="0" lvl="0" indent="0" algn="l" rtl="0">
+              <a:spcBef>
+                <a:spcPts val="0"/>
+              </a:spcBef>
+              <a:spcAft>
+                <a:spcPts val="0"/>
+              </a:spcAft>
+              <a:buNone/>
+            </a:pPr>
+            <a:r>
+              <a:rPr lang="en" dirty="0"/>
+              <a:t>Blue (Black) for GND</a:t>
+            </a:r>
+            <a:endParaRPr dirty="0"/>
+          </a:p>
+        </p:txBody>
+      </p:sp>
+      <p:cxnSp>
+        <p:nvCxnSpPr>
+          <p:cNvPr id="13" name="Google Shape;365;p42">
+            <a:extLst>
+              <a:ext uri="{FF2B5EF4-FFF2-40B4-BE49-F238E27FC236}">
+                <a16:creationId xmlns:a16="http://schemas.microsoft.com/office/drawing/2014/main" id="{7AB0F15F-09E0-E24F-B7B9-D9D0AE3805D4}"/>
+              </a:ext>
+            </a:extLst>
+          </p:cNvPr>
+          <p:cNvCxnSpPr/>
+          <p:nvPr/>
+        </p:nvCxnSpPr>
+        <p:spPr>
+          <a:xfrm flipH="1">
+            <a:off x="6956367" y="2247149"/>
+            <a:ext cx="1152600" cy="416700"/>
+          </a:xfrm>
+          <a:prstGeom prst="straightConnector1">
+            <a:avLst/>
+          </a:prstGeom>
+          <a:noFill/>
+          <a:ln w="38100" cap="flat" cmpd="sng">
+            <a:solidFill>
+              <a:srgbClr val="0000FF"/>
+            </a:solidFill>
+            <a:prstDash val="solid"/>
+            <a:round/>
+            <a:headEnd type="none" w="med" len="med"/>
+            <a:tailEnd type="triangle" w="med" len="med"/>
+          </a:ln>
+        </p:spPr>
+      </p:cxnSp>
+      <p:cxnSp>
+        <p:nvCxnSpPr>
+          <p:cNvPr id="14" name="Google Shape;366;p42">
+            <a:extLst>
+              <a:ext uri="{FF2B5EF4-FFF2-40B4-BE49-F238E27FC236}">
+                <a16:creationId xmlns:a16="http://schemas.microsoft.com/office/drawing/2014/main" id="{C3C9AB67-1101-9C45-B3FC-FBA8948417FE}"/>
+              </a:ext>
+            </a:extLst>
+          </p:cNvPr>
+          <p:cNvCxnSpPr/>
+          <p:nvPr/>
+        </p:nvCxnSpPr>
+        <p:spPr>
+          <a:xfrm rot="10800000" flipH="1">
+            <a:off x="4043817" y="4432841"/>
+            <a:ext cx="808500" cy="364200"/>
+          </a:xfrm>
+          <a:prstGeom prst="straightConnector1">
+            <a:avLst/>
+          </a:prstGeom>
+          <a:noFill/>
+          <a:ln w="38100" cap="flat" cmpd="sng">
+            <a:solidFill>
+              <a:schemeClr val="bg1">
+                <a:lumMod val="50000"/>
+              </a:schemeClr>
+            </a:solidFill>
+            <a:prstDash val="solid"/>
+            <a:round/>
+            <a:headEnd type="none" w="med" len="med"/>
+            <a:tailEnd type="triangle" w="med" len="med"/>
+          </a:ln>
+        </p:spPr>
+      </p:cxnSp>
+      <p:sp>
+        <p:nvSpPr>
+          <p:cNvPr id="15" name="Google Shape;367;p42">
+            <a:extLst>
+              <a:ext uri="{FF2B5EF4-FFF2-40B4-BE49-F238E27FC236}">
+                <a16:creationId xmlns:a16="http://schemas.microsoft.com/office/drawing/2014/main" id="{9A183A06-3A91-2646-8561-8DE81F6252D8}"/>
+              </a:ext>
+            </a:extLst>
+          </p:cNvPr>
+          <p:cNvSpPr txBox="1"/>
+          <p:nvPr/>
+        </p:nvSpPr>
+        <p:spPr>
+          <a:xfrm>
+            <a:off x="1317839" y="4588692"/>
+            <a:ext cx="2725977" cy="416700"/>
+          </a:xfrm>
+          <a:prstGeom prst="rect">
+            <a:avLst/>
+          </a:prstGeom>
+          <a:noFill/>
+          <a:ln>
+            <a:noFill/>
+          </a:ln>
+        </p:spPr>
+        <p:txBody>
+          <a:bodyPr spcFirstLastPara="1" wrap="square" lIns="91425" tIns="91425" rIns="91425" bIns="91425" anchor="t" anchorCtr="0">
+            <a:noAutofit/>
+          </a:bodyPr>
+          <a:lstStyle/>
+          <a:p>
+            <a:pPr marL="0" lvl="0" indent="0" algn="r" rtl="0">
+              <a:spcBef>
+                <a:spcPts val="0"/>
+              </a:spcBef>
+              <a:spcAft>
+                <a:spcPts val="0"/>
+              </a:spcAft>
+              <a:buNone/>
+            </a:pPr>
+            <a:r>
+              <a:rPr lang="en-US" dirty="0"/>
+              <a:t>I</a:t>
+            </a:r>
+            <a:r>
+              <a:rPr lang="en" dirty="0"/>
+              <a:t>internal row</a:t>
+            </a:r>
+            <a:r>
+              <a:rPr lang="en" b="1" dirty="0"/>
+              <a:t> connectors</a:t>
+            </a:r>
+            <a:endParaRPr b="1" dirty="0"/>
+          </a:p>
+        </p:txBody>
+      </p:sp>
+      <p:sp>
+        <p:nvSpPr>
+          <p:cNvPr id="16" name="Google Shape;363;p42">
+            <a:extLst>
+              <a:ext uri="{FF2B5EF4-FFF2-40B4-BE49-F238E27FC236}">
+                <a16:creationId xmlns:a16="http://schemas.microsoft.com/office/drawing/2014/main" id="{88103EED-8C8C-5C41-B7DC-FE9C795E4ACA}"/>
+              </a:ext>
+            </a:extLst>
+          </p:cNvPr>
+          <p:cNvSpPr txBox="1"/>
+          <p:nvPr/>
+        </p:nvSpPr>
+        <p:spPr>
+          <a:xfrm>
+            <a:off x="7439005" y="2960461"/>
+            <a:ext cx="2451290" cy="361500"/>
+          </a:xfrm>
+          <a:prstGeom prst="rect">
+            <a:avLst/>
+          </a:prstGeom>
+          <a:noFill/>
+          <a:ln>
+            <a:noFill/>
+          </a:ln>
+        </p:spPr>
+        <p:txBody>
+          <a:bodyPr spcFirstLastPara="1" wrap="square" lIns="91425" tIns="91425" rIns="91425" bIns="91425" anchor="t" anchorCtr="0">
+            <a:noAutofit/>
+          </a:bodyPr>
+          <a:lstStyle/>
+          <a:p>
+            <a:pPr marL="0" lvl="0" indent="0" algn="l" rtl="0">
+              <a:spcBef>
+                <a:spcPts val="0"/>
+              </a:spcBef>
+              <a:spcAft>
+                <a:spcPts val="0"/>
+              </a:spcAft>
+              <a:buNone/>
+            </a:pPr>
+            <a:r>
+              <a:rPr lang="en" dirty="0"/>
+              <a:t>Red column for 3.3 V</a:t>
+            </a:r>
+            <a:endParaRPr dirty="0"/>
+          </a:p>
+        </p:txBody>
+      </p:sp>
+      <p:cxnSp>
+        <p:nvCxnSpPr>
+          <p:cNvPr id="17" name="Google Shape;362;p42">
+            <a:extLst>
+              <a:ext uri="{FF2B5EF4-FFF2-40B4-BE49-F238E27FC236}">
+                <a16:creationId xmlns:a16="http://schemas.microsoft.com/office/drawing/2014/main" id="{BE6FE09E-DD1B-7A4F-A26B-FF0F94D915F6}"/>
+              </a:ext>
+            </a:extLst>
+          </p:cNvPr>
+          <p:cNvCxnSpPr>
+            <a:cxnSpLocks/>
+          </p:cNvCxnSpPr>
+          <p:nvPr/>
+        </p:nvCxnSpPr>
+        <p:spPr>
+          <a:xfrm flipH="1">
+            <a:off x="6760487" y="3295639"/>
+            <a:ext cx="1098111" cy="152400"/>
+          </a:xfrm>
+          <a:prstGeom prst="straightConnector1">
+            <a:avLst/>
+          </a:prstGeom>
+          <a:noFill/>
+          <a:ln w="38100" cap="flat" cmpd="sng">
+            <a:solidFill>
+              <a:srgbClr val="FF0000"/>
+            </a:solidFill>
+            <a:prstDash val="solid"/>
+            <a:round/>
+            <a:headEnd type="none" w="med" len="med"/>
+            <a:tailEnd type="triangle" w="med" len="med"/>
+          </a:ln>
+        </p:spPr>
+      </p:cxnSp>
+      <p:sp>
+        <p:nvSpPr>
+          <p:cNvPr id="18" name="TextBox 17">
+            <a:extLst>
+              <a:ext uri="{FF2B5EF4-FFF2-40B4-BE49-F238E27FC236}">
+                <a16:creationId xmlns:a16="http://schemas.microsoft.com/office/drawing/2014/main" id="{3345810E-C76F-A34E-99FE-AFEA12C94E03}"/>
+              </a:ext>
+            </a:extLst>
+          </p:cNvPr>
+          <p:cNvSpPr txBox="1"/>
+          <p:nvPr/>
+        </p:nvSpPr>
+        <p:spPr>
+          <a:xfrm>
+            <a:off x="1051326" y="2591808"/>
+            <a:ext cx="3114443" cy="646331"/>
           </a:xfrm>
           <a:prstGeom prst="rect">
             <a:avLst/>
@@ -4695,965 +4110,163 @@
           </a:bodyPr>
           <a:lstStyle/>
           <a:p>
+            <a:pPr algn="ctr"/>
             <a:r>
               <a:rPr lang="en-US" dirty="0"/>
-              <a:t>DonkeyCar</a:t>
-            </a:r>
-          </a:p>
-        </p:txBody>
-      </p:sp>
-      <p:sp>
-        <p:nvSpPr>
-          <p:cNvPr id="41" name="Rectangle 40">
-            <a:extLst>
-              <a:ext uri="{FF2B5EF4-FFF2-40B4-BE49-F238E27FC236}">
-                <a16:creationId xmlns:a16="http://schemas.microsoft.com/office/drawing/2014/main" id="{E92D852D-AB7C-2A46-A6F2-34F10770662B}"/>
-              </a:ext>
-            </a:extLst>
-          </p:cNvPr>
-          <p:cNvSpPr/>
-          <p:nvPr/>
-        </p:nvSpPr>
-        <p:spPr>
-          <a:xfrm>
-            <a:off x="7306542" y="2906625"/>
-            <a:ext cx="1164235" cy="658948"/>
+              <a:t>numbered</a:t>
+            </a:r>
+            <a:r>
+              <a:rPr lang="en-US" b="1" dirty="0"/>
+              <a:t> rows</a:t>
+            </a:r>
+            <a:r>
+              <a:rPr lang="en-US" dirty="0"/>
+              <a:t> run across</a:t>
+            </a:r>
+          </a:p>
+          <a:p>
+            <a:pPr algn="ctr"/>
+            <a:r>
+              <a:rPr lang="en-US" dirty="0"/>
+              <a:t>(horizontal center connections)</a:t>
+            </a:r>
+          </a:p>
+        </p:txBody>
+      </p:sp>
+      <p:cxnSp>
+        <p:nvCxnSpPr>
+          <p:cNvPr id="19" name="Google Shape;366;p42">
+            <a:extLst>
+              <a:ext uri="{FF2B5EF4-FFF2-40B4-BE49-F238E27FC236}">
+                <a16:creationId xmlns:a16="http://schemas.microsoft.com/office/drawing/2014/main" id="{D289D1A8-2C98-1746-80DB-5E044F1D5B9C}"/>
+              </a:ext>
+            </a:extLst>
+          </p:cNvPr>
+          <p:cNvCxnSpPr>
+            <a:cxnSpLocks/>
+          </p:cNvCxnSpPr>
+          <p:nvPr/>
+        </p:nvCxnSpPr>
+        <p:spPr>
+          <a:xfrm>
+            <a:off x="2088755" y="3252090"/>
+            <a:ext cx="909898" cy="1"/>
+          </a:xfrm>
+          <a:prstGeom prst="straightConnector1">
+            <a:avLst/>
+          </a:prstGeom>
+          <a:noFill/>
+          <a:ln w="38100" cap="flat" cmpd="sng">
+            <a:solidFill>
+              <a:schemeClr val="bg1">
+                <a:lumMod val="50000"/>
+              </a:schemeClr>
+            </a:solidFill>
+            <a:prstDash val="solid"/>
+            <a:round/>
+            <a:headEnd type="triangle" w="med" len="med"/>
+            <a:tailEnd type="triangle" w="med" len="med"/>
+          </a:ln>
+        </p:spPr>
+      </p:cxnSp>
+      <p:sp>
+        <p:nvSpPr>
+          <p:cNvPr id="20" name="TextBox 19">
+            <a:extLst>
+              <a:ext uri="{FF2B5EF4-FFF2-40B4-BE49-F238E27FC236}">
+                <a16:creationId xmlns:a16="http://schemas.microsoft.com/office/drawing/2014/main" id="{A163F2AE-02F7-9A4E-9E79-56D7FCABBD31}"/>
+              </a:ext>
+            </a:extLst>
+          </p:cNvPr>
+          <p:cNvSpPr txBox="1"/>
+          <p:nvPr/>
+        </p:nvSpPr>
+        <p:spPr>
+          <a:xfrm>
+            <a:off x="1129390" y="3534853"/>
+            <a:ext cx="2775705" cy="923330"/>
           </a:xfrm>
           <a:prstGeom prst="rect">
             <a:avLst/>
           </a:prstGeom>
-          <a:solidFill>
-            <a:srgbClr val="6285C4"/>
-          </a:solidFill>
-        </p:spPr>
-        <p:style>
-          <a:lnRef idx="2">
-            <a:schemeClr val="accent1">
-              <a:shade val="50000"/>
-            </a:schemeClr>
-          </a:lnRef>
-          <a:fillRef idx="1">
-            <a:schemeClr val="accent1"/>
-          </a:fillRef>
-          <a:effectRef idx="0">
-            <a:schemeClr val="accent1"/>
-          </a:effectRef>
-          <a:fontRef idx="minor">
-            <a:schemeClr val="lt1"/>
-          </a:fontRef>
-        </p:style>
-        <p:txBody>
-          <a:bodyPr rtlCol="0" anchor="t"/>
-          <a:lstStyle/>
-          <a:p>
-            <a:r>
-              <a:rPr lang="en-US" dirty="0"/>
-              <a:t>Blu Bot</a:t>
-            </a:r>
-          </a:p>
-        </p:txBody>
-      </p:sp>
-      <p:grpSp>
-        <p:nvGrpSpPr>
-          <p:cNvPr id="45" name="Group 44">
-            <a:extLst>
-              <a:ext uri="{FF2B5EF4-FFF2-40B4-BE49-F238E27FC236}">
-                <a16:creationId xmlns:a16="http://schemas.microsoft.com/office/drawing/2014/main" id="{2F4FA6EC-0F80-2241-A375-38478366800C}"/>
-              </a:ext>
-            </a:extLst>
-          </p:cNvPr>
-          <p:cNvGrpSpPr/>
-          <p:nvPr/>
-        </p:nvGrpSpPr>
-        <p:grpSpPr>
-          <a:xfrm>
-            <a:off x="2678575" y="2809945"/>
-            <a:ext cx="1437795" cy="730312"/>
-            <a:chOff x="7566251" y="4428029"/>
-            <a:chExt cx="1449991" cy="816374"/>
-          </a:xfrm>
-        </p:grpSpPr>
-        <p:pic>
-          <p:nvPicPr>
-            <p:cNvPr id="40" name="Picture 39">
-              <a:extLst>
-                <a:ext uri="{FF2B5EF4-FFF2-40B4-BE49-F238E27FC236}">
-                  <a16:creationId xmlns:a16="http://schemas.microsoft.com/office/drawing/2014/main" id="{55C52AF0-BFF2-554F-9246-62442AD429EE}"/>
-                </a:ext>
-              </a:extLst>
-            </p:cNvPr>
-            <p:cNvPicPr>
-              <a:picLocks noChangeAspect="1"/>
-            </p:cNvPicPr>
-            <p:nvPr/>
-          </p:nvPicPr>
-          <p:blipFill>
-            <a:blip r:embed="rId4"/>
-            <a:stretch>
-              <a:fillRect/>
-            </a:stretch>
-          </p:blipFill>
-          <p:spPr>
-            <a:xfrm>
-              <a:off x="7611985" y="4507803"/>
-              <a:ext cx="1404257" cy="736600"/>
-            </a:xfrm>
-            <a:prstGeom prst="rect">
-              <a:avLst/>
-            </a:prstGeom>
-          </p:spPr>
-        </p:pic>
-        <p:sp>
-          <p:nvSpPr>
-            <p:cNvPr id="43" name="TextBox 42">
-              <a:extLst>
-                <a:ext uri="{FF2B5EF4-FFF2-40B4-BE49-F238E27FC236}">
-                  <a16:creationId xmlns:a16="http://schemas.microsoft.com/office/drawing/2014/main" id="{6E1C5AC4-9CE4-3043-AD9F-AD86B297EC93}"/>
-                </a:ext>
-              </a:extLst>
-            </p:cNvPr>
-            <p:cNvSpPr txBox="1"/>
-            <p:nvPr/>
-          </p:nvSpPr>
-          <p:spPr>
-            <a:xfrm>
-              <a:off x="7566251" y="4428029"/>
-              <a:ext cx="1404257" cy="412855"/>
-            </a:xfrm>
-            <a:prstGeom prst="rect">
-              <a:avLst/>
-            </a:prstGeom>
-            <a:noFill/>
-          </p:spPr>
-          <p:txBody>
-            <a:bodyPr wrap="square" rtlCol="0">
-              <a:spAutoFit/>
-            </a:bodyPr>
-            <a:lstStyle/>
-            <a:p>
-              <a:r>
-                <a:rPr lang="en-US" dirty="0">
-                  <a:solidFill>
-                    <a:schemeClr val="bg1"/>
-                  </a:solidFill>
-                </a:rPr>
-                <a:t>Rainbow Bot</a:t>
-              </a:r>
-            </a:p>
-          </p:txBody>
-        </p:sp>
-      </p:grpSp>
-      <p:sp>
-        <p:nvSpPr>
-          <p:cNvPr id="51" name="Rectangle 50">
-            <a:extLst>
-              <a:ext uri="{FF2B5EF4-FFF2-40B4-BE49-F238E27FC236}">
-                <a16:creationId xmlns:a16="http://schemas.microsoft.com/office/drawing/2014/main" id="{8D708229-632A-E943-9DF3-DD17AA73B77D}"/>
-              </a:ext>
-            </a:extLst>
-          </p:cNvPr>
-          <p:cNvSpPr/>
-          <p:nvPr/>
-        </p:nvSpPr>
-        <p:spPr>
-          <a:xfrm>
-            <a:off x="8591920" y="2909599"/>
-            <a:ext cx="1164235" cy="658948"/>
-          </a:xfrm>
-          <a:prstGeom prst="rect">
-            <a:avLst/>
-          </a:prstGeom>
-          <a:solidFill>
-            <a:schemeClr val="accent4"/>
-          </a:solidFill>
-        </p:spPr>
-        <p:style>
-          <a:lnRef idx="2">
-            <a:schemeClr val="accent1">
-              <a:shade val="50000"/>
-            </a:schemeClr>
-          </a:lnRef>
-          <a:fillRef idx="1">
-            <a:schemeClr val="accent1"/>
-          </a:fillRef>
-          <a:effectRef idx="0">
-            <a:schemeClr val="accent1"/>
-          </a:effectRef>
-          <a:fontRef idx="minor">
-            <a:schemeClr val="lt1"/>
-          </a:fontRef>
-        </p:style>
-        <p:txBody>
-          <a:bodyPr rtlCol="0" anchor="t"/>
-          <a:lstStyle/>
-          <a:p>
-            <a:r>
-              <a:rPr lang="en-US" dirty="0"/>
-              <a:t>IR Bot</a:t>
-            </a:r>
-          </a:p>
-        </p:txBody>
-      </p:sp>
-      <p:sp>
-        <p:nvSpPr>
-          <p:cNvPr id="59" name="TextBox 58">
-            <a:extLst>
-              <a:ext uri="{FF2B5EF4-FFF2-40B4-BE49-F238E27FC236}">
-                <a16:creationId xmlns:a16="http://schemas.microsoft.com/office/drawing/2014/main" id="{CCEBDDE2-E7FB-D642-8159-04A1786DDC14}"/>
-              </a:ext>
-            </a:extLst>
-          </p:cNvPr>
-          <p:cNvSpPr txBox="1"/>
-          <p:nvPr/>
-        </p:nvSpPr>
-        <p:spPr>
-          <a:xfrm>
-            <a:off x="9274203" y="941453"/>
-            <a:ext cx="678391" cy="369332"/>
-          </a:xfrm>
-          <a:prstGeom prst="rect">
-            <a:avLst/>
-          </a:prstGeom>
           <a:noFill/>
         </p:spPr>
         <p:txBody>
-          <a:bodyPr wrap="none" rtlCol="0">
+          <a:bodyPr wrap="square" rtlCol="0">
             <a:spAutoFit/>
           </a:bodyPr>
           <a:lstStyle/>
           <a:p>
+            <a:pPr algn="ctr"/>
             <a:r>
               <a:rPr lang="en-US" dirty="0"/>
-              <a:t>Linux</a:t>
-            </a:r>
-          </a:p>
-        </p:txBody>
-      </p:sp>
-      <p:sp>
-        <p:nvSpPr>
-          <p:cNvPr id="62" name="TextBox 61">
-            <a:extLst>
-              <a:ext uri="{FF2B5EF4-FFF2-40B4-BE49-F238E27FC236}">
-                <a16:creationId xmlns:a16="http://schemas.microsoft.com/office/drawing/2014/main" id="{CF42DB76-30C5-514B-85F9-F2E17318276C}"/>
-              </a:ext>
-            </a:extLst>
-          </p:cNvPr>
-          <p:cNvSpPr txBox="1"/>
-          <p:nvPr/>
-        </p:nvSpPr>
-        <p:spPr>
-          <a:xfrm>
-            <a:off x="9942348" y="945015"/>
-            <a:ext cx="1160895" cy="369332"/>
-          </a:xfrm>
-          <a:prstGeom prst="rect">
-            <a:avLst/>
-          </a:prstGeom>
-          <a:noFill/>
-        </p:spPr>
-        <p:txBody>
-          <a:bodyPr wrap="none" rtlCol="0">
-            <a:spAutoFit/>
-          </a:bodyPr>
-          <a:lstStyle/>
-          <a:p>
+              <a:t>side</a:t>
+            </a:r>
+            <a:r>
+              <a:rPr lang="en-US" b="1" dirty="0"/>
+              <a:t> columns</a:t>
+            </a:r>
             <a:r>
               <a:rPr lang="en-US" dirty="0"/>
-              <a:t>UNIX Shell</a:t>
-            </a:r>
-          </a:p>
-        </p:txBody>
-      </p:sp>
-      <p:sp>
-        <p:nvSpPr>
-          <p:cNvPr id="63" name="TextBox 62">
-            <a:extLst>
-              <a:ext uri="{FF2B5EF4-FFF2-40B4-BE49-F238E27FC236}">
-                <a16:creationId xmlns:a16="http://schemas.microsoft.com/office/drawing/2014/main" id="{F059A1AF-AFCA-2341-96D8-B8BAD231A0F0}"/>
-              </a:ext>
-            </a:extLst>
-          </p:cNvPr>
-          <p:cNvSpPr txBox="1"/>
-          <p:nvPr/>
-        </p:nvSpPr>
-        <p:spPr>
-          <a:xfrm>
-            <a:off x="9300844" y="1317909"/>
-            <a:ext cx="994247" cy="369332"/>
-          </a:xfrm>
-          <a:prstGeom prst="rect">
-            <a:avLst/>
-          </a:prstGeom>
-          <a:noFill/>
-        </p:spPr>
-        <p:txBody>
-          <a:bodyPr wrap="none" rtlCol="0">
-            <a:spAutoFit/>
-          </a:bodyPr>
-          <a:lstStyle/>
-          <a:p>
+              <a:t> share ground</a:t>
+            </a:r>
+          </a:p>
+          <a:p>
+            <a:pPr algn="ctr"/>
             <a:r>
               <a:rPr lang="en-US" dirty="0"/>
-              <a:t>Cameras</a:t>
-            </a:r>
-          </a:p>
-        </p:txBody>
-      </p:sp>
-      <p:sp>
-        <p:nvSpPr>
-          <p:cNvPr id="64" name="TextBox 63">
-            <a:extLst>
-              <a:ext uri="{FF2B5EF4-FFF2-40B4-BE49-F238E27FC236}">
-                <a16:creationId xmlns:a16="http://schemas.microsoft.com/office/drawing/2014/main" id="{BA2521E5-2EF5-3E43-868B-0029163CED60}"/>
-              </a:ext>
-            </a:extLst>
-          </p:cNvPr>
-          <p:cNvSpPr txBox="1"/>
-          <p:nvPr/>
-        </p:nvSpPr>
-        <p:spPr>
-          <a:xfrm>
-            <a:off x="9818912" y="1599969"/>
-            <a:ext cx="1751505" cy="369332"/>
-          </a:xfrm>
-          <a:prstGeom prst="rect">
-            <a:avLst/>
-          </a:prstGeom>
-          <a:noFill/>
-        </p:spPr>
-        <p:txBody>
-          <a:bodyPr wrap="none" rtlCol="0">
-            <a:spAutoFit/>
-          </a:bodyPr>
-          <a:lstStyle/>
-          <a:p>
+              <a:t>and power</a:t>
+            </a:r>
+          </a:p>
+          <a:p>
+            <a:pPr algn="ctr"/>
             <a:r>
               <a:rPr lang="en-US" dirty="0"/>
-              <a:t>Computer Vision</a:t>
-            </a:r>
-          </a:p>
-        </p:txBody>
-      </p:sp>
-      <p:sp>
-        <p:nvSpPr>
-          <p:cNvPr id="65" name="TextBox 64">
-            <a:extLst>
-              <a:ext uri="{FF2B5EF4-FFF2-40B4-BE49-F238E27FC236}">
-                <a16:creationId xmlns:a16="http://schemas.microsoft.com/office/drawing/2014/main" id="{6A11D078-6C68-B745-83D1-ED0BC0E2FBB0}"/>
-              </a:ext>
-            </a:extLst>
-          </p:cNvPr>
-          <p:cNvSpPr txBox="1"/>
-          <p:nvPr/>
-        </p:nvSpPr>
-        <p:spPr>
-          <a:xfrm>
-            <a:off x="8850688" y="486757"/>
-            <a:ext cx="1774845" cy="369332"/>
-          </a:xfrm>
-          <a:prstGeom prst="rect">
-            <a:avLst/>
-          </a:prstGeom>
-          <a:noFill/>
-        </p:spPr>
-        <p:txBody>
-          <a:bodyPr wrap="none" rtlCol="0">
-            <a:spAutoFit/>
-          </a:bodyPr>
-          <a:lstStyle/>
-          <a:p>
-            <a:r>
-              <a:rPr lang="en-US" dirty="0"/>
-              <a:t>AI Racine League</a:t>
+              <a:t> (vertical edge connections)</a:t>
             </a:r>
           </a:p>
         </p:txBody>
       </p:sp>
       <p:cxnSp>
         <p:nvCxnSpPr>
-          <p:cNvPr id="66" name="Straight Arrow Connector 65">
-            <a:extLst>
-              <a:ext uri="{FF2B5EF4-FFF2-40B4-BE49-F238E27FC236}">
-                <a16:creationId xmlns:a16="http://schemas.microsoft.com/office/drawing/2014/main" id="{45390349-30F6-E144-917E-F71BAB3D1BFF}"/>
+          <p:cNvPr id="21" name="Google Shape;366;p42">
+            <a:extLst>
+              <a:ext uri="{FF2B5EF4-FFF2-40B4-BE49-F238E27FC236}">
+                <a16:creationId xmlns:a16="http://schemas.microsoft.com/office/drawing/2014/main" id="{91EC6E40-455B-ED4B-99DB-15CCBD9E3FDF}"/>
               </a:ext>
             </a:extLst>
           </p:cNvPr>
           <p:cNvCxnSpPr>
             <a:cxnSpLocks/>
-            <a:stCxn id="8" idx="3"/>
-            <a:endCxn id="39" idx="1"/>
           </p:cNvCxnSpPr>
           <p:nvPr/>
         </p:nvCxnSpPr>
         <p:spPr>
-          <a:xfrm>
-            <a:off x="7527874" y="1286119"/>
-            <a:ext cx="528751" cy="425352"/>
+          <a:xfrm flipV="1">
+            <a:off x="3947732" y="3688260"/>
+            <a:ext cx="9749" cy="676383"/>
           </a:xfrm>
           <a:prstGeom prst="straightConnector1">
             <a:avLst/>
           </a:prstGeom>
-          <a:ln w="57150">
+          <a:noFill/>
+          <a:ln w="38100" cap="flat" cmpd="sng">
             <a:solidFill>
-              <a:schemeClr val="tx1"/>
+              <a:schemeClr val="bg1">
+                <a:lumMod val="50000"/>
+              </a:schemeClr>
             </a:solidFill>
-            <a:tailEnd type="triangle"/>
+            <a:prstDash val="solid"/>
+            <a:round/>
+            <a:headEnd type="triangle" w="med" len="med"/>
+            <a:tailEnd type="triangle" w="med" len="med"/>
           </a:ln>
         </p:spPr>
-        <p:style>
-          <a:lnRef idx="1">
-            <a:schemeClr val="accent1"/>
-          </a:lnRef>
-          <a:fillRef idx="0">
-            <a:schemeClr val="accent1"/>
-          </a:fillRef>
-          <a:effectRef idx="0">
-            <a:schemeClr val="accent1"/>
-          </a:effectRef>
-          <a:fontRef idx="minor">
-            <a:schemeClr val="tx1"/>
-          </a:fontRef>
-        </p:style>
       </p:cxnSp>
-      <p:sp>
-        <p:nvSpPr>
-          <p:cNvPr id="69" name="TextBox 68">
-            <a:extLst>
-              <a:ext uri="{FF2B5EF4-FFF2-40B4-BE49-F238E27FC236}">
-                <a16:creationId xmlns:a16="http://schemas.microsoft.com/office/drawing/2014/main" id="{9927D69B-E593-6D45-88AB-BA0428DA8B43}"/>
-              </a:ext>
-            </a:extLst>
-          </p:cNvPr>
-          <p:cNvSpPr txBox="1"/>
-          <p:nvPr/>
-        </p:nvSpPr>
-        <p:spPr>
-          <a:xfrm>
-            <a:off x="7779912" y="4436236"/>
-            <a:ext cx="1760675" cy="369332"/>
-          </a:xfrm>
-          <a:prstGeom prst="rect">
-            <a:avLst/>
-          </a:prstGeom>
-          <a:noFill/>
-        </p:spPr>
-        <p:txBody>
-          <a:bodyPr wrap="none" rtlCol="0">
-            <a:spAutoFit/>
-          </a:bodyPr>
-          <a:lstStyle/>
-          <a:p>
-            <a:r>
-              <a:rPr lang="en-US" dirty="0"/>
-              <a:t>Distance Sensors</a:t>
-            </a:r>
-          </a:p>
-        </p:txBody>
-      </p:sp>
-      <p:sp>
-        <p:nvSpPr>
-          <p:cNvPr id="70" name="TextBox 69">
-            <a:extLst>
-              <a:ext uri="{FF2B5EF4-FFF2-40B4-BE49-F238E27FC236}">
-                <a16:creationId xmlns:a16="http://schemas.microsoft.com/office/drawing/2014/main" id="{FF6DA885-9D96-0443-8F66-DBA2F68AB14E}"/>
-              </a:ext>
-            </a:extLst>
-          </p:cNvPr>
-          <p:cNvSpPr txBox="1"/>
-          <p:nvPr/>
-        </p:nvSpPr>
-        <p:spPr>
-          <a:xfrm>
-            <a:off x="7289877" y="4009504"/>
-            <a:ext cx="2361800" cy="369332"/>
-          </a:xfrm>
-          <a:prstGeom prst="rect">
-            <a:avLst/>
-          </a:prstGeom>
-          <a:noFill/>
-        </p:spPr>
-        <p:txBody>
-          <a:bodyPr wrap="none" rtlCol="0">
-            <a:spAutoFit/>
-          </a:bodyPr>
-          <a:lstStyle/>
-          <a:p>
-            <a:r>
-              <a:rPr lang="en-US" dirty="0"/>
-              <a:t>Python Drive Functions</a:t>
-            </a:r>
-          </a:p>
-        </p:txBody>
-      </p:sp>
-      <p:sp>
-        <p:nvSpPr>
-          <p:cNvPr id="71" name="TextBox 70">
-            <a:extLst>
-              <a:ext uri="{FF2B5EF4-FFF2-40B4-BE49-F238E27FC236}">
-                <a16:creationId xmlns:a16="http://schemas.microsoft.com/office/drawing/2014/main" id="{EAC1D75E-99F2-814C-AFA4-D807BA0A693F}"/>
-              </a:ext>
-            </a:extLst>
-          </p:cNvPr>
-          <p:cNvSpPr txBox="1"/>
-          <p:nvPr/>
-        </p:nvSpPr>
-        <p:spPr>
-          <a:xfrm>
-            <a:off x="4126456" y="4870659"/>
-            <a:ext cx="2620717" cy="369332"/>
-          </a:xfrm>
-          <a:prstGeom prst="rect">
-            <a:avLst/>
-          </a:prstGeom>
-          <a:noFill/>
-        </p:spPr>
-        <p:txBody>
-          <a:bodyPr wrap="none" rtlCol="0">
-            <a:spAutoFit/>
-          </a:bodyPr>
-          <a:lstStyle/>
-          <a:p>
-            <a:r>
-              <a:rPr lang="en-US" dirty="0"/>
-              <a:t>Breadboards and Jumpers</a:t>
-            </a:r>
-          </a:p>
-        </p:txBody>
-      </p:sp>
-      <p:sp>
-        <p:nvSpPr>
-          <p:cNvPr id="72" name="TextBox 71">
-            <a:extLst>
-              <a:ext uri="{FF2B5EF4-FFF2-40B4-BE49-F238E27FC236}">
-                <a16:creationId xmlns:a16="http://schemas.microsoft.com/office/drawing/2014/main" id="{A6131FE8-BEE3-9148-AD1D-306F968634EF}"/>
-              </a:ext>
-            </a:extLst>
-          </p:cNvPr>
-          <p:cNvSpPr txBox="1"/>
-          <p:nvPr/>
-        </p:nvSpPr>
-        <p:spPr>
-          <a:xfrm>
-            <a:off x="5645686" y="4436236"/>
-            <a:ext cx="2073581" cy="369332"/>
-          </a:xfrm>
-          <a:prstGeom prst="rect">
-            <a:avLst/>
-          </a:prstGeom>
-          <a:noFill/>
-        </p:spPr>
-        <p:txBody>
-          <a:bodyPr wrap="none" rtlCol="0">
-            <a:spAutoFit/>
-          </a:bodyPr>
-          <a:lstStyle/>
-          <a:p>
-            <a:r>
-              <a:rPr lang="en-US" dirty="0"/>
-              <a:t>Batteries and Power</a:t>
-            </a:r>
-          </a:p>
-        </p:txBody>
-      </p:sp>
-      <p:sp>
-        <p:nvSpPr>
-          <p:cNvPr id="76" name="TextBox 75">
-            <a:extLst>
-              <a:ext uri="{FF2B5EF4-FFF2-40B4-BE49-F238E27FC236}">
-                <a16:creationId xmlns:a16="http://schemas.microsoft.com/office/drawing/2014/main" id="{F6B8F67E-7FD8-3940-92D9-CC03CAF6921E}"/>
-              </a:ext>
-            </a:extLst>
-          </p:cNvPr>
-          <p:cNvSpPr txBox="1"/>
-          <p:nvPr/>
-        </p:nvSpPr>
-        <p:spPr>
-          <a:xfrm>
-            <a:off x="9163346" y="1894510"/>
-            <a:ext cx="1864613" cy="369332"/>
-          </a:xfrm>
-          <a:prstGeom prst="rect">
-            <a:avLst/>
-          </a:prstGeom>
-          <a:noFill/>
-        </p:spPr>
-        <p:txBody>
-          <a:bodyPr wrap="none" rtlCol="0">
-            <a:spAutoFit/>
-          </a:bodyPr>
-          <a:lstStyle/>
-          <a:p>
-            <a:r>
-              <a:rPr lang="en-US" dirty="0"/>
-              <a:t>Machine Learning</a:t>
-            </a:r>
-          </a:p>
-        </p:txBody>
-      </p:sp>
-      <p:sp>
-        <p:nvSpPr>
-          <p:cNvPr id="77" name="TextBox 76">
-            <a:extLst>
-              <a:ext uri="{FF2B5EF4-FFF2-40B4-BE49-F238E27FC236}">
-                <a16:creationId xmlns:a16="http://schemas.microsoft.com/office/drawing/2014/main" id="{28AA9D13-D90B-F546-A8D7-C9982C092F08}"/>
-              </a:ext>
-            </a:extLst>
-          </p:cNvPr>
-          <p:cNvSpPr txBox="1"/>
-          <p:nvPr/>
-        </p:nvSpPr>
-        <p:spPr>
-          <a:xfrm>
-            <a:off x="11074107" y="2176465"/>
-            <a:ext cx="686406" cy="369332"/>
-          </a:xfrm>
-          <a:prstGeom prst="rect">
-            <a:avLst/>
-          </a:prstGeom>
-          <a:noFill/>
-        </p:spPr>
-        <p:txBody>
-          <a:bodyPr wrap="none" rtlCol="0">
-            <a:spAutoFit/>
-          </a:bodyPr>
-          <a:lstStyle/>
-          <a:p>
-            <a:r>
-              <a:rPr lang="en-US" dirty="0"/>
-              <a:t>GPUs</a:t>
-            </a:r>
-          </a:p>
-        </p:txBody>
-      </p:sp>
-      <p:sp>
-        <p:nvSpPr>
-          <p:cNvPr id="78" name="TextBox 77">
-            <a:extLst>
-              <a:ext uri="{FF2B5EF4-FFF2-40B4-BE49-F238E27FC236}">
-                <a16:creationId xmlns:a16="http://schemas.microsoft.com/office/drawing/2014/main" id="{2D973E69-C2A8-C142-9389-9EBCEC8799F4}"/>
-              </a:ext>
-            </a:extLst>
-          </p:cNvPr>
-          <p:cNvSpPr txBox="1"/>
-          <p:nvPr/>
-        </p:nvSpPr>
-        <p:spPr>
-          <a:xfrm>
-            <a:off x="8136423" y="2135439"/>
-            <a:ext cx="883960" cy="369332"/>
-          </a:xfrm>
-          <a:prstGeom prst="rect">
-            <a:avLst/>
-          </a:prstGeom>
-          <a:noFill/>
-        </p:spPr>
-        <p:txBody>
-          <a:bodyPr wrap="none" rtlCol="0">
-            <a:spAutoFit/>
-          </a:bodyPr>
-          <a:lstStyle/>
-          <a:p>
-            <a:r>
-              <a:rPr lang="en-US" dirty="0"/>
-              <a:t>RC Cars</a:t>
-            </a:r>
-          </a:p>
-        </p:txBody>
-      </p:sp>
-      <p:cxnSp>
-        <p:nvCxnSpPr>
-          <p:cNvPr id="79" name="Straight Arrow Connector 78">
-            <a:extLst>
-              <a:ext uri="{FF2B5EF4-FFF2-40B4-BE49-F238E27FC236}">
-                <a16:creationId xmlns:a16="http://schemas.microsoft.com/office/drawing/2014/main" id="{2B61C965-3D34-B94B-9F12-37413C51899F}"/>
-              </a:ext>
-            </a:extLst>
-          </p:cNvPr>
-          <p:cNvCxnSpPr>
-            <a:cxnSpLocks/>
-            <a:endCxn id="4" idx="1"/>
-          </p:cNvCxnSpPr>
-          <p:nvPr/>
-        </p:nvCxnSpPr>
-        <p:spPr>
-          <a:xfrm flipV="1">
-            <a:off x="2131817" y="4698973"/>
-            <a:ext cx="581787" cy="145880"/>
-          </a:xfrm>
-          <a:prstGeom prst="straightConnector1">
-            <a:avLst/>
-          </a:prstGeom>
-          <a:ln w="57150">
-            <a:solidFill>
-              <a:schemeClr val="tx1"/>
-            </a:solidFill>
-            <a:tailEnd type="triangle"/>
-          </a:ln>
-        </p:spPr>
-        <p:style>
-          <a:lnRef idx="1">
-            <a:schemeClr val="accent1"/>
-          </a:lnRef>
-          <a:fillRef idx="0">
-            <a:schemeClr val="accent1"/>
-          </a:fillRef>
-          <a:effectRef idx="0">
-            <a:schemeClr val="accent1"/>
-          </a:effectRef>
-          <a:fontRef idx="minor">
-            <a:schemeClr val="tx1"/>
-          </a:fontRef>
-        </p:style>
-      </p:cxnSp>
-      <p:sp>
-        <p:nvSpPr>
-          <p:cNvPr id="81" name="TextBox 80">
-            <a:extLst>
-              <a:ext uri="{FF2B5EF4-FFF2-40B4-BE49-F238E27FC236}">
-                <a16:creationId xmlns:a16="http://schemas.microsoft.com/office/drawing/2014/main" id="{A7D7E5BD-78B2-CC42-B485-3348CAB4B30F}"/>
-              </a:ext>
-            </a:extLst>
-          </p:cNvPr>
-          <p:cNvSpPr txBox="1"/>
-          <p:nvPr/>
-        </p:nvSpPr>
-        <p:spPr>
-          <a:xfrm>
-            <a:off x="1747896" y="2448859"/>
-            <a:ext cx="1743426" cy="369332"/>
-          </a:xfrm>
-          <a:prstGeom prst="rect">
-            <a:avLst/>
-          </a:prstGeom>
-          <a:noFill/>
-        </p:spPr>
-        <p:txBody>
-          <a:bodyPr wrap="none" rtlCol="0">
-            <a:spAutoFit/>
-          </a:bodyPr>
-          <a:lstStyle/>
-          <a:p>
-            <a:r>
-              <a:rPr lang="en-US" dirty="0"/>
-              <a:t>Fancy Color Labs</a:t>
-            </a:r>
-          </a:p>
-        </p:txBody>
-      </p:sp>
-      <p:sp>
-        <p:nvSpPr>
-          <p:cNvPr id="84" name="TextBox 83">
-            <a:extLst>
-              <a:ext uri="{FF2B5EF4-FFF2-40B4-BE49-F238E27FC236}">
-                <a16:creationId xmlns:a16="http://schemas.microsoft.com/office/drawing/2014/main" id="{867683BD-0C18-B144-A642-A93CB37348AA}"/>
-              </a:ext>
-            </a:extLst>
-          </p:cNvPr>
-          <p:cNvSpPr txBox="1"/>
-          <p:nvPr/>
-        </p:nvSpPr>
-        <p:spPr>
-          <a:xfrm>
-            <a:off x="3056756" y="1425941"/>
-            <a:ext cx="2554289" cy="369332"/>
-          </a:xfrm>
-          <a:prstGeom prst="rect">
-            <a:avLst/>
-          </a:prstGeom>
-          <a:noFill/>
-        </p:spPr>
-        <p:txBody>
-          <a:bodyPr wrap="none" rtlCol="0">
-            <a:spAutoFit/>
-          </a:bodyPr>
-          <a:lstStyle/>
-          <a:p>
-            <a:r>
-              <a:rPr lang="en-US" dirty="0"/>
-              <a:t>Tune Parameters Quickly </a:t>
-            </a:r>
-          </a:p>
-        </p:txBody>
-      </p:sp>
-      <p:sp>
-        <p:nvSpPr>
-          <p:cNvPr id="85" name="TextBox 84">
-            <a:extLst>
-              <a:ext uri="{FF2B5EF4-FFF2-40B4-BE49-F238E27FC236}">
-                <a16:creationId xmlns:a16="http://schemas.microsoft.com/office/drawing/2014/main" id="{EA645720-C9A9-844A-82DB-5CBD9EA05892}"/>
-              </a:ext>
-            </a:extLst>
-          </p:cNvPr>
-          <p:cNvSpPr txBox="1"/>
-          <p:nvPr/>
-        </p:nvSpPr>
-        <p:spPr>
-          <a:xfrm>
-            <a:off x="4296137" y="2141917"/>
-            <a:ext cx="1878848" cy="369332"/>
-          </a:xfrm>
-          <a:prstGeom prst="rect">
-            <a:avLst/>
-          </a:prstGeom>
-          <a:noFill/>
-        </p:spPr>
-        <p:txBody>
-          <a:bodyPr wrap="none" rtlCol="0">
-            <a:spAutoFit/>
-          </a:bodyPr>
-          <a:lstStyle/>
-          <a:p>
-            <a:r>
-              <a:rPr lang="en-US" dirty="0"/>
-              <a:t>Buttons, Encoders</a:t>
-            </a:r>
-          </a:p>
-        </p:txBody>
-      </p:sp>
-      <p:sp>
-        <p:nvSpPr>
-          <p:cNvPr id="88" name="TextBox 87">
-            <a:extLst>
-              <a:ext uri="{FF2B5EF4-FFF2-40B4-BE49-F238E27FC236}">
-                <a16:creationId xmlns:a16="http://schemas.microsoft.com/office/drawing/2014/main" id="{0800FA3F-92B5-3E4F-803A-B512AF76A6B6}"/>
-              </a:ext>
-            </a:extLst>
-          </p:cNvPr>
-          <p:cNvSpPr txBox="1"/>
-          <p:nvPr/>
-        </p:nvSpPr>
-        <p:spPr>
-          <a:xfrm>
-            <a:off x="7411142" y="3182329"/>
-            <a:ext cx="1115755" cy="369332"/>
-          </a:xfrm>
-          <a:prstGeom prst="rect">
-            <a:avLst/>
-          </a:prstGeom>
-          <a:noFill/>
-        </p:spPr>
-        <p:txBody>
-          <a:bodyPr wrap="none" rtlCol="0">
-            <a:spAutoFit/>
-          </a:bodyPr>
-          <a:lstStyle/>
-          <a:p>
-            <a:r>
-              <a:rPr lang="en-US" dirty="0"/>
-              <a:t>Bluetooth</a:t>
-            </a:r>
-          </a:p>
-        </p:txBody>
-      </p:sp>
-      <p:sp>
-        <p:nvSpPr>
-          <p:cNvPr id="89" name="TextBox 88">
-            <a:extLst>
-              <a:ext uri="{FF2B5EF4-FFF2-40B4-BE49-F238E27FC236}">
-                <a16:creationId xmlns:a16="http://schemas.microsoft.com/office/drawing/2014/main" id="{550DEE7A-0317-424B-9025-DF49DEF100D1}"/>
-              </a:ext>
-            </a:extLst>
-          </p:cNvPr>
-          <p:cNvSpPr txBox="1"/>
-          <p:nvPr/>
-        </p:nvSpPr>
-        <p:spPr>
-          <a:xfrm>
-            <a:off x="6473345" y="3163413"/>
-            <a:ext cx="712054" cy="369332"/>
-          </a:xfrm>
-          <a:prstGeom prst="rect">
-            <a:avLst/>
-          </a:prstGeom>
-          <a:noFill/>
-        </p:spPr>
-        <p:txBody>
-          <a:bodyPr wrap="none" rtlCol="0">
-            <a:spAutoFit/>
-          </a:bodyPr>
-          <a:lstStyle/>
-          <a:p>
-            <a:r>
-              <a:rPr lang="en-US" dirty="0"/>
-              <a:t>Servo</a:t>
-            </a:r>
-          </a:p>
-        </p:txBody>
-      </p:sp>
-      <p:sp>
-        <p:nvSpPr>
-          <p:cNvPr id="90" name="TextBox 89">
-            <a:extLst>
-              <a:ext uri="{FF2B5EF4-FFF2-40B4-BE49-F238E27FC236}">
-                <a16:creationId xmlns:a16="http://schemas.microsoft.com/office/drawing/2014/main" id="{E02A3F7E-CC2B-484E-B9E8-3E62235B9098}"/>
-              </a:ext>
-            </a:extLst>
-          </p:cNvPr>
-          <p:cNvSpPr txBox="1"/>
-          <p:nvPr/>
-        </p:nvSpPr>
-        <p:spPr>
-          <a:xfrm>
-            <a:off x="3492750" y="3121189"/>
-            <a:ext cx="627095" cy="369332"/>
-          </a:xfrm>
-          <a:prstGeom prst="rect">
-            <a:avLst/>
-          </a:prstGeom>
-          <a:noFill/>
-        </p:spPr>
-        <p:txBody>
-          <a:bodyPr wrap="none" rtlCol="0">
-            <a:spAutoFit/>
-          </a:bodyPr>
-          <a:lstStyle/>
-          <a:p>
-            <a:r>
-              <a:rPr lang="en-US" dirty="0"/>
-              <a:t>LEDs</a:t>
-            </a:r>
-          </a:p>
-        </p:txBody>
-      </p:sp>
-      <p:sp>
-        <p:nvSpPr>
-          <p:cNvPr id="93" name="TextBox 92">
-            <a:extLst>
-              <a:ext uri="{FF2B5EF4-FFF2-40B4-BE49-F238E27FC236}">
-                <a16:creationId xmlns:a16="http://schemas.microsoft.com/office/drawing/2014/main" id="{F3B9BCDD-2D6C-3444-963C-92B12182D30E}"/>
-              </a:ext>
-            </a:extLst>
-          </p:cNvPr>
-          <p:cNvSpPr txBox="1"/>
-          <p:nvPr/>
-        </p:nvSpPr>
-        <p:spPr>
-          <a:xfrm>
-            <a:off x="9919037" y="3059668"/>
-            <a:ext cx="1454885" cy="369332"/>
-          </a:xfrm>
-          <a:prstGeom prst="rect">
-            <a:avLst/>
-          </a:prstGeom>
-          <a:noFill/>
-        </p:spPr>
-        <p:txBody>
-          <a:bodyPr wrap="none" rtlCol="0">
-            <a:spAutoFit/>
-          </a:bodyPr>
-          <a:lstStyle/>
-          <a:p>
-            <a:r>
-              <a:rPr lang="en-US" dirty="0"/>
-              <a:t>Wireless Labs</a:t>
-            </a:r>
-          </a:p>
-        </p:txBody>
-      </p:sp>
     </p:spTree>
     <p:extLst>
       <p:ext uri="{BB962C8B-B14F-4D97-AF65-F5344CB8AC3E}">
-        <p14:creationId xmlns:p14="http://schemas.microsoft.com/office/powerpoint/2010/main" val="721564607"/>
+        <p14:creationId xmlns:p14="http://schemas.microsoft.com/office/powerpoint/2010/main" val="3859644068"/>
       </p:ext>
     </p:extLst>
   </p:cSld>
@@ -5685,7 +4298,7 @@
           <p:cNvPr id="2" name="Title 1">
             <a:extLst>
               <a:ext uri="{FF2B5EF4-FFF2-40B4-BE49-F238E27FC236}">
-                <a16:creationId xmlns:a16="http://schemas.microsoft.com/office/drawing/2014/main" id="{E4D8777E-F39A-5840-90B5-C444944BC841}"/>
+                <a16:creationId xmlns:a16="http://schemas.microsoft.com/office/drawing/2014/main" id="{C8BAA211-6167-C74B-ACCF-0A2761FF56C9}"/>
               </a:ext>
             </a:extLst>
           </p:cNvPr>
@@ -5698,8 +4311,8 @@
         </p:nvSpPr>
         <p:spPr>
           <a:xfrm>
-            <a:off x="518711" y="111738"/>
-            <a:ext cx="10515600" cy="538258"/>
+            <a:off x="152400" y="87771"/>
+            <a:ext cx="10515600" cy="670461"/>
           </a:xfrm>
         </p:spPr>
         <p:txBody>
@@ -5710,410 +4323,45 @@
           <a:p>
             <a:r>
               <a:rPr lang="en-US" dirty="0"/>
-              <a:t>Pico Robot Parts List</a:t>
-            </a:r>
-          </a:p>
-        </p:txBody>
-      </p:sp>
-      <p:graphicFrame>
-        <p:nvGraphicFramePr>
-          <p:cNvPr id="6" name="Table 6">
-            <a:extLst>
-              <a:ext uri="{FF2B5EF4-FFF2-40B4-BE49-F238E27FC236}">
-                <a16:creationId xmlns:a16="http://schemas.microsoft.com/office/drawing/2014/main" id="{3398BE0A-58EA-1E4E-926C-81645AC5D6F7}"/>
-              </a:ext>
-            </a:extLst>
-          </p:cNvPr>
-          <p:cNvGraphicFramePr>
-            <a:graphicFrameLocks noGrp="1"/>
-          </p:cNvGraphicFramePr>
-          <p:nvPr>
-            <p:ph idx="1"/>
-            <p:extLst>
-              <p:ext uri="{D42A27DB-BD31-4B8C-83A1-F6EECF244321}">
-                <p14:modId xmlns:p14="http://schemas.microsoft.com/office/powerpoint/2010/main" val="1168719325"/>
-              </p:ext>
-            </p:extLst>
-          </p:nvPr>
-        </p:nvGraphicFramePr>
-        <p:xfrm>
-          <a:off x="771181" y="1825625"/>
-          <a:ext cx="10582616" cy="3677920"/>
-        </p:xfrm>
-        <a:graphic>
-          <a:graphicData uri="http://schemas.openxmlformats.org/drawingml/2006/table">
-            <a:tbl>
-              <a:tblPr firstRow="1" bandRow="1">
-                <a:tableStyleId>{5C22544A-7EE6-4342-B048-85BDC9FD1C3A}</a:tableStyleId>
-              </a:tblPr>
-              <a:tblGrid>
-                <a:gridCol w="3007605">
-                  <a:extLst>
-                    <a:ext uri="{9D8B030D-6E8A-4147-A177-3AD203B41FA5}">
-                      <a16:colId xmlns:a16="http://schemas.microsoft.com/office/drawing/2014/main" val="1316812929"/>
-                    </a:ext>
-                  </a:extLst>
-                </a:gridCol>
-                <a:gridCol w="6092327">
-                  <a:extLst>
-                    <a:ext uri="{9D8B030D-6E8A-4147-A177-3AD203B41FA5}">
-                      <a16:colId xmlns:a16="http://schemas.microsoft.com/office/drawing/2014/main" val="849467549"/>
-                    </a:ext>
-                  </a:extLst>
-                </a:gridCol>
-                <a:gridCol w="1482684">
-                  <a:extLst>
-                    <a:ext uri="{9D8B030D-6E8A-4147-A177-3AD203B41FA5}">
-                      <a16:colId xmlns:a16="http://schemas.microsoft.com/office/drawing/2014/main" val="1417310283"/>
-                    </a:ext>
-                  </a:extLst>
-                </a:gridCol>
-              </a:tblGrid>
-              <a:tr h="370840">
-                <a:tc>
-                  <a:txBody>
-                    <a:bodyPr/>
-                    <a:lstStyle/>
-                    <a:p>
-                      <a:r>
-                        <a:rPr lang="en-US" dirty="0"/>
-                        <a:t>Part Name</a:t>
-                      </a:r>
-                    </a:p>
-                  </a:txBody>
-                  <a:tcPr/>
-                </a:tc>
-                <a:tc>
-                  <a:txBody>
-                    <a:bodyPr/>
-                    <a:lstStyle/>
-                    <a:p>
-                      <a:r>
-                        <a:rPr lang="en-US" dirty="0"/>
-                        <a:t>Description</a:t>
-                      </a:r>
-                    </a:p>
-                  </a:txBody>
-                  <a:tcPr/>
-                </a:tc>
-                <a:tc>
-                  <a:txBody>
-                    <a:bodyPr/>
-                    <a:lstStyle/>
-                    <a:p>
-                      <a:r>
-                        <a:rPr lang="en-US" dirty="0"/>
-                        <a:t>Price</a:t>
-                      </a:r>
-                    </a:p>
-                  </a:txBody>
-                  <a:tcPr/>
-                </a:tc>
-                <a:extLst>
-                  <a:ext uri="{0D108BD9-81ED-4DB2-BD59-A6C34878D82A}">
-                    <a16:rowId xmlns:a16="http://schemas.microsoft.com/office/drawing/2014/main" val="814732166"/>
-                  </a:ext>
-                </a:extLst>
-              </a:tr>
-              <a:tr h="370840">
-                <a:tc>
-                  <a:txBody>
-                    <a:bodyPr/>
-                    <a:lstStyle/>
-                    <a:p>
-                      <a:r>
-                        <a:rPr lang="en-US" dirty="0"/>
-                        <a:t>Smart Car Chassis</a:t>
-                      </a:r>
-                    </a:p>
-                  </a:txBody>
-                  <a:tcPr/>
-                </a:tc>
-                <a:tc>
-                  <a:txBody>
-                    <a:bodyPr/>
-                    <a:lstStyle/>
-                    <a:p>
-                      <a:r>
-                        <a:rPr lang="en-US" dirty="0"/>
-                        <a:t>Includes two 1:48 geared DC hobby motors, wheels, body, power switch and 4 AA cell battery pack.  It does require soldering four wires to the motors and two to the switch.</a:t>
-                      </a:r>
-                    </a:p>
-                  </a:txBody>
-                  <a:tcPr/>
-                </a:tc>
-                <a:tc>
-                  <a:txBody>
-                    <a:bodyPr/>
-                    <a:lstStyle/>
-                    <a:p>
-                      <a:r>
-                        <a:rPr lang="en-US" dirty="0"/>
-                        <a:t>$11</a:t>
-                      </a:r>
-                    </a:p>
-                  </a:txBody>
-                  <a:tcPr/>
-                </a:tc>
-                <a:extLst>
-                  <a:ext uri="{0D108BD9-81ED-4DB2-BD59-A6C34878D82A}">
-                    <a16:rowId xmlns:a16="http://schemas.microsoft.com/office/drawing/2014/main" val="4235589932"/>
-                  </a:ext>
-                </a:extLst>
-              </a:tr>
-              <a:tr h="370840">
-                <a:tc>
-                  <a:txBody>
-                    <a:bodyPr/>
-                    <a:lstStyle/>
-                    <a:p>
-                      <a:r>
-                        <a:rPr lang="en-US" dirty="0"/>
-                        <a:t>Raspberry Pi Pico</a:t>
-                      </a:r>
-                    </a:p>
-                  </a:txBody>
-                  <a:tcPr/>
-                </a:tc>
-                <a:tc>
-                  <a:txBody>
-                    <a:bodyPr/>
-                    <a:lstStyle/>
-                    <a:p>
-                      <a:r>
-                        <a:rPr lang="en-US" dirty="0"/>
-                        <a:t>40 pin package with headers.  We solder our own headers, but you can also purchase them pre-soldered.</a:t>
-                      </a:r>
-                    </a:p>
-                  </a:txBody>
-                  <a:tcPr/>
-                </a:tc>
-                <a:tc>
-                  <a:txBody>
-                    <a:bodyPr/>
-                    <a:lstStyle/>
-                    <a:p>
-                      <a:r>
-                        <a:rPr lang="en-US" dirty="0"/>
-                        <a:t>$4</a:t>
-                      </a:r>
-                    </a:p>
-                  </a:txBody>
-                  <a:tcPr/>
-                </a:tc>
-                <a:extLst>
-                  <a:ext uri="{0D108BD9-81ED-4DB2-BD59-A6C34878D82A}">
-                    <a16:rowId xmlns:a16="http://schemas.microsoft.com/office/drawing/2014/main" val="471647470"/>
-                  </a:ext>
-                </a:extLst>
-              </a:tr>
-              <a:tr h="370840">
-                <a:tc>
-                  <a:txBody>
-                    <a:bodyPr/>
-                    <a:lstStyle/>
-                    <a:p>
-                      <a:r>
-                        <a:rPr lang="en-US" dirty="0"/>
-                        <a:t>Breadboard</a:t>
-                      </a:r>
-                    </a:p>
-                  </a:txBody>
-                  <a:tcPr/>
-                </a:tc>
-                <a:tc>
-                  <a:txBody>
-                    <a:bodyPr/>
-                    <a:lstStyle/>
-                    <a:p>
-                      <a:pPr marL="0" marR="0" lvl="0" indent="0" algn="l" defTabSz="914400" rtl="0" eaLnBrk="1" fontAlgn="auto" latinLnBrk="0" hangingPunct="1">
-                        <a:lnSpc>
-                          <a:spcPct val="100000"/>
-                        </a:lnSpc>
-                        <a:spcBef>
-                          <a:spcPts val="0"/>
-                        </a:spcBef>
-                        <a:spcAft>
-                          <a:spcPts val="0"/>
-                        </a:spcAft>
-                        <a:buClrTx/>
-                        <a:buSzTx/>
-                        <a:buFontTx/>
-                        <a:buNone/>
-                        <a:tabLst/>
-                        <a:defRPr/>
-                      </a:pPr>
-                      <a:r>
-                        <a:rPr lang="en-US" dirty="0"/>
-                        <a:t>½ size 400 tie solderless breadboard with power rails (5v and 3.3v)</a:t>
-                      </a:r>
-                    </a:p>
-                  </a:txBody>
-                  <a:tcPr/>
-                </a:tc>
-                <a:tc>
-                  <a:txBody>
-                    <a:bodyPr/>
-                    <a:lstStyle/>
-                    <a:p>
-                      <a:r>
-                        <a:rPr lang="en-US" dirty="0"/>
-                        <a:t>$2</a:t>
-                      </a:r>
-                    </a:p>
-                  </a:txBody>
-                  <a:tcPr/>
-                </a:tc>
-                <a:extLst>
-                  <a:ext uri="{0D108BD9-81ED-4DB2-BD59-A6C34878D82A}">
-                    <a16:rowId xmlns:a16="http://schemas.microsoft.com/office/drawing/2014/main" val="3395312848"/>
-                  </a:ext>
-                </a:extLst>
-              </a:tr>
-              <a:tr h="370840">
-                <a:tc>
-                  <a:txBody>
-                    <a:bodyPr/>
-                    <a:lstStyle/>
-                    <a:p>
-                      <a:r>
-                        <a:rPr lang="en-US" dirty="0"/>
-                        <a:t>Time of Flight Distance Sensor</a:t>
-                      </a:r>
-                    </a:p>
-                  </a:txBody>
-                  <a:tcPr/>
-                </a:tc>
-                <a:tc>
-                  <a:txBody>
-                    <a:bodyPr/>
-                    <a:lstStyle/>
-                    <a:p>
-                      <a:r>
-                        <a:rPr lang="en-US" dirty="0"/>
-                        <a:t>GYUL530K sensor with I2C interface</a:t>
-                      </a:r>
-                    </a:p>
-                  </a:txBody>
-                  <a:tcPr/>
-                </a:tc>
-                <a:tc>
-                  <a:txBody>
-                    <a:bodyPr/>
-                    <a:lstStyle/>
-                    <a:p>
-                      <a:r>
-                        <a:rPr lang="en-US" dirty="0"/>
-                        <a:t>$4</a:t>
-                      </a:r>
-                    </a:p>
-                  </a:txBody>
-                  <a:tcPr/>
-                </a:tc>
-                <a:extLst>
-                  <a:ext uri="{0D108BD9-81ED-4DB2-BD59-A6C34878D82A}">
-                    <a16:rowId xmlns:a16="http://schemas.microsoft.com/office/drawing/2014/main" val="128521788"/>
-                  </a:ext>
-                </a:extLst>
-              </a:tr>
-              <a:tr h="370840">
-                <a:tc>
-                  <a:txBody>
-                    <a:bodyPr/>
-                    <a:lstStyle/>
-                    <a:p>
-                      <a:r>
-                        <a:rPr lang="en-US" dirty="0"/>
-                        <a:t>Motor Driver</a:t>
-                      </a:r>
-                    </a:p>
-                  </a:txBody>
-                  <a:tcPr/>
-                </a:tc>
-                <a:tc>
-                  <a:txBody>
-                    <a:bodyPr/>
-                    <a:lstStyle/>
-                    <a:p>
-                      <a:r>
-                        <a:rPr lang="en-US" dirty="0"/>
-                        <a:t>L293 C motor driver board with 5-volt voltage regulator.</a:t>
-                      </a:r>
-                    </a:p>
-                  </a:txBody>
-                  <a:tcPr/>
-                </a:tc>
-                <a:tc>
-                  <a:txBody>
-                    <a:bodyPr/>
-                    <a:lstStyle/>
-                    <a:p>
-                      <a:r>
-                        <a:rPr lang="en-US" dirty="0"/>
-                        <a:t>$2</a:t>
-                      </a:r>
-                    </a:p>
-                  </a:txBody>
-                  <a:tcPr/>
-                </a:tc>
-                <a:extLst>
-                  <a:ext uri="{0D108BD9-81ED-4DB2-BD59-A6C34878D82A}">
-                    <a16:rowId xmlns:a16="http://schemas.microsoft.com/office/drawing/2014/main" val="3458296256"/>
-                  </a:ext>
-                </a:extLst>
-              </a:tr>
-              <a:tr h="370840">
-                <a:tc>
-                  <a:txBody>
-                    <a:bodyPr/>
-                    <a:lstStyle/>
-                    <a:p>
-                      <a:endParaRPr lang="en-US" dirty="0"/>
-                    </a:p>
-                  </a:txBody>
-                  <a:tcPr/>
-                </a:tc>
-                <a:tc>
-                  <a:txBody>
-                    <a:bodyPr/>
-                    <a:lstStyle/>
-                    <a:p>
-                      <a:pPr algn="r"/>
-                      <a:r>
-                        <a:rPr lang="en-US" b="1" dirty="0"/>
-                        <a:t>Total:</a:t>
-                      </a:r>
-                    </a:p>
-                  </a:txBody>
-                  <a:tcPr/>
-                </a:tc>
-                <a:tc>
-                  <a:txBody>
-                    <a:bodyPr/>
-                    <a:lstStyle/>
-                    <a:p>
-                      <a:r>
-                        <a:rPr lang="en-US" dirty="0"/>
-                        <a:t>$23.00</a:t>
-                      </a:r>
-                    </a:p>
-                  </a:txBody>
-                  <a:tcPr/>
-                </a:tc>
-                <a:extLst>
-                  <a:ext uri="{0D108BD9-81ED-4DB2-BD59-A6C34878D82A}">
-                    <a16:rowId xmlns:a16="http://schemas.microsoft.com/office/drawing/2014/main" val="4121464980"/>
-                  </a:ext>
-                </a:extLst>
-              </a:tr>
-            </a:tbl>
-          </a:graphicData>
-        </a:graphic>
-      </p:graphicFrame>
+              <a:t>Base Bot Circuit Diagram</a:t>
+            </a:r>
+          </a:p>
+        </p:txBody>
+      </p:sp>
+      <p:pic>
+        <p:nvPicPr>
+          <p:cNvPr id="4" name="Picture 3">
+            <a:extLst>
+              <a:ext uri="{FF2B5EF4-FFF2-40B4-BE49-F238E27FC236}">
+                <a16:creationId xmlns:a16="http://schemas.microsoft.com/office/drawing/2014/main" id="{281C427F-3E9F-EB48-A44C-BE51345DC1F1}"/>
+              </a:ext>
+            </a:extLst>
+          </p:cNvPr>
+          <p:cNvPicPr>
+            <a:picLocks noChangeAspect="1"/>
+          </p:cNvPicPr>
+          <p:nvPr/>
+        </p:nvPicPr>
+        <p:blipFill>
+          <a:blip r:embed="rId2"/>
+          <a:stretch>
+            <a:fillRect/>
+          </a:stretch>
+        </p:blipFill>
+        <p:spPr>
+          <a:xfrm>
+            <a:off x="3926579" y="758232"/>
+            <a:ext cx="2337061" cy="5861808"/>
+          </a:xfrm>
+          <a:prstGeom prst="rect">
+            <a:avLst/>
+          </a:prstGeom>
+        </p:spPr>
+      </p:pic>
     </p:spTree>
     <p:extLst>
       <p:ext uri="{BB962C8B-B14F-4D97-AF65-F5344CB8AC3E}">
-        <p14:creationId xmlns:p14="http://schemas.microsoft.com/office/powerpoint/2010/main" val="1699076770"/>
+        <p14:creationId xmlns:p14="http://schemas.microsoft.com/office/powerpoint/2010/main" val="438934724"/>
       </p:ext>
     </p:extLst>
   </p:cSld>
@@ -6145,7 +4393,7 @@
           <p:cNvPr id="2" name="Title 1">
             <a:extLst>
               <a:ext uri="{FF2B5EF4-FFF2-40B4-BE49-F238E27FC236}">
-                <a16:creationId xmlns:a16="http://schemas.microsoft.com/office/drawing/2014/main" id="{C8BAA211-6167-C74B-ACCF-0A2761FF56C9}"/>
+                <a16:creationId xmlns:a16="http://schemas.microsoft.com/office/drawing/2014/main" id="{38977F6B-07B5-BA49-8810-745106D167EF}"/>
               </a:ext>
             </a:extLst>
           </p:cNvPr>
@@ -6158,8 +4406,8 @@
         </p:nvSpPr>
         <p:spPr>
           <a:xfrm>
-            <a:off x="152400" y="87771"/>
-            <a:ext cx="10515600" cy="670461"/>
+            <a:off x="838200" y="365126"/>
+            <a:ext cx="10515600" cy="476096"/>
           </a:xfrm>
         </p:spPr>
         <p:txBody>
@@ -6170,8 +4418,38 @@
           <a:p>
             <a:r>
               <a:rPr lang="en-US" dirty="0"/>
-              <a:t>Base Bot Circuit Diagram</a:t>
-            </a:r>
+              <a:t>Pico on Breadboard</a:t>
+            </a:r>
+          </a:p>
+        </p:txBody>
+      </p:sp>
+      <p:sp>
+        <p:nvSpPr>
+          <p:cNvPr id="3" name="Content Placeholder 2">
+            <a:extLst>
+              <a:ext uri="{FF2B5EF4-FFF2-40B4-BE49-F238E27FC236}">
+                <a16:creationId xmlns:a16="http://schemas.microsoft.com/office/drawing/2014/main" id="{DA78C6A0-755A-1E4F-B525-91A60C99B206}"/>
+              </a:ext>
+            </a:extLst>
+          </p:cNvPr>
+          <p:cNvSpPr>
+            <a:spLocks noGrp="1"/>
+          </p:cNvSpPr>
+          <p:nvPr>
+            <p:ph idx="1"/>
+          </p:nvPr>
+        </p:nvSpPr>
+        <p:spPr>
+          <a:xfrm>
+            <a:off x="604024" y="6214501"/>
+            <a:ext cx="10515600" cy="556748"/>
+          </a:xfrm>
+        </p:spPr>
+        <p:txBody>
+          <a:bodyPr/>
+          <a:lstStyle/>
+          <a:p>
+            <a:endParaRPr lang="en-US"/>
           </a:p>
         </p:txBody>
       </p:sp>
@@ -6180,7 +4458,7 @@
           <p:cNvPr id="4" name="Picture 3">
             <a:extLst>
               <a:ext uri="{FF2B5EF4-FFF2-40B4-BE49-F238E27FC236}">
-                <a16:creationId xmlns:a16="http://schemas.microsoft.com/office/drawing/2014/main" id="{281C427F-3E9F-EB48-A44C-BE51345DC1F1}"/>
+                <a16:creationId xmlns:a16="http://schemas.microsoft.com/office/drawing/2014/main" id="{CAE99699-3187-EB42-B03C-57E42C224092}"/>
               </a:ext>
             </a:extLst>
           </p:cNvPr>
@@ -6196,9 +4474,9 @@
           </a:stretch>
         </p:blipFill>
         <p:spPr>
-          <a:xfrm>
-            <a:off x="3926579" y="758232"/>
-            <a:ext cx="2337061" cy="5861808"/>
+          <a:xfrm rot="5400000">
+            <a:off x="1927277" y="1828295"/>
+            <a:ext cx="5481411" cy="3507263"/>
           </a:xfrm>
           <a:prstGeom prst="rect">
             <a:avLst/>
@@ -6208,7 +4486,7 @@
     </p:spTree>
     <p:extLst>
       <p:ext uri="{BB962C8B-B14F-4D97-AF65-F5344CB8AC3E}">
-        <p14:creationId xmlns:p14="http://schemas.microsoft.com/office/powerpoint/2010/main" val="438934724"/>
+        <p14:creationId xmlns:p14="http://schemas.microsoft.com/office/powerpoint/2010/main" val="658624676"/>
       </p:ext>
     </p:extLst>
   </p:cSld>
@@ -6251,12 +4529,22 @@
             <p:ph type="title"/>
           </p:nvPr>
         </p:nvSpPr>
-        <p:spPr/>
-        <p:txBody>
-          <a:bodyPr/>
-          <a:lstStyle/>
-          <a:p>
-            <a:endParaRPr lang="en-US"/>
+        <p:spPr>
+          <a:xfrm>
+            <a:off x="146824" y="97847"/>
+            <a:ext cx="10515600" cy="487247"/>
+          </a:xfrm>
+        </p:spPr>
+        <p:txBody>
+          <a:bodyPr>
+            <a:normAutofit fontScale="90000"/>
+          </a:bodyPr>
+          <a:lstStyle/>
+          <a:p>
+            <a:r>
+              <a:rPr lang="en-US" dirty="0"/>
+              <a:t>Pico with GND and Power</a:t>
+            </a:r>
           </a:p>
         </p:txBody>
       </p:sp>
@@ -6276,7 +4564,12 @@
             <p:ph idx="1"/>
           </p:nvPr>
         </p:nvSpPr>
-        <p:spPr/>
+        <p:spPr>
+          <a:xfrm>
+            <a:off x="503663" y="6220076"/>
+            <a:ext cx="10515600" cy="545597"/>
+          </a:xfrm>
+        </p:spPr>
         <p:txBody>
           <a:bodyPr/>
           <a:lstStyle/>
@@ -6299,26 +4592,1564 @@
           </p:cNvPicPr>
           <p:nvPr/>
         </p:nvPicPr>
-        <p:blipFill>
+        <p:blipFill rotWithShape="1">
           <a:blip r:embed="rId2"/>
-          <a:stretch>
-            <a:fillRect/>
-          </a:stretch>
+          <a:srcRect r="29293"/>
+          <a:stretch/>
         </p:blipFill>
         <p:spPr>
           <a:xfrm rot="5400000">
-            <a:off x="-592898" y="1872900"/>
-            <a:ext cx="5481411" cy="3507263"/>
+            <a:off x="3164427" y="1104022"/>
+            <a:ext cx="4826246" cy="4367396"/>
           </a:xfrm>
           <a:prstGeom prst="rect">
             <a:avLst/>
           </a:prstGeom>
         </p:spPr>
       </p:pic>
+      <p:sp>
+        <p:nvSpPr>
+          <p:cNvPr id="11" name="Rectangle 10">
+            <a:extLst>
+              <a:ext uri="{FF2B5EF4-FFF2-40B4-BE49-F238E27FC236}">
+                <a16:creationId xmlns:a16="http://schemas.microsoft.com/office/drawing/2014/main" id="{B0B639F1-B787-F14A-96F9-0859B90D8DB1}"/>
+              </a:ext>
+            </a:extLst>
+          </p:cNvPr>
+          <p:cNvSpPr/>
+          <p:nvPr/>
+        </p:nvSpPr>
+        <p:spPr>
+          <a:xfrm>
+            <a:off x="6132867" y="1755168"/>
+            <a:ext cx="268655" cy="120366"/>
+          </a:xfrm>
+          <a:prstGeom prst="rect">
+            <a:avLst/>
+          </a:prstGeom>
+          <a:solidFill>
+            <a:schemeClr val="tx1"/>
+          </a:solidFill>
+          <a:ln>
+            <a:noFill/>
+          </a:ln>
+        </p:spPr>
+        <p:style>
+          <a:lnRef idx="2">
+            <a:schemeClr val="accent1">
+              <a:shade val="50000"/>
+            </a:schemeClr>
+          </a:lnRef>
+          <a:fillRef idx="1">
+            <a:schemeClr val="accent1"/>
+          </a:fillRef>
+          <a:effectRef idx="0">
+            <a:schemeClr val="accent1"/>
+          </a:effectRef>
+          <a:fontRef idx="minor">
+            <a:schemeClr val="lt1"/>
+          </a:fontRef>
+        </p:style>
+        <p:txBody>
+          <a:bodyPr wrap="none" rtlCol="0" anchor="ctr"/>
+          <a:lstStyle/>
+          <a:p>
+            <a:pPr algn="ctr"/>
+            <a:r>
+              <a:rPr lang="en-US" sz="800" dirty="0"/>
+              <a:t>GND</a:t>
+            </a:r>
+          </a:p>
+        </p:txBody>
+      </p:sp>
+      <p:sp>
+        <p:nvSpPr>
+          <p:cNvPr id="12" name="Rectangle 11">
+            <a:extLst>
+              <a:ext uri="{FF2B5EF4-FFF2-40B4-BE49-F238E27FC236}">
+                <a16:creationId xmlns:a16="http://schemas.microsoft.com/office/drawing/2014/main" id="{4D1A4EA7-C69A-1241-9AB1-B11D136B4918}"/>
+              </a:ext>
+            </a:extLst>
+          </p:cNvPr>
+          <p:cNvSpPr/>
+          <p:nvPr/>
+        </p:nvSpPr>
+        <p:spPr>
+          <a:xfrm>
+            <a:off x="4761948" y="1749425"/>
+            <a:ext cx="210102" cy="120366"/>
+          </a:xfrm>
+          <a:prstGeom prst="rect">
+            <a:avLst/>
+          </a:prstGeom>
+          <a:solidFill>
+            <a:schemeClr val="tx1"/>
+          </a:solidFill>
+          <a:ln>
+            <a:noFill/>
+          </a:ln>
+        </p:spPr>
+        <p:style>
+          <a:lnRef idx="2">
+            <a:schemeClr val="accent1">
+              <a:shade val="50000"/>
+            </a:schemeClr>
+          </a:lnRef>
+          <a:fillRef idx="1">
+            <a:schemeClr val="accent1"/>
+          </a:fillRef>
+          <a:effectRef idx="0">
+            <a:schemeClr val="accent1"/>
+          </a:effectRef>
+          <a:fontRef idx="minor">
+            <a:schemeClr val="lt1"/>
+          </a:fontRef>
+        </p:style>
+        <p:txBody>
+          <a:bodyPr wrap="none" rtlCol="0" anchor="ctr"/>
+          <a:lstStyle/>
+          <a:p>
+            <a:pPr algn="ctr"/>
+            <a:r>
+              <a:rPr lang="en-US" sz="800" dirty="0"/>
+              <a:t>GND</a:t>
+            </a:r>
+          </a:p>
+        </p:txBody>
+      </p:sp>
+      <p:grpSp>
+        <p:nvGrpSpPr>
+          <p:cNvPr id="17" name="Group 16">
+            <a:extLst>
+              <a:ext uri="{FF2B5EF4-FFF2-40B4-BE49-F238E27FC236}">
+                <a16:creationId xmlns:a16="http://schemas.microsoft.com/office/drawing/2014/main" id="{F866352B-7C30-C14F-8F22-75A6978C3328}"/>
+              </a:ext>
+            </a:extLst>
+          </p:cNvPr>
+          <p:cNvGrpSpPr/>
+          <p:nvPr/>
+        </p:nvGrpSpPr>
+        <p:grpSpPr>
+          <a:xfrm>
+            <a:off x="6042079" y="1372167"/>
+            <a:ext cx="365759" cy="902830"/>
+            <a:chOff x="6134170" y="1371605"/>
+            <a:chExt cx="365759" cy="982181"/>
+          </a:xfrm>
+        </p:grpSpPr>
+        <p:sp>
+          <p:nvSpPr>
+            <p:cNvPr id="14" name="Rectangle 13">
+              <a:extLst>
+                <a:ext uri="{FF2B5EF4-FFF2-40B4-BE49-F238E27FC236}">
+                  <a16:creationId xmlns:a16="http://schemas.microsoft.com/office/drawing/2014/main" id="{D558636D-9F17-AD44-8939-60D29613F73C}"/>
+                </a:ext>
+              </a:extLst>
+            </p:cNvPr>
+            <p:cNvSpPr/>
+            <p:nvPr/>
+          </p:nvSpPr>
+          <p:spPr>
+            <a:xfrm>
+              <a:off x="6224959" y="1371605"/>
+              <a:ext cx="270164" cy="133003"/>
+            </a:xfrm>
+            <a:prstGeom prst="rect">
+              <a:avLst/>
+            </a:prstGeom>
+            <a:solidFill>
+              <a:srgbClr val="FF0000"/>
+            </a:solidFill>
+            <a:ln>
+              <a:noFill/>
+            </a:ln>
+          </p:spPr>
+          <p:style>
+            <a:lnRef idx="2">
+              <a:schemeClr val="accent1">
+                <a:shade val="50000"/>
+              </a:schemeClr>
+            </a:lnRef>
+            <a:fillRef idx="1">
+              <a:schemeClr val="accent1"/>
+            </a:fillRef>
+            <a:effectRef idx="0">
+              <a:schemeClr val="accent1"/>
+            </a:effectRef>
+            <a:fontRef idx="minor">
+              <a:schemeClr val="lt1"/>
+            </a:fontRef>
+          </p:style>
+          <p:txBody>
+            <a:bodyPr wrap="none" rtlCol="0" anchor="ctr"/>
+            <a:lstStyle/>
+            <a:p>
+              <a:pPr algn="ctr"/>
+              <a:r>
+                <a:rPr lang="en-US" sz="800" dirty="0"/>
+                <a:t>VBUS</a:t>
+              </a:r>
+            </a:p>
+          </p:txBody>
+        </p:sp>
+        <p:sp>
+          <p:nvSpPr>
+            <p:cNvPr id="15" name="Rectangle 14">
+              <a:extLst>
+                <a:ext uri="{FF2B5EF4-FFF2-40B4-BE49-F238E27FC236}">
+                  <a16:creationId xmlns:a16="http://schemas.microsoft.com/office/drawing/2014/main" id="{0A7DDD62-8454-D44B-A5AB-4FF9B6591DB5}"/>
+                </a:ext>
+              </a:extLst>
+            </p:cNvPr>
+            <p:cNvSpPr/>
+            <p:nvPr/>
+          </p:nvSpPr>
+          <p:spPr>
+            <a:xfrm>
+              <a:off x="6224959" y="1558899"/>
+              <a:ext cx="270164" cy="133003"/>
+            </a:xfrm>
+            <a:prstGeom prst="rect">
+              <a:avLst/>
+            </a:prstGeom>
+            <a:solidFill>
+              <a:srgbClr val="FF0000"/>
+            </a:solidFill>
+            <a:ln>
+              <a:noFill/>
+            </a:ln>
+          </p:spPr>
+          <p:style>
+            <a:lnRef idx="2">
+              <a:schemeClr val="accent1">
+                <a:shade val="50000"/>
+              </a:schemeClr>
+            </a:lnRef>
+            <a:fillRef idx="1">
+              <a:schemeClr val="accent1"/>
+            </a:fillRef>
+            <a:effectRef idx="0">
+              <a:schemeClr val="accent1"/>
+            </a:effectRef>
+            <a:fontRef idx="minor">
+              <a:schemeClr val="lt1"/>
+            </a:fontRef>
+          </p:style>
+          <p:txBody>
+            <a:bodyPr wrap="none" rtlCol="0" anchor="ctr"/>
+            <a:lstStyle/>
+            <a:p>
+              <a:pPr algn="ctr"/>
+              <a:r>
+                <a:rPr lang="en-US" sz="800" dirty="0"/>
+                <a:t>VSYS</a:t>
+              </a:r>
+            </a:p>
+          </p:txBody>
+        </p:sp>
+        <p:sp>
+          <p:nvSpPr>
+            <p:cNvPr id="16" name="Rectangle 15">
+              <a:extLst>
+                <a:ext uri="{FF2B5EF4-FFF2-40B4-BE49-F238E27FC236}">
+                  <a16:creationId xmlns:a16="http://schemas.microsoft.com/office/drawing/2014/main" id="{4F1532FC-2782-7B4C-9776-BB3A714B9B51}"/>
+                </a:ext>
+              </a:extLst>
+            </p:cNvPr>
+            <p:cNvSpPr/>
+            <p:nvPr/>
+          </p:nvSpPr>
+          <p:spPr>
+            <a:xfrm>
+              <a:off x="6134170" y="2220783"/>
+              <a:ext cx="365759" cy="133003"/>
+            </a:xfrm>
+            <a:prstGeom prst="rect">
+              <a:avLst/>
+            </a:prstGeom>
+            <a:solidFill>
+              <a:srgbClr val="FF0000"/>
+            </a:solidFill>
+            <a:ln>
+              <a:noFill/>
+            </a:ln>
+          </p:spPr>
+          <p:style>
+            <a:lnRef idx="2">
+              <a:schemeClr val="accent1">
+                <a:shade val="50000"/>
+              </a:schemeClr>
+            </a:lnRef>
+            <a:fillRef idx="1">
+              <a:schemeClr val="accent1"/>
+            </a:fillRef>
+            <a:effectRef idx="0">
+              <a:schemeClr val="accent1"/>
+            </a:effectRef>
+            <a:fontRef idx="minor">
+              <a:schemeClr val="lt1"/>
+            </a:fontRef>
+          </p:style>
+          <p:txBody>
+            <a:bodyPr wrap="none" rtlCol="0" anchor="ctr"/>
+            <a:lstStyle/>
+            <a:p>
+              <a:pPr algn="ctr"/>
+              <a:r>
+                <a:rPr lang="en-US" sz="800" dirty="0"/>
+                <a:t>3.3 OUT</a:t>
+              </a:r>
+            </a:p>
+          </p:txBody>
+        </p:sp>
+      </p:grpSp>
+      <p:cxnSp>
+        <p:nvCxnSpPr>
+          <p:cNvPr id="19" name="Straight Connector 18">
+            <a:extLst>
+              <a:ext uri="{FF2B5EF4-FFF2-40B4-BE49-F238E27FC236}">
+                <a16:creationId xmlns:a16="http://schemas.microsoft.com/office/drawing/2014/main" id="{D63D61D8-FAAE-134F-9C57-5F1B00AD4BF6}"/>
+              </a:ext>
+            </a:extLst>
+          </p:cNvPr>
+          <p:cNvCxnSpPr>
+            <a:cxnSpLocks/>
+            <a:stCxn id="55" idx="6"/>
+            <a:endCxn id="53" idx="2"/>
+          </p:cNvCxnSpPr>
+          <p:nvPr/>
+        </p:nvCxnSpPr>
+        <p:spPr>
+          <a:xfrm>
+            <a:off x="6745518" y="2206849"/>
+            <a:ext cx="486047" cy="90373"/>
+          </a:xfrm>
+          <a:prstGeom prst="line">
+            <a:avLst/>
+          </a:prstGeom>
+          <a:ln w="76200" cap="sq">
+            <a:solidFill>
+              <a:srgbClr val="FF0000"/>
+            </a:solidFill>
+          </a:ln>
+        </p:spPr>
+        <p:style>
+          <a:lnRef idx="1">
+            <a:schemeClr val="accent1"/>
+          </a:lnRef>
+          <a:fillRef idx="0">
+            <a:schemeClr val="accent1"/>
+          </a:fillRef>
+          <a:effectRef idx="0">
+            <a:schemeClr val="accent1"/>
+          </a:effectRef>
+          <a:fontRef idx="minor">
+            <a:schemeClr val="tx1"/>
+          </a:fontRef>
+        </p:style>
+      </p:cxnSp>
+      <p:cxnSp>
+        <p:nvCxnSpPr>
+          <p:cNvPr id="21" name="Straight Connector 20">
+            <a:extLst>
+              <a:ext uri="{FF2B5EF4-FFF2-40B4-BE49-F238E27FC236}">
+                <a16:creationId xmlns:a16="http://schemas.microsoft.com/office/drawing/2014/main" id="{34CD9C38-5BB2-3A42-945C-B02EB89ED041}"/>
+              </a:ext>
+            </a:extLst>
+          </p:cNvPr>
+          <p:cNvCxnSpPr>
+            <a:cxnSpLocks/>
+          </p:cNvCxnSpPr>
+          <p:nvPr/>
+        </p:nvCxnSpPr>
+        <p:spPr>
+          <a:xfrm>
+            <a:off x="6668429" y="3786144"/>
+            <a:ext cx="814039" cy="114973"/>
+          </a:xfrm>
+          <a:prstGeom prst="line">
+            <a:avLst/>
+          </a:prstGeom>
+          <a:ln w="76200">
+            <a:solidFill>
+              <a:schemeClr val="tx1"/>
+            </a:solidFill>
+          </a:ln>
+        </p:spPr>
+        <p:style>
+          <a:lnRef idx="1">
+            <a:schemeClr val="accent1"/>
+          </a:lnRef>
+          <a:fillRef idx="0">
+            <a:schemeClr val="accent1"/>
+          </a:fillRef>
+          <a:effectRef idx="0">
+            <a:schemeClr val="accent1"/>
+          </a:effectRef>
+          <a:fontRef idx="minor">
+            <a:schemeClr val="tx1"/>
+          </a:fontRef>
+        </p:style>
+      </p:cxnSp>
+      <p:cxnSp>
+        <p:nvCxnSpPr>
+          <p:cNvPr id="23" name="Straight Connector 22">
+            <a:extLst>
+              <a:ext uri="{FF2B5EF4-FFF2-40B4-BE49-F238E27FC236}">
+                <a16:creationId xmlns:a16="http://schemas.microsoft.com/office/drawing/2014/main" id="{BD220E82-C3B7-8E4A-9642-BD39F357CFB3}"/>
+              </a:ext>
+            </a:extLst>
+          </p:cNvPr>
+          <p:cNvCxnSpPr>
+            <a:cxnSpLocks/>
+          </p:cNvCxnSpPr>
+          <p:nvPr/>
+        </p:nvCxnSpPr>
+        <p:spPr>
+          <a:xfrm flipV="1">
+            <a:off x="3893467" y="3793630"/>
+            <a:ext cx="788355" cy="114973"/>
+          </a:xfrm>
+          <a:prstGeom prst="line">
+            <a:avLst/>
+          </a:prstGeom>
+          <a:ln w="76200">
+            <a:solidFill>
+              <a:schemeClr val="tx1"/>
+            </a:solidFill>
+          </a:ln>
+        </p:spPr>
+        <p:style>
+          <a:lnRef idx="1">
+            <a:schemeClr val="accent1"/>
+          </a:lnRef>
+          <a:fillRef idx="0">
+            <a:schemeClr val="accent1"/>
+          </a:fillRef>
+          <a:effectRef idx="0">
+            <a:schemeClr val="accent1"/>
+          </a:effectRef>
+          <a:fontRef idx="minor">
+            <a:schemeClr val="tx1"/>
+          </a:fontRef>
+        </p:style>
+      </p:cxnSp>
+      <p:cxnSp>
+        <p:nvCxnSpPr>
+          <p:cNvPr id="25" name="Straight Connector 24">
+            <a:extLst>
+              <a:ext uri="{FF2B5EF4-FFF2-40B4-BE49-F238E27FC236}">
+                <a16:creationId xmlns:a16="http://schemas.microsoft.com/office/drawing/2014/main" id="{3BCBA47A-199F-2548-8D8D-58322A3B9092}"/>
+              </a:ext>
+            </a:extLst>
+          </p:cNvPr>
+          <p:cNvCxnSpPr>
+            <a:cxnSpLocks/>
+          </p:cNvCxnSpPr>
+          <p:nvPr/>
+        </p:nvCxnSpPr>
+        <p:spPr>
+          <a:xfrm flipV="1">
+            <a:off x="6702997" y="852372"/>
+            <a:ext cx="0" cy="766220"/>
+          </a:xfrm>
+          <a:prstGeom prst="line">
+            <a:avLst/>
+          </a:prstGeom>
+          <a:ln w="76200" cap="sq">
+            <a:solidFill>
+              <a:srgbClr val="FF0000"/>
+            </a:solidFill>
+          </a:ln>
+        </p:spPr>
+        <p:style>
+          <a:lnRef idx="1">
+            <a:schemeClr val="accent1"/>
+          </a:lnRef>
+          <a:fillRef idx="0">
+            <a:schemeClr val="accent1"/>
+          </a:fillRef>
+          <a:effectRef idx="0">
+            <a:schemeClr val="accent1"/>
+          </a:effectRef>
+          <a:fontRef idx="minor">
+            <a:schemeClr val="tx1"/>
+          </a:fontRef>
+        </p:style>
+      </p:cxnSp>
+      <p:cxnSp>
+        <p:nvCxnSpPr>
+          <p:cNvPr id="27" name="Straight Connector 26">
+            <a:extLst>
+              <a:ext uri="{FF2B5EF4-FFF2-40B4-BE49-F238E27FC236}">
+                <a16:creationId xmlns:a16="http://schemas.microsoft.com/office/drawing/2014/main" id="{157A80CE-46E3-4D4D-B755-AFC14F844C29}"/>
+              </a:ext>
+            </a:extLst>
+          </p:cNvPr>
+          <p:cNvCxnSpPr>
+            <a:cxnSpLocks/>
+          </p:cNvCxnSpPr>
+          <p:nvPr/>
+        </p:nvCxnSpPr>
+        <p:spPr>
+          <a:xfrm flipH="1" flipV="1">
+            <a:off x="3702518" y="800330"/>
+            <a:ext cx="3000480" cy="12724"/>
+          </a:xfrm>
+          <a:prstGeom prst="line">
+            <a:avLst/>
+          </a:prstGeom>
+          <a:ln w="76200" cap="sq">
+            <a:solidFill>
+              <a:srgbClr val="FF0000"/>
+            </a:solidFill>
+          </a:ln>
+        </p:spPr>
+        <p:style>
+          <a:lnRef idx="1">
+            <a:schemeClr val="accent1"/>
+          </a:lnRef>
+          <a:fillRef idx="0">
+            <a:schemeClr val="accent1"/>
+          </a:fillRef>
+          <a:effectRef idx="0">
+            <a:schemeClr val="accent1"/>
+          </a:effectRef>
+          <a:fontRef idx="minor">
+            <a:schemeClr val="tx1"/>
+          </a:fontRef>
+        </p:style>
+      </p:cxnSp>
+      <p:cxnSp>
+        <p:nvCxnSpPr>
+          <p:cNvPr id="31" name="Straight Connector 30">
+            <a:extLst>
+              <a:ext uri="{FF2B5EF4-FFF2-40B4-BE49-F238E27FC236}">
+                <a16:creationId xmlns:a16="http://schemas.microsoft.com/office/drawing/2014/main" id="{03E145CF-FABD-D34D-A40A-547BFF178052}"/>
+              </a:ext>
+            </a:extLst>
+          </p:cNvPr>
+          <p:cNvCxnSpPr>
+            <a:cxnSpLocks/>
+            <a:endCxn id="58" idx="0"/>
+          </p:cNvCxnSpPr>
+          <p:nvPr/>
+        </p:nvCxnSpPr>
+        <p:spPr>
+          <a:xfrm>
+            <a:off x="3702518" y="873008"/>
+            <a:ext cx="0" cy="560288"/>
+          </a:xfrm>
+          <a:prstGeom prst="line">
+            <a:avLst/>
+          </a:prstGeom>
+          <a:ln w="76200" cap="sq">
+            <a:solidFill>
+              <a:srgbClr val="FF0000"/>
+            </a:solidFill>
+          </a:ln>
+        </p:spPr>
+        <p:style>
+          <a:lnRef idx="1">
+            <a:schemeClr val="accent1"/>
+          </a:lnRef>
+          <a:fillRef idx="0">
+            <a:schemeClr val="accent1"/>
+          </a:fillRef>
+          <a:effectRef idx="0">
+            <a:schemeClr val="accent1"/>
+          </a:effectRef>
+          <a:fontRef idx="minor">
+            <a:schemeClr val="tx1"/>
+          </a:fontRef>
+        </p:style>
+      </p:cxnSp>
+      <p:sp>
+        <p:nvSpPr>
+          <p:cNvPr id="36" name="Rectangle 35">
+            <a:extLst>
+              <a:ext uri="{FF2B5EF4-FFF2-40B4-BE49-F238E27FC236}">
+                <a16:creationId xmlns:a16="http://schemas.microsoft.com/office/drawing/2014/main" id="{B421C9C2-9A7F-C849-9C25-035E7094F4E8}"/>
+              </a:ext>
+            </a:extLst>
+          </p:cNvPr>
+          <p:cNvSpPr/>
+          <p:nvPr/>
+        </p:nvSpPr>
+        <p:spPr>
+          <a:xfrm>
+            <a:off x="6132867" y="2748439"/>
+            <a:ext cx="268655" cy="120366"/>
+          </a:xfrm>
+          <a:prstGeom prst="rect">
+            <a:avLst/>
+          </a:prstGeom>
+          <a:solidFill>
+            <a:schemeClr val="tx1"/>
+          </a:solidFill>
+          <a:ln>
+            <a:noFill/>
+          </a:ln>
+        </p:spPr>
+        <p:style>
+          <a:lnRef idx="2">
+            <a:schemeClr val="accent1">
+              <a:shade val="50000"/>
+            </a:schemeClr>
+          </a:lnRef>
+          <a:fillRef idx="1">
+            <a:schemeClr val="accent1"/>
+          </a:fillRef>
+          <a:effectRef idx="0">
+            <a:schemeClr val="accent1"/>
+          </a:effectRef>
+          <a:fontRef idx="minor">
+            <a:schemeClr val="lt1"/>
+          </a:fontRef>
+        </p:style>
+        <p:txBody>
+          <a:bodyPr wrap="none" rtlCol="0" anchor="ctr"/>
+          <a:lstStyle/>
+          <a:p>
+            <a:pPr algn="ctr"/>
+            <a:r>
+              <a:rPr lang="en-US" sz="800" dirty="0"/>
+              <a:t>GND</a:t>
+            </a:r>
+          </a:p>
+        </p:txBody>
+      </p:sp>
+      <p:sp>
+        <p:nvSpPr>
+          <p:cNvPr id="37" name="Rectangle 36">
+            <a:extLst>
+              <a:ext uri="{FF2B5EF4-FFF2-40B4-BE49-F238E27FC236}">
+                <a16:creationId xmlns:a16="http://schemas.microsoft.com/office/drawing/2014/main" id="{2069EFD5-83E9-1E4C-8FEB-7CD711E20211}"/>
+              </a:ext>
+            </a:extLst>
+          </p:cNvPr>
+          <p:cNvSpPr/>
+          <p:nvPr/>
+        </p:nvSpPr>
+        <p:spPr>
+          <a:xfrm>
+            <a:off x="4773141" y="2742210"/>
+            <a:ext cx="268655" cy="120366"/>
+          </a:xfrm>
+          <a:prstGeom prst="rect">
+            <a:avLst/>
+          </a:prstGeom>
+          <a:solidFill>
+            <a:schemeClr val="tx1"/>
+          </a:solidFill>
+          <a:ln>
+            <a:noFill/>
+          </a:ln>
+        </p:spPr>
+        <p:style>
+          <a:lnRef idx="2">
+            <a:schemeClr val="accent1">
+              <a:shade val="50000"/>
+            </a:schemeClr>
+          </a:lnRef>
+          <a:fillRef idx="1">
+            <a:schemeClr val="accent1"/>
+          </a:fillRef>
+          <a:effectRef idx="0">
+            <a:schemeClr val="accent1"/>
+          </a:effectRef>
+          <a:fontRef idx="minor">
+            <a:schemeClr val="lt1"/>
+          </a:fontRef>
+        </p:style>
+        <p:txBody>
+          <a:bodyPr wrap="none" rtlCol="0" anchor="ctr"/>
+          <a:lstStyle/>
+          <a:p>
+            <a:pPr algn="ctr"/>
+            <a:r>
+              <a:rPr lang="en-US" sz="800" dirty="0"/>
+              <a:t>GND</a:t>
+            </a:r>
+          </a:p>
+        </p:txBody>
+      </p:sp>
+      <p:sp>
+        <p:nvSpPr>
+          <p:cNvPr id="38" name="Rectangle 37">
+            <a:extLst>
+              <a:ext uri="{FF2B5EF4-FFF2-40B4-BE49-F238E27FC236}">
+                <a16:creationId xmlns:a16="http://schemas.microsoft.com/office/drawing/2014/main" id="{9DDBD4DE-E2D2-7F4D-BE60-02DE3C627B18}"/>
+              </a:ext>
+            </a:extLst>
+          </p:cNvPr>
+          <p:cNvSpPr/>
+          <p:nvPr/>
+        </p:nvSpPr>
+        <p:spPr>
+          <a:xfrm>
+            <a:off x="6120994" y="3733447"/>
+            <a:ext cx="268655" cy="120366"/>
+          </a:xfrm>
+          <a:prstGeom prst="rect">
+            <a:avLst/>
+          </a:prstGeom>
+          <a:solidFill>
+            <a:schemeClr val="tx1"/>
+          </a:solidFill>
+          <a:ln>
+            <a:noFill/>
+          </a:ln>
+        </p:spPr>
+        <p:style>
+          <a:lnRef idx="2">
+            <a:schemeClr val="accent1">
+              <a:shade val="50000"/>
+            </a:schemeClr>
+          </a:lnRef>
+          <a:fillRef idx="1">
+            <a:schemeClr val="accent1"/>
+          </a:fillRef>
+          <a:effectRef idx="0">
+            <a:schemeClr val="accent1"/>
+          </a:effectRef>
+          <a:fontRef idx="minor">
+            <a:schemeClr val="lt1"/>
+          </a:fontRef>
+        </p:style>
+        <p:txBody>
+          <a:bodyPr wrap="none" rtlCol="0" anchor="ctr"/>
+          <a:lstStyle/>
+          <a:p>
+            <a:pPr algn="ctr"/>
+            <a:r>
+              <a:rPr lang="en-US" sz="800" dirty="0"/>
+              <a:t>GND</a:t>
+            </a:r>
+          </a:p>
+        </p:txBody>
+      </p:sp>
+      <p:sp>
+        <p:nvSpPr>
+          <p:cNvPr id="39" name="Rectangle 38">
+            <a:extLst>
+              <a:ext uri="{FF2B5EF4-FFF2-40B4-BE49-F238E27FC236}">
+                <a16:creationId xmlns:a16="http://schemas.microsoft.com/office/drawing/2014/main" id="{C9F7FA9D-CF1E-6F42-AB32-3FB332BE74C0}"/>
+              </a:ext>
+            </a:extLst>
+          </p:cNvPr>
+          <p:cNvSpPr/>
+          <p:nvPr/>
+        </p:nvSpPr>
+        <p:spPr>
+          <a:xfrm>
+            <a:off x="4773141" y="3726980"/>
+            <a:ext cx="268655" cy="120366"/>
+          </a:xfrm>
+          <a:prstGeom prst="rect">
+            <a:avLst/>
+          </a:prstGeom>
+          <a:solidFill>
+            <a:schemeClr val="tx1"/>
+          </a:solidFill>
+          <a:ln>
+            <a:noFill/>
+          </a:ln>
+        </p:spPr>
+        <p:style>
+          <a:lnRef idx="2">
+            <a:schemeClr val="accent1">
+              <a:shade val="50000"/>
+            </a:schemeClr>
+          </a:lnRef>
+          <a:fillRef idx="1">
+            <a:schemeClr val="accent1"/>
+          </a:fillRef>
+          <a:effectRef idx="0">
+            <a:schemeClr val="accent1"/>
+          </a:effectRef>
+          <a:fontRef idx="minor">
+            <a:schemeClr val="lt1"/>
+          </a:fontRef>
+        </p:style>
+        <p:txBody>
+          <a:bodyPr wrap="none" rtlCol="0" anchor="ctr"/>
+          <a:lstStyle/>
+          <a:p>
+            <a:pPr algn="ctr"/>
+            <a:r>
+              <a:rPr lang="en-US" sz="800" dirty="0"/>
+              <a:t>GND</a:t>
+            </a:r>
+          </a:p>
+        </p:txBody>
+      </p:sp>
+      <p:sp>
+        <p:nvSpPr>
+          <p:cNvPr id="40" name="Rectangle 39">
+            <a:extLst>
+              <a:ext uri="{FF2B5EF4-FFF2-40B4-BE49-F238E27FC236}">
+                <a16:creationId xmlns:a16="http://schemas.microsoft.com/office/drawing/2014/main" id="{E3C36DF6-D39A-F840-BC36-A455C8A8FD33}"/>
+              </a:ext>
+            </a:extLst>
+          </p:cNvPr>
+          <p:cNvSpPr/>
+          <p:nvPr/>
+        </p:nvSpPr>
+        <p:spPr>
+          <a:xfrm>
+            <a:off x="6120993" y="4717145"/>
+            <a:ext cx="268655" cy="120366"/>
+          </a:xfrm>
+          <a:prstGeom prst="rect">
+            <a:avLst/>
+          </a:prstGeom>
+          <a:solidFill>
+            <a:schemeClr val="tx1"/>
+          </a:solidFill>
+          <a:ln>
+            <a:noFill/>
+          </a:ln>
+        </p:spPr>
+        <p:style>
+          <a:lnRef idx="2">
+            <a:schemeClr val="accent1">
+              <a:shade val="50000"/>
+            </a:schemeClr>
+          </a:lnRef>
+          <a:fillRef idx="1">
+            <a:schemeClr val="accent1"/>
+          </a:fillRef>
+          <a:effectRef idx="0">
+            <a:schemeClr val="accent1"/>
+          </a:effectRef>
+          <a:fontRef idx="minor">
+            <a:schemeClr val="lt1"/>
+          </a:fontRef>
+        </p:style>
+        <p:txBody>
+          <a:bodyPr wrap="none" rtlCol="0" anchor="ctr"/>
+          <a:lstStyle/>
+          <a:p>
+            <a:pPr algn="ctr"/>
+            <a:r>
+              <a:rPr lang="en-US" sz="800" dirty="0"/>
+              <a:t>GND</a:t>
+            </a:r>
+          </a:p>
+        </p:txBody>
+      </p:sp>
+      <p:sp>
+        <p:nvSpPr>
+          <p:cNvPr id="41" name="Rectangle 40">
+            <a:extLst>
+              <a:ext uri="{FF2B5EF4-FFF2-40B4-BE49-F238E27FC236}">
+                <a16:creationId xmlns:a16="http://schemas.microsoft.com/office/drawing/2014/main" id="{D4142711-00DD-D044-9096-2E5C4B9D1EF9}"/>
+              </a:ext>
+            </a:extLst>
+          </p:cNvPr>
+          <p:cNvSpPr/>
+          <p:nvPr/>
+        </p:nvSpPr>
+        <p:spPr>
+          <a:xfrm>
+            <a:off x="4773141" y="4730189"/>
+            <a:ext cx="268655" cy="120366"/>
+          </a:xfrm>
+          <a:prstGeom prst="rect">
+            <a:avLst/>
+          </a:prstGeom>
+          <a:solidFill>
+            <a:schemeClr val="tx1"/>
+          </a:solidFill>
+          <a:ln>
+            <a:noFill/>
+          </a:ln>
+        </p:spPr>
+        <p:style>
+          <a:lnRef idx="2">
+            <a:schemeClr val="accent1">
+              <a:shade val="50000"/>
+            </a:schemeClr>
+          </a:lnRef>
+          <a:fillRef idx="1">
+            <a:schemeClr val="accent1"/>
+          </a:fillRef>
+          <a:effectRef idx="0">
+            <a:schemeClr val="accent1"/>
+          </a:effectRef>
+          <a:fontRef idx="minor">
+            <a:schemeClr val="lt1"/>
+          </a:fontRef>
+        </p:style>
+        <p:txBody>
+          <a:bodyPr wrap="none" rtlCol="0" anchor="ctr"/>
+          <a:lstStyle/>
+          <a:p>
+            <a:pPr algn="ctr"/>
+            <a:r>
+              <a:rPr lang="en-US" sz="800" dirty="0"/>
+              <a:t>GND</a:t>
+            </a:r>
+          </a:p>
+        </p:txBody>
+      </p:sp>
+      <p:sp>
+        <p:nvSpPr>
+          <p:cNvPr id="43" name="TextBox 42">
+            <a:extLst>
+              <a:ext uri="{FF2B5EF4-FFF2-40B4-BE49-F238E27FC236}">
+                <a16:creationId xmlns:a16="http://schemas.microsoft.com/office/drawing/2014/main" id="{C78F25B5-D06A-A947-B6A2-D5E4B45DDF60}"/>
+              </a:ext>
+            </a:extLst>
+          </p:cNvPr>
+          <p:cNvSpPr txBox="1"/>
+          <p:nvPr/>
+        </p:nvSpPr>
+        <p:spPr>
+          <a:xfrm>
+            <a:off x="7761248" y="3059668"/>
+            <a:ext cx="1002197" cy="369332"/>
+          </a:xfrm>
+          <a:prstGeom prst="rect">
+            <a:avLst/>
+          </a:prstGeom>
+          <a:noFill/>
+        </p:spPr>
+        <p:txBody>
+          <a:bodyPr wrap="none" rtlCol="0">
+            <a:spAutoFit/>
+          </a:bodyPr>
+          <a:lstStyle/>
+          <a:p>
+            <a:r>
+              <a:rPr lang="en-US" dirty="0"/>
+              <a:t>3.3V Rail</a:t>
+            </a:r>
+          </a:p>
+        </p:txBody>
+      </p:sp>
+      <p:sp>
+        <p:nvSpPr>
+          <p:cNvPr id="44" name="TextBox 43">
+            <a:extLst>
+              <a:ext uri="{FF2B5EF4-FFF2-40B4-BE49-F238E27FC236}">
+                <a16:creationId xmlns:a16="http://schemas.microsoft.com/office/drawing/2014/main" id="{DD502CD8-A644-7347-B7D9-FCF41D44658B}"/>
+              </a:ext>
+            </a:extLst>
+          </p:cNvPr>
+          <p:cNvSpPr txBox="1"/>
+          <p:nvPr/>
+        </p:nvSpPr>
+        <p:spPr>
+          <a:xfrm>
+            <a:off x="2559391" y="3103054"/>
+            <a:ext cx="827471" cy="369332"/>
+          </a:xfrm>
+          <a:prstGeom prst="rect">
+            <a:avLst/>
+          </a:prstGeom>
+          <a:noFill/>
+        </p:spPr>
+        <p:txBody>
+          <a:bodyPr wrap="none" rtlCol="0">
+            <a:spAutoFit/>
+          </a:bodyPr>
+          <a:lstStyle/>
+          <a:p>
+            <a:r>
+              <a:rPr lang="en-US" dirty="0"/>
+              <a:t>5V Rail</a:t>
+            </a:r>
+          </a:p>
+        </p:txBody>
+      </p:sp>
+      <p:cxnSp>
+        <p:nvCxnSpPr>
+          <p:cNvPr id="45" name="Straight Connector 44">
+            <a:extLst>
+              <a:ext uri="{FF2B5EF4-FFF2-40B4-BE49-F238E27FC236}">
+                <a16:creationId xmlns:a16="http://schemas.microsoft.com/office/drawing/2014/main" id="{65C22333-68FB-4E41-944D-9E1D23A5939C}"/>
+              </a:ext>
+            </a:extLst>
+          </p:cNvPr>
+          <p:cNvCxnSpPr>
+            <a:cxnSpLocks/>
+          </p:cNvCxnSpPr>
+          <p:nvPr/>
+        </p:nvCxnSpPr>
+        <p:spPr>
+          <a:xfrm>
+            <a:off x="2118732" y="5652944"/>
+            <a:ext cx="1583786" cy="1"/>
+          </a:xfrm>
+          <a:prstGeom prst="line">
+            <a:avLst/>
+          </a:prstGeom>
+          <a:ln w="76200" cap="sq">
+            <a:solidFill>
+              <a:srgbClr val="FF0000"/>
+            </a:solidFill>
+          </a:ln>
+        </p:spPr>
+        <p:style>
+          <a:lnRef idx="1">
+            <a:schemeClr val="accent1"/>
+          </a:lnRef>
+          <a:fillRef idx="0">
+            <a:schemeClr val="accent1"/>
+          </a:fillRef>
+          <a:effectRef idx="0">
+            <a:schemeClr val="accent1"/>
+          </a:effectRef>
+          <a:fontRef idx="minor">
+            <a:schemeClr val="tx1"/>
+          </a:fontRef>
+        </p:style>
+      </p:cxnSp>
+      <p:sp>
+        <p:nvSpPr>
+          <p:cNvPr id="49" name="TextBox 48">
+            <a:extLst>
+              <a:ext uri="{FF2B5EF4-FFF2-40B4-BE49-F238E27FC236}">
+                <a16:creationId xmlns:a16="http://schemas.microsoft.com/office/drawing/2014/main" id="{9F1A56A8-31BE-2349-A218-6AA5E4CCCAD1}"/>
+              </a:ext>
+            </a:extLst>
+          </p:cNvPr>
+          <p:cNvSpPr txBox="1"/>
+          <p:nvPr/>
+        </p:nvSpPr>
+        <p:spPr>
+          <a:xfrm>
+            <a:off x="2035530" y="5283612"/>
+            <a:ext cx="1351332" cy="369332"/>
+          </a:xfrm>
+          <a:prstGeom prst="rect">
+            <a:avLst/>
+          </a:prstGeom>
+          <a:noFill/>
+        </p:spPr>
+        <p:txBody>
+          <a:bodyPr wrap="none" rtlCol="0">
+            <a:spAutoFit/>
+          </a:bodyPr>
+          <a:lstStyle/>
+          <a:p>
+            <a:r>
+              <a:rPr lang="en-US" dirty="0"/>
+              <a:t>Incoming 5V</a:t>
+            </a:r>
+          </a:p>
+        </p:txBody>
+      </p:sp>
+      <p:sp>
+        <p:nvSpPr>
+          <p:cNvPr id="51" name="Oval 50">
+            <a:extLst>
+              <a:ext uri="{FF2B5EF4-FFF2-40B4-BE49-F238E27FC236}">
+                <a16:creationId xmlns:a16="http://schemas.microsoft.com/office/drawing/2014/main" id="{37FFD8F9-7349-0742-991E-2DE7100E10CC}"/>
+              </a:ext>
+            </a:extLst>
+          </p:cNvPr>
+          <p:cNvSpPr/>
+          <p:nvPr/>
+        </p:nvSpPr>
+        <p:spPr>
+          <a:xfrm>
+            <a:off x="7418666" y="3829203"/>
+            <a:ext cx="100361" cy="131007"/>
+          </a:xfrm>
+          <a:prstGeom prst="ellipse">
+            <a:avLst/>
+          </a:prstGeom>
+          <a:solidFill>
+            <a:schemeClr val="tx1"/>
+          </a:solidFill>
+          <a:ln>
+            <a:solidFill>
+              <a:schemeClr val="bg1">
+                <a:lumMod val="50000"/>
+              </a:schemeClr>
+            </a:solidFill>
+          </a:ln>
+        </p:spPr>
+        <p:style>
+          <a:lnRef idx="2">
+            <a:schemeClr val="accent1">
+              <a:shade val="50000"/>
+            </a:schemeClr>
+          </a:lnRef>
+          <a:fillRef idx="1">
+            <a:schemeClr val="accent1"/>
+          </a:fillRef>
+          <a:effectRef idx="0">
+            <a:schemeClr val="accent1"/>
+          </a:effectRef>
+          <a:fontRef idx="minor">
+            <a:schemeClr val="lt1"/>
+          </a:fontRef>
+        </p:style>
+        <p:txBody>
+          <a:bodyPr rtlCol="0" anchor="ctr"/>
+          <a:lstStyle/>
+          <a:p>
+            <a:pPr algn="ctr"/>
+            <a:endParaRPr lang="en-US"/>
+          </a:p>
+        </p:txBody>
+      </p:sp>
+      <p:sp>
+        <p:nvSpPr>
+          <p:cNvPr id="52" name="Oval 51">
+            <a:extLst>
+              <a:ext uri="{FF2B5EF4-FFF2-40B4-BE49-F238E27FC236}">
+                <a16:creationId xmlns:a16="http://schemas.microsoft.com/office/drawing/2014/main" id="{94D756D2-2098-A041-8074-04D1A4B30F35}"/>
+              </a:ext>
+            </a:extLst>
+          </p:cNvPr>
+          <p:cNvSpPr/>
+          <p:nvPr/>
+        </p:nvSpPr>
+        <p:spPr>
+          <a:xfrm>
+            <a:off x="6652816" y="3728126"/>
+            <a:ext cx="100361" cy="131007"/>
+          </a:xfrm>
+          <a:prstGeom prst="ellipse">
+            <a:avLst/>
+          </a:prstGeom>
+          <a:solidFill>
+            <a:schemeClr val="tx1"/>
+          </a:solidFill>
+          <a:ln>
+            <a:solidFill>
+              <a:schemeClr val="bg1">
+                <a:lumMod val="50000"/>
+              </a:schemeClr>
+            </a:solidFill>
+          </a:ln>
+        </p:spPr>
+        <p:style>
+          <a:lnRef idx="2">
+            <a:schemeClr val="accent1">
+              <a:shade val="50000"/>
+            </a:schemeClr>
+          </a:lnRef>
+          <a:fillRef idx="1">
+            <a:schemeClr val="accent1"/>
+          </a:fillRef>
+          <a:effectRef idx="0">
+            <a:schemeClr val="accent1"/>
+          </a:effectRef>
+          <a:fontRef idx="minor">
+            <a:schemeClr val="lt1"/>
+          </a:fontRef>
+        </p:style>
+        <p:txBody>
+          <a:bodyPr rtlCol="0" anchor="ctr"/>
+          <a:lstStyle/>
+          <a:p>
+            <a:pPr algn="ctr"/>
+            <a:endParaRPr lang="en-US"/>
+          </a:p>
+        </p:txBody>
+      </p:sp>
+      <p:sp>
+        <p:nvSpPr>
+          <p:cNvPr id="53" name="Oval 52">
+            <a:extLst>
+              <a:ext uri="{FF2B5EF4-FFF2-40B4-BE49-F238E27FC236}">
+                <a16:creationId xmlns:a16="http://schemas.microsoft.com/office/drawing/2014/main" id="{C099D247-450E-0240-80BC-D0007690B581}"/>
+              </a:ext>
+            </a:extLst>
+          </p:cNvPr>
+          <p:cNvSpPr/>
+          <p:nvPr/>
+        </p:nvSpPr>
+        <p:spPr>
+          <a:xfrm>
+            <a:off x="7231565" y="2231718"/>
+            <a:ext cx="100361" cy="131007"/>
+          </a:xfrm>
+          <a:prstGeom prst="ellipse">
+            <a:avLst/>
+          </a:prstGeom>
+          <a:solidFill>
+            <a:srgbClr val="FF0000"/>
+          </a:solidFill>
+          <a:ln>
+            <a:solidFill>
+              <a:schemeClr val="bg1">
+                <a:lumMod val="50000"/>
+              </a:schemeClr>
+            </a:solidFill>
+          </a:ln>
+        </p:spPr>
+        <p:style>
+          <a:lnRef idx="2">
+            <a:schemeClr val="accent1">
+              <a:shade val="50000"/>
+            </a:schemeClr>
+          </a:lnRef>
+          <a:fillRef idx="1">
+            <a:schemeClr val="accent1"/>
+          </a:fillRef>
+          <a:effectRef idx="0">
+            <a:schemeClr val="accent1"/>
+          </a:effectRef>
+          <a:fontRef idx="minor">
+            <a:schemeClr val="lt1"/>
+          </a:fontRef>
+        </p:style>
+        <p:txBody>
+          <a:bodyPr rtlCol="0" anchor="ctr"/>
+          <a:lstStyle/>
+          <a:p>
+            <a:pPr algn="ctr"/>
+            <a:endParaRPr lang="en-US"/>
+          </a:p>
+        </p:txBody>
+      </p:sp>
+      <p:sp>
+        <p:nvSpPr>
+          <p:cNvPr id="55" name="Oval 54">
+            <a:extLst>
+              <a:ext uri="{FF2B5EF4-FFF2-40B4-BE49-F238E27FC236}">
+                <a16:creationId xmlns:a16="http://schemas.microsoft.com/office/drawing/2014/main" id="{AF4EDA84-B4E6-B34C-9FB8-A49A0C14B2B6}"/>
+              </a:ext>
+            </a:extLst>
+          </p:cNvPr>
+          <p:cNvSpPr/>
+          <p:nvPr/>
+        </p:nvSpPr>
+        <p:spPr>
+          <a:xfrm>
+            <a:off x="6645157" y="2141345"/>
+            <a:ext cx="100361" cy="131007"/>
+          </a:xfrm>
+          <a:prstGeom prst="ellipse">
+            <a:avLst/>
+          </a:prstGeom>
+          <a:solidFill>
+            <a:srgbClr val="FF0000"/>
+          </a:solidFill>
+          <a:ln>
+            <a:solidFill>
+              <a:schemeClr val="bg1">
+                <a:lumMod val="50000"/>
+              </a:schemeClr>
+            </a:solidFill>
+          </a:ln>
+        </p:spPr>
+        <p:style>
+          <a:lnRef idx="2">
+            <a:schemeClr val="accent1">
+              <a:shade val="50000"/>
+            </a:schemeClr>
+          </a:lnRef>
+          <a:fillRef idx="1">
+            <a:schemeClr val="accent1"/>
+          </a:fillRef>
+          <a:effectRef idx="0">
+            <a:schemeClr val="accent1"/>
+          </a:effectRef>
+          <a:fontRef idx="minor">
+            <a:schemeClr val="lt1"/>
+          </a:fontRef>
+        </p:style>
+        <p:txBody>
+          <a:bodyPr rtlCol="0" anchor="ctr"/>
+          <a:lstStyle/>
+          <a:p>
+            <a:pPr algn="ctr"/>
+            <a:endParaRPr lang="en-US"/>
+          </a:p>
+        </p:txBody>
+      </p:sp>
+      <p:sp>
+        <p:nvSpPr>
+          <p:cNvPr id="57" name="Oval 56">
+            <a:extLst>
+              <a:ext uri="{FF2B5EF4-FFF2-40B4-BE49-F238E27FC236}">
+                <a16:creationId xmlns:a16="http://schemas.microsoft.com/office/drawing/2014/main" id="{0093AA24-02F5-C141-8DC8-D0BDA68F2BDE}"/>
+              </a:ext>
+            </a:extLst>
+          </p:cNvPr>
+          <p:cNvSpPr/>
+          <p:nvPr/>
+        </p:nvSpPr>
+        <p:spPr>
+          <a:xfrm>
+            <a:off x="6645157" y="1556789"/>
+            <a:ext cx="100361" cy="131007"/>
+          </a:xfrm>
+          <a:prstGeom prst="ellipse">
+            <a:avLst/>
+          </a:prstGeom>
+          <a:solidFill>
+            <a:srgbClr val="FF0000"/>
+          </a:solidFill>
+          <a:ln>
+            <a:solidFill>
+              <a:schemeClr val="bg1">
+                <a:lumMod val="50000"/>
+              </a:schemeClr>
+            </a:solidFill>
+          </a:ln>
+        </p:spPr>
+        <p:style>
+          <a:lnRef idx="2">
+            <a:schemeClr val="accent1">
+              <a:shade val="50000"/>
+            </a:schemeClr>
+          </a:lnRef>
+          <a:fillRef idx="1">
+            <a:schemeClr val="accent1"/>
+          </a:fillRef>
+          <a:effectRef idx="0">
+            <a:schemeClr val="accent1"/>
+          </a:effectRef>
+          <a:fontRef idx="minor">
+            <a:schemeClr val="lt1"/>
+          </a:fontRef>
+        </p:style>
+        <p:txBody>
+          <a:bodyPr rtlCol="0" anchor="ctr"/>
+          <a:lstStyle/>
+          <a:p>
+            <a:pPr algn="ctr"/>
+            <a:endParaRPr lang="en-US"/>
+          </a:p>
+        </p:txBody>
+      </p:sp>
+      <p:sp>
+        <p:nvSpPr>
+          <p:cNvPr id="58" name="Oval 57">
+            <a:extLst>
+              <a:ext uri="{FF2B5EF4-FFF2-40B4-BE49-F238E27FC236}">
+                <a16:creationId xmlns:a16="http://schemas.microsoft.com/office/drawing/2014/main" id="{85A28A5E-F7A8-3D44-A5BD-3E3DBFDF12A4}"/>
+              </a:ext>
+            </a:extLst>
+          </p:cNvPr>
+          <p:cNvSpPr/>
+          <p:nvPr/>
+        </p:nvSpPr>
+        <p:spPr>
+          <a:xfrm>
+            <a:off x="3652337" y="1433296"/>
+            <a:ext cx="100361" cy="131007"/>
+          </a:xfrm>
+          <a:prstGeom prst="ellipse">
+            <a:avLst/>
+          </a:prstGeom>
+          <a:solidFill>
+            <a:srgbClr val="FF0000"/>
+          </a:solidFill>
+          <a:ln>
+            <a:solidFill>
+              <a:schemeClr val="bg1">
+                <a:lumMod val="50000"/>
+              </a:schemeClr>
+            </a:solidFill>
+          </a:ln>
+        </p:spPr>
+        <p:style>
+          <a:lnRef idx="2">
+            <a:schemeClr val="accent1">
+              <a:shade val="50000"/>
+            </a:schemeClr>
+          </a:lnRef>
+          <a:fillRef idx="1">
+            <a:schemeClr val="accent1"/>
+          </a:fillRef>
+          <a:effectRef idx="0">
+            <a:schemeClr val="accent1"/>
+          </a:effectRef>
+          <a:fontRef idx="minor">
+            <a:schemeClr val="lt1"/>
+          </a:fontRef>
+        </p:style>
+        <p:txBody>
+          <a:bodyPr rtlCol="0" anchor="ctr"/>
+          <a:lstStyle/>
+          <a:p>
+            <a:pPr algn="ctr"/>
+            <a:endParaRPr lang="en-US"/>
+          </a:p>
+        </p:txBody>
+      </p:sp>
+      <p:sp>
+        <p:nvSpPr>
+          <p:cNvPr id="60" name="Oval 59">
+            <a:extLst>
+              <a:ext uri="{FF2B5EF4-FFF2-40B4-BE49-F238E27FC236}">
+                <a16:creationId xmlns:a16="http://schemas.microsoft.com/office/drawing/2014/main" id="{7A7D7532-7714-CB43-8953-25AB0D2B49A5}"/>
+              </a:ext>
+            </a:extLst>
+          </p:cNvPr>
+          <p:cNvSpPr/>
+          <p:nvPr/>
+        </p:nvSpPr>
+        <p:spPr>
+          <a:xfrm>
+            <a:off x="3659327" y="5592061"/>
+            <a:ext cx="100361" cy="131007"/>
+          </a:xfrm>
+          <a:prstGeom prst="ellipse">
+            <a:avLst/>
+          </a:prstGeom>
+          <a:solidFill>
+            <a:srgbClr val="FF0000"/>
+          </a:solidFill>
+          <a:ln>
+            <a:solidFill>
+              <a:schemeClr val="bg1">
+                <a:lumMod val="50000"/>
+              </a:schemeClr>
+            </a:solidFill>
+          </a:ln>
+        </p:spPr>
+        <p:style>
+          <a:lnRef idx="2">
+            <a:schemeClr val="accent1">
+              <a:shade val="50000"/>
+            </a:schemeClr>
+          </a:lnRef>
+          <a:fillRef idx="1">
+            <a:schemeClr val="accent1"/>
+          </a:fillRef>
+          <a:effectRef idx="0">
+            <a:schemeClr val="accent1"/>
+          </a:effectRef>
+          <a:fontRef idx="minor">
+            <a:schemeClr val="lt1"/>
+          </a:fontRef>
+        </p:style>
+        <p:txBody>
+          <a:bodyPr rtlCol="0" anchor="ctr"/>
+          <a:lstStyle/>
+          <a:p>
+            <a:pPr algn="ctr"/>
+            <a:endParaRPr lang="en-US"/>
+          </a:p>
+        </p:txBody>
+      </p:sp>
+      <p:sp>
+        <p:nvSpPr>
+          <p:cNvPr id="61" name="Oval 60">
+            <a:extLst>
+              <a:ext uri="{FF2B5EF4-FFF2-40B4-BE49-F238E27FC236}">
+                <a16:creationId xmlns:a16="http://schemas.microsoft.com/office/drawing/2014/main" id="{B192D9E0-FB92-8348-824C-3A2FDF6BBBB9}"/>
+              </a:ext>
+            </a:extLst>
+          </p:cNvPr>
+          <p:cNvSpPr/>
+          <p:nvPr/>
+        </p:nvSpPr>
+        <p:spPr>
+          <a:xfrm>
+            <a:off x="3835480" y="3829202"/>
+            <a:ext cx="100361" cy="131007"/>
+          </a:xfrm>
+          <a:prstGeom prst="ellipse">
+            <a:avLst/>
+          </a:prstGeom>
+          <a:solidFill>
+            <a:schemeClr val="tx1"/>
+          </a:solidFill>
+          <a:ln>
+            <a:solidFill>
+              <a:schemeClr val="bg1">
+                <a:lumMod val="50000"/>
+              </a:schemeClr>
+            </a:solidFill>
+          </a:ln>
+        </p:spPr>
+        <p:style>
+          <a:lnRef idx="2">
+            <a:schemeClr val="accent1">
+              <a:shade val="50000"/>
+            </a:schemeClr>
+          </a:lnRef>
+          <a:fillRef idx="1">
+            <a:schemeClr val="accent1"/>
+          </a:fillRef>
+          <a:effectRef idx="0">
+            <a:schemeClr val="accent1"/>
+          </a:effectRef>
+          <a:fontRef idx="minor">
+            <a:schemeClr val="lt1"/>
+          </a:fontRef>
+        </p:style>
+        <p:txBody>
+          <a:bodyPr rtlCol="0" anchor="ctr"/>
+          <a:lstStyle/>
+          <a:p>
+            <a:pPr algn="ctr"/>
+            <a:endParaRPr lang="en-US"/>
+          </a:p>
+        </p:txBody>
+      </p:sp>
+      <p:sp>
+        <p:nvSpPr>
+          <p:cNvPr id="62" name="Oval 61">
+            <a:extLst>
+              <a:ext uri="{FF2B5EF4-FFF2-40B4-BE49-F238E27FC236}">
+                <a16:creationId xmlns:a16="http://schemas.microsoft.com/office/drawing/2014/main" id="{69BE67E6-56DB-104D-B0E6-4EEEDD0474FE}"/>
+              </a:ext>
+            </a:extLst>
+          </p:cNvPr>
+          <p:cNvSpPr/>
+          <p:nvPr/>
+        </p:nvSpPr>
+        <p:spPr>
+          <a:xfrm>
+            <a:off x="4627120" y="3728125"/>
+            <a:ext cx="100361" cy="131007"/>
+          </a:xfrm>
+          <a:prstGeom prst="ellipse">
+            <a:avLst/>
+          </a:prstGeom>
+          <a:solidFill>
+            <a:schemeClr val="tx1"/>
+          </a:solidFill>
+          <a:ln>
+            <a:solidFill>
+              <a:schemeClr val="bg1">
+                <a:lumMod val="50000"/>
+              </a:schemeClr>
+            </a:solidFill>
+          </a:ln>
+        </p:spPr>
+        <p:style>
+          <a:lnRef idx="2">
+            <a:schemeClr val="accent1">
+              <a:shade val="50000"/>
+            </a:schemeClr>
+          </a:lnRef>
+          <a:fillRef idx="1">
+            <a:schemeClr val="accent1"/>
+          </a:fillRef>
+          <a:effectRef idx="0">
+            <a:schemeClr val="accent1"/>
+          </a:effectRef>
+          <a:fontRef idx="minor">
+            <a:schemeClr val="lt1"/>
+          </a:fontRef>
+        </p:style>
+        <p:txBody>
+          <a:bodyPr rtlCol="0" anchor="ctr"/>
+          <a:lstStyle/>
+          <a:p>
+            <a:pPr algn="ctr"/>
+            <a:endParaRPr lang="en-US"/>
+          </a:p>
+        </p:txBody>
+      </p:sp>
     </p:spTree>
     <p:extLst>
       <p:ext uri="{BB962C8B-B14F-4D97-AF65-F5344CB8AC3E}">
-        <p14:creationId xmlns:p14="http://schemas.microsoft.com/office/powerpoint/2010/main" val="658624676"/>
+        <p14:creationId xmlns:p14="http://schemas.microsoft.com/office/powerpoint/2010/main" val="2225892264"/>
       </p:ext>
     </p:extLst>
   </p:cSld>
@@ -9319,7 +9150,7 @@
           <p:cNvPr id="2" name="Title 1">
             <a:extLst>
               <a:ext uri="{FF2B5EF4-FFF2-40B4-BE49-F238E27FC236}">
-                <a16:creationId xmlns:a16="http://schemas.microsoft.com/office/drawing/2014/main" id="{CF67F57F-7EC1-8A47-978D-9E2BF64A330C}"/>
+                <a16:creationId xmlns:a16="http://schemas.microsoft.com/office/drawing/2014/main" id="{DFEFA16C-A157-F248-AFA1-440E69529FA7}"/>
               </a:ext>
             </a:extLst>
           </p:cNvPr>
@@ -9330,14 +9161,21 @@
             <p:ph type="title"/>
           </p:nvPr>
         </p:nvSpPr>
-        <p:spPr/>
-        <p:txBody>
-          <a:bodyPr/>
+        <p:spPr>
+          <a:xfrm>
+            <a:off x="411480" y="338773"/>
+            <a:ext cx="10515600" cy="644843"/>
+          </a:xfrm>
+        </p:spPr>
+        <p:txBody>
+          <a:bodyPr>
+            <a:normAutofit fontScale="90000"/>
+          </a:bodyPr>
           <a:lstStyle/>
           <a:p>
             <a:r>
               <a:rPr lang="en-US" dirty="0"/>
-              <a:t>Voltage Regulator Input/Output Curve</a:t>
+              <a:t>Motor Driver Circuit</a:t>
             </a:r>
           </a:p>
         </p:txBody>
@@ -9347,7 +9185,7 @@
           <p:cNvPr id="3" name="Content Placeholder 2">
             <a:extLst>
               <a:ext uri="{FF2B5EF4-FFF2-40B4-BE49-F238E27FC236}">
-                <a16:creationId xmlns:a16="http://schemas.microsoft.com/office/drawing/2014/main" id="{265335BE-6F93-534C-9089-1CAB2C2B28C6}"/>
+                <a16:creationId xmlns:a16="http://schemas.microsoft.com/office/drawing/2014/main" id="{CA680DBB-1CEA-C34E-8B41-75C42D17D005}"/>
               </a:ext>
             </a:extLst>
           </p:cNvPr>
@@ -9360,35 +9198,69 @@
         </p:nvSpPr>
         <p:spPr>
           <a:xfrm>
-            <a:off x="838200" y="5394959"/>
-            <a:ext cx="10515600" cy="782003"/>
+            <a:off x="838200" y="5770947"/>
+            <a:ext cx="10515600" cy="644843"/>
           </a:xfrm>
         </p:spPr>
         <p:txBody>
           <a:bodyPr/>
           <a:lstStyle/>
           <a:p>
-            <a:r>
-              <a:rPr lang="en-US" dirty="0"/>
-              <a:t>http://</a:t>
-            </a:r>
-            <a:r>
-              <a:rPr lang="en-US" dirty="0" err="1"/>
-              <a:t>solarbotics.net</a:t>
-            </a:r>
-            <a:r>
-              <a:rPr lang="en-US" dirty="0"/>
-              <a:t>/library/datasheets/78M05.pdf</a:t>
-            </a:r>
+            <a:endParaRPr lang="en-US" dirty="0"/>
           </a:p>
         </p:txBody>
       </p:sp>
       <p:pic>
         <p:nvPicPr>
-          <p:cNvPr id="4" name="Picture 3">
-            <a:extLst>
-              <a:ext uri="{FF2B5EF4-FFF2-40B4-BE49-F238E27FC236}">
-                <a16:creationId xmlns:a16="http://schemas.microsoft.com/office/drawing/2014/main" id="{21B59CAD-9BD8-7342-A922-6D38CF565936}"/>
+          <p:cNvPr id="1026" name="Picture 2" descr="Arduino Transistor DC Motor Control">
+            <a:extLst>
+              <a:ext uri="{FF2B5EF4-FFF2-40B4-BE49-F238E27FC236}">
+                <a16:creationId xmlns:a16="http://schemas.microsoft.com/office/drawing/2014/main" id="{33E51726-9330-E54B-9BC7-1C79773865D5}"/>
+              </a:ext>
+            </a:extLst>
+          </p:cNvPr>
+          <p:cNvPicPr>
+            <a:picLocks noChangeAspect="1" noChangeArrowheads="1"/>
+          </p:cNvPicPr>
+          <p:nvPr/>
+        </p:nvPicPr>
+        <p:blipFill rotWithShape="1">
+          <a:blip r:embed="rId2">
+            <a:extLst>
+              <a:ext uri="{28A0092B-C50C-407E-A947-70E740481C1C}">
+                <a14:useLocalDpi xmlns:a14="http://schemas.microsoft.com/office/drawing/2010/main" val="0"/>
+              </a:ext>
+            </a:extLst>
+          </a:blip>
+          <a:srcRect l="26680" t="8347"/>
+          <a:stretch/>
+        </p:blipFill>
+        <p:spPr bwMode="auto">
+          <a:xfrm>
+            <a:off x="4221479" y="1802523"/>
+            <a:ext cx="3487051" cy="3617760"/>
+          </a:xfrm>
+          <a:prstGeom prst="rect">
+            <a:avLst/>
+          </a:prstGeom>
+          <a:noFill/>
+          <a:extLst>
+            <a:ext uri="{909E8E84-426E-40DD-AFC4-6F175D3DCCD1}">
+              <a14:hiddenFill xmlns:a14="http://schemas.microsoft.com/office/drawing/2010/main">
+                <a:solidFill>
+                  <a:srgbClr val="FFFFFF"/>
+                </a:solidFill>
+              </a14:hiddenFill>
+            </a:ext>
+          </a:extLst>
+        </p:spPr>
+      </p:pic>
+      <p:pic>
+        <p:nvPicPr>
+          <p:cNvPr id="5" name="Picture 4">
+            <a:extLst>
+              <a:ext uri="{FF2B5EF4-FFF2-40B4-BE49-F238E27FC236}">
+                <a16:creationId xmlns:a16="http://schemas.microsoft.com/office/drawing/2014/main" id="{9E692AE7-C1FE-2C40-9678-9A6D3C7C28F4}"/>
               </a:ext>
             </a:extLst>
           </p:cNvPr>
@@ -9398,25 +9270,551 @@
           <p:nvPr/>
         </p:nvPicPr>
         <p:blipFill>
-          <a:blip r:embed="rId2"/>
+          <a:blip r:embed="rId3"/>
           <a:stretch>
             <a:fillRect/>
           </a:stretch>
         </p:blipFill>
         <p:spPr>
           <a:xfrm>
-            <a:off x="2288539" y="2209800"/>
-            <a:ext cx="6672125" cy="2847340"/>
+            <a:off x="1838699" y="1802523"/>
+            <a:ext cx="1442375" cy="3617760"/>
           </a:xfrm>
           <a:prstGeom prst="rect">
             <a:avLst/>
           </a:prstGeom>
         </p:spPr>
       </p:pic>
+      <p:cxnSp>
+        <p:nvCxnSpPr>
+          <p:cNvPr id="6" name="Straight Connector 5">
+            <a:extLst>
+              <a:ext uri="{FF2B5EF4-FFF2-40B4-BE49-F238E27FC236}">
+                <a16:creationId xmlns:a16="http://schemas.microsoft.com/office/drawing/2014/main" id="{F710BA68-9101-E245-9A8F-6B672CCA1A1D}"/>
+              </a:ext>
+            </a:extLst>
+          </p:cNvPr>
+          <p:cNvCxnSpPr/>
+          <p:nvPr/>
+        </p:nvCxnSpPr>
+        <p:spPr>
+          <a:xfrm>
+            <a:off x="3281074" y="4983480"/>
+            <a:ext cx="2921606" cy="320040"/>
+          </a:xfrm>
+          <a:prstGeom prst="line">
+            <a:avLst/>
+          </a:prstGeom>
+          <a:ln w="63500">
+            <a:solidFill>
+              <a:schemeClr val="tx1"/>
+            </a:solidFill>
+          </a:ln>
+        </p:spPr>
+        <p:style>
+          <a:lnRef idx="1">
+            <a:schemeClr val="accent1"/>
+          </a:lnRef>
+          <a:fillRef idx="0">
+            <a:schemeClr val="accent1"/>
+          </a:fillRef>
+          <a:effectRef idx="0">
+            <a:schemeClr val="accent1"/>
+          </a:effectRef>
+          <a:fontRef idx="minor">
+            <a:schemeClr val="tx1"/>
+          </a:fontRef>
+        </p:style>
+      </p:cxnSp>
+      <p:cxnSp>
+        <p:nvCxnSpPr>
+          <p:cNvPr id="8" name="Straight Connector 7">
+            <a:extLst>
+              <a:ext uri="{FF2B5EF4-FFF2-40B4-BE49-F238E27FC236}">
+                <a16:creationId xmlns:a16="http://schemas.microsoft.com/office/drawing/2014/main" id="{96C10E0D-8E37-D14F-B90D-BF5E763779D9}"/>
+              </a:ext>
+            </a:extLst>
+          </p:cNvPr>
+          <p:cNvCxnSpPr>
+            <a:cxnSpLocks/>
+          </p:cNvCxnSpPr>
+          <p:nvPr/>
+        </p:nvCxnSpPr>
+        <p:spPr>
+          <a:xfrm flipV="1">
+            <a:off x="3162341" y="1996911"/>
+            <a:ext cx="3040339" cy="45343"/>
+          </a:xfrm>
+          <a:prstGeom prst="line">
+            <a:avLst/>
+          </a:prstGeom>
+          <a:ln w="63500">
+            <a:solidFill>
+              <a:srgbClr val="FF0000"/>
+            </a:solidFill>
+          </a:ln>
+        </p:spPr>
+        <p:style>
+          <a:lnRef idx="1">
+            <a:schemeClr val="accent1"/>
+          </a:lnRef>
+          <a:fillRef idx="0">
+            <a:schemeClr val="accent1"/>
+          </a:fillRef>
+          <a:effectRef idx="0">
+            <a:schemeClr val="accent1"/>
+          </a:effectRef>
+          <a:fontRef idx="minor">
+            <a:schemeClr val="tx1"/>
+          </a:fontRef>
+        </p:style>
+      </p:cxnSp>
+      <p:cxnSp>
+        <p:nvCxnSpPr>
+          <p:cNvPr id="10" name="Straight Connector 9">
+            <a:extLst>
+              <a:ext uri="{FF2B5EF4-FFF2-40B4-BE49-F238E27FC236}">
+                <a16:creationId xmlns:a16="http://schemas.microsoft.com/office/drawing/2014/main" id="{CC39F5DB-6E80-3348-9ABC-FCE12E576711}"/>
+              </a:ext>
+            </a:extLst>
+          </p:cNvPr>
+          <p:cNvCxnSpPr>
+            <a:cxnSpLocks/>
+          </p:cNvCxnSpPr>
+          <p:nvPr/>
+        </p:nvCxnSpPr>
+        <p:spPr>
+          <a:xfrm flipV="1">
+            <a:off x="3267117" y="4164574"/>
+            <a:ext cx="954362" cy="128026"/>
+          </a:xfrm>
+          <a:prstGeom prst="line">
+            <a:avLst/>
+          </a:prstGeom>
+          <a:ln w="63500">
+            <a:solidFill>
+              <a:srgbClr val="0432FF"/>
+            </a:solidFill>
+          </a:ln>
+        </p:spPr>
+        <p:style>
+          <a:lnRef idx="1">
+            <a:schemeClr val="accent1"/>
+          </a:lnRef>
+          <a:fillRef idx="0">
+            <a:schemeClr val="accent1"/>
+          </a:fillRef>
+          <a:effectRef idx="0">
+            <a:schemeClr val="accent1"/>
+          </a:effectRef>
+          <a:fontRef idx="minor">
+            <a:schemeClr val="tx1"/>
+          </a:fontRef>
+        </p:style>
+      </p:cxnSp>
+      <p:sp>
+        <p:nvSpPr>
+          <p:cNvPr id="12" name="TextBox 11">
+            <a:extLst>
+              <a:ext uri="{FF2B5EF4-FFF2-40B4-BE49-F238E27FC236}">
+                <a16:creationId xmlns:a16="http://schemas.microsoft.com/office/drawing/2014/main" id="{2F2DE8DF-FAA1-344B-924E-E8DE9280131D}"/>
+              </a:ext>
+            </a:extLst>
+          </p:cNvPr>
+          <p:cNvSpPr txBox="1"/>
+          <p:nvPr/>
+        </p:nvSpPr>
+        <p:spPr>
+          <a:xfrm>
+            <a:off x="7708530" y="1920050"/>
+            <a:ext cx="2334630" cy="1754326"/>
+          </a:xfrm>
+          <a:prstGeom prst="rect">
+            <a:avLst/>
+          </a:prstGeom>
+          <a:noFill/>
+        </p:spPr>
+        <p:txBody>
+          <a:bodyPr wrap="square" rtlCol="0">
+            <a:spAutoFit/>
+          </a:bodyPr>
+          <a:lstStyle/>
+          <a:p>
+            <a:r>
+              <a:rPr lang="en-US" dirty="0"/>
+              <a:t>Flyback diode to prevent motor from generating current that will destroy the Pico GPIO circuits.</a:t>
+            </a:r>
+          </a:p>
+          <a:p>
+            <a:endParaRPr lang="en-US" dirty="0"/>
+          </a:p>
+        </p:txBody>
+      </p:sp>
+      <p:sp>
+        <p:nvSpPr>
+          <p:cNvPr id="13" name="Rectangle 12">
+            <a:extLst>
+              <a:ext uri="{FF2B5EF4-FFF2-40B4-BE49-F238E27FC236}">
+                <a16:creationId xmlns:a16="http://schemas.microsoft.com/office/drawing/2014/main" id="{02F6877E-6AF1-0F4C-B242-AF53955515E9}"/>
+              </a:ext>
+            </a:extLst>
+          </p:cNvPr>
+          <p:cNvSpPr/>
+          <p:nvPr/>
+        </p:nvSpPr>
+        <p:spPr>
+          <a:xfrm>
+            <a:off x="3095625" y="4924425"/>
+            <a:ext cx="185449" cy="111125"/>
+          </a:xfrm>
+          <a:prstGeom prst="rect">
+            <a:avLst/>
+          </a:prstGeom>
+          <a:solidFill>
+            <a:schemeClr val="tx1"/>
+          </a:solidFill>
+          <a:ln>
+            <a:noFill/>
+          </a:ln>
+        </p:spPr>
+        <p:style>
+          <a:lnRef idx="2">
+            <a:schemeClr val="accent1">
+              <a:shade val="50000"/>
+            </a:schemeClr>
+          </a:lnRef>
+          <a:fillRef idx="1">
+            <a:schemeClr val="accent1"/>
+          </a:fillRef>
+          <a:effectRef idx="0">
+            <a:schemeClr val="accent1"/>
+          </a:effectRef>
+          <a:fontRef idx="minor">
+            <a:schemeClr val="lt1"/>
+          </a:fontRef>
+        </p:style>
+        <p:txBody>
+          <a:bodyPr rtlCol="0" anchor="ctr"/>
+          <a:lstStyle/>
+          <a:p>
+            <a:pPr algn="ctr"/>
+            <a:endParaRPr lang="en-US"/>
+          </a:p>
+        </p:txBody>
+      </p:sp>
+      <p:sp>
+        <p:nvSpPr>
+          <p:cNvPr id="15" name="Rectangle 14">
+            <a:extLst>
+              <a:ext uri="{FF2B5EF4-FFF2-40B4-BE49-F238E27FC236}">
+                <a16:creationId xmlns:a16="http://schemas.microsoft.com/office/drawing/2014/main" id="{51951276-F1A8-6A43-8B72-9BBDC810BBED}"/>
+              </a:ext>
+            </a:extLst>
+          </p:cNvPr>
+          <p:cNvSpPr/>
+          <p:nvPr/>
+        </p:nvSpPr>
+        <p:spPr>
+          <a:xfrm>
+            <a:off x="3081669" y="4073613"/>
+            <a:ext cx="185449" cy="111125"/>
+          </a:xfrm>
+          <a:prstGeom prst="rect">
+            <a:avLst/>
+          </a:prstGeom>
+          <a:solidFill>
+            <a:schemeClr val="tx1"/>
+          </a:solidFill>
+          <a:ln>
+            <a:noFill/>
+          </a:ln>
+        </p:spPr>
+        <p:style>
+          <a:lnRef idx="2">
+            <a:schemeClr val="accent1">
+              <a:shade val="50000"/>
+            </a:schemeClr>
+          </a:lnRef>
+          <a:fillRef idx="1">
+            <a:schemeClr val="accent1"/>
+          </a:fillRef>
+          <a:effectRef idx="0">
+            <a:schemeClr val="accent1"/>
+          </a:effectRef>
+          <a:fontRef idx="minor">
+            <a:schemeClr val="lt1"/>
+          </a:fontRef>
+        </p:style>
+        <p:txBody>
+          <a:bodyPr rtlCol="0" anchor="ctr"/>
+          <a:lstStyle/>
+          <a:p>
+            <a:pPr algn="ctr"/>
+            <a:endParaRPr lang="en-US"/>
+          </a:p>
+        </p:txBody>
+      </p:sp>
+      <p:sp>
+        <p:nvSpPr>
+          <p:cNvPr id="16" name="Rectangle 15">
+            <a:extLst>
+              <a:ext uri="{FF2B5EF4-FFF2-40B4-BE49-F238E27FC236}">
+                <a16:creationId xmlns:a16="http://schemas.microsoft.com/office/drawing/2014/main" id="{2191F2AC-445E-5549-8720-222A4D573F5C}"/>
+              </a:ext>
+            </a:extLst>
+          </p:cNvPr>
+          <p:cNvSpPr/>
+          <p:nvPr/>
+        </p:nvSpPr>
+        <p:spPr>
+          <a:xfrm>
+            <a:off x="3081668" y="3201439"/>
+            <a:ext cx="185449" cy="111125"/>
+          </a:xfrm>
+          <a:prstGeom prst="rect">
+            <a:avLst/>
+          </a:prstGeom>
+          <a:solidFill>
+            <a:schemeClr val="tx1"/>
+          </a:solidFill>
+          <a:ln>
+            <a:noFill/>
+          </a:ln>
+        </p:spPr>
+        <p:style>
+          <a:lnRef idx="2">
+            <a:schemeClr val="accent1">
+              <a:shade val="50000"/>
+            </a:schemeClr>
+          </a:lnRef>
+          <a:fillRef idx="1">
+            <a:schemeClr val="accent1"/>
+          </a:fillRef>
+          <a:effectRef idx="0">
+            <a:schemeClr val="accent1"/>
+          </a:effectRef>
+          <a:fontRef idx="minor">
+            <a:schemeClr val="lt1"/>
+          </a:fontRef>
+        </p:style>
+        <p:txBody>
+          <a:bodyPr rtlCol="0" anchor="ctr"/>
+          <a:lstStyle/>
+          <a:p>
+            <a:pPr algn="ctr"/>
+            <a:endParaRPr lang="en-US"/>
+          </a:p>
+        </p:txBody>
+      </p:sp>
+      <p:sp>
+        <p:nvSpPr>
+          <p:cNvPr id="17" name="TextBox 16">
+            <a:extLst>
+              <a:ext uri="{FF2B5EF4-FFF2-40B4-BE49-F238E27FC236}">
+                <a16:creationId xmlns:a16="http://schemas.microsoft.com/office/drawing/2014/main" id="{297B7FDB-EF69-584A-B141-C36DEFA6FB98}"/>
+              </a:ext>
+            </a:extLst>
+          </p:cNvPr>
+          <p:cNvSpPr txBox="1"/>
+          <p:nvPr/>
+        </p:nvSpPr>
+        <p:spPr>
+          <a:xfrm>
+            <a:off x="3617199" y="2087403"/>
+            <a:ext cx="831190" cy="369332"/>
+          </a:xfrm>
+          <a:prstGeom prst="rect">
+            <a:avLst/>
+          </a:prstGeom>
+          <a:noFill/>
+        </p:spPr>
+        <p:txBody>
+          <a:bodyPr wrap="none" rtlCol="0">
+            <a:spAutoFit/>
+          </a:bodyPr>
+          <a:lstStyle/>
+          <a:p>
+            <a:r>
+              <a:rPr lang="en-US" b="1" dirty="0">
+                <a:solidFill>
+                  <a:srgbClr val="FF0000"/>
+                </a:solidFill>
+              </a:rPr>
+              <a:t>5 Volts</a:t>
+            </a:r>
+          </a:p>
+        </p:txBody>
+      </p:sp>
+      <p:sp>
+        <p:nvSpPr>
+          <p:cNvPr id="20" name="TextBox 19">
+            <a:extLst>
+              <a:ext uri="{FF2B5EF4-FFF2-40B4-BE49-F238E27FC236}">
+                <a16:creationId xmlns:a16="http://schemas.microsoft.com/office/drawing/2014/main" id="{206F3650-4CF5-1C4D-8D90-929FAF6DC195}"/>
+              </a:ext>
+            </a:extLst>
+          </p:cNvPr>
+          <p:cNvSpPr txBox="1"/>
+          <p:nvPr/>
+        </p:nvSpPr>
+        <p:spPr>
+          <a:xfrm>
+            <a:off x="3464832" y="5073526"/>
+            <a:ext cx="630301" cy="369332"/>
+          </a:xfrm>
+          <a:prstGeom prst="rect">
+            <a:avLst/>
+          </a:prstGeom>
+          <a:noFill/>
+        </p:spPr>
+        <p:txBody>
+          <a:bodyPr wrap="none" rtlCol="0">
+            <a:spAutoFit/>
+          </a:bodyPr>
+          <a:lstStyle/>
+          <a:p>
+            <a:r>
+              <a:rPr lang="en-US" b="1" dirty="0"/>
+              <a:t>GND</a:t>
+            </a:r>
+          </a:p>
+        </p:txBody>
+      </p:sp>
+      <p:sp>
+        <p:nvSpPr>
+          <p:cNvPr id="19" name="Rectangle 18">
+            <a:extLst>
+              <a:ext uri="{FF2B5EF4-FFF2-40B4-BE49-F238E27FC236}">
+                <a16:creationId xmlns:a16="http://schemas.microsoft.com/office/drawing/2014/main" id="{90E09ABD-7FD9-8D49-A0AB-88C7B0D9082F}"/>
+              </a:ext>
+            </a:extLst>
+          </p:cNvPr>
+          <p:cNvSpPr/>
+          <p:nvPr/>
+        </p:nvSpPr>
+        <p:spPr>
+          <a:xfrm>
+            <a:off x="4221479" y="3841729"/>
+            <a:ext cx="226910" cy="287446"/>
+          </a:xfrm>
+          <a:prstGeom prst="rect">
+            <a:avLst/>
+          </a:prstGeom>
+          <a:solidFill>
+            <a:schemeClr val="bg1"/>
+          </a:solidFill>
+          <a:ln>
+            <a:noFill/>
+          </a:ln>
+        </p:spPr>
+        <p:style>
+          <a:lnRef idx="2">
+            <a:schemeClr val="accent1">
+              <a:shade val="50000"/>
+            </a:schemeClr>
+          </a:lnRef>
+          <a:fillRef idx="1">
+            <a:schemeClr val="accent1"/>
+          </a:fillRef>
+          <a:effectRef idx="0">
+            <a:schemeClr val="accent1"/>
+          </a:effectRef>
+          <a:fontRef idx="minor">
+            <a:schemeClr val="lt1"/>
+          </a:fontRef>
+        </p:style>
+        <p:txBody>
+          <a:bodyPr rtlCol="0" anchor="ctr"/>
+          <a:lstStyle/>
+          <a:p>
+            <a:pPr algn="ctr"/>
+            <a:endParaRPr lang="en-US"/>
+          </a:p>
+        </p:txBody>
+      </p:sp>
+      <p:sp>
+        <p:nvSpPr>
+          <p:cNvPr id="22" name="TextBox 21">
+            <a:extLst>
+              <a:ext uri="{FF2B5EF4-FFF2-40B4-BE49-F238E27FC236}">
+                <a16:creationId xmlns:a16="http://schemas.microsoft.com/office/drawing/2014/main" id="{B8F23673-2323-074C-BB46-684BB0878A40}"/>
+              </a:ext>
+            </a:extLst>
+          </p:cNvPr>
+          <p:cNvSpPr txBox="1"/>
+          <p:nvPr/>
+        </p:nvSpPr>
+        <p:spPr>
+          <a:xfrm>
+            <a:off x="6386438" y="4309156"/>
+            <a:ext cx="2334630" cy="1200329"/>
+          </a:xfrm>
+          <a:prstGeom prst="rect">
+            <a:avLst/>
+          </a:prstGeom>
+          <a:noFill/>
+        </p:spPr>
+        <p:txBody>
+          <a:bodyPr wrap="square" rtlCol="0">
+            <a:spAutoFit/>
+          </a:bodyPr>
+          <a:lstStyle/>
+          <a:p>
+            <a:r>
+              <a:rPr lang="en-US" dirty="0"/>
+              <a:t>NPN Transistor used to</a:t>
+            </a:r>
+          </a:p>
+          <a:p>
+            <a:r>
+              <a:rPr lang="en-US" dirty="0"/>
+              <a:t>switch the the power to the motor</a:t>
+            </a:r>
+          </a:p>
+          <a:p>
+            <a:endParaRPr lang="en-US" dirty="0"/>
+          </a:p>
+        </p:txBody>
+      </p:sp>
+      <p:sp>
+        <p:nvSpPr>
+          <p:cNvPr id="21" name="TextBox 20">
+            <a:extLst>
+              <a:ext uri="{FF2B5EF4-FFF2-40B4-BE49-F238E27FC236}">
+                <a16:creationId xmlns:a16="http://schemas.microsoft.com/office/drawing/2014/main" id="{A2EF73F5-DB60-D14F-A9EB-A16AE0702B43}"/>
+              </a:ext>
+            </a:extLst>
+          </p:cNvPr>
+          <p:cNvSpPr txBox="1"/>
+          <p:nvPr/>
+        </p:nvSpPr>
+        <p:spPr>
+          <a:xfrm>
+            <a:off x="6417106" y="3616120"/>
+            <a:ext cx="2231829" cy="369332"/>
+          </a:xfrm>
+          <a:prstGeom prst="rect">
+            <a:avLst/>
+          </a:prstGeom>
+          <a:noFill/>
+        </p:spPr>
+        <p:txBody>
+          <a:bodyPr wrap="none" rtlCol="0">
+            <a:spAutoFit/>
+          </a:bodyPr>
+          <a:lstStyle/>
+          <a:p>
+            <a:r>
+              <a:rPr lang="en-US" dirty="0"/>
+              <a:t>200 milliamps current</a:t>
+            </a:r>
+          </a:p>
+        </p:txBody>
+      </p:sp>
     </p:spTree>
     <p:extLst>
       <p:ext uri="{BB962C8B-B14F-4D97-AF65-F5344CB8AC3E}">
-        <p14:creationId xmlns:p14="http://schemas.microsoft.com/office/powerpoint/2010/main" val="3061798682"/>
+        <p14:creationId xmlns:p14="http://schemas.microsoft.com/office/powerpoint/2010/main" val="2218377891"/>
       </p:ext>
     </p:extLst>
   </p:cSld>
@@ -9448,7 +9846,7 @@
           <p:cNvPr id="2" name="Title 1">
             <a:extLst>
               <a:ext uri="{FF2B5EF4-FFF2-40B4-BE49-F238E27FC236}">
-                <a16:creationId xmlns:a16="http://schemas.microsoft.com/office/drawing/2014/main" id="{A5AAC76D-0841-7E4E-BFAF-FBEE70D03660}"/>
+                <a16:creationId xmlns:a16="http://schemas.microsoft.com/office/drawing/2014/main" id="{DFEFA16C-A157-F248-AFA1-440E69529FA7}"/>
               </a:ext>
             </a:extLst>
           </p:cNvPr>
@@ -9461,8 +9859,8 @@
         </p:nvSpPr>
         <p:spPr>
           <a:xfrm>
-            <a:off x="259080" y="227965"/>
-            <a:ext cx="10515600" cy="640715"/>
+            <a:off x="411480" y="338773"/>
+            <a:ext cx="10515600" cy="644843"/>
           </a:xfrm>
         </p:spPr>
         <p:txBody>
@@ -9473,7 +9871,7 @@
           <a:p>
             <a:r>
               <a:rPr lang="en-US" dirty="0"/>
-              <a:t>Voltage Curve Close Up</a:t>
+              <a:t>Motor Driver Circuit</a:t>
             </a:r>
           </a:p>
         </p:txBody>
@@ -9483,7 +9881,7 @@
           <p:cNvPr id="3" name="Content Placeholder 2">
             <a:extLst>
               <a:ext uri="{FF2B5EF4-FFF2-40B4-BE49-F238E27FC236}">
-                <a16:creationId xmlns:a16="http://schemas.microsoft.com/office/drawing/2014/main" id="{B6EBC2D5-9BFE-9248-B0F0-913768E043DF}"/>
+                <a16:creationId xmlns:a16="http://schemas.microsoft.com/office/drawing/2014/main" id="{CA680DBB-1CEA-C34E-8B41-75C42D17D005}"/>
               </a:ext>
             </a:extLst>
           </p:cNvPr>
@@ -9496,27 +9894,24 @@
         </p:nvSpPr>
         <p:spPr>
           <a:xfrm>
-            <a:off x="1097280" y="6038124"/>
-            <a:ext cx="10515600" cy="919163"/>
+            <a:off x="838200" y="5770947"/>
+            <a:ext cx="10515600" cy="644843"/>
           </a:xfrm>
         </p:spPr>
         <p:txBody>
           <a:bodyPr/>
           <a:lstStyle/>
           <a:p>
-            <a:r>
-              <a:rPr lang="en-US" dirty="0"/>
-              <a:t>Voltage Curve</a:t>
-            </a:r>
+            <a:endParaRPr lang="en-US" dirty="0"/>
           </a:p>
         </p:txBody>
       </p:sp>
       <p:pic>
         <p:nvPicPr>
-          <p:cNvPr id="4" name="Picture 3">
-            <a:extLst>
-              <a:ext uri="{FF2B5EF4-FFF2-40B4-BE49-F238E27FC236}">
-                <a16:creationId xmlns:a16="http://schemas.microsoft.com/office/drawing/2014/main" id="{D6805BC2-B582-7842-A951-2A04D65604D1}"/>
+          <p:cNvPr id="5" name="Picture 4">
+            <a:extLst>
+              <a:ext uri="{FF2B5EF4-FFF2-40B4-BE49-F238E27FC236}">
+                <a16:creationId xmlns:a16="http://schemas.microsoft.com/office/drawing/2014/main" id="{9E692AE7-C1FE-2C40-9678-9A6D3C7C28F4}"/>
               </a:ext>
             </a:extLst>
           </p:cNvPr>
@@ -9525,466 +9920,313 @@
           </p:cNvPicPr>
           <p:nvPr/>
         </p:nvPicPr>
-        <p:blipFill rotWithShape="1">
+        <p:blipFill>
           <a:blip r:embed="rId2"/>
-          <a:srcRect l="3388" t="14988" r="67832" b="18108"/>
-          <a:stretch/>
+          <a:stretch>
+            <a:fillRect/>
+          </a:stretch>
         </p:blipFill>
         <p:spPr>
           <a:xfrm>
-            <a:off x="3482340" y="1041914"/>
-            <a:ext cx="4861560" cy="4822976"/>
+            <a:off x="1838699" y="1802523"/>
+            <a:ext cx="1442375" cy="3617760"/>
           </a:xfrm>
           <a:prstGeom prst="rect">
             <a:avLst/>
           </a:prstGeom>
         </p:spPr>
       </p:pic>
-      <p:grpSp>
-        <p:nvGrpSpPr>
-          <p:cNvPr id="19" name="Group 18">
-            <a:extLst>
-              <a:ext uri="{FF2B5EF4-FFF2-40B4-BE49-F238E27FC236}">
-                <a16:creationId xmlns:a16="http://schemas.microsoft.com/office/drawing/2014/main" id="{02ECFAF2-E1B3-CC45-AF07-D8BC978CA894}"/>
-              </a:ext>
-            </a:extLst>
-          </p:cNvPr>
-          <p:cNvGrpSpPr/>
-          <p:nvPr/>
-        </p:nvGrpSpPr>
-        <p:grpSpPr>
-          <a:xfrm>
-            <a:off x="4282440" y="1615440"/>
-            <a:ext cx="3596640" cy="3429000"/>
-            <a:chOff x="4282440" y="1615440"/>
-            <a:chExt cx="3596640" cy="3429000"/>
-          </a:xfrm>
-        </p:grpSpPr>
-        <p:cxnSp>
-          <p:nvCxnSpPr>
-            <p:cNvPr id="6" name="Straight Connector 5">
-              <a:extLst>
-                <a:ext uri="{FF2B5EF4-FFF2-40B4-BE49-F238E27FC236}">
-                  <a16:creationId xmlns:a16="http://schemas.microsoft.com/office/drawing/2014/main" id="{97A0D28F-E1A3-6148-8B3A-12AA8F05B930}"/>
-                </a:ext>
-              </a:extLst>
-            </p:cNvPr>
-            <p:cNvCxnSpPr>
-              <a:cxnSpLocks/>
-            </p:cNvCxnSpPr>
-            <p:nvPr/>
-          </p:nvCxnSpPr>
-          <p:spPr>
-            <a:xfrm>
-              <a:off x="6080760" y="1615440"/>
-              <a:ext cx="0" cy="3429000"/>
-            </a:xfrm>
-            <a:prstGeom prst="line">
-              <a:avLst/>
-            </a:prstGeom>
-          </p:spPr>
-          <p:style>
-            <a:lnRef idx="1">
-              <a:schemeClr val="accent1"/>
-            </a:lnRef>
-            <a:fillRef idx="0">
-              <a:schemeClr val="accent1"/>
-            </a:fillRef>
-            <a:effectRef idx="0">
-              <a:schemeClr val="accent1"/>
-            </a:effectRef>
-            <a:fontRef idx="minor">
+      <p:cxnSp>
+        <p:nvCxnSpPr>
+          <p:cNvPr id="6" name="Straight Connector 5">
+            <a:extLst>
+              <a:ext uri="{FF2B5EF4-FFF2-40B4-BE49-F238E27FC236}">
+                <a16:creationId xmlns:a16="http://schemas.microsoft.com/office/drawing/2014/main" id="{F710BA68-9101-E245-9A8F-6B672CCA1A1D}"/>
+              </a:ext>
+            </a:extLst>
+          </p:cNvPr>
+          <p:cNvCxnSpPr>
+            <a:cxnSpLocks/>
+          </p:cNvCxnSpPr>
+          <p:nvPr/>
+        </p:nvCxnSpPr>
+        <p:spPr>
+          <a:xfrm flipV="1">
+            <a:off x="3267117" y="3235279"/>
+            <a:ext cx="1594815" cy="19056"/>
+          </a:xfrm>
+          <a:prstGeom prst="line">
+            <a:avLst/>
+          </a:prstGeom>
+          <a:ln w="63500" cap="sq">
+            <a:solidFill>
               <a:schemeClr val="tx1"/>
-            </a:fontRef>
-          </p:style>
-        </p:cxnSp>
-        <p:cxnSp>
-          <p:nvCxnSpPr>
-            <p:cNvPr id="8" name="Straight Connector 7">
-              <a:extLst>
-                <a:ext uri="{FF2B5EF4-FFF2-40B4-BE49-F238E27FC236}">
-                  <a16:creationId xmlns:a16="http://schemas.microsoft.com/office/drawing/2014/main" id="{DE67827F-DCA5-2B4C-AE01-684B4E2522AB}"/>
-                </a:ext>
-              </a:extLst>
-            </p:cNvPr>
-            <p:cNvCxnSpPr>
-              <a:cxnSpLocks/>
-            </p:cNvCxnSpPr>
-            <p:nvPr/>
-          </p:nvCxnSpPr>
-          <p:spPr>
-            <a:xfrm>
-              <a:off x="5721096" y="1615440"/>
-              <a:ext cx="0" cy="3429000"/>
-            </a:xfrm>
-            <a:prstGeom prst="line">
-              <a:avLst/>
-            </a:prstGeom>
-          </p:spPr>
-          <p:style>
-            <a:lnRef idx="1">
-              <a:schemeClr val="accent1"/>
-            </a:lnRef>
-            <a:fillRef idx="0">
-              <a:schemeClr val="accent1"/>
-            </a:fillRef>
-            <a:effectRef idx="0">
-              <a:schemeClr val="accent1"/>
-            </a:effectRef>
-            <a:fontRef idx="minor">
-              <a:schemeClr val="tx1"/>
-            </a:fontRef>
-          </p:style>
-        </p:cxnSp>
-        <p:cxnSp>
-          <p:nvCxnSpPr>
-            <p:cNvPr id="9" name="Straight Connector 8">
-              <a:extLst>
-                <a:ext uri="{FF2B5EF4-FFF2-40B4-BE49-F238E27FC236}">
-                  <a16:creationId xmlns:a16="http://schemas.microsoft.com/office/drawing/2014/main" id="{CCE2E43F-7338-064D-9D18-03484C591EE1}"/>
-                </a:ext>
-              </a:extLst>
-            </p:cNvPr>
-            <p:cNvCxnSpPr>
-              <a:cxnSpLocks/>
-            </p:cNvCxnSpPr>
-            <p:nvPr/>
-          </p:nvCxnSpPr>
-          <p:spPr>
-            <a:xfrm>
-              <a:off x="5361432" y="1615440"/>
-              <a:ext cx="0" cy="3429000"/>
-            </a:xfrm>
-            <a:prstGeom prst="line">
-              <a:avLst/>
-            </a:prstGeom>
-          </p:spPr>
-          <p:style>
-            <a:lnRef idx="1">
-              <a:schemeClr val="accent1"/>
-            </a:lnRef>
-            <a:fillRef idx="0">
-              <a:schemeClr val="accent1"/>
-            </a:fillRef>
-            <a:effectRef idx="0">
-              <a:schemeClr val="accent1"/>
-            </a:effectRef>
-            <a:fontRef idx="minor">
-              <a:schemeClr val="tx1"/>
-            </a:fontRef>
-          </p:style>
-        </p:cxnSp>
-        <p:cxnSp>
-          <p:nvCxnSpPr>
-            <p:cNvPr id="10" name="Straight Connector 9">
-              <a:extLst>
-                <a:ext uri="{FF2B5EF4-FFF2-40B4-BE49-F238E27FC236}">
-                  <a16:creationId xmlns:a16="http://schemas.microsoft.com/office/drawing/2014/main" id="{EA028C04-4A69-B842-944B-1957E4EE138D}"/>
-                </a:ext>
-              </a:extLst>
-            </p:cNvPr>
-            <p:cNvCxnSpPr>
-              <a:cxnSpLocks/>
-            </p:cNvCxnSpPr>
-            <p:nvPr/>
-          </p:nvCxnSpPr>
-          <p:spPr>
-            <a:xfrm>
-              <a:off x="5001768" y="1615440"/>
-              <a:ext cx="0" cy="3429000"/>
-            </a:xfrm>
-            <a:prstGeom prst="line">
-              <a:avLst/>
-            </a:prstGeom>
-          </p:spPr>
-          <p:style>
-            <a:lnRef idx="1">
-              <a:schemeClr val="accent1"/>
-            </a:lnRef>
-            <a:fillRef idx="0">
-              <a:schemeClr val="accent1"/>
-            </a:fillRef>
-            <a:effectRef idx="0">
-              <a:schemeClr val="accent1"/>
-            </a:effectRef>
-            <a:fontRef idx="minor">
-              <a:schemeClr val="tx1"/>
-            </a:fontRef>
-          </p:style>
-        </p:cxnSp>
-        <p:cxnSp>
-          <p:nvCxnSpPr>
-            <p:cNvPr id="11" name="Straight Connector 10">
-              <a:extLst>
-                <a:ext uri="{FF2B5EF4-FFF2-40B4-BE49-F238E27FC236}">
-                  <a16:creationId xmlns:a16="http://schemas.microsoft.com/office/drawing/2014/main" id="{B768B53E-E8A4-0140-A4D2-8325DFC6DE63}"/>
-                </a:ext>
-              </a:extLst>
-            </p:cNvPr>
-            <p:cNvCxnSpPr>
-              <a:cxnSpLocks/>
-            </p:cNvCxnSpPr>
-            <p:nvPr/>
-          </p:nvCxnSpPr>
-          <p:spPr>
-            <a:xfrm>
-              <a:off x="4282440" y="1615440"/>
-              <a:ext cx="0" cy="3429000"/>
-            </a:xfrm>
-            <a:prstGeom prst="line">
-              <a:avLst/>
-            </a:prstGeom>
-          </p:spPr>
-          <p:style>
-            <a:lnRef idx="1">
-              <a:schemeClr val="accent1"/>
-            </a:lnRef>
-            <a:fillRef idx="0">
-              <a:schemeClr val="accent1"/>
-            </a:fillRef>
-            <a:effectRef idx="0">
-              <a:schemeClr val="accent1"/>
-            </a:effectRef>
-            <a:fontRef idx="minor">
-              <a:schemeClr val="tx1"/>
-            </a:fontRef>
-          </p:style>
-        </p:cxnSp>
-        <p:cxnSp>
-          <p:nvCxnSpPr>
-            <p:cNvPr id="12" name="Straight Connector 11">
-              <a:extLst>
-                <a:ext uri="{FF2B5EF4-FFF2-40B4-BE49-F238E27FC236}">
-                  <a16:creationId xmlns:a16="http://schemas.microsoft.com/office/drawing/2014/main" id="{DA55EDFC-3F50-1D4A-80F4-24D26BC2F1C5}"/>
-                </a:ext>
-              </a:extLst>
-            </p:cNvPr>
-            <p:cNvCxnSpPr>
-              <a:cxnSpLocks/>
-            </p:cNvCxnSpPr>
-            <p:nvPr/>
-          </p:nvCxnSpPr>
-          <p:spPr>
-            <a:xfrm>
-              <a:off x="4642104" y="1615440"/>
-              <a:ext cx="0" cy="3429000"/>
-            </a:xfrm>
-            <a:prstGeom prst="line">
-              <a:avLst/>
-            </a:prstGeom>
-          </p:spPr>
-          <p:style>
-            <a:lnRef idx="1">
-              <a:schemeClr val="accent1"/>
-            </a:lnRef>
-            <a:fillRef idx="0">
-              <a:schemeClr val="accent1"/>
-            </a:fillRef>
-            <a:effectRef idx="0">
-              <a:schemeClr val="accent1"/>
-            </a:effectRef>
-            <a:fontRef idx="minor">
-              <a:schemeClr val="tx1"/>
-            </a:fontRef>
-          </p:style>
-        </p:cxnSp>
-        <p:cxnSp>
-          <p:nvCxnSpPr>
-            <p:cNvPr id="14" name="Straight Connector 13">
-              <a:extLst>
-                <a:ext uri="{FF2B5EF4-FFF2-40B4-BE49-F238E27FC236}">
-                  <a16:creationId xmlns:a16="http://schemas.microsoft.com/office/drawing/2014/main" id="{AC2EDE5B-9AFE-F14B-B776-3AAE856754AC}"/>
-                </a:ext>
-              </a:extLst>
-            </p:cNvPr>
-            <p:cNvCxnSpPr>
-              <a:cxnSpLocks/>
-            </p:cNvCxnSpPr>
-            <p:nvPr/>
-          </p:nvCxnSpPr>
-          <p:spPr>
-            <a:xfrm>
-              <a:off x="7879080" y="1615440"/>
-              <a:ext cx="0" cy="3429000"/>
-            </a:xfrm>
-            <a:prstGeom prst="line">
-              <a:avLst/>
-            </a:prstGeom>
-          </p:spPr>
-          <p:style>
-            <a:lnRef idx="1">
-              <a:schemeClr val="accent1"/>
-            </a:lnRef>
-            <a:fillRef idx="0">
-              <a:schemeClr val="accent1"/>
-            </a:fillRef>
-            <a:effectRef idx="0">
-              <a:schemeClr val="accent1"/>
-            </a:effectRef>
-            <a:fontRef idx="minor">
-              <a:schemeClr val="tx1"/>
-            </a:fontRef>
-          </p:style>
-        </p:cxnSp>
-        <p:cxnSp>
-          <p:nvCxnSpPr>
-            <p:cNvPr id="15" name="Straight Connector 14">
-              <a:extLst>
-                <a:ext uri="{FF2B5EF4-FFF2-40B4-BE49-F238E27FC236}">
-                  <a16:creationId xmlns:a16="http://schemas.microsoft.com/office/drawing/2014/main" id="{634C78B2-7095-C646-9D82-722CF95ECC64}"/>
-                </a:ext>
-              </a:extLst>
-            </p:cNvPr>
-            <p:cNvCxnSpPr>
-              <a:cxnSpLocks/>
-            </p:cNvCxnSpPr>
-            <p:nvPr/>
-          </p:nvCxnSpPr>
-          <p:spPr>
-            <a:xfrm>
-              <a:off x="7519416" y="1615440"/>
-              <a:ext cx="0" cy="3429000"/>
-            </a:xfrm>
-            <a:prstGeom prst="line">
-              <a:avLst/>
-            </a:prstGeom>
-          </p:spPr>
-          <p:style>
-            <a:lnRef idx="1">
-              <a:schemeClr val="accent1"/>
-            </a:lnRef>
-            <a:fillRef idx="0">
-              <a:schemeClr val="accent1"/>
-            </a:fillRef>
-            <a:effectRef idx="0">
-              <a:schemeClr val="accent1"/>
-            </a:effectRef>
-            <a:fontRef idx="minor">
-              <a:schemeClr val="tx1"/>
-            </a:fontRef>
-          </p:style>
-        </p:cxnSp>
-        <p:cxnSp>
-          <p:nvCxnSpPr>
-            <p:cNvPr id="16" name="Straight Connector 15">
-              <a:extLst>
-                <a:ext uri="{FF2B5EF4-FFF2-40B4-BE49-F238E27FC236}">
-                  <a16:creationId xmlns:a16="http://schemas.microsoft.com/office/drawing/2014/main" id="{4F8FFBA1-9D9A-DC43-B02D-15C971970566}"/>
-                </a:ext>
-              </a:extLst>
-            </p:cNvPr>
-            <p:cNvCxnSpPr>
-              <a:cxnSpLocks/>
-            </p:cNvCxnSpPr>
-            <p:nvPr/>
-          </p:nvCxnSpPr>
-          <p:spPr>
-            <a:xfrm>
-              <a:off x="7159752" y="1615440"/>
-              <a:ext cx="0" cy="3429000"/>
-            </a:xfrm>
-            <a:prstGeom prst="line">
-              <a:avLst/>
-            </a:prstGeom>
-          </p:spPr>
-          <p:style>
-            <a:lnRef idx="1">
-              <a:schemeClr val="accent1"/>
-            </a:lnRef>
-            <a:fillRef idx="0">
-              <a:schemeClr val="accent1"/>
-            </a:fillRef>
-            <a:effectRef idx="0">
-              <a:schemeClr val="accent1"/>
-            </a:effectRef>
-            <a:fontRef idx="minor">
-              <a:schemeClr val="tx1"/>
-            </a:fontRef>
-          </p:style>
-        </p:cxnSp>
-        <p:cxnSp>
-          <p:nvCxnSpPr>
-            <p:cNvPr id="17" name="Straight Connector 16">
-              <a:extLst>
-                <a:ext uri="{FF2B5EF4-FFF2-40B4-BE49-F238E27FC236}">
-                  <a16:creationId xmlns:a16="http://schemas.microsoft.com/office/drawing/2014/main" id="{61D0204B-F6D8-264F-9AA5-9F1690B44FCE}"/>
-                </a:ext>
-              </a:extLst>
-            </p:cNvPr>
-            <p:cNvCxnSpPr>
-              <a:cxnSpLocks/>
-            </p:cNvCxnSpPr>
-            <p:nvPr/>
-          </p:nvCxnSpPr>
-          <p:spPr>
-            <a:xfrm>
-              <a:off x="6440424" y="1615440"/>
-              <a:ext cx="0" cy="3429000"/>
-            </a:xfrm>
-            <a:prstGeom prst="line">
-              <a:avLst/>
-            </a:prstGeom>
-          </p:spPr>
-          <p:style>
-            <a:lnRef idx="1">
-              <a:schemeClr val="accent1"/>
-            </a:lnRef>
-            <a:fillRef idx="0">
-              <a:schemeClr val="accent1"/>
-            </a:fillRef>
-            <a:effectRef idx="0">
-              <a:schemeClr val="accent1"/>
-            </a:effectRef>
-            <a:fontRef idx="minor">
-              <a:schemeClr val="tx1"/>
-            </a:fontRef>
-          </p:style>
-        </p:cxnSp>
-        <p:cxnSp>
-          <p:nvCxnSpPr>
-            <p:cNvPr id="18" name="Straight Connector 17">
-              <a:extLst>
-                <a:ext uri="{FF2B5EF4-FFF2-40B4-BE49-F238E27FC236}">
-                  <a16:creationId xmlns:a16="http://schemas.microsoft.com/office/drawing/2014/main" id="{C76C6103-799C-E449-8F17-F53E17D45FB9}"/>
-                </a:ext>
-              </a:extLst>
-            </p:cNvPr>
-            <p:cNvCxnSpPr>
-              <a:cxnSpLocks/>
-            </p:cNvCxnSpPr>
-            <p:nvPr/>
-          </p:nvCxnSpPr>
-          <p:spPr>
-            <a:xfrm>
-              <a:off x="6800088" y="1615440"/>
-              <a:ext cx="0" cy="3429000"/>
-            </a:xfrm>
-            <a:prstGeom prst="line">
-              <a:avLst/>
-            </a:prstGeom>
-          </p:spPr>
-          <p:style>
-            <a:lnRef idx="1">
-              <a:schemeClr val="accent1"/>
-            </a:lnRef>
-            <a:fillRef idx="0">
-              <a:schemeClr val="accent1"/>
-            </a:fillRef>
-            <a:effectRef idx="0">
-              <a:schemeClr val="accent1"/>
-            </a:effectRef>
-            <a:fontRef idx="minor">
-              <a:schemeClr val="tx1"/>
-            </a:fontRef>
-          </p:style>
-        </p:cxnSp>
-      </p:grpSp>
-      <p:sp>
-        <p:nvSpPr>
-          <p:cNvPr id="20" name="TextBox 19">
-            <a:extLst>
-              <a:ext uri="{FF2B5EF4-FFF2-40B4-BE49-F238E27FC236}">
-                <a16:creationId xmlns:a16="http://schemas.microsoft.com/office/drawing/2014/main" id="{37248786-4C86-FB42-ADBB-F8B7DB052D09}"/>
+            </a:solidFill>
+          </a:ln>
+        </p:spPr>
+        <p:style>
+          <a:lnRef idx="1">
+            <a:schemeClr val="accent1"/>
+          </a:lnRef>
+          <a:fillRef idx="0">
+            <a:schemeClr val="accent1"/>
+          </a:fillRef>
+          <a:effectRef idx="0">
+            <a:schemeClr val="accent1"/>
+          </a:effectRef>
+          <a:fontRef idx="minor">
+            <a:schemeClr val="tx1"/>
+          </a:fontRef>
+        </p:style>
+      </p:cxnSp>
+      <p:cxnSp>
+        <p:nvCxnSpPr>
+          <p:cNvPr id="8" name="Straight Connector 7">
+            <a:extLst>
+              <a:ext uri="{FF2B5EF4-FFF2-40B4-BE49-F238E27FC236}">
+                <a16:creationId xmlns:a16="http://schemas.microsoft.com/office/drawing/2014/main" id="{96C10E0D-8E37-D14F-B90D-BF5E763779D9}"/>
+              </a:ext>
+            </a:extLst>
+          </p:cNvPr>
+          <p:cNvCxnSpPr>
+            <a:cxnSpLocks/>
+          </p:cNvCxnSpPr>
+          <p:nvPr/>
+        </p:nvCxnSpPr>
+        <p:spPr>
+          <a:xfrm flipV="1">
+            <a:off x="3095625" y="2878211"/>
+            <a:ext cx="2573655" cy="25462"/>
+          </a:xfrm>
+          <a:prstGeom prst="line">
+            <a:avLst/>
+          </a:prstGeom>
+          <a:ln w="63500" cap="sq">
+            <a:solidFill>
+              <a:srgbClr val="FF0000"/>
+            </a:solidFill>
+          </a:ln>
+        </p:spPr>
+        <p:style>
+          <a:lnRef idx="1">
+            <a:schemeClr val="accent1"/>
+          </a:lnRef>
+          <a:fillRef idx="0">
+            <a:schemeClr val="accent1"/>
+          </a:fillRef>
+          <a:effectRef idx="0">
+            <a:schemeClr val="accent1"/>
+          </a:effectRef>
+          <a:fontRef idx="minor">
+            <a:schemeClr val="tx1"/>
+          </a:fontRef>
+        </p:style>
+      </p:cxnSp>
+      <p:cxnSp>
+        <p:nvCxnSpPr>
+          <p:cNvPr id="10" name="Straight Connector 9">
+            <a:extLst>
+              <a:ext uri="{FF2B5EF4-FFF2-40B4-BE49-F238E27FC236}">
+                <a16:creationId xmlns:a16="http://schemas.microsoft.com/office/drawing/2014/main" id="{CC39F5DB-6E80-3348-9ABC-FCE12E576711}"/>
+              </a:ext>
+            </a:extLst>
+          </p:cNvPr>
+          <p:cNvCxnSpPr>
+            <a:cxnSpLocks/>
+          </p:cNvCxnSpPr>
+          <p:nvPr/>
+        </p:nvCxnSpPr>
+        <p:spPr>
+          <a:xfrm>
+            <a:off x="3127124" y="3611403"/>
+            <a:ext cx="937400" cy="0"/>
+          </a:xfrm>
+          <a:prstGeom prst="line">
+            <a:avLst/>
+          </a:prstGeom>
+          <a:ln w="63500" cap="sq">
+            <a:solidFill>
+              <a:srgbClr val="0432FF"/>
+            </a:solidFill>
+          </a:ln>
+        </p:spPr>
+        <p:style>
+          <a:lnRef idx="1">
+            <a:schemeClr val="accent1"/>
+          </a:lnRef>
+          <a:fillRef idx="0">
+            <a:schemeClr val="accent1"/>
+          </a:fillRef>
+          <a:effectRef idx="0">
+            <a:schemeClr val="accent1"/>
+          </a:effectRef>
+          <a:fontRef idx="minor">
+            <a:schemeClr val="tx1"/>
+          </a:fontRef>
+        </p:style>
+      </p:cxnSp>
+      <p:sp>
+        <p:nvSpPr>
+          <p:cNvPr id="13" name="Rectangle 12">
+            <a:extLst>
+              <a:ext uri="{FF2B5EF4-FFF2-40B4-BE49-F238E27FC236}">
+                <a16:creationId xmlns:a16="http://schemas.microsoft.com/office/drawing/2014/main" id="{02F6877E-6AF1-0F4C-B242-AF53955515E9}"/>
+              </a:ext>
+            </a:extLst>
+          </p:cNvPr>
+          <p:cNvSpPr/>
+          <p:nvPr/>
+        </p:nvSpPr>
+        <p:spPr>
+          <a:xfrm>
+            <a:off x="3095625" y="4924425"/>
+            <a:ext cx="185449" cy="111125"/>
+          </a:xfrm>
+          <a:prstGeom prst="rect">
+            <a:avLst/>
+          </a:prstGeom>
+          <a:solidFill>
+            <a:schemeClr val="tx1"/>
+          </a:solidFill>
+          <a:ln>
+            <a:noFill/>
+          </a:ln>
+        </p:spPr>
+        <p:style>
+          <a:lnRef idx="2">
+            <a:schemeClr val="accent1">
+              <a:shade val="50000"/>
+            </a:schemeClr>
+          </a:lnRef>
+          <a:fillRef idx="1">
+            <a:schemeClr val="accent1"/>
+          </a:fillRef>
+          <a:effectRef idx="0">
+            <a:schemeClr val="accent1"/>
+          </a:effectRef>
+          <a:fontRef idx="minor">
+            <a:schemeClr val="lt1"/>
+          </a:fontRef>
+        </p:style>
+        <p:txBody>
+          <a:bodyPr rtlCol="0" anchor="ctr"/>
+          <a:lstStyle/>
+          <a:p>
+            <a:pPr algn="ctr"/>
+            <a:endParaRPr lang="en-US"/>
+          </a:p>
+        </p:txBody>
+      </p:sp>
+      <p:sp>
+        <p:nvSpPr>
+          <p:cNvPr id="15" name="Rectangle 14">
+            <a:extLst>
+              <a:ext uri="{FF2B5EF4-FFF2-40B4-BE49-F238E27FC236}">
+                <a16:creationId xmlns:a16="http://schemas.microsoft.com/office/drawing/2014/main" id="{51951276-F1A8-6A43-8B72-9BBDC810BBED}"/>
+              </a:ext>
+            </a:extLst>
+          </p:cNvPr>
+          <p:cNvSpPr/>
+          <p:nvPr/>
+        </p:nvSpPr>
+        <p:spPr>
+          <a:xfrm>
+            <a:off x="3081669" y="4073613"/>
+            <a:ext cx="185449" cy="111125"/>
+          </a:xfrm>
+          <a:prstGeom prst="rect">
+            <a:avLst/>
+          </a:prstGeom>
+          <a:solidFill>
+            <a:schemeClr val="tx1"/>
+          </a:solidFill>
+          <a:ln>
+            <a:noFill/>
+          </a:ln>
+        </p:spPr>
+        <p:style>
+          <a:lnRef idx="2">
+            <a:schemeClr val="accent1">
+              <a:shade val="50000"/>
+            </a:schemeClr>
+          </a:lnRef>
+          <a:fillRef idx="1">
+            <a:schemeClr val="accent1"/>
+          </a:fillRef>
+          <a:effectRef idx="0">
+            <a:schemeClr val="accent1"/>
+          </a:effectRef>
+          <a:fontRef idx="minor">
+            <a:schemeClr val="lt1"/>
+          </a:fontRef>
+        </p:style>
+        <p:txBody>
+          <a:bodyPr rtlCol="0" anchor="ctr"/>
+          <a:lstStyle/>
+          <a:p>
+            <a:pPr algn="ctr"/>
+            <a:endParaRPr lang="en-US"/>
+          </a:p>
+        </p:txBody>
+      </p:sp>
+      <p:sp>
+        <p:nvSpPr>
+          <p:cNvPr id="16" name="Rectangle 15">
+            <a:extLst>
+              <a:ext uri="{FF2B5EF4-FFF2-40B4-BE49-F238E27FC236}">
+                <a16:creationId xmlns:a16="http://schemas.microsoft.com/office/drawing/2014/main" id="{2191F2AC-445E-5549-8720-222A4D573F5C}"/>
+              </a:ext>
+            </a:extLst>
+          </p:cNvPr>
+          <p:cNvSpPr/>
+          <p:nvPr/>
+        </p:nvSpPr>
+        <p:spPr>
+          <a:xfrm>
+            <a:off x="3081668" y="3201439"/>
+            <a:ext cx="185449" cy="111125"/>
+          </a:xfrm>
+          <a:prstGeom prst="rect">
+            <a:avLst/>
+          </a:prstGeom>
+          <a:solidFill>
+            <a:schemeClr val="tx1"/>
+          </a:solidFill>
+          <a:ln>
+            <a:noFill/>
+          </a:ln>
+        </p:spPr>
+        <p:style>
+          <a:lnRef idx="2">
+            <a:schemeClr val="accent1">
+              <a:shade val="50000"/>
+            </a:schemeClr>
+          </a:lnRef>
+          <a:fillRef idx="1">
+            <a:schemeClr val="accent1"/>
+          </a:fillRef>
+          <a:effectRef idx="0">
+            <a:schemeClr val="accent1"/>
+          </a:effectRef>
+          <a:fontRef idx="minor">
+            <a:schemeClr val="lt1"/>
+          </a:fontRef>
+        </p:style>
+        <p:txBody>
+          <a:bodyPr rtlCol="0" anchor="ctr"/>
+          <a:lstStyle/>
+          <a:p>
+            <a:pPr algn="ctr"/>
+            <a:endParaRPr lang="en-US"/>
+          </a:p>
+        </p:txBody>
+      </p:sp>
+      <p:sp>
+        <p:nvSpPr>
+          <p:cNvPr id="17" name="TextBox 16">
+            <a:extLst>
+              <a:ext uri="{FF2B5EF4-FFF2-40B4-BE49-F238E27FC236}">
+                <a16:creationId xmlns:a16="http://schemas.microsoft.com/office/drawing/2014/main" id="{297B7FDB-EF69-584A-B141-C36DEFA6FB98}"/>
               </a:ext>
             </a:extLst>
           </p:cNvPr>
@@ -9993,8 +10235,8 @@
         </p:nvSpPr>
         <p:spPr>
           <a:xfrm>
-            <a:off x="6237484" y="5445499"/>
-            <a:ext cx="405880" cy="369332"/>
+            <a:off x="3352319" y="2525118"/>
+            <a:ext cx="2192139" cy="369332"/>
           </a:xfrm>
           <a:prstGeom prst="rect">
             <a:avLst/>
@@ -10008,18 +10250,409 @@
           <a:lstStyle/>
           <a:p>
             <a:r>
-              <a:rPr lang="en-US" dirty="0"/>
-              <a:t>6v</a:t>
-            </a:r>
-          </a:p>
-        </p:txBody>
-      </p:sp>
-      <p:sp>
-        <p:nvSpPr>
-          <p:cNvPr id="21" name="TextBox 20">
-            <a:extLst>
-              <a:ext uri="{FF2B5EF4-FFF2-40B4-BE49-F238E27FC236}">
-                <a16:creationId xmlns:a16="http://schemas.microsoft.com/office/drawing/2014/main" id="{48B62E59-7C58-E948-83FE-9138E3373FAB}"/>
+              <a:rPr lang="en-US" b="1" dirty="0">
+                <a:solidFill>
+                  <a:srgbClr val="FF0000"/>
+                </a:solidFill>
+              </a:rPr>
+              <a:t>ADC_VREF - 3.3 Volts</a:t>
+            </a:r>
+          </a:p>
+        </p:txBody>
+      </p:sp>
+      <p:sp>
+        <p:nvSpPr>
+          <p:cNvPr id="19" name="Rectangle 18">
+            <a:extLst>
+              <a:ext uri="{FF2B5EF4-FFF2-40B4-BE49-F238E27FC236}">
+                <a16:creationId xmlns:a16="http://schemas.microsoft.com/office/drawing/2014/main" id="{90E09ABD-7FD9-8D49-A0AB-88C7B0D9082F}"/>
+              </a:ext>
+            </a:extLst>
+          </p:cNvPr>
+          <p:cNvSpPr/>
+          <p:nvPr/>
+        </p:nvSpPr>
+        <p:spPr>
+          <a:xfrm>
+            <a:off x="4221479" y="3841729"/>
+            <a:ext cx="226910" cy="287446"/>
+          </a:xfrm>
+          <a:prstGeom prst="rect">
+            <a:avLst/>
+          </a:prstGeom>
+          <a:solidFill>
+            <a:schemeClr val="bg1"/>
+          </a:solidFill>
+          <a:ln>
+            <a:noFill/>
+          </a:ln>
+        </p:spPr>
+        <p:style>
+          <a:lnRef idx="2">
+            <a:schemeClr val="accent1">
+              <a:shade val="50000"/>
+            </a:schemeClr>
+          </a:lnRef>
+          <a:fillRef idx="1">
+            <a:schemeClr val="accent1"/>
+          </a:fillRef>
+          <a:effectRef idx="0">
+            <a:schemeClr val="accent1"/>
+          </a:effectRef>
+          <a:fontRef idx="minor">
+            <a:schemeClr val="lt1"/>
+          </a:fontRef>
+        </p:style>
+        <p:txBody>
+          <a:bodyPr rtlCol="0" anchor="ctr"/>
+          <a:lstStyle/>
+          <a:p>
+            <a:pPr algn="ctr"/>
+            <a:endParaRPr lang="en-US"/>
+          </a:p>
+        </p:txBody>
+      </p:sp>
+      <p:cxnSp>
+        <p:nvCxnSpPr>
+          <p:cNvPr id="23" name="Straight Connector 22">
+            <a:extLst>
+              <a:ext uri="{FF2B5EF4-FFF2-40B4-BE49-F238E27FC236}">
+                <a16:creationId xmlns:a16="http://schemas.microsoft.com/office/drawing/2014/main" id="{F0915835-80A1-1441-9483-C322FEC37497}"/>
+              </a:ext>
+            </a:extLst>
+          </p:cNvPr>
+          <p:cNvCxnSpPr>
+            <a:cxnSpLocks/>
+          </p:cNvCxnSpPr>
+          <p:nvPr/>
+        </p:nvCxnSpPr>
+        <p:spPr>
+          <a:xfrm flipV="1">
+            <a:off x="4861932" y="3234177"/>
+            <a:ext cx="0" cy="1555163"/>
+          </a:xfrm>
+          <a:prstGeom prst="line">
+            <a:avLst/>
+          </a:prstGeom>
+          <a:ln w="63500" cap="sq">
+            <a:solidFill>
+              <a:schemeClr val="tx1"/>
+            </a:solidFill>
+          </a:ln>
+        </p:spPr>
+        <p:style>
+          <a:lnRef idx="1">
+            <a:schemeClr val="accent1"/>
+          </a:lnRef>
+          <a:fillRef idx="0">
+            <a:schemeClr val="accent1"/>
+          </a:fillRef>
+          <a:effectRef idx="0">
+            <a:schemeClr val="accent1"/>
+          </a:effectRef>
+          <a:fontRef idx="minor">
+            <a:schemeClr val="tx1"/>
+          </a:fontRef>
+        </p:style>
+      </p:cxnSp>
+      <p:cxnSp>
+        <p:nvCxnSpPr>
+          <p:cNvPr id="27" name="Straight Connector 26">
+            <a:extLst>
+              <a:ext uri="{FF2B5EF4-FFF2-40B4-BE49-F238E27FC236}">
+                <a16:creationId xmlns:a16="http://schemas.microsoft.com/office/drawing/2014/main" id="{D74F871C-8CD1-3D44-8C8F-D5B333E9AC6A}"/>
+              </a:ext>
+            </a:extLst>
+          </p:cNvPr>
+          <p:cNvCxnSpPr>
+            <a:cxnSpLocks/>
+          </p:cNvCxnSpPr>
+          <p:nvPr/>
+        </p:nvCxnSpPr>
+        <p:spPr>
+          <a:xfrm>
+            <a:off x="4861932" y="4789340"/>
+            <a:ext cx="856582" cy="0"/>
+          </a:xfrm>
+          <a:prstGeom prst="line">
+            <a:avLst/>
+          </a:prstGeom>
+          <a:ln w="63500" cap="sq">
+            <a:solidFill>
+              <a:schemeClr val="tx1"/>
+            </a:solidFill>
+          </a:ln>
+        </p:spPr>
+        <p:style>
+          <a:lnRef idx="1">
+            <a:schemeClr val="accent1"/>
+          </a:lnRef>
+          <a:fillRef idx="0">
+            <a:schemeClr val="accent1"/>
+          </a:fillRef>
+          <a:effectRef idx="0">
+            <a:schemeClr val="accent1"/>
+          </a:effectRef>
+          <a:fontRef idx="minor">
+            <a:schemeClr val="tx1"/>
+          </a:fontRef>
+        </p:style>
+      </p:cxnSp>
+      <p:pic>
+        <p:nvPicPr>
+          <p:cNvPr id="28" name="Picture 27">
+            <a:extLst>
+              <a:ext uri="{FF2B5EF4-FFF2-40B4-BE49-F238E27FC236}">
+                <a16:creationId xmlns:a16="http://schemas.microsoft.com/office/drawing/2014/main" id="{F1CB67F1-244A-F346-82AE-E707C22FE6A1}"/>
+              </a:ext>
+            </a:extLst>
+          </p:cNvPr>
+          <p:cNvPicPr>
+            <a:picLocks noChangeAspect="1"/>
+          </p:cNvPicPr>
+          <p:nvPr/>
+        </p:nvPicPr>
+        <p:blipFill>
+          <a:blip r:embed="rId3"/>
+          <a:stretch>
+            <a:fillRect/>
+          </a:stretch>
+        </p:blipFill>
+        <p:spPr>
+          <a:xfrm rot="2758370">
+            <a:off x="5325070" y="3027230"/>
+            <a:ext cx="673100" cy="609600"/>
+          </a:xfrm>
+          <a:prstGeom prst="rect">
+            <a:avLst/>
+          </a:prstGeom>
+        </p:spPr>
+      </p:pic>
+      <p:pic>
+        <p:nvPicPr>
+          <p:cNvPr id="29" name="Picture 2">
+            <a:extLst>
+              <a:ext uri="{FF2B5EF4-FFF2-40B4-BE49-F238E27FC236}">
+                <a16:creationId xmlns:a16="http://schemas.microsoft.com/office/drawing/2014/main" id="{39CB4D9C-4B4C-E14A-B9EF-8638FD4EDEDC}"/>
+              </a:ext>
+            </a:extLst>
+          </p:cNvPr>
+          <p:cNvPicPr>
+            <a:picLocks noChangeAspect="1" noChangeArrowheads="1"/>
+          </p:cNvPicPr>
+          <p:nvPr/>
+        </p:nvPicPr>
+        <p:blipFill>
+          <a:blip r:embed="rId4">
+            <a:extLst>
+              <a:ext uri="{28A0092B-C50C-407E-A947-70E740481C1C}">
+                <a14:useLocalDpi xmlns:a14="http://schemas.microsoft.com/office/drawing/2010/main" val="0"/>
+              </a:ext>
+            </a:extLst>
+          </a:blip>
+          <a:srcRect/>
+          <a:stretch>
+            <a:fillRect/>
+          </a:stretch>
+        </p:blipFill>
+        <p:spPr bwMode="auto">
+          <a:xfrm rot="5400000">
+            <a:off x="5347306" y="3938309"/>
+            <a:ext cx="742416" cy="636357"/>
+          </a:xfrm>
+          <a:prstGeom prst="rect">
+            <a:avLst/>
+          </a:prstGeom>
+          <a:noFill/>
+          <a:extLst>
+            <a:ext uri="{909E8E84-426E-40DD-AFC4-6F175D3DCCD1}">
+              <a14:hiddenFill xmlns:a14="http://schemas.microsoft.com/office/drawing/2010/main">
+                <a:solidFill>
+                  <a:srgbClr val="FFFFFF"/>
+                </a:solidFill>
+              </a14:hiddenFill>
+            </a:ext>
+          </a:extLst>
+        </p:spPr>
+      </p:pic>
+      <p:cxnSp>
+        <p:nvCxnSpPr>
+          <p:cNvPr id="31" name="Straight Connector 30">
+            <a:extLst>
+              <a:ext uri="{FF2B5EF4-FFF2-40B4-BE49-F238E27FC236}">
+                <a16:creationId xmlns:a16="http://schemas.microsoft.com/office/drawing/2014/main" id="{C69EDAA7-79B7-694E-BFC9-C2084A6F3974}"/>
+              </a:ext>
+            </a:extLst>
+          </p:cNvPr>
+          <p:cNvCxnSpPr>
+            <a:cxnSpLocks/>
+          </p:cNvCxnSpPr>
+          <p:nvPr/>
+        </p:nvCxnSpPr>
+        <p:spPr>
+          <a:xfrm flipH="1" flipV="1">
+            <a:off x="5718514" y="3807734"/>
+            <a:ext cx="2" cy="252878"/>
+          </a:xfrm>
+          <a:prstGeom prst="line">
+            <a:avLst/>
+          </a:prstGeom>
+          <a:ln w="63500">
+            <a:solidFill>
+              <a:schemeClr val="tx1"/>
+            </a:solidFill>
+          </a:ln>
+        </p:spPr>
+        <p:style>
+          <a:lnRef idx="1">
+            <a:schemeClr val="accent1"/>
+          </a:lnRef>
+          <a:fillRef idx="0">
+            <a:schemeClr val="accent1"/>
+          </a:fillRef>
+          <a:effectRef idx="0">
+            <a:schemeClr val="accent1"/>
+          </a:effectRef>
+          <a:fontRef idx="minor">
+            <a:schemeClr val="tx1"/>
+          </a:fontRef>
+        </p:style>
+      </p:cxnSp>
+      <p:cxnSp>
+        <p:nvCxnSpPr>
+          <p:cNvPr id="35" name="Straight Connector 34">
+            <a:extLst>
+              <a:ext uri="{FF2B5EF4-FFF2-40B4-BE49-F238E27FC236}">
+                <a16:creationId xmlns:a16="http://schemas.microsoft.com/office/drawing/2014/main" id="{416094CB-C908-FB4B-81CD-91595B3CA4C7}"/>
+              </a:ext>
+            </a:extLst>
+          </p:cNvPr>
+          <p:cNvCxnSpPr>
+            <a:cxnSpLocks/>
+          </p:cNvCxnSpPr>
+          <p:nvPr/>
+        </p:nvCxnSpPr>
+        <p:spPr>
+          <a:xfrm>
+            <a:off x="4080762" y="3836420"/>
+            <a:ext cx="1637752" cy="0"/>
+          </a:xfrm>
+          <a:prstGeom prst="line">
+            <a:avLst/>
+          </a:prstGeom>
+          <a:ln w="63500" cap="sq">
+            <a:solidFill>
+              <a:srgbClr val="0432FF"/>
+            </a:solidFill>
+          </a:ln>
+        </p:spPr>
+        <p:style>
+          <a:lnRef idx="1">
+            <a:schemeClr val="accent1"/>
+          </a:lnRef>
+          <a:fillRef idx="0">
+            <a:schemeClr val="accent1"/>
+          </a:fillRef>
+          <a:effectRef idx="0">
+            <a:schemeClr val="accent1"/>
+          </a:effectRef>
+          <a:fontRef idx="minor">
+            <a:schemeClr val="tx1"/>
+          </a:fontRef>
+        </p:style>
+      </p:cxnSp>
+      <p:cxnSp>
+        <p:nvCxnSpPr>
+          <p:cNvPr id="37" name="Straight Connector 36">
+            <a:extLst>
+              <a:ext uri="{FF2B5EF4-FFF2-40B4-BE49-F238E27FC236}">
+                <a16:creationId xmlns:a16="http://schemas.microsoft.com/office/drawing/2014/main" id="{F65FF222-7895-8145-B61F-CE882209944E}"/>
+              </a:ext>
+            </a:extLst>
+          </p:cNvPr>
+          <p:cNvCxnSpPr>
+            <a:cxnSpLocks/>
+          </p:cNvCxnSpPr>
+          <p:nvPr/>
+        </p:nvCxnSpPr>
+        <p:spPr>
+          <a:xfrm flipV="1">
+            <a:off x="4064524" y="3611404"/>
+            <a:ext cx="0" cy="225016"/>
+          </a:xfrm>
+          <a:prstGeom prst="line">
+            <a:avLst/>
+          </a:prstGeom>
+          <a:ln w="63500" cap="sq">
+            <a:solidFill>
+              <a:srgbClr val="0432FF"/>
+            </a:solidFill>
+          </a:ln>
+        </p:spPr>
+        <p:style>
+          <a:lnRef idx="1">
+            <a:schemeClr val="accent1"/>
+          </a:lnRef>
+          <a:fillRef idx="0">
+            <a:schemeClr val="accent1"/>
+          </a:fillRef>
+          <a:effectRef idx="0">
+            <a:schemeClr val="accent1"/>
+          </a:effectRef>
+          <a:fontRef idx="minor">
+            <a:schemeClr val="tx1"/>
+          </a:fontRef>
+        </p:style>
+      </p:cxnSp>
+      <p:cxnSp>
+        <p:nvCxnSpPr>
+          <p:cNvPr id="40" name="Straight Connector 39">
+            <a:extLst>
+              <a:ext uri="{FF2B5EF4-FFF2-40B4-BE49-F238E27FC236}">
+                <a16:creationId xmlns:a16="http://schemas.microsoft.com/office/drawing/2014/main" id="{1C0185CD-83CC-4346-ACC6-1AC2C00C81CE}"/>
+              </a:ext>
+            </a:extLst>
+          </p:cNvPr>
+          <p:cNvCxnSpPr>
+            <a:cxnSpLocks/>
+          </p:cNvCxnSpPr>
+          <p:nvPr/>
+        </p:nvCxnSpPr>
+        <p:spPr>
+          <a:xfrm flipV="1">
+            <a:off x="5718515" y="4563723"/>
+            <a:ext cx="0" cy="225617"/>
+          </a:xfrm>
+          <a:prstGeom prst="line">
+            <a:avLst/>
+          </a:prstGeom>
+          <a:ln w="63500" cap="sq">
+            <a:solidFill>
+              <a:schemeClr val="tx1"/>
+            </a:solidFill>
+          </a:ln>
+        </p:spPr>
+        <p:style>
+          <a:lnRef idx="1">
+            <a:schemeClr val="accent1"/>
+          </a:lnRef>
+          <a:fillRef idx="0">
+            <a:schemeClr val="accent1"/>
+          </a:fillRef>
+          <a:effectRef idx="0">
+            <a:schemeClr val="accent1"/>
+          </a:effectRef>
+          <a:fontRef idx="minor">
+            <a:schemeClr val="tx1"/>
+          </a:fontRef>
+        </p:style>
+      </p:cxnSp>
+      <p:sp>
+        <p:nvSpPr>
+          <p:cNvPr id="48" name="TextBox 47">
+            <a:extLst>
+              <a:ext uri="{FF2B5EF4-FFF2-40B4-BE49-F238E27FC236}">
+                <a16:creationId xmlns:a16="http://schemas.microsoft.com/office/drawing/2014/main" id="{BA72798C-D482-F54C-8FCF-6D11883B1209}"/>
               </a:ext>
             </a:extLst>
           </p:cNvPr>
@@ -10028,8 +10661,8 @@
         </p:nvSpPr>
         <p:spPr>
           <a:xfrm>
-            <a:off x="5886964" y="5445499"/>
-            <a:ext cx="405880" cy="369332"/>
+            <a:off x="6033074" y="4120408"/>
+            <a:ext cx="1442574" cy="369332"/>
           </a:xfrm>
           <a:prstGeom prst="rect">
             <a:avLst/>
@@ -10044,17 +10677,17 @@
           <a:p>
             <a:r>
               <a:rPr lang="en-US" dirty="0"/>
-              <a:t>5v</a:t>
-            </a:r>
-          </a:p>
-        </p:txBody>
-      </p:sp>
-      <p:sp>
-        <p:nvSpPr>
-          <p:cNvPr id="22" name="TextBox 21">
-            <a:extLst>
-              <a:ext uri="{FF2B5EF4-FFF2-40B4-BE49-F238E27FC236}">
-                <a16:creationId xmlns:a16="http://schemas.microsoft.com/office/drawing/2014/main" id="{BEEFD327-3958-5645-8521-176DC153F712}"/>
+              <a:t>Photoresistor</a:t>
+            </a:r>
+          </a:p>
+        </p:txBody>
+      </p:sp>
+      <p:sp>
+        <p:nvSpPr>
+          <p:cNvPr id="50" name="TextBox 49">
+            <a:extLst>
+              <a:ext uri="{FF2B5EF4-FFF2-40B4-BE49-F238E27FC236}">
+                <a16:creationId xmlns:a16="http://schemas.microsoft.com/office/drawing/2014/main" id="{DE7EBE9A-03FF-B34B-86C3-B8EF2DEFA79A}"/>
               </a:ext>
             </a:extLst>
           </p:cNvPr>
@@ -10063,8 +10696,8 @@
         </p:nvSpPr>
         <p:spPr>
           <a:xfrm>
-            <a:off x="7263260" y="5433300"/>
-            <a:ext cx="405880" cy="369332"/>
+            <a:off x="5793912" y="3127898"/>
+            <a:ext cx="1334789" cy="369332"/>
           </a:xfrm>
           <a:prstGeom prst="rect">
             <a:avLst/>
@@ -10079,7 +10712,81 @@
           <a:p>
             <a:r>
               <a:rPr lang="en-US" dirty="0"/>
-              <a:t>9v</a:t>
+              <a:t>10K Resistor</a:t>
+            </a:r>
+          </a:p>
+        </p:txBody>
+      </p:sp>
+      <p:sp>
+        <p:nvSpPr>
+          <p:cNvPr id="51" name="TextBox 50">
+            <a:extLst>
+              <a:ext uri="{FF2B5EF4-FFF2-40B4-BE49-F238E27FC236}">
+                <a16:creationId xmlns:a16="http://schemas.microsoft.com/office/drawing/2014/main" id="{8611B276-0258-134E-A746-E2837507EAB0}"/>
+              </a:ext>
+            </a:extLst>
+          </p:cNvPr>
+          <p:cNvSpPr txBox="1"/>
+          <p:nvPr/>
+        </p:nvSpPr>
+        <p:spPr>
+          <a:xfrm>
+            <a:off x="3325894" y="2922300"/>
+            <a:ext cx="766941" cy="369332"/>
+          </a:xfrm>
+          <a:prstGeom prst="rect">
+            <a:avLst/>
+          </a:prstGeom>
+          <a:noFill/>
+        </p:spPr>
+        <p:txBody>
+          <a:bodyPr wrap="none" rtlCol="0">
+            <a:spAutoFit/>
+          </a:bodyPr>
+          <a:lstStyle/>
+          <a:p>
+            <a:r>
+              <a:rPr lang="en-US" b="1" dirty="0"/>
+              <a:t>AGND</a:t>
+            </a:r>
+          </a:p>
+        </p:txBody>
+      </p:sp>
+      <p:sp>
+        <p:nvSpPr>
+          <p:cNvPr id="52" name="TextBox 51">
+            <a:extLst>
+              <a:ext uri="{FF2B5EF4-FFF2-40B4-BE49-F238E27FC236}">
+                <a16:creationId xmlns:a16="http://schemas.microsoft.com/office/drawing/2014/main" id="{FECB9567-BB8C-A947-A0AF-C7A8A05807F1}"/>
+              </a:ext>
+            </a:extLst>
+          </p:cNvPr>
+          <p:cNvSpPr txBox="1"/>
+          <p:nvPr/>
+        </p:nvSpPr>
+        <p:spPr>
+          <a:xfrm>
+            <a:off x="3320816" y="3282298"/>
+            <a:ext cx="689612" cy="369332"/>
+          </a:xfrm>
+          <a:prstGeom prst="rect">
+            <a:avLst/>
+          </a:prstGeom>
+          <a:noFill/>
+        </p:spPr>
+        <p:txBody>
+          <a:bodyPr wrap="none" rtlCol="0">
+            <a:spAutoFit/>
+          </a:bodyPr>
+          <a:lstStyle/>
+          <a:p>
+            <a:r>
+              <a:rPr lang="en-US" b="1" dirty="0">
+                <a:solidFill>
+                  <a:srgbClr val="0432FF"/>
+                </a:solidFill>
+              </a:rPr>
+              <a:t>GP26</a:t>
             </a:r>
           </a:p>
         </p:txBody>
@@ -10087,7 +10794,7 @@
     </p:spTree>
     <p:extLst>
       <p:ext uri="{BB962C8B-B14F-4D97-AF65-F5344CB8AC3E}">
-        <p14:creationId xmlns:p14="http://schemas.microsoft.com/office/powerpoint/2010/main" val="609067635"/>
+        <p14:creationId xmlns:p14="http://schemas.microsoft.com/office/powerpoint/2010/main" val="617354240"/>
       </p:ext>
     </p:extLst>
   </p:cSld>
@@ -10119,7 +10826,7 @@
           <p:cNvPr id="2" name="Title 1">
             <a:extLst>
               <a:ext uri="{FF2B5EF4-FFF2-40B4-BE49-F238E27FC236}">
-                <a16:creationId xmlns:a16="http://schemas.microsoft.com/office/drawing/2014/main" id="{DFEFA16C-A157-F248-AFA1-440E69529FA7}"/>
+                <a16:creationId xmlns:a16="http://schemas.microsoft.com/office/drawing/2014/main" id="{9575E5BC-FD74-7245-99F2-A0AE98AF7BB4}"/>
               </a:ext>
             </a:extLst>
           </p:cNvPr>
@@ -10130,21 +10837,14 @@
             <p:ph type="title"/>
           </p:nvPr>
         </p:nvSpPr>
-        <p:spPr>
-          <a:xfrm>
-            <a:off x="411480" y="338773"/>
-            <a:ext cx="10515600" cy="644843"/>
-          </a:xfrm>
-        </p:spPr>
-        <p:txBody>
-          <a:bodyPr>
-            <a:normAutofit fontScale="90000"/>
-          </a:bodyPr>
+        <p:spPr/>
+        <p:txBody>
+          <a:bodyPr/>
           <a:lstStyle/>
           <a:p>
             <a:r>
               <a:rPr lang="en-US" dirty="0"/>
-              <a:t>Motor Driver Circuit</a:t>
+              <a:t>H-Bridge</a:t>
             </a:r>
           </a:p>
         </p:txBody>
@@ -10154,7 +10854,7 @@
           <p:cNvPr id="3" name="Content Placeholder 2">
             <a:extLst>
               <a:ext uri="{FF2B5EF4-FFF2-40B4-BE49-F238E27FC236}">
-                <a16:creationId xmlns:a16="http://schemas.microsoft.com/office/drawing/2014/main" id="{CA680DBB-1CEA-C34E-8B41-75C42D17D005}"/>
+                <a16:creationId xmlns:a16="http://schemas.microsoft.com/office/drawing/2014/main" id="{6AC99294-23A8-B149-AF0B-4BAACD26ECD5}"/>
               </a:ext>
             </a:extLst>
           </p:cNvPr>
@@ -10167,8 +10867,8 @@
         </p:nvSpPr>
         <p:spPr>
           <a:xfrm>
-            <a:off x="838200" y="5770947"/>
-            <a:ext cx="10515600" cy="644843"/>
+            <a:off x="838200" y="4951141"/>
+            <a:ext cx="10515600" cy="1225822"/>
           </a:xfrm>
         </p:spPr>
         <p:txBody>
@@ -10179,102 +10879,29 @@
           </a:p>
         </p:txBody>
       </p:sp>
-      <p:pic>
-        <p:nvPicPr>
-          <p:cNvPr id="1026" name="Picture 2" descr="Arduino Transistor DC Motor Control">
-            <a:extLst>
-              <a:ext uri="{FF2B5EF4-FFF2-40B4-BE49-F238E27FC236}">
-                <a16:creationId xmlns:a16="http://schemas.microsoft.com/office/drawing/2014/main" id="{33E51726-9330-E54B-9BC7-1C79773865D5}"/>
-              </a:ext>
-            </a:extLst>
-          </p:cNvPr>
-          <p:cNvPicPr>
-            <a:picLocks noChangeAspect="1" noChangeArrowheads="1"/>
-          </p:cNvPicPr>
-          <p:nvPr/>
-        </p:nvPicPr>
-        <p:blipFill rotWithShape="1">
-          <a:blip r:embed="rId2">
-            <a:extLst>
-              <a:ext uri="{28A0092B-C50C-407E-A947-70E740481C1C}">
-                <a14:useLocalDpi xmlns:a14="http://schemas.microsoft.com/office/drawing/2010/main" val="0"/>
-              </a:ext>
-            </a:extLst>
-          </a:blip>
-          <a:srcRect l="26680" t="8347"/>
-          <a:stretch/>
-        </p:blipFill>
-        <p:spPr bwMode="auto">
-          <a:xfrm>
-            <a:off x="4221479" y="1802523"/>
-            <a:ext cx="3487051" cy="3617760"/>
-          </a:xfrm>
-          <a:prstGeom prst="rect">
-            <a:avLst/>
-          </a:prstGeom>
-          <a:noFill/>
-          <a:extLst>
-            <a:ext uri="{909E8E84-426E-40DD-AFC4-6F175D3DCCD1}">
-              <a14:hiddenFill xmlns:a14="http://schemas.microsoft.com/office/drawing/2010/main">
-                <a:solidFill>
-                  <a:srgbClr val="FFFFFF"/>
-                </a:solidFill>
-              </a14:hiddenFill>
-            </a:ext>
-          </a:extLst>
-        </p:spPr>
-      </p:pic>
-      <p:pic>
-        <p:nvPicPr>
-          <p:cNvPr id="5" name="Picture 4">
-            <a:extLst>
-              <a:ext uri="{FF2B5EF4-FFF2-40B4-BE49-F238E27FC236}">
-                <a16:creationId xmlns:a16="http://schemas.microsoft.com/office/drawing/2014/main" id="{9E692AE7-C1FE-2C40-9678-9A6D3C7C28F4}"/>
-              </a:ext>
-            </a:extLst>
-          </p:cNvPr>
-          <p:cNvPicPr>
-            <a:picLocks noChangeAspect="1"/>
-          </p:cNvPicPr>
-          <p:nvPr/>
-        </p:nvPicPr>
-        <p:blipFill>
-          <a:blip r:embed="rId3"/>
-          <a:stretch>
-            <a:fillRect/>
-          </a:stretch>
-        </p:blipFill>
-        <p:spPr>
-          <a:xfrm>
-            <a:off x="1838699" y="1802523"/>
-            <a:ext cx="1442375" cy="3617760"/>
-          </a:xfrm>
-          <a:prstGeom prst="rect">
-            <a:avLst/>
-          </a:prstGeom>
-        </p:spPr>
-      </p:pic>
       <p:cxnSp>
         <p:nvCxnSpPr>
-          <p:cNvPr id="6" name="Straight Connector 5">
-            <a:extLst>
-              <a:ext uri="{FF2B5EF4-FFF2-40B4-BE49-F238E27FC236}">
-                <a16:creationId xmlns:a16="http://schemas.microsoft.com/office/drawing/2014/main" id="{F710BA68-9101-E245-9A8F-6B672CCA1A1D}"/>
-              </a:ext>
-            </a:extLst>
-          </p:cNvPr>
-          <p:cNvCxnSpPr/>
+          <p:cNvPr id="5" name="Straight Connector 4">
+            <a:extLst>
+              <a:ext uri="{FF2B5EF4-FFF2-40B4-BE49-F238E27FC236}">
+                <a16:creationId xmlns:a16="http://schemas.microsoft.com/office/drawing/2014/main" id="{8C03662A-1AAA-2042-8C21-6086968D5DAD}"/>
+              </a:ext>
+            </a:extLst>
+          </p:cNvPr>
+          <p:cNvCxnSpPr>
+            <a:cxnSpLocks/>
+          </p:cNvCxnSpPr>
           <p:nvPr/>
         </p:nvCxnSpPr>
         <p:spPr>
           <a:xfrm>
-            <a:off x="3281074" y="4983480"/>
-            <a:ext cx="2921606" cy="320040"/>
+            <a:off x="3445727" y="1690688"/>
+            <a:ext cx="0" cy="2363152"/>
           </a:xfrm>
           <a:prstGeom prst="line">
             <a:avLst/>
           </a:prstGeom>
-          <a:ln w="63500">
+          <a:ln w="177800" cap="sq">
             <a:solidFill>
               <a:schemeClr val="tx1"/>
             </a:solidFill>
@@ -10297,10 +10924,10 @@
       </p:cxnSp>
       <p:cxnSp>
         <p:nvCxnSpPr>
-          <p:cNvPr id="8" name="Straight Connector 7">
-            <a:extLst>
-              <a:ext uri="{FF2B5EF4-FFF2-40B4-BE49-F238E27FC236}">
-                <a16:creationId xmlns:a16="http://schemas.microsoft.com/office/drawing/2014/main" id="{96C10E0D-8E37-D14F-B90D-BF5E763779D9}"/>
+          <p:cNvPr id="6" name="Straight Connector 5">
+            <a:extLst>
+              <a:ext uri="{FF2B5EF4-FFF2-40B4-BE49-F238E27FC236}">
+                <a16:creationId xmlns:a16="http://schemas.microsoft.com/office/drawing/2014/main" id="{BC239FEC-185E-A94D-B798-8365695A47AB}"/>
               </a:ext>
             </a:extLst>
           </p:cNvPr>
@@ -10310,16 +10937,16 @@
           <p:nvPr/>
         </p:nvCxnSpPr>
         <p:spPr>
-          <a:xfrm flipV="1">
-            <a:off x="3162341" y="1996911"/>
-            <a:ext cx="3040339" cy="45343"/>
+          <a:xfrm>
+            <a:off x="6082247" y="1697832"/>
+            <a:ext cx="0" cy="2363152"/>
           </a:xfrm>
           <a:prstGeom prst="line">
             <a:avLst/>
           </a:prstGeom>
-          <a:ln w="63500">
+          <a:ln w="177800" cap="sq">
             <a:solidFill>
-              <a:srgbClr val="FF0000"/>
+              <a:schemeClr val="tx1"/>
             </a:solidFill>
           </a:ln>
         </p:spPr>
@@ -10343,7 +10970,7 @@
           <p:cNvPr id="10" name="Straight Connector 9">
             <a:extLst>
               <a:ext uri="{FF2B5EF4-FFF2-40B4-BE49-F238E27FC236}">
-                <a16:creationId xmlns:a16="http://schemas.microsoft.com/office/drawing/2014/main" id="{CC39F5DB-6E80-3348-9ABC-FCE12E576711}"/>
+                <a16:creationId xmlns:a16="http://schemas.microsoft.com/office/drawing/2014/main" id="{3103643C-E5A8-2847-92DE-FD1B12E87DDC}"/>
               </a:ext>
             </a:extLst>
           </p:cNvPr>
@@ -10353,16 +10980,16 @@
           <p:nvPr/>
         </p:nvCxnSpPr>
         <p:spPr>
-          <a:xfrm flipV="1">
-            <a:off x="3267117" y="4164574"/>
-            <a:ext cx="954362" cy="128026"/>
+          <a:xfrm>
+            <a:off x="3445727" y="2872264"/>
+            <a:ext cx="2607528" cy="0"/>
           </a:xfrm>
           <a:prstGeom prst="line">
             <a:avLst/>
           </a:prstGeom>
-          <a:ln w="63500">
+          <a:ln w="177800" cap="sq">
             <a:solidFill>
-              <a:srgbClr val="0432FF"/>
+              <a:schemeClr val="tx1"/>
             </a:solidFill>
           </a:ln>
         </p:spPr>
@@ -10383,48 +11010,10 @@
       </p:cxnSp>
       <p:sp>
         <p:nvSpPr>
-          <p:cNvPr id="12" name="TextBox 11">
-            <a:extLst>
-              <a:ext uri="{FF2B5EF4-FFF2-40B4-BE49-F238E27FC236}">
-                <a16:creationId xmlns:a16="http://schemas.microsoft.com/office/drawing/2014/main" id="{2F2DE8DF-FAA1-344B-924E-E8DE9280131D}"/>
-              </a:ext>
-            </a:extLst>
-          </p:cNvPr>
-          <p:cNvSpPr txBox="1"/>
-          <p:nvPr/>
-        </p:nvSpPr>
-        <p:spPr>
-          <a:xfrm>
-            <a:off x="7708530" y="1920050"/>
-            <a:ext cx="2334630" cy="1754326"/>
-          </a:xfrm>
-          <a:prstGeom prst="rect">
-            <a:avLst/>
-          </a:prstGeom>
-          <a:noFill/>
-        </p:spPr>
-        <p:txBody>
-          <a:bodyPr wrap="square" rtlCol="0">
-            <a:spAutoFit/>
-          </a:bodyPr>
-          <a:lstStyle/>
-          <a:p>
-            <a:r>
-              <a:rPr lang="en-US" dirty="0"/>
-              <a:t>Flyback diode to prevent motor from generating current that will destroy the Pico GPIO circuits.</a:t>
-            </a:r>
-          </a:p>
-          <a:p>
-            <a:endParaRPr lang="en-US" dirty="0"/>
-          </a:p>
-        </p:txBody>
-      </p:sp>
-      <p:sp>
-        <p:nvSpPr>
-          <p:cNvPr id="13" name="Rectangle 12">
-            <a:extLst>
-              <a:ext uri="{FF2B5EF4-FFF2-40B4-BE49-F238E27FC236}">
-                <a16:creationId xmlns:a16="http://schemas.microsoft.com/office/drawing/2014/main" id="{02F6877E-6AF1-0F4C-B242-AF53955515E9}"/>
+          <p:cNvPr id="9" name="Oval 8">
+            <a:extLst>
+              <a:ext uri="{FF2B5EF4-FFF2-40B4-BE49-F238E27FC236}">
+                <a16:creationId xmlns:a16="http://schemas.microsoft.com/office/drawing/2014/main" id="{ABC971EC-F826-B64D-A054-38C75FE701F9}"/>
               </a:ext>
             </a:extLst>
           </p:cNvPr>
@@ -10433,17 +11022,21 @@
         </p:nvSpPr>
         <p:spPr>
           <a:xfrm>
-            <a:off x="3095625" y="4924425"/>
-            <a:ext cx="185449" cy="111125"/>
-          </a:xfrm>
-          <a:prstGeom prst="rect">
+            <a:off x="4192488" y="2580845"/>
+            <a:ext cx="1142999" cy="579120"/>
+          </a:xfrm>
+          <a:prstGeom prst="ellipse">
             <a:avLst/>
           </a:prstGeom>
           <a:solidFill>
-            <a:schemeClr val="tx1"/>
+            <a:schemeClr val="bg1">
+              <a:lumMod val="50000"/>
+            </a:schemeClr>
           </a:solidFill>
-          <a:ln>
-            <a:noFill/>
+          <a:ln w="28575">
+            <a:solidFill>
+              <a:schemeClr val="tx1"/>
+            </a:solidFill>
           </a:ln>
         </p:spPr>
         <p:style>
@@ -10463,20 +11056,23 @@
           </a:fontRef>
         </p:style>
         <p:txBody>
-          <a:bodyPr rtlCol="0" anchor="ctr"/>
+          <a:bodyPr wrap="none" rtlCol="0" anchor="ctr"/>
           <a:lstStyle/>
           <a:p>
             <a:pPr algn="ctr"/>
-            <a:endParaRPr lang="en-US"/>
-          </a:p>
-        </p:txBody>
-      </p:sp>
-      <p:sp>
-        <p:nvSpPr>
-          <p:cNvPr id="15" name="Rectangle 14">
-            <a:extLst>
-              <a:ext uri="{FF2B5EF4-FFF2-40B4-BE49-F238E27FC236}">
-                <a16:creationId xmlns:a16="http://schemas.microsoft.com/office/drawing/2014/main" id="{51951276-F1A8-6A43-8B72-9BBDC810BBED}"/>
+            <a:r>
+              <a:rPr lang="en-US" sz="2000" dirty="0"/>
+              <a:t>Motor</a:t>
+            </a:r>
+          </a:p>
+        </p:txBody>
+      </p:sp>
+      <p:sp>
+        <p:nvSpPr>
+          <p:cNvPr id="13" name="Oval 12">
+            <a:extLst>
+              <a:ext uri="{FF2B5EF4-FFF2-40B4-BE49-F238E27FC236}">
+                <a16:creationId xmlns:a16="http://schemas.microsoft.com/office/drawing/2014/main" id="{173901C6-D2E7-4F46-B959-EFAA588B2E36}"/>
               </a:ext>
             </a:extLst>
           </p:cNvPr>
@@ -10485,17 +11081,21 @@
         </p:nvSpPr>
         <p:spPr>
           <a:xfrm>
-            <a:off x="3081669" y="4073613"/>
-            <a:ext cx="185449" cy="111125"/>
-          </a:xfrm>
-          <a:prstGeom prst="rect">
+            <a:off x="2993081" y="1919923"/>
+            <a:ext cx="905292" cy="579120"/>
+          </a:xfrm>
+          <a:prstGeom prst="ellipse">
             <a:avLst/>
           </a:prstGeom>
           <a:solidFill>
-            <a:schemeClr val="tx1"/>
+            <a:schemeClr val="bg1">
+              <a:lumMod val="50000"/>
+            </a:schemeClr>
           </a:solidFill>
-          <a:ln>
-            <a:noFill/>
+          <a:ln w="28575">
+            <a:solidFill>
+              <a:schemeClr val="tx1"/>
+            </a:solidFill>
           </a:ln>
         </p:spPr>
         <p:style>
@@ -10515,20 +11115,23 @@
           </a:fontRef>
         </p:style>
         <p:txBody>
-          <a:bodyPr rtlCol="0" anchor="ctr"/>
+          <a:bodyPr wrap="none" rtlCol="0" anchor="ctr"/>
           <a:lstStyle/>
           <a:p>
             <a:pPr algn="ctr"/>
-            <a:endParaRPr lang="en-US"/>
-          </a:p>
-        </p:txBody>
-      </p:sp>
-      <p:sp>
-        <p:nvSpPr>
-          <p:cNvPr id="16" name="Rectangle 15">
-            <a:extLst>
-              <a:ext uri="{FF2B5EF4-FFF2-40B4-BE49-F238E27FC236}">
-                <a16:creationId xmlns:a16="http://schemas.microsoft.com/office/drawing/2014/main" id="{2191F2AC-445E-5549-8720-222A4D573F5C}"/>
+            <a:r>
+              <a:rPr lang="en-US" dirty="0"/>
+              <a:t>SW 1</a:t>
+            </a:r>
+          </a:p>
+        </p:txBody>
+      </p:sp>
+      <p:sp>
+        <p:nvSpPr>
+          <p:cNvPr id="14" name="Oval 13">
+            <a:extLst>
+              <a:ext uri="{FF2B5EF4-FFF2-40B4-BE49-F238E27FC236}">
+                <a16:creationId xmlns:a16="http://schemas.microsoft.com/office/drawing/2014/main" id="{7F691547-34A0-7240-B0CD-755B9EF6B1A7}"/>
               </a:ext>
             </a:extLst>
           </p:cNvPr>
@@ -10537,17 +11140,21 @@
         </p:nvSpPr>
         <p:spPr>
           <a:xfrm>
-            <a:off x="3081668" y="3201439"/>
-            <a:ext cx="185449" cy="111125"/>
-          </a:xfrm>
-          <a:prstGeom prst="rect">
+            <a:off x="5643354" y="1873886"/>
+            <a:ext cx="905292" cy="579120"/>
+          </a:xfrm>
+          <a:prstGeom prst="ellipse">
             <a:avLst/>
           </a:prstGeom>
           <a:solidFill>
-            <a:schemeClr val="tx1"/>
+            <a:schemeClr val="bg1">
+              <a:lumMod val="50000"/>
+            </a:schemeClr>
           </a:solidFill>
-          <a:ln>
-            <a:noFill/>
+          <a:ln w="28575">
+            <a:solidFill>
+              <a:schemeClr val="tx1"/>
+            </a:solidFill>
           </a:ln>
         </p:spPr>
         <p:style>
@@ -10567,94 +11174,23 @@
           </a:fontRef>
         </p:style>
         <p:txBody>
-          <a:bodyPr rtlCol="0" anchor="ctr"/>
+          <a:bodyPr wrap="none" rtlCol="0" anchor="ctr"/>
           <a:lstStyle/>
           <a:p>
             <a:pPr algn="ctr"/>
-            <a:endParaRPr lang="en-US"/>
-          </a:p>
-        </p:txBody>
-      </p:sp>
-      <p:sp>
-        <p:nvSpPr>
-          <p:cNvPr id="17" name="TextBox 16">
-            <a:extLst>
-              <a:ext uri="{FF2B5EF4-FFF2-40B4-BE49-F238E27FC236}">
-                <a16:creationId xmlns:a16="http://schemas.microsoft.com/office/drawing/2014/main" id="{297B7FDB-EF69-584A-B141-C36DEFA6FB98}"/>
-              </a:ext>
-            </a:extLst>
-          </p:cNvPr>
-          <p:cNvSpPr txBox="1"/>
-          <p:nvPr/>
-        </p:nvSpPr>
-        <p:spPr>
-          <a:xfrm>
-            <a:off x="3617199" y="2087403"/>
-            <a:ext cx="831190" cy="369332"/>
-          </a:xfrm>
-          <a:prstGeom prst="rect">
-            <a:avLst/>
-          </a:prstGeom>
-          <a:noFill/>
-        </p:spPr>
-        <p:txBody>
-          <a:bodyPr wrap="none" rtlCol="0">
-            <a:spAutoFit/>
-          </a:bodyPr>
-          <a:lstStyle/>
-          <a:p>
-            <a:r>
-              <a:rPr lang="en-US" b="1" dirty="0">
-                <a:solidFill>
-                  <a:srgbClr val="FF0000"/>
-                </a:solidFill>
-              </a:rPr>
-              <a:t>5 Volts</a:t>
-            </a:r>
-          </a:p>
-        </p:txBody>
-      </p:sp>
-      <p:sp>
-        <p:nvSpPr>
-          <p:cNvPr id="20" name="TextBox 19">
-            <a:extLst>
-              <a:ext uri="{FF2B5EF4-FFF2-40B4-BE49-F238E27FC236}">
-                <a16:creationId xmlns:a16="http://schemas.microsoft.com/office/drawing/2014/main" id="{206F3650-4CF5-1C4D-8D90-929FAF6DC195}"/>
-              </a:ext>
-            </a:extLst>
-          </p:cNvPr>
-          <p:cNvSpPr txBox="1"/>
-          <p:nvPr/>
-        </p:nvSpPr>
-        <p:spPr>
-          <a:xfrm>
-            <a:off x="3464832" y="5073526"/>
-            <a:ext cx="630301" cy="369332"/>
-          </a:xfrm>
-          <a:prstGeom prst="rect">
-            <a:avLst/>
-          </a:prstGeom>
-          <a:noFill/>
-        </p:spPr>
-        <p:txBody>
-          <a:bodyPr wrap="none" rtlCol="0">
-            <a:spAutoFit/>
-          </a:bodyPr>
-          <a:lstStyle/>
-          <a:p>
-            <a:r>
-              <a:rPr lang="en-US" b="1" dirty="0"/>
-              <a:t>GND</a:t>
-            </a:r>
-          </a:p>
-        </p:txBody>
-      </p:sp>
-      <p:sp>
-        <p:nvSpPr>
-          <p:cNvPr id="19" name="Rectangle 18">
-            <a:extLst>
-              <a:ext uri="{FF2B5EF4-FFF2-40B4-BE49-F238E27FC236}">
-                <a16:creationId xmlns:a16="http://schemas.microsoft.com/office/drawing/2014/main" id="{90E09ABD-7FD9-8D49-A0AB-88C7B0D9082F}"/>
+            <a:r>
+              <a:rPr lang="en-US" dirty="0"/>
+              <a:t>SW 2</a:t>
+            </a:r>
+          </a:p>
+        </p:txBody>
+      </p:sp>
+      <p:sp>
+        <p:nvSpPr>
+          <p:cNvPr id="15" name="Oval 14">
+            <a:extLst>
+              <a:ext uri="{FF2B5EF4-FFF2-40B4-BE49-F238E27FC236}">
+                <a16:creationId xmlns:a16="http://schemas.microsoft.com/office/drawing/2014/main" id="{F8A1B2E1-3B2B-6943-8879-3A3CA67617B1}"/>
               </a:ext>
             </a:extLst>
           </p:cNvPr>
@@ -10663,17 +11199,21 @@
         </p:nvSpPr>
         <p:spPr>
           <a:xfrm>
-            <a:off x="4221479" y="3841729"/>
-            <a:ext cx="226910" cy="287446"/>
-          </a:xfrm>
-          <a:prstGeom prst="rect">
+            <a:off x="2993081" y="3256043"/>
+            <a:ext cx="905292" cy="579120"/>
+          </a:xfrm>
+          <a:prstGeom prst="ellipse">
             <a:avLst/>
           </a:prstGeom>
           <a:solidFill>
-            <a:schemeClr val="bg1"/>
+            <a:schemeClr val="bg1">
+              <a:lumMod val="50000"/>
+            </a:schemeClr>
           </a:solidFill>
-          <a:ln>
-            <a:noFill/>
+          <a:ln w="28575">
+            <a:solidFill>
+              <a:schemeClr val="tx1"/>
+            </a:solidFill>
           </a:ln>
         </p:spPr>
         <p:style>
@@ -10693,97 +11233,165 @@
           </a:fontRef>
         </p:style>
         <p:txBody>
-          <a:bodyPr rtlCol="0" anchor="ctr"/>
+          <a:bodyPr wrap="none" rtlCol="0" anchor="ctr"/>
           <a:lstStyle/>
           <a:p>
             <a:pPr algn="ctr"/>
-            <a:endParaRPr lang="en-US"/>
-          </a:p>
-        </p:txBody>
-      </p:sp>
-      <p:sp>
-        <p:nvSpPr>
-          <p:cNvPr id="22" name="TextBox 21">
-            <a:extLst>
-              <a:ext uri="{FF2B5EF4-FFF2-40B4-BE49-F238E27FC236}">
-                <a16:creationId xmlns:a16="http://schemas.microsoft.com/office/drawing/2014/main" id="{B8F23673-2323-074C-BB46-684BB0878A40}"/>
-              </a:ext>
-            </a:extLst>
-          </p:cNvPr>
-          <p:cNvSpPr txBox="1"/>
-          <p:nvPr/>
-        </p:nvSpPr>
-        <p:spPr>
-          <a:xfrm>
-            <a:off x="6386438" y="4309156"/>
-            <a:ext cx="2334630" cy="1200329"/>
-          </a:xfrm>
-          <a:prstGeom prst="rect">
-            <a:avLst/>
-          </a:prstGeom>
-          <a:noFill/>
-        </p:spPr>
-        <p:txBody>
-          <a:bodyPr wrap="square" rtlCol="0">
-            <a:spAutoFit/>
-          </a:bodyPr>
-          <a:lstStyle/>
-          <a:p>
             <a:r>
               <a:rPr lang="en-US" dirty="0"/>
-              <a:t>NPN Transistor used to</a:t>
-            </a:r>
-          </a:p>
-          <a:p>
+              <a:t>SW 3</a:t>
+            </a:r>
+          </a:p>
+        </p:txBody>
+      </p:sp>
+      <p:sp>
+        <p:nvSpPr>
+          <p:cNvPr id="16" name="Oval 15">
+            <a:extLst>
+              <a:ext uri="{FF2B5EF4-FFF2-40B4-BE49-F238E27FC236}">
+                <a16:creationId xmlns:a16="http://schemas.microsoft.com/office/drawing/2014/main" id="{14D08803-E256-BC4F-88FC-FCE62A0ECA6E}"/>
+              </a:ext>
+            </a:extLst>
+          </p:cNvPr>
+          <p:cNvSpPr/>
+          <p:nvPr/>
+        </p:nvSpPr>
+        <p:spPr>
+          <a:xfrm>
+            <a:off x="5629601" y="3291523"/>
+            <a:ext cx="905292" cy="579120"/>
+          </a:xfrm>
+          <a:prstGeom prst="ellipse">
+            <a:avLst/>
+          </a:prstGeom>
+          <a:solidFill>
+            <a:schemeClr val="bg1">
+              <a:lumMod val="50000"/>
+            </a:schemeClr>
+          </a:solidFill>
+          <a:ln w="28575">
+            <a:solidFill>
+              <a:schemeClr val="tx1"/>
+            </a:solidFill>
+          </a:ln>
+        </p:spPr>
+        <p:style>
+          <a:lnRef idx="2">
+            <a:schemeClr val="accent1">
+              <a:shade val="50000"/>
+            </a:schemeClr>
+          </a:lnRef>
+          <a:fillRef idx="1">
+            <a:schemeClr val="accent1"/>
+          </a:fillRef>
+          <a:effectRef idx="0">
+            <a:schemeClr val="accent1"/>
+          </a:effectRef>
+          <a:fontRef idx="minor">
+            <a:schemeClr val="lt1"/>
+          </a:fontRef>
+        </p:style>
+        <p:txBody>
+          <a:bodyPr wrap="none" rtlCol="0" anchor="ctr"/>
+          <a:lstStyle/>
+          <a:p>
+            <a:pPr algn="ctr"/>
             <a:r>
               <a:rPr lang="en-US" dirty="0"/>
-              <a:t>switch the the power to the motor</a:t>
-            </a:r>
-          </a:p>
-          <a:p>
-            <a:endParaRPr lang="en-US" dirty="0"/>
-          </a:p>
-        </p:txBody>
-      </p:sp>
-      <p:sp>
-        <p:nvSpPr>
-          <p:cNvPr id="21" name="TextBox 20">
-            <a:extLst>
-              <a:ext uri="{FF2B5EF4-FFF2-40B4-BE49-F238E27FC236}">
-                <a16:creationId xmlns:a16="http://schemas.microsoft.com/office/drawing/2014/main" id="{A2EF73F5-DB60-D14F-A9EB-A16AE0702B43}"/>
-              </a:ext>
-            </a:extLst>
-          </p:cNvPr>
-          <p:cNvSpPr txBox="1"/>
-          <p:nvPr/>
-        </p:nvSpPr>
-        <p:spPr>
-          <a:xfrm>
-            <a:off x="6417106" y="3616120"/>
-            <a:ext cx="2231829" cy="369332"/>
-          </a:xfrm>
-          <a:prstGeom prst="rect">
-            <a:avLst/>
-          </a:prstGeom>
-          <a:noFill/>
-        </p:spPr>
-        <p:txBody>
-          <a:bodyPr wrap="none" rtlCol="0">
-            <a:spAutoFit/>
-          </a:bodyPr>
-          <a:lstStyle/>
-          <a:p>
-            <a:r>
-              <a:rPr lang="en-US" dirty="0"/>
-              <a:t>200 milliamps current</a:t>
-            </a:r>
-          </a:p>
-        </p:txBody>
-      </p:sp>
+              <a:t>SW 4</a:t>
+            </a:r>
+          </a:p>
+        </p:txBody>
+      </p:sp>
+      <p:cxnSp>
+        <p:nvCxnSpPr>
+          <p:cNvPr id="18" name="Straight Connector 17">
+            <a:extLst>
+              <a:ext uri="{FF2B5EF4-FFF2-40B4-BE49-F238E27FC236}">
+                <a16:creationId xmlns:a16="http://schemas.microsoft.com/office/drawing/2014/main" id="{D2818E63-D029-344C-B29B-669BE187248A}"/>
+              </a:ext>
+            </a:extLst>
+          </p:cNvPr>
+          <p:cNvCxnSpPr/>
+          <p:nvPr/>
+        </p:nvCxnSpPr>
+        <p:spPr>
+          <a:xfrm>
+            <a:off x="3345179" y="4206240"/>
+            <a:ext cx="2837615" cy="0"/>
+          </a:xfrm>
+          <a:prstGeom prst="line">
+            <a:avLst/>
+          </a:prstGeom>
+          <a:ln w="63500">
+            <a:solidFill>
+              <a:schemeClr val="tx1">
+                <a:lumMod val="65000"/>
+                <a:lumOff val="35000"/>
+              </a:schemeClr>
+            </a:solidFill>
+          </a:ln>
+        </p:spPr>
+        <p:style>
+          <a:lnRef idx="1">
+            <a:schemeClr val="accent1"/>
+          </a:lnRef>
+          <a:fillRef idx="0">
+            <a:schemeClr val="accent1"/>
+          </a:fillRef>
+          <a:effectRef idx="0">
+            <a:schemeClr val="accent1"/>
+          </a:effectRef>
+          <a:fontRef idx="minor">
+            <a:schemeClr val="tx1"/>
+          </a:fontRef>
+        </p:style>
+      </p:cxnSp>
+      <p:cxnSp>
+        <p:nvCxnSpPr>
+          <p:cNvPr id="19" name="Straight Connector 18">
+            <a:extLst>
+              <a:ext uri="{FF2B5EF4-FFF2-40B4-BE49-F238E27FC236}">
+                <a16:creationId xmlns:a16="http://schemas.microsoft.com/office/drawing/2014/main" id="{FA5FCD5E-E15F-434C-9B50-62F668F04598}"/>
+              </a:ext>
+            </a:extLst>
+          </p:cNvPr>
+          <p:cNvCxnSpPr/>
+          <p:nvPr/>
+        </p:nvCxnSpPr>
+        <p:spPr>
+          <a:xfrm>
+            <a:off x="3345179" y="1554480"/>
+            <a:ext cx="2837615" cy="0"/>
+          </a:xfrm>
+          <a:prstGeom prst="line">
+            <a:avLst/>
+          </a:prstGeom>
+          <a:ln w="63500">
+            <a:solidFill>
+              <a:srgbClr val="FF0000"/>
+            </a:solidFill>
+          </a:ln>
+        </p:spPr>
+        <p:style>
+          <a:lnRef idx="1">
+            <a:schemeClr val="accent1"/>
+          </a:lnRef>
+          <a:fillRef idx="0">
+            <a:schemeClr val="accent1"/>
+          </a:fillRef>
+          <a:effectRef idx="0">
+            <a:schemeClr val="accent1"/>
+          </a:effectRef>
+          <a:fontRef idx="minor">
+            <a:schemeClr val="tx1"/>
+          </a:fontRef>
+        </p:style>
+      </p:cxnSp>
     </p:spTree>
     <p:extLst>
       <p:ext uri="{BB962C8B-B14F-4D97-AF65-F5344CB8AC3E}">
-        <p14:creationId xmlns:p14="http://schemas.microsoft.com/office/powerpoint/2010/main" val="2218377891"/>
+        <p14:creationId xmlns:p14="http://schemas.microsoft.com/office/powerpoint/2010/main" val="3784482480"/>
       </p:ext>
     </p:extLst>
   </p:cSld>

--- a/presentations/Circuit-Diagrams.pptx
+++ b/presentations/Circuit-Diagrams.pptx
@@ -10,10 +10,13 @@
     <p:sldId id="259" r:id="rId4"/>
     <p:sldId id="261" r:id="rId5"/>
     <p:sldId id="266" r:id="rId6"/>
-    <p:sldId id="260" r:id="rId7"/>
-    <p:sldId id="264" r:id="rId8"/>
-    <p:sldId id="265" r:id="rId9"/>
-    <p:sldId id="268" r:id="rId10"/>
+    <p:sldId id="270" r:id="rId7"/>
+    <p:sldId id="271" r:id="rId8"/>
+    <p:sldId id="260" r:id="rId9"/>
+    <p:sldId id="264" r:id="rId10"/>
+    <p:sldId id="265" r:id="rId11"/>
+    <p:sldId id="268" r:id="rId12"/>
+    <p:sldId id="269" r:id="rId13"/>
   </p:sldIdLst>
   <p:sldSz cx="12192000" cy="6858000"/>
   <p:notesSz cx="6858000" cy="9144000"/>
@@ -267,7 +270,7 @@
           <a:p>
             <a:fld id="{25B7C100-6DA6-7E47-AB86-E17959480C67}" type="datetimeFigureOut">
               <a:rPr lang="en-US" smtClean="0"/>
-              <a:t>6/15/21</a:t>
+              <a:t>8/7/21</a:t>
             </a:fld>
             <a:endParaRPr lang="en-US"/>
           </a:p>
@@ -465,7 +468,7 @@
           <a:p>
             <a:fld id="{25B7C100-6DA6-7E47-AB86-E17959480C67}" type="datetimeFigureOut">
               <a:rPr lang="en-US" smtClean="0"/>
-              <a:t>6/15/21</a:t>
+              <a:t>8/7/21</a:t>
             </a:fld>
             <a:endParaRPr lang="en-US"/>
           </a:p>
@@ -673,7 +676,7 @@
           <a:p>
             <a:fld id="{25B7C100-6DA6-7E47-AB86-E17959480C67}" type="datetimeFigureOut">
               <a:rPr lang="en-US" smtClean="0"/>
-              <a:t>6/15/21</a:t>
+              <a:t>8/7/21</a:t>
             </a:fld>
             <a:endParaRPr lang="en-US"/>
           </a:p>
@@ -871,7 +874,7 @@
           <a:p>
             <a:fld id="{25B7C100-6DA6-7E47-AB86-E17959480C67}" type="datetimeFigureOut">
               <a:rPr lang="en-US" smtClean="0"/>
-              <a:t>6/15/21</a:t>
+              <a:t>8/7/21</a:t>
             </a:fld>
             <a:endParaRPr lang="en-US"/>
           </a:p>
@@ -1146,7 +1149,7 @@
           <a:p>
             <a:fld id="{25B7C100-6DA6-7E47-AB86-E17959480C67}" type="datetimeFigureOut">
               <a:rPr lang="en-US" smtClean="0"/>
-              <a:t>6/15/21</a:t>
+              <a:t>8/7/21</a:t>
             </a:fld>
             <a:endParaRPr lang="en-US"/>
           </a:p>
@@ -1411,7 +1414,7 @@
           <a:p>
             <a:fld id="{25B7C100-6DA6-7E47-AB86-E17959480C67}" type="datetimeFigureOut">
               <a:rPr lang="en-US" smtClean="0"/>
-              <a:t>6/15/21</a:t>
+              <a:t>8/7/21</a:t>
             </a:fld>
             <a:endParaRPr lang="en-US"/>
           </a:p>
@@ -1823,7 +1826,7 @@
           <a:p>
             <a:fld id="{25B7C100-6DA6-7E47-AB86-E17959480C67}" type="datetimeFigureOut">
               <a:rPr lang="en-US" smtClean="0"/>
-              <a:t>6/15/21</a:t>
+              <a:t>8/7/21</a:t>
             </a:fld>
             <a:endParaRPr lang="en-US"/>
           </a:p>
@@ -1964,7 +1967,7 @@
           <a:p>
             <a:fld id="{25B7C100-6DA6-7E47-AB86-E17959480C67}" type="datetimeFigureOut">
               <a:rPr lang="en-US" smtClean="0"/>
-              <a:t>6/15/21</a:t>
+              <a:t>8/7/21</a:t>
             </a:fld>
             <a:endParaRPr lang="en-US"/>
           </a:p>
@@ -2077,7 +2080,7 @@
           <a:p>
             <a:fld id="{25B7C100-6DA6-7E47-AB86-E17959480C67}" type="datetimeFigureOut">
               <a:rPr lang="en-US" smtClean="0"/>
-              <a:t>6/15/21</a:t>
+              <a:t>8/7/21</a:t>
             </a:fld>
             <a:endParaRPr lang="en-US"/>
           </a:p>
@@ -2388,7 +2391,7 @@
           <a:p>
             <a:fld id="{25B7C100-6DA6-7E47-AB86-E17959480C67}" type="datetimeFigureOut">
               <a:rPr lang="en-US" smtClean="0"/>
-              <a:t>6/15/21</a:t>
+              <a:t>8/7/21</a:t>
             </a:fld>
             <a:endParaRPr lang="en-US"/>
           </a:p>
@@ -2676,7 +2679,7 @@
           <a:p>
             <a:fld id="{25B7C100-6DA6-7E47-AB86-E17959480C67}" type="datetimeFigureOut">
               <a:rPr lang="en-US" smtClean="0"/>
-              <a:t>6/15/21</a:t>
+              <a:t>8/7/21</a:t>
             </a:fld>
             <a:endParaRPr lang="en-US"/>
           </a:p>
@@ -2917,7 +2920,7 @@
           <a:p>
             <a:fld id="{25B7C100-6DA6-7E47-AB86-E17959480C67}" type="datetimeFigureOut">
               <a:rPr lang="en-US" smtClean="0"/>
-              <a:t>6/15/21</a:t>
+              <a:t>8/7/21</a:t>
             </a:fld>
             <a:endParaRPr lang="en-US"/>
           </a:p>
@@ -3400,6 +3403,3008 @@
 </p:sld>
 </file>
 
+<file path=ppt/slides/slide10.xml><?xml version="1.0" encoding="utf-8"?>
+<p:sld xmlns:a="http://schemas.openxmlformats.org/drawingml/2006/main" xmlns:r="http://schemas.openxmlformats.org/officeDocument/2006/relationships" xmlns:p="http://schemas.openxmlformats.org/presentationml/2006/main">
+  <p:cSld>
+    <p:spTree>
+      <p:nvGrpSpPr>
+        <p:cNvPr id="1" name=""/>
+        <p:cNvGrpSpPr/>
+        <p:nvPr/>
+      </p:nvGrpSpPr>
+      <p:grpSpPr>
+        <a:xfrm>
+          <a:off x="0" y="0"/>
+          <a:ext cx="0" cy="0"/>
+          <a:chOff x="0" y="0"/>
+          <a:chExt cx="0" cy="0"/>
+        </a:xfrm>
+      </p:grpSpPr>
+      <p:sp>
+        <p:nvSpPr>
+          <p:cNvPr id="2" name="Title 1">
+            <a:extLst>
+              <a:ext uri="{FF2B5EF4-FFF2-40B4-BE49-F238E27FC236}">
+                <a16:creationId xmlns:a16="http://schemas.microsoft.com/office/drawing/2014/main" id="{DFEFA16C-A157-F248-AFA1-440E69529FA7}"/>
+              </a:ext>
+            </a:extLst>
+          </p:cNvPr>
+          <p:cNvSpPr>
+            <a:spLocks noGrp="1"/>
+          </p:cNvSpPr>
+          <p:nvPr>
+            <p:ph type="title"/>
+          </p:nvPr>
+        </p:nvSpPr>
+        <p:spPr>
+          <a:xfrm>
+            <a:off x="411480" y="338773"/>
+            <a:ext cx="10515600" cy="644843"/>
+          </a:xfrm>
+        </p:spPr>
+        <p:txBody>
+          <a:bodyPr>
+            <a:normAutofit fontScale="90000"/>
+          </a:bodyPr>
+          <a:lstStyle/>
+          <a:p>
+            <a:r>
+              <a:rPr lang="en-US" dirty="0"/>
+              <a:t>Motor Driver Circuit</a:t>
+            </a:r>
+          </a:p>
+        </p:txBody>
+      </p:sp>
+      <p:sp>
+        <p:nvSpPr>
+          <p:cNvPr id="3" name="Content Placeholder 2">
+            <a:extLst>
+              <a:ext uri="{FF2B5EF4-FFF2-40B4-BE49-F238E27FC236}">
+                <a16:creationId xmlns:a16="http://schemas.microsoft.com/office/drawing/2014/main" id="{CA680DBB-1CEA-C34E-8B41-75C42D17D005}"/>
+              </a:ext>
+            </a:extLst>
+          </p:cNvPr>
+          <p:cNvSpPr>
+            <a:spLocks noGrp="1"/>
+          </p:cNvSpPr>
+          <p:nvPr>
+            <p:ph idx="1"/>
+          </p:nvPr>
+        </p:nvSpPr>
+        <p:spPr>
+          <a:xfrm>
+            <a:off x="838200" y="5770947"/>
+            <a:ext cx="10515600" cy="644843"/>
+          </a:xfrm>
+        </p:spPr>
+        <p:txBody>
+          <a:bodyPr/>
+          <a:lstStyle/>
+          <a:p>
+            <a:endParaRPr lang="en-US" dirty="0"/>
+          </a:p>
+        </p:txBody>
+      </p:sp>
+      <p:pic>
+        <p:nvPicPr>
+          <p:cNvPr id="5" name="Picture 4">
+            <a:extLst>
+              <a:ext uri="{FF2B5EF4-FFF2-40B4-BE49-F238E27FC236}">
+                <a16:creationId xmlns:a16="http://schemas.microsoft.com/office/drawing/2014/main" id="{9E692AE7-C1FE-2C40-9678-9A6D3C7C28F4}"/>
+              </a:ext>
+            </a:extLst>
+          </p:cNvPr>
+          <p:cNvPicPr>
+            <a:picLocks noChangeAspect="1"/>
+          </p:cNvPicPr>
+          <p:nvPr/>
+        </p:nvPicPr>
+        <p:blipFill>
+          <a:blip r:embed="rId2"/>
+          <a:stretch>
+            <a:fillRect/>
+          </a:stretch>
+        </p:blipFill>
+        <p:spPr>
+          <a:xfrm>
+            <a:off x="1838699" y="1802523"/>
+            <a:ext cx="1442375" cy="3617760"/>
+          </a:xfrm>
+          <a:prstGeom prst="rect">
+            <a:avLst/>
+          </a:prstGeom>
+        </p:spPr>
+      </p:pic>
+      <p:cxnSp>
+        <p:nvCxnSpPr>
+          <p:cNvPr id="6" name="Straight Connector 5">
+            <a:extLst>
+              <a:ext uri="{FF2B5EF4-FFF2-40B4-BE49-F238E27FC236}">
+                <a16:creationId xmlns:a16="http://schemas.microsoft.com/office/drawing/2014/main" id="{F710BA68-9101-E245-9A8F-6B672CCA1A1D}"/>
+              </a:ext>
+            </a:extLst>
+          </p:cNvPr>
+          <p:cNvCxnSpPr>
+            <a:cxnSpLocks/>
+          </p:cNvCxnSpPr>
+          <p:nvPr/>
+        </p:nvCxnSpPr>
+        <p:spPr>
+          <a:xfrm flipV="1">
+            <a:off x="3267117" y="3235279"/>
+            <a:ext cx="1594815" cy="19056"/>
+          </a:xfrm>
+          <a:prstGeom prst="line">
+            <a:avLst/>
+          </a:prstGeom>
+          <a:ln w="63500" cap="sq">
+            <a:solidFill>
+              <a:schemeClr val="tx1"/>
+            </a:solidFill>
+          </a:ln>
+        </p:spPr>
+        <p:style>
+          <a:lnRef idx="1">
+            <a:schemeClr val="accent1"/>
+          </a:lnRef>
+          <a:fillRef idx="0">
+            <a:schemeClr val="accent1"/>
+          </a:fillRef>
+          <a:effectRef idx="0">
+            <a:schemeClr val="accent1"/>
+          </a:effectRef>
+          <a:fontRef idx="minor">
+            <a:schemeClr val="tx1"/>
+          </a:fontRef>
+        </p:style>
+      </p:cxnSp>
+      <p:cxnSp>
+        <p:nvCxnSpPr>
+          <p:cNvPr id="8" name="Straight Connector 7">
+            <a:extLst>
+              <a:ext uri="{FF2B5EF4-FFF2-40B4-BE49-F238E27FC236}">
+                <a16:creationId xmlns:a16="http://schemas.microsoft.com/office/drawing/2014/main" id="{96C10E0D-8E37-D14F-B90D-BF5E763779D9}"/>
+              </a:ext>
+            </a:extLst>
+          </p:cNvPr>
+          <p:cNvCxnSpPr>
+            <a:cxnSpLocks/>
+          </p:cNvCxnSpPr>
+          <p:nvPr/>
+        </p:nvCxnSpPr>
+        <p:spPr>
+          <a:xfrm flipV="1">
+            <a:off x="3095625" y="2878211"/>
+            <a:ext cx="2573655" cy="25462"/>
+          </a:xfrm>
+          <a:prstGeom prst="line">
+            <a:avLst/>
+          </a:prstGeom>
+          <a:ln w="63500" cap="sq">
+            <a:solidFill>
+              <a:srgbClr val="FF0000"/>
+            </a:solidFill>
+          </a:ln>
+        </p:spPr>
+        <p:style>
+          <a:lnRef idx="1">
+            <a:schemeClr val="accent1"/>
+          </a:lnRef>
+          <a:fillRef idx="0">
+            <a:schemeClr val="accent1"/>
+          </a:fillRef>
+          <a:effectRef idx="0">
+            <a:schemeClr val="accent1"/>
+          </a:effectRef>
+          <a:fontRef idx="minor">
+            <a:schemeClr val="tx1"/>
+          </a:fontRef>
+        </p:style>
+      </p:cxnSp>
+      <p:cxnSp>
+        <p:nvCxnSpPr>
+          <p:cNvPr id="10" name="Straight Connector 9">
+            <a:extLst>
+              <a:ext uri="{FF2B5EF4-FFF2-40B4-BE49-F238E27FC236}">
+                <a16:creationId xmlns:a16="http://schemas.microsoft.com/office/drawing/2014/main" id="{CC39F5DB-6E80-3348-9ABC-FCE12E576711}"/>
+              </a:ext>
+            </a:extLst>
+          </p:cNvPr>
+          <p:cNvCxnSpPr>
+            <a:cxnSpLocks/>
+          </p:cNvCxnSpPr>
+          <p:nvPr/>
+        </p:nvCxnSpPr>
+        <p:spPr>
+          <a:xfrm>
+            <a:off x="3127124" y="3611403"/>
+            <a:ext cx="937400" cy="0"/>
+          </a:xfrm>
+          <a:prstGeom prst="line">
+            <a:avLst/>
+          </a:prstGeom>
+          <a:ln w="63500" cap="sq">
+            <a:solidFill>
+              <a:srgbClr val="0432FF"/>
+            </a:solidFill>
+          </a:ln>
+        </p:spPr>
+        <p:style>
+          <a:lnRef idx="1">
+            <a:schemeClr val="accent1"/>
+          </a:lnRef>
+          <a:fillRef idx="0">
+            <a:schemeClr val="accent1"/>
+          </a:fillRef>
+          <a:effectRef idx="0">
+            <a:schemeClr val="accent1"/>
+          </a:effectRef>
+          <a:fontRef idx="minor">
+            <a:schemeClr val="tx1"/>
+          </a:fontRef>
+        </p:style>
+      </p:cxnSp>
+      <p:sp>
+        <p:nvSpPr>
+          <p:cNvPr id="13" name="Rectangle 12">
+            <a:extLst>
+              <a:ext uri="{FF2B5EF4-FFF2-40B4-BE49-F238E27FC236}">
+                <a16:creationId xmlns:a16="http://schemas.microsoft.com/office/drawing/2014/main" id="{02F6877E-6AF1-0F4C-B242-AF53955515E9}"/>
+              </a:ext>
+            </a:extLst>
+          </p:cNvPr>
+          <p:cNvSpPr/>
+          <p:nvPr/>
+        </p:nvSpPr>
+        <p:spPr>
+          <a:xfrm>
+            <a:off x="3095625" y="4924425"/>
+            <a:ext cx="185449" cy="111125"/>
+          </a:xfrm>
+          <a:prstGeom prst="rect">
+            <a:avLst/>
+          </a:prstGeom>
+          <a:solidFill>
+            <a:schemeClr val="tx1"/>
+          </a:solidFill>
+          <a:ln>
+            <a:noFill/>
+          </a:ln>
+        </p:spPr>
+        <p:style>
+          <a:lnRef idx="2">
+            <a:schemeClr val="accent1">
+              <a:shade val="50000"/>
+            </a:schemeClr>
+          </a:lnRef>
+          <a:fillRef idx="1">
+            <a:schemeClr val="accent1"/>
+          </a:fillRef>
+          <a:effectRef idx="0">
+            <a:schemeClr val="accent1"/>
+          </a:effectRef>
+          <a:fontRef idx="minor">
+            <a:schemeClr val="lt1"/>
+          </a:fontRef>
+        </p:style>
+        <p:txBody>
+          <a:bodyPr rtlCol="0" anchor="ctr"/>
+          <a:lstStyle/>
+          <a:p>
+            <a:pPr algn="ctr"/>
+            <a:endParaRPr lang="en-US"/>
+          </a:p>
+        </p:txBody>
+      </p:sp>
+      <p:sp>
+        <p:nvSpPr>
+          <p:cNvPr id="15" name="Rectangle 14">
+            <a:extLst>
+              <a:ext uri="{FF2B5EF4-FFF2-40B4-BE49-F238E27FC236}">
+                <a16:creationId xmlns:a16="http://schemas.microsoft.com/office/drawing/2014/main" id="{51951276-F1A8-6A43-8B72-9BBDC810BBED}"/>
+              </a:ext>
+            </a:extLst>
+          </p:cNvPr>
+          <p:cNvSpPr/>
+          <p:nvPr/>
+        </p:nvSpPr>
+        <p:spPr>
+          <a:xfrm>
+            <a:off x="3081669" y="4073613"/>
+            <a:ext cx="185449" cy="111125"/>
+          </a:xfrm>
+          <a:prstGeom prst="rect">
+            <a:avLst/>
+          </a:prstGeom>
+          <a:solidFill>
+            <a:schemeClr val="tx1"/>
+          </a:solidFill>
+          <a:ln>
+            <a:noFill/>
+          </a:ln>
+        </p:spPr>
+        <p:style>
+          <a:lnRef idx="2">
+            <a:schemeClr val="accent1">
+              <a:shade val="50000"/>
+            </a:schemeClr>
+          </a:lnRef>
+          <a:fillRef idx="1">
+            <a:schemeClr val="accent1"/>
+          </a:fillRef>
+          <a:effectRef idx="0">
+            <a:schemeClr val="accent1"/>
+          </a:effectRef>
+          <a:fontRef idx="minor">
+            <a:schemeClr val="lt1"/>
+          </a:fontRef>
+        </p:style>
+        <p:txBody>
+          <a:bodyPr rtlCol="0" anchor="ctr"/>
+          <a:lstStyle/>
+          <a:p>
+            <a:pPr algn="ctr"/>
+            <a:endParaRPr lang="en-US"/>
+          </a:p>
+        </p:txBody>
+      </p:sp>
+      <p:sp>
+        <p:nvSpPr>
+          <p:cNvPr id="16" name="Rectangle 15">
+            <a:extLst>
+              <a:ext uri="{FF2B5EF4-FFF2-40B4-BE49-F238E27FC236}">
+                <a16:creationId xmlns:a16="http://schemas.microsoft.com/office/drawing/2014/main" id="{2191F2AC-445E-5549-8720-222A4D573F5C}"/>
+              </a:ext>
+            </a:extLst>
+          </p:cNvPr>
+          <p:cNvSpPr/>
+          <p:nvPr/>
+        </p:nvSpPr>
+        <p:spPr>
+          <a:xfrm>
+            <a:off x="3081668" y="3201439"/>
+            <a:ext cx="185449" cy="111125"/>
+          </a:xfrm>
+          <a:prstGeom prst="rect">
+            <a:avLst/>
+          </a:prstGeom>
+          <a:solidFill>
+            <a:schemeClr val="tx1"/>
+          </a:solidFill>
+          <a:ln>
+            <a:noFill/>
+          </a:ln>
+        </p:spPr>
+        <p:style>
+          <a:lnRef idx="2">
+            <a:schemeClr val="accent1">
+              <a:shade val="50000"/>
+            </a:schemeClr>
+          </a:lnRef>
+          <a:fillRef idx="1">
+            <a:schemeClr val="accent1"/>
+          </a:fillRef>
+          <a:effectRef idx="0">
+            <a:schemeClr val="accent1"/>
+          </a:effectRef>
+          <a:fontRef idx="minor">
+            <a:schemeClr val="lt1"/>
+          </a:fontRef>
+        </p:style>
+        <p:txBody>
+          <a:bodyPr rtlCol="0" anchor="ctr"/>
+          <a:lstStyle/>
+          <a:p>
+            <a:pPr algn="ctr"/>
+            <a:endParaRPr lang="en-US"/>
+          </a:p>
+        </p:txBody>
+      </p:sp>
+      <p:sp>
+        <p:nvSpPr>
+          <p:cNvPr id="17" name="TextBox 16">
+            <a:extLst>
+              <a:ext uri="{FF2B5EF4-FFF2-40B4-BE49-F238E27FC236}">
+                <a16:creationId xmlns:a16="http://schemas.microsoft.com/office/drawing/2014/main" id="{297B7FDB-EF69-584A-B141-C36DEFA6FB98}"/>
+              </a:ext>
+            </a:extLst>
+          </p:cNvPr>
+          <p:cNvSpPr txBox="1"/>
+          <p:nvPr/>
+        </p:nvSpPr>
+        <p:spPr>
+          <a:xfrm>
+            <a:off x="3352319" y="2525118"/>
+            <a:ext cx="2192139" cy="369332"/>
+          </a:xfrm>
+          <a:prstGeom prst="rect">
+            <a:avLst/>
+          </a:prstGeom>
+          <a:noFill/>
+        </p:spPr>
+        <p:txBody>
+          <a:bodyPr wrap="none" rtlCol="0">
+            <a:spAutoFit/>
+          </a:bodyPr>
+          <a:lstStyle/>
+          <a:p>
+            <a:r>
+              <a:rPr lang="en-US" b="1" dirty="0">
+                <a:solidFill>
+                  <a:srgbClr val="FF0000"/>
+                </a:solidFill>
+              </a:rPr>
+              <a:t>ADC_VREF - 3.3 Volts</a:t>
+            </a:r>
+          </a:p>
+        </p:txBody>
+      </p:sp>
+      <p:sp>
+        <p:nvSpPr>
+          <p:cNvPr id="19" name="Rectangle 18">
+            <a:extLst>
+              <a:ext uri="{FF2B5EF4-FFF2-40B4-BE49-F238E27FC236}">
+                <a16:creationId xmlns:a16="http://schemas.microsoft.com/office/drawing/2014/main" id="{90E09ABD-7FD9-8D49-A0AB-88C7B0D9082F}"/>
+              </a:ext>
+            </a:extLst>
+          </p:cNvPr>
+          <p:cNvSpPr/>
+          <p:nvPr/>
+        </p:nvSpPr>
+        <p:spPr>
+          <a:xfrm>
+            <a:off x="4221479" y="3841729"/>
+            <a:ext cx="226910" cy="287446"/>
+          </a:xfrm>
+          <a:prstGeom prst="rect">
+            <a:avLst/>
+          </a:prstGeom>
+          <a:solidFill>
+            <a:schemeClr val="bg1"/>
+          </a:solidFill>
+          <a:ln>
+            <a:noFill/>
+          </a:ln>
+        </p:spPr>
+        <p:style>
+          <a:lnRef idx="2">
+            <a:schemeClr val="accent1">
+              <a:shade val="50000"/>
+            </a:schemeClr>
+          </a:lnRef>
+          <a:fillRef idx="1">
+            <a:schemeClr val="accent1"/>
+          </a:fillRef>
+          <a:effectRef idx="0">
+            <a:schemeClr val="accent1"/>
+          </a:effectRef>
+          <a:fontRef idx="minor">
+            <a:schemeClr val="lt1"/>
+          </a:fontRef>
+        </p:style>
+        <p:txBody>
+          <a:bodyPr rtlCol="0" anchor="ctr"/>
+          <a:lstStyle/>
+          <a:p>
+            <a:pPr algn="ctr"/>
+            <a:endParaRPr lang="en-US"/>
+          </a:p>
+        </p:txBody>
+      </p:sp>
+      <p:cxnSp>
+        <p:nvCxnSpPr>
+          <p:cNvPr id="23" name="Straight Connector 22">
+            <a:extLst>
+              <a:ext uri="{FF2B5EF4-FFF2-40B4-BE49-F238E27FC236}">
+                <a16:creationId xmlns:a16="http://schemas.microsoft.com/office/drawing/2014/main" id="{F0915835-80A1-1441-9483-C322FEC37497}"/>
+              </a:ext>
+            </a:extLst>
+          </p:cNvPr>
+          <p:cNvCxnSpPr>
+            <a:cxnSpLocks/>
+          </p:cNvCxnSpPr>
+          <p:nvPr/>
+        </p:nvCxnSpPr>
+        <p:spPr>
+          <a:xfrm flipV="1">
+            <a:off x="4861932" y="3234177"/>
+            <a:ext cx="0" cy="1555163"/>
+          </a:xfrm>
+          <a:prstGeom prst="line">
+            <a:avLst/>
+          </a:prstGeom>
+          <a:ln w="63500" cap="sq">
+            <a:solidFill>
+              <a:schemeClr val="tx1"/>
+            </a:solidFill>
+          </a:ln>
+        </p:spPr>
+        <p:style>
+          <a:lnRef idx="1">
+            <a:schemeClr val="accent1"/>
+          </a:lnRef>
+          <a:fillRef idx="0">
+            <a:schemeClr val="accent1"/>
+          </a:fillRef>
+          <a:effectRef idx="0">
+            <a:schemeClr val="accent1"/>
+          </a:effectRef>
+          <a:fontRef idx="minor">
+            <a:schemeClr val="tx1"/>
+          </a:fontRef>
+        </p:style>
+      </p:cxnSp>
+      <p:cxnSp>
+        <p:nvCxnSpPr>
+          <p:cNvPr id="27" name="Straight Connector 26">
+            <a:extLst>
+              <a:ext uri="{FF2B5EF4-FFF2-40B4-BE49-F238E27FC236}">
+                <a16:creationId xmlns:a16="http://schemas.microsoft.com/office/drawing/2014/main" id="{D74F871C-8CD1-3D44-8C8F-D5B333E9AC6A}"/>
+              </a:ext>
+            </a:extLst>
+          </p:cNvPr>
+          <p:cNvCxnSpPr>
+            <a:cxnSpLocks/>
+          </p:cNvCxnSpPr>
+          <p:nvPr/>
+        </p:nvCxnSpPr>
+        <p:spPr>
+          <a:xfrm>
+            <a:off x="4861932" y="4789340"/>
+            <a:ext cx="856582" cy="0"/>
+          </a:xfrm>
+          <a:prstGeom prst="line">
+            <a:avLst/>
+          </a:prstGeom>
+          <a:ln w="63500" cap="sq">
+            <a:solidFill>
+              <a:schemeClr val="tx1"/>
+            </a:solidFill>
+          </a:ln>
+        </p:spPr>
+        <p:style>
+          <a:lnRef idx="1">
+            <a:schemeClr val="accent1"/>
+          </a:lnRef>
+          <a:fillRef idx="0">
+            <a:schemeClr val="accent1"/>
+          </a:fillRef>
+          <a:effectRef idx="0">
+            <a:schemeClr val="accent1"/>
+          </a:effectRef>
+          <a:fontRef idx="minor">
+            <a:schemeClr val="tx1"/>
+          </a:fontRef>
+        </p:style>
+      </p:cxnSp>
+      <p:pic>
+        <p:nvPicPr>
+          <p:cNvPr id="28" name="Picture 27">
+            <a:extLst>
+              <a:ext uri="{FF2B5EF4-FFF2-40B4-BE49-F238E27FC236}">
+                <a16:creationId xmlns:a16="http://schemas.microsoft.com/office/drawing/2014/main" id="{F1CB67F1-244A-F346-82AE-E707C22FE6A1}"/>
+              </a:ext>
+            </a:extLst>
+          </p:cNvPr>
+          <p:cNvPicPr>
+            <a:picLocks noChangeAspect="1"/>
+          </p:cNvPicPr>
+          <p:nvPr/>
+        </p:nvPicPr>
+        <p:blipFill>
+          <a:blip r:embed="rId3"/>
+          <a:stretch>
+            <a:fillRect/>
+          </a:stretch>
+        </p:blipFill>
+        <p:spPr>
+          <a:xfrm rot="2758370">
+            <a:off x="5325070" y="3027230"/>
+            <a:ext cx="673100" cy="609600"/>
+          </a:xfrm>
+          <a:prstGeom prst="rect">
+            <a:avLst/>
+          </a:prstGeom>
+        </p:spPr>
+      </p:pic>
+      <p:pic>
+        <p:nvPicPr>
+          <p:cNvPr id="29" name="Picture 2">
+            <a:extLst>
+              <a:ext uri="{FF2B5EF4-FFF2-40B4-BE49-F238E27FC236}">
+                <a16:creationId xmlns:a16="http://schemas.microsoft.com/office/drawing/2014/main" id="{39CB4D9C-4B4C-E14A-B9EF-8638FD4EDEDC}"/>
+              </a:ext>
+            </a:extLst>
+          </p:cNvPr>
+          <p:cNvPicPr>
+            <a:picLocks noChangeAspect="1" noChangeArrowheads="1"/>
+          </p:cNvPicPr>
+          <p:nvPr/>
+        </p:nvPicPr>
+        <p:blipFill>
+          <a:blip r:embed="rId4">
+            <a:extLst>
+              <a:ext uri="{28A0092B-C50C-407E-A947-70E740481C1C}">
+                <a14:useLocalDpi xmlns:a14="http://schemas.microsoft.com/office/drawing/2010/main" val="0"/>
+              </a:ext>
+            </a:extLst>
+          </a:blip>
+          <a:srcRect/>
+          <a:stretch>
+            <a:fillRect/>
+          </a:stretch>
+        </p:blipFill>
+        <p:spPr bwMode="auto">
+          <a:xfrm rot="5400000">
+            <a:off x="5347306" y="3938309"/>
+            <a:ext cx="742416" cy="636357"/>
+          </a:xfrm>
+          <a:prstGeom prst="rect">
+            <a:avLst/>
+          </a:prstGeom>
+          <a:noFill/>
+          <a:extLst>
+            <a:ext uri="{909E8E84-426E-40DD-AFC4-6F175D3DCCD1}">
+              <a14:hiddenFill xmlns:a14="http://schemas.microsoft.com/office/drawing/2010/main">
+                <a:solidFill>
+                  <a:srgbClr val="FFFFFF"/>
+                </a:solidFill>
+              </a14:hiddenFill>
+            </a:ext>
+          </a:extLst>
+        </p:spPr>
+      </p:pic>
+      <p:cxnSp>
+        <p:nvCxnSpPr>
+          <p:cNvPr id="31" name="Straight Connector 30">
+            <a:extLst>
+              <a:ext uri="{FF2B5EF4-FFF2-40B4-BE49-F238E27FC236}">
+                <a16:creationId xmlns:a16="http://schemas.microsoft.com/office/drawing/2014/main" id="{C69EDAA7-79B7-694E-BFC9-C2084A6F3974}"/>
+              </a:ext>
+            </a:extLst>
+          </p:cNvPr>
+          <p:cNvCxnSpPr>
+            <a:cxnSpLocks/>
+          </p:cNvCxnSpPr>
+          <p:nvPr/>
+        </p:nvCxnSpPr>
+        <p:spPr>
+          <a:xfrm flipH="1" flipV="1">
+            <a:off x="5718514" y="3807734"/>
+            <a:ext cx="2" cy="252878"/>
+          </a:xfrm>
+          <a:prstGeom prst="line">
+            <a:avLst/>
+          </a:prstGeom>
+          <a:ln w="63500">
+            <a:solidFill>
+              <a:schemeClr val="tx1"/>
+            </a:solidFill>
+          </a:ln>
+        </p:spPr>
+        <p:style>
+          <a:lnRef idx="1">
+            <a:schemeClr val="accent1"/>
+          </a:lnRef>
+          <a:fillRef idx="0">
+            <a:schemeClr val="accent1"/>
+          </a:fillRef>
+          <a:effectRef idx="0">
+            <a:schemeClr val="accent1"/>
+          </a:effectRef>
+          <a:fontRef idx="minor">
+            <a:schemeClr val="tx1"/>
+          </a:fontRef>
+        </p:style>
+      </p:cxnSp>
+      <p:cxnSp>
+        <p:nvCxnSpPr>
+          <p:cNvPr id="35" name="Straight Connector 34">
+            <a:extLst>
+              <a:ext uri="{FF2B5EF4-FFF2-40B4-BE49-F238E27FC236}">
+                <a16:creationId xmlns:a16="http://schemas.microsoft.com/office/drawing/2014/main" id="{416094CB-C908-FB4B-81CD-91595B3CA4C7}"/>
+              </a:ext>
+            </a:extLst>
+          </p:cNvPr>
+          <p:cNvCxnSpPr>
+            <a:cxnSpLocks/>
+          </p:cNvCxnSpPr>
+          <p:nvPr/>
+        </p:nvCxnSpPr>
+        <p:spPr>
+          <a:xfrm>
+            <a:off x="4080762" y="3836420"/>
+            <a:ext cx="1637752" cy="0"/>
+          </a:xfrm>
+          <a:prstGeom prst="line">
+            <a:avLst/>
+          </a:prstGeom>
+          <a:ln w="63500" cap="sq">
+            <a:solidFill>
+              <a:srgbClr val="0432FF"/>
+            </a:solidFill>
+          </a:ln>
+        </p:spPr>
+        <p:style>
+          <a:lnRef idx="1">
+            <a:schemeClr val="accent1"/>
+          </a:lnRef>
+          <a:fillRef idx="0">
+            <a:schemeClr val="accent1"/>
+          </a:fillRef>
+          <a:effectRef idx="0">
+            <a:schemeClr val="accent1"/>
+          </a:effectRef>
+          <a:fontRef idx="minor">
+            <a:schemeClr val="tx1"/>
+          </a:fontRef>
+        </p:style>
+      </p:cxnSp>
+      <p:cxnSp>
+        <p:nvCxnSpPr>
+          <p:cNvPr id="37" name="Straight Connector 36">
+            <a:extLst>
+              <a:ext uri="{FF2B5EF4-FFF2-40B4-BE49-F238E27FC236}">
+                <a16:creationId xmlns:a16="http://schemas.microsoft.com/office/drawing/2014/main" id="{F65FF222-7895-8145-B61F-CE882209944E}"/>
+              </a:ext>
+            </a:extLst>
+          </p:cNvPr>
+          <p:cNvCxnSpPr>
+            <a:cxnSpLocks/>
+          </p:cNvCxnSpPr>
+          <p:nvPr/>
+        </p:nvCxnSpPr>
+        <p:spPr>
+          <a:xfrm flipV="1">
+            <a:off x="4064524" y="3611404"/>
+            <a:ext cx="0" cy="225016"/>
+          </a:xfrm>
+          <a:prstGeom prst="line">
+            <a:avLst/>
+          </a:prstGeom>
+          <a:ln w="63500" cap="sq">
+            <a:solidFill>
+              <a:srgbClr val="0432FF"/>
+            </a:solidFill>
+          </a:ln>
+        </p:spPr>
+        <p:style>
+          <a:lnRef idx="1">
+            <a:schemeClr val="accent1"/>
+          </a:lnRef>
+          <a:fillRef idx="0">
+            <a:schemeClr val="accent1"/>
+          </a:fillRef>
+          <a:effectRef idx="0">
+            <a:schemeClr val="accent1"/>
+          </a:effectRef>
+          <a:fontRef idx="minor">
+            <a:schemeClr val="tx1"/>
+          </a:fontRef>
+        </p:style>
+      </p:cxnSp>
+      <p:cxnSp>
+        <p:nvCxnSpPr>
+          <p:cNvPr id="40" name="Straight Connector 39">
+            <a:extLst>
+              <a:ext uri="{FF2B5EF4-FFF2-40B4-BE49-F238E27FC236}">
+                <a16:creationId xmlns:a16="http://schemas.microsoft.com/office/drawing/2014/main" id="{1C0185CD-83CC-4346-ACC6-1AC2C00C81CE}"/>
+              </a:ext>
+            </a:extLst>
+          </p:cNvPr>
+          <p:cNvCxnSpPr>
+            <a:cxnSpLocks/>
+          </p:cNvCxnSpPr>
+          <p:nvPr/>
+        </p:nvCxnSpPr>
+        <p:spPr>
+          <a:xfrm flipV="1">
+            <a:off x="5718515" y="4563723"/>
+            <a:ext cx="0" cy="225617"/>
+          </a:xfrm>
+          <a:prstGeom prst="line">
+            <a:avLst/>
+          </a:prstGeom>
+          <a:ln w="63500" cap="sq">
+            <a:solidFill>
+              <a:schemeClr val="tx1"/>
+            </a:solidFill>
+          </a:ln>
+        </p:spPr>
+        <p:style>
+          <a:lnRef idx="1">
+            <a:schemeClr val="accent1"/>
+          </a:lnRef>
+          <a:fillRef idx="0">
+            <a:schemeClr val="accent1"/>
+          </a:fillRef>
+          <a:effectRef idx="0">
+            <a:schemeClr val="accent1"/>
+          </a:effectRef>
+          <a:fontRef idx="minor">
+            <a:schemeClr val="tx1"/>
+          </a:fontRef>
+        </p:style>
+      </p:cxnSp>
+      <p:sp>
+        <p:nvSpPr>
+          <p:cNvPr id="48" name="TextBox 47">
+            <a:extLst>
+              <a:ext uri="{FF2B5EF4-FFF2-40B4-BE49-F238E27FC236}">
+                <a16:creationId xmlns:a16="http://schemas.microsoft.com/office/drawing/2014/main" id="{BA72798C-D482-F54C-8FCF-6D11883B1209}"/>
+              </a:ext>
+            </a:extLst>
+          </p:cNvPr>
+          <p:cNvSpPr txBox="1"/>
+          <p:nvPr/>
+        </p:nvSpPr>
+        <p:spPr>
+          <a:xfrm>
+            <a:off x="6033074" y="4120408"/>
+            <a:ext cx="1442574" cy="369332"/>
+          </a:xfrm>
+          <a:prstGeom prst="rect">
+            <a:avLst/>
+          </a:prstGeom>
+          <a:noFill/>
+        </p:spPr>
+        <p:txBody>
+          <a:bodyPr wrap="none" rtlCol="0">
+            <a:spAutoFit/>
+          </a:bodyPr>
+          <a:lstStyle/>
+          <a:p>
+            <a:r>
+              <a:rPr lang="en-US" dirty="0"/>
+              <a:t>Photoresistor</a:t>
+            </a:r>
+          </a:p>
+        </p:txBody>
+      </p:sp>
+      <p:sp>
+        <p:nvSpPr>
+          <p:cNvPr id="50" name="TextBox 49">
+            <a:extLst>
+              <a:ext uri="{FF2B5EF4-FFF2-40B4-BE49-F238E27FC236}">
+                <a16:creationId xmlns:a16="http://schemas.microsoft.com/office/drawing/2014/main" id="{DE7EBE9A-03FF-B34B-86C3-B8EF2DEFA79A}"/>
+              </a:ext>
+            </a:extLst>
+          </p:cNvPr>
+          <p:cNvSpPr txBox="1"/>
+          <p:nvPr/>
+        </p:nvSpPr>
+        <p:spPr>
+          <a:xfrm>
+            <a:off x="5793912" y="3127898"/>
+            <a:ext cx="1334789" cy="369332"/>
+          </a:xfrm>
+          <a:prstGeom prst="rect">
+            <a:avLst/>
+          </a:prstGeom>
+          <a:noFill/>
+        </p:spPr>
+        <p:txBody>
+          <a:bodyPr wrap="none" rtlCol="0">
+            <a:spAutoFit/>
+          </a:bodyPr>
+          <a:lstStyle/>
+          <a:p>
+            <a:r>
+              <a:rPr lang="en-US" dirty="0"/>
+              <a:t>10K Resistor</a:t>
+            </a:r>
+          </a:p>
+        </p:txBody>
+      </p:sp>
+      <p:sp>
+        <p:nvSpPr>
+          <p:cNvPr id="51" name="TextBox 50">
+            <a:extLst>
+              <a:ext uri="{FF2B5EF4-FFF2-40B4-BE49-F238E27FC236}">
+                <a16:creationId xmlns:a16="http://schemas.microsoft.com/office/drawing/2014/main" id="{8611B276-0258-134E-A746-E2837507EAB0}"/>
+              </a:ext>
+            </a:extLst>
+          </p:cNvPr>
+          <p:cNvSpPr txBox="1"/>
+          <p:nvPr/>
+        </p:nvSpPr>
+        <p:spPr>
+          <a:xfrm>
+            <a:off x="3325894" y="2922300"/>
+            <a:ext cx="766941" cy="369332"/>
+          </a:xfrm>
+          <a:prstGeom prst="rect">
+            <a:avLst/>
+          </a:prstGeom>
+          <a:noFill/>
+        </p:spPr>
+        <p:txBody>
+          <a:bodyPr wrap="none" rtlCol="0">
+            <a:spAutoFit/>
+          </a:bodyPr>
+          <a:lstStyle/>
+          <a:p>
+            <a:r>
+              <a:rPr lang="en-US" b="1" dirty="0"/>
+              <a:t>AGND</a:t>
+            </a:r>
+          </a:p>
+        </p:txBody>
+      </p:sp>
+      <p:sp>
+        <p:nvSpPr>
+          <p:cNvPr id="52" name="TextBox 51">
+            <a:extLst>
+              <a:ext uri="{FF2B5EF4-FFF2-40B4-BE49-F238E27FC236}">
+                <a16:creationId xmlns:a16="http://schemas.microsoft.com/office/drawing/2014/main" id="{FECB9567-BB8C-A947-A0AF-C7A8A05807F1}"/>
+              </a:ext>
+            </a:extLst>
+          </p:cNvPr>
+          <p:cNvSpPr txBox="1"/>
+          <p:nvPr/>
+        </p:nvSpPr>
+        <p:spPr>
+          <a:xfrm>
+            <a:off x="3320816" y="3282298"/>
+            <a:ext cx="689612" cy="369332"/>
+          </a:xfrm>
+          <a:prstGeom prst="rect">
+            <a:avLst/>
+          </a:prstGeom>
+          <a:noFill/>
+        </p:spPr>
+        <p:txBody>
+          <a:bodyPr wrap="none" rtlCol="0">
+            <a:spAutoFit/>
+          </a:bodyPr>
+          <a:lstStyle/>
+          <a:p>
+            <a:r>
+              <a:rPr lang="en-US" b="1" dirty="0">
+                <a:solidFill>
+                  <a:srgbClr val="0432FF"/>
+                </a:solidFill>
+              </a:rPr>
+              <a:t>GP26</a:t>
+            </a:r>
+          </a:p>
+        </p:txBody>
+      </p:sp>
+    </p:spTree>
+    <p:extLst>
+      <p:ext uri="{BB962C8B-B14F-4D97-AF65-F5344CB8AC3E}">
+        <p14:creationId xmlns:p14="http://schemas.microsoft.com/office/powerpoint/2010/main" val="617354240"/>
+      </p:ext>
+    </p:extLst>
+  </p:cSld>
+  <p:clrMapOvr>
+    <a:masterClrMapping/>
+  </p:clrMapOvr>
+</p:sld>
+</file>
+
+<file path=ppt/slides/slide11.xml><?xml version="1.0" encoding="utf-8"?>
+<p:sld xmlns:a="http://schemas.openxmlformats.org/drawingml/2006/main" xmlns:r="http://schemas.openxmlformats.org/officeDocument/2006/relationships" xmlns:p="http://schemas.openxmlformats.org/presentationml/2006/main">
+  <p:cSld>
+    <p:spTree>
+      <p:nvGrpSpPr>
+        <p:cNvPr id="1" name=""/>
+        <p:cNvGrpSpPr/>
+        <p:nvPr/>
+      </p:nvGrpSpPr>
+      <p:grpSpPr>
+        <a:xfrm>
+          <a:off x="0" y="0"/>
+          <a:ext cx="0" cy="0"/>
+          <a:chOff x="0" y="0"/>
+          <a:chExt cx="0" cy="0"/>
+        </a:xfrm>
+      </p:grpSpPr>
+      <p:sp>
+        <p:nvSpPr>
+          <p:cNvPr id="2" name="Title 1">
+            <a:extLst>
+              <a:ext uri="{FF2B5EF4-FFF2-40B4-BE49-F238E27FC236}">
+                <a16:creationId xmlns:a16="http://schemas.microsoft.com/office/drawing/2014/main" id="{9575E5BC-FD74-7245-99F2-A0AE98AF7BB4}"/>
+              </a:ext>
+            </a:extLst>
+          </p:cNvPr>
+          <p:cNvSpPr>
+            <a:spLocks noGrp="1"/>
+          </p:cNvSpPr>
+          <p:nvPr>
+            <p:ph type="title"/>
+          </p:nvPr>
+        </p:nvSpPr>
+        <p:spPr/>
+        <p:txBody>
+          <a:bodyPr/>
+          <a:lstStyle/>
+          <a:p>
+            <a:r>
+              <a:rPr lang="en-US" dirty="0"/>
+              <a:t>H-Bridge</a:t>
+            </a:r>
+          </a:p>
+        </p:txBody>
+      </p:sp>
+      <p:sp>
+        <p:nvSpPr>
+          <p:cNvPr id="3" name="Content Placeholder 2">
+            <a:extLst>
+              <a:ext uri="{FF2B5EF4-FFF2-40B4-BE49-F238E27FC236}">
+                <a16:creationId xmlns:a16="http://schemas.microsoft.com/office/drawing/2014/main" id="{6AC99294-23A8-B149-AF0B-4BAACD26ECD5}"/>
+              </a:ext>
+            </a:extLst>
+          </p:cNvPr>
+          <p:cNvSpPr>
+            <a:spLocks noGrp="1"/>
+          </p:cNvSpPr>
+          <p:nvPr>
+            <p:ph idx="1"/>
+          </p:nvPr>
+        </p:nvSpPr>
+        <p:spPr>
+          <a:xfrm>
+            <a:off x="838200" y="4951141"/>
+            <a:ext cx="10515600" cy="1225822"/>
+          </a:xfrm>
+        </p:spPr>
+        <p:txBody>
+          <a:bodyPr/>
+          <a:lstStyle/>
+          <a:p>
+            <a:endParaRPr lang="en-US" dirty="0"/>
+          </a:p>
+        </p:txBody>
+      </p:sp>
+      <p:cxnSp>
+        <p:nvCxnSpPr>
+          <p:cNvPr id="5" name="Straight Connector 4">
+            <a:extLst>
+              <a:ext uri="{FF2B5EF4-FFF2-40B4-BE49-F238E27FC236}">
+                <a16:creationId xmlns:a16="http://schemas.microsoft.com/office/drawing/2014/main" id="{8C03662A-1AAA-2042-8C21-6086968D5DAD}"/>
+              </a:ext>
+            </a:extLst>
+          </p:cNvPr>
+          <p:cNvCxnSpPr>
+            <a:cxnSpLocks/>
+          </p:cNvCxnSpPr>
+          <p:nvPr/>
+        </p:nvCxnSpPr>
+        <p:spPr>
+          <a:xfrm>
+            <a:off x="3445727" y="1690688"/>
+            <a:ext cx="0" cy="2363152"/>
+          </a:xfrm>
+          <a:prstGeom prst="line">
+            <a:avLst/>
+          </a:prstGeom>
+          <a:ln w="177800" cap="sq">
+            <a:solidFill>
+              <a:schemeClr val="tx1"/>
+            </a:solidFill>
+          </a:ln>
+        </p:spPr>
+        <p:style>
+          <a:lnRef idx="1">
+            <a:schemeClr val="accent1"/>
+          </a:lnRef>
+          <a:fillRef idx="0">
+            <a:schemeClr val="accent1"/>
+          </a:fillRef>
+          <a:effectRef idx="0">
+            <a:schemeClr val="accent1"/>
+          </a:effectRef>
+          <a:fontRef idx="minor">
+            <a:schemeClr val="tx1"/>
+          </a:fontRef>
+        </p:style>
+      </p:cxnSp>
+      <p:cxnSp>
+        <p:nvCxnSpPr>
+          <p:cNvPr id="6" name="Straight Connector 5">
+            <a:extLst>
+              <a:ext uri="{FF2B5EF4-FFF2-40B4-BE49-F238E27FC236}">
+                <a16:creationId xmlns:a16="http://schemas.microsoft.com/office/drawing/2014/main" id="{BC239FEC-185E-A94D-B798-8365695A47AB}"/>
+              </a:ext>
+            </a:extLst>
+          </p:cNvPr>
+          <p:cNvCxnSpPr>
+            <a:cxnSpLocks/>
+          </p:cNvCxnSpPr>
+          <p:nvPr/>
+        </p:nvCxnSpPr>
+        <p:spPr>
+          <a:xfrm>
+            <a:off x="6082247" y="1697832"/>
+            <a:ext cx="0" cy="2363152"/>
+          </a:xfrm>
+          <a:prstGeom prst="line">
+            <a:avLst/>
+          </a:prstGeom>
+          <a:ln w="177800" cap="sq">
+            <a:solidFill>
+              <a:schemeClr val="tx1"/>
+            </a:solidFill>
+          </a:ln>
+        </p:spPr>
+        <p:style>
+          <a:lnRef idx="1">
+            <a:schemeClr val="accent1"/>
+          </a:lnRef>
+          <a:fillRef idx="0">
+            <a:schemeClr val="accent1"/>
+          </a:fillRef>
+          <a:effectRef idx="0">
+            <a:schemeClr val="accent1"/>
+          </a:effectRef>
+          <a:fontRef idx="minor">
+            <a:schemeClr val="tx1"/>
+          </a:fontRef>
+        </p:style>
+      </p:cxnSp>
+      <p:cxnSp>
+        <p:nvCxnSpPr>
+          <p:cNvPr id="10" name="Straight Connector 9">
+            <a:extLst>
+              <a:ext uri="{FF2B5EF4-FFF2-40B4-BE49-F238E27FC236}">
+                <a16:creationId xmlns:a16="http://schemas.microsoft.com/office/drawing/2014/main" id="{3103643C-E5A8-2847-92DE-FD1B12E87DDC}"/>
+              </a:ext>
+            </a:extLst>
+          </p:cNvPr>
+          <p:cNvCxnSpPr>
+            <a:cxnSpLocks/>
+          </p:cNvCxnSpPr>
+          <p:nvPr/>
+        </p:nvCxnSpPr>
+        <p:spPr>
+          <a:xfrm>
+            <a:off x="3445727" y="2872264"/>
+            <a:ext cx="2607528" cy="0"/>
+          </a:xfrm>
+          <a:prstGeom prst="line">
+            <a:avLst/>
+          </a:prstGeom>
+          <a:ln w="177800" cap="sq">
+            <a:solidFill>
+              <a:schemeClr val="tx1"/>
+            </a:solidFill>
+          </a:ln>
+        </p:spPr>
+        <p:style>
+          <a:lnRef idx="1">
+            <a:schemeClr val="accent1"/>
+          </a:lnRef>
+          <a:fillRef idx="0">
+            <a:schemeClr val="accent1"/>
+          </a:fillRef>
+          <a:effectRef idx="0">
+            <a:schemeClr val="accent1"/>
+          </a:effectRef>
+          <a:fontRef idx="minor">
+            <a:schemeClr val="tx1"/>
+          </a:fontRef>
+        </p:style>
+      </p:cxnSp>
+      <p:sp>
+        <p:nvSpPr>
+          <p:cNvPr id="9" name="Oval 8">
+            <a:extLst>
+              <a:ext uri="{FF2B5EF4-FFF2-40B4-BE49-F238E27FC236}">
+                <a16:creationId xmlns:a16="http://schemas.microsoft.com/office/drawing/2014/main" id="{ABC971EC-F826-B64D-A054-38C75FE701F9}"/>
+              </a:ext>
+            </a:extLst>
+          </p:cNvPr>
+          <p:cNvSpPr/>
+          <p:nvPr/>
+        </p:nvSpPr>
+        <p:spPr>
+          <a:xfrm>
+            <a:off x="4192488" y="2580845"/>
+            <a:ext cx="1142999" cy="579120"/>
+          </a:xfrm>
+          <a:prstGeom prst="ellipse">
+            <a:avLst/>
+          </a:prstGeom>
+          <a:solidFill>
+            <a:schemeClr val="bg1">
+              <a:lumMod val="50000"/>
+            </a:schemeClr>
+          </a:solidFill>
+          <a:ln w="28575">
+            <a:solidFill>
+              <a:schemeClr val="tx1"/>
+            </a:solidFill>
+          </a:ln>
+        </p:spPr>
+        <p:style>
+          <a:lnRef idx="2">
+            <a:schemeClr val="accent1">
+              <a:shade val="50000"/>
+            </a:schemeClr>
+          </a:lnRef>
+          <a:fillRef idx="1">
+            <a:schemeClr val="accent1"/>
+          </a:fillRef>
+          <a:effectRef idx="0">
+            <a:schemeClr val="accent1"/>
+          </a:effectRef>
+          <a:fontRef idx="minor">
+            <a:schemeClr val="lt1"/>
+          </a:fontRef>
+        </p:style>
+        <p:txBody>
+          <a:bodyPr wrap="none" rtlCol="0" anchor="ctr"/>
+          <a:lstStyle/>
+          <a:p>
+            <a:pPr algn="ctr"/>
+            <a:r>
+              <a:rPr lang="en-US" sz="2000" dirty="0"/>
+              <a:t>Motor</a:t>
+            </a:r>
+          </a:p>
+        </p:txBody>
+      </p:sp>
+      <p:sp>
+        <p:nvSpPr>
+          <p:cNvPr id="13" name="Oval 12">
+            <a:extLst>
+              <a:ext uri="{FF2B5EF4-FFF2-40B4-BE49-F238E27FC236}">
+                <a16:creationId xmlns:a16="http://schemas.microsoft.com/office/drawing/2014/main" id="{173901C6-D2E7-4F46-B959-EFAA588B2E36}"/>
+              </a:ext>
+            </a:extLst>
+          </p:cNvPr>
+          <p:cNvSpPr/>
+          <p:nvPr/>
+        </p:nvSpPr>
+        <p:spPr>
+          <a:xfrm>
+            <a:off x="2993081" y="1919923"/>
+            <a:ext cx="905292" cy="579120"/>
+          </a:xfrm>
+          <a:prstGeom prst="ellipse">
+            <a:avLst/>
+          </a:prstGeom>
+          <a:solidFill>
+            <a:schemeClr val="bg1">
+              <a:lumMod val="50000"/>
+            </a:schemeClr>
+          </a:solidFill>
+          <a:ln w="28575">
+            <a:solidFill>
+              <a:schemeClr val="tx1"/>
+            </a:solidFill>
+          </a:ln>
+        </p:spPr>
+        <p:style>
+          <a:lnRef idx="2">
+            <a:schemeClr val="accent1">
+              <a:shade val="50000"/>
+            </a:schemeClr>
+          </a:lnRef>
+          <a:fillRef idx="1">
+            <a:schemeClr val="accent1"/>
+          </a:fillRef>
+          <a:effectRef idx="0">
+            <a:schemeClr val="accent1"/>
+          </a:effectRef>
+          <a:fontRef idx="minor">
+            <a:schemeClr val="lt1"/>
+          </a:fontRef>
+        </p:style>
+        <p:txBody>
+          <a:bodyPr wrap="none" rtlCol="0" anchor="ctr"/>
+          <a:lstStyle/>
+          <a:p>
+            <a:pPr algn="ctr"/>
+            <a:r>
+              <a:rPr lang="en-US" dirty="0"/>
+              <a:t>SW 1</a:t>
+            </a:r>
+          </a:p>
+        </p:txBody>
+      </p:sp>
+      <p:sp>
+        <p:nvSpPr>
+          <p:cNvPr id="14" name="Oval 13">
+            <a:extLst>
+              <a:ext uri="{FF2B5EF4-FFF2-40B4-BE49-F238E27FC236}">
+                <a16:creationId xmlns:a16="http://schemas.microsoft.com/office/drawing/2014/main" id="{7F691547-34A0-7240-B0CD-755B9EF6B1A7}"/>
+              </a:ext>
+            </a:extLst>
+          </p:cNvPr>
+          <p:cNvSpPr/>
+          <p:nvPr/>
+        </p:nvSpPr>
+        <p:spPr>
+          <a:xfrm>
+            <a:off x="5643354" y="1873886"/>
+            <a:ext cx="905292" cy="579120"/>
+          </a:xfrm>
+          <a:prstGeom prst="ellipse">
+            <a:avLst/>
+          </a:prstGeom>
+          <a:solidFill>
+            <a:schemeClr val="bg1">
+              <a:lumMod val="50000"/>
+            </a:schemeClr>
+          </a:solidFill>
+          <a:ln w="28575">
+            <a:solidFill>
+              <a:schemeClr val="tx1"/>
+            </a:solidFill>
+          </a:ln>
+        </p:spPr>
+        <p:style>
+          <a:lnRef idx="2">
+            <a:schemeClr val="accent1">
+              <a:shade val="50000"/>
+            </a:schemeClr>
+          </a:lnRef>
+          <a:fillRef idx="1">
+            <a:schemeClr val="accent1"/>
+          </a:fillRef>
+          <a:effectRef idx="0">
+            <a:schemeClr val="accent1"/>
+          </a:effectRef>
+          <a:fontRef idx="minor">
+            <a:schemeClr val="lt1"/>
+          </a:fontRef>
+        </p:style>
+        <p:txBody>
+          <a:bodyPr wrap="none" rtlCol="0" anchor="ctr"/>
+          <a:lstStyle/>
+          <a:p>
+            <a:pPr algn="ctr"/>
+            <a:r>
+              <a:rPr lang="en-US" dirty="0"/>
+              <a:t>SW 2</a:t>
+            </a:r>
+          </a:p>
+        </p:txBody>
+      </p:sp>
+      <p:sp>
+        <p:nvSpPr>
+          <p:cNvPr id="15" name="Oval 14">
+            <a:extLst>
+              <a:ext uri="{FF2B5EF4-FFF2-40B4-BE49-F238E27FC236}">
+                <a16:creationId xmlns:a16="http://schemas.microsoft.com/office/drawing/2014/main" id="{F8A1B2E1-3B2B-6943-8879-3A3CA67617B1}"/>
+              </a:ext>
+            </a:extLst>
+          </p:cNvPr>
+          <p:cNvSpPr/>
+          <p:nvPr/>
+        </p:nvSpPr>
+        <p:spPr>
+          <a:xfrm>
+            <a:off x="2993081" y="3256043"/>
+            <a:ext cx="905292" cy="579120"/>
+          </a:xfrm>
+          <a:prstGeom prst="ellipse">
+            <a:avLst/>
+          </a:prstGeom>
+          <a:solidFill>
+            <a:schemeClr val="bg1">
+              <a:lumMod val="50000"/>
+            </a:schemeClr>
+          </a:solidFill>
+          <a:ln w="28575">
+            <a:solidFill>
+              <a:schemeClr val="tx1"/>
+            </a:solidFill>
+          </a:ln>
+        </p:spPr>
+        <p:style>
+          <a:lnRef idx="2">
+            <a:schemeClr val="accent1">
+              <a:shade val="50000"/>
+            </a:schemeClr>
+          </a:lnRef>
+          <a:fillRef idx="1">
+            <a:schemeClr val="accent1"/>
+          </a:fillRef>
+          <a:effectRef idx="0">
+            <a:schemeClr val="accent1"/>
+          </a:effectRef>
+          <a:fontRef idx="minor">
+            <a:schemeClr val="lt1"/>
+          </a:fontRef>
+        </p:style>
+        <p:txBody>
+          <a:bodyPr wrap="none" rtlCol="0" anchor="ctr"/>
+          <a:lstStyle/>
+          <a:p>
+            <a:pPr algn="ctr"/>
+            <a:r>
+              <a:rPr lang="en-US" dirty="0"/>
+              <a:t>SW 3</a:t>
+            </a:r>
+          </a:p>
+        </p:txBody>
+      </p:sp>
+      <p:sp>
+        <p:nvSpPr>
+          <p:cNvPr id="16" name="Oval 15">
+            <a:extLst>
+              <a:ext uri="{FF2B5EF4-FFF2-40B4-BE49-F238E27FC236}">
+                <a16:creationId xmlns:a16="http://schemas.microsoft.com/office/drawing/2014/main" id="{14D08803-E256-BC4F-88FC-FCE62A0ECA6E}"/>
+              </a:ext>
+            </a:extLst>
+          </p:cNvPr>
+          <p:cNvSpPr/>
+          <p:nvPr/>
+        </p:nvSpPr>
+        <p:spPr>
+          <a:xfrm>
+            <a:off x="5629601" y="3291523"/>
+            <a:ext cx="905292" cy="579120"/>
+          </a:xfrm>
+          <a:prstGeom prst="ellipse">
+            <a:avLst/>
+          </a:prstGeom>
+          <a:solidFill>
+            <a:schemeClr val="bg1">
+              <a:lumMod val="50000"/>
+            </a:schemeClr>
+          </a:solidFill>
+          <a:ln w="28575">
+            <a:solidFill>
+              <a:schemeClr val="tx1"/>
+            </a:solidFill>
+          </a:ln>
+        </p:spPr>
+        <p:style>
+          <a:lnRef idx="2">
+            <a:schemeClr val="accent1">
+              <a:shade val="50000"/>
+            </a:schemeClr>
+          </a:lnRef>
+          <a:fillRef idx="1">
+            <a:schemeClr val="accent1"/>
+          </a:fillRef>
+          <a:effectRef idx="0">
+            <a:schemeClr val="accent1"/>
+          </a:effectRef>
+          <a:fontRef idx="minor">
+            <a:schemeClr val="lt1"/>
+          </a:fontRef>
+        </p:style>
+        <p:txBody>
+          <a:bodyPr wrap="none" rtlCol="0" anchor="ctr"/>
+          <a:lstStyle/>
+          <a:p>
+            <a:pPr algn="ctr"/>
+            <a:r>
+              <a:rPr lang="en-US" dirty="0"/>
+              <a:t>SW 4</a:t>
+            </a:r>
+          </a:p>
+        </p:txBody>
+      </p:sp>
+      <p:cxnSp>
+        <p:nvCxnSpPr>
+          <p:cNvPr id="18" name="Straight Connector 17">
+            <a:extLst>
+              <a:ext uri="{FF2B5EF4-FFF2-40B4-BE49-F238E27FC236}">
+                <a16:creationId xmlns:a16="http://schemas.microsoft.com/office/drawing/2014/main" id="{D2818E63-D029-344C-B29B-669BE187248A}"/>
+              </a:ext>
+            </a:extLst>
+          </p:cNvPr>
+          <p:cNvCxnSpPr/>
+          <p:nvPr/>
+        </p:nvCxnSpPr>
+        <p:spPr>
+          <a:xfrm>
+            <a:off x="3345179" y="4206240"/>
+            <a:ext cx="2837615" cy="0"/>
+          </a:xfrm>
+          <a:prstGeom prst="line">
+            <a:avLst/>
+          </a:prstGeom>
+          <a:ln w="63500">
+            <a:solidFill>
+              <a:schemeClr val="tx1">
+                <a:lumMod val="65000"/>
+                <a:lumOff val="35000"/>
+              </a:schemeClr>
+            </a:solidFill>
+          </a:ln>
+        </p:spPr>
+        <p:style>
+          <a:lnRef idx="1">
+            <a:schemeClr val="accent1"/>
+          </a:lnRef>
+          <a:fillRef idx="0">
+            <a:schemeClr val="accent1"/>
+          </a:fillRef>
+          <a:effectRef idx="0">
+            <a:schemeClr val="accent1"/>
+          </a:effectRef>
+          <a:fontRef idx="minor">
+            <a:schemeClr val="tx1"/>
+          </a:fontRef>
+        </p:style>
+      </p:cxnSp>
+      <p:cxnSp>
+        <p:nvCxnSpPr>
+          <p:cNvPr id="19" name="Straight Connector 18">
+            <a:extLst>
+              <a:ext uri="{FF2B5EF4-FFF2-40B4-BE49-F238E27FC236}">
+                <a16:creationId xmlns:a16="http://schemas.microsoft.com/office/drawing/2014/main" id="{FA5FCD5E-E15F-434C-9B50-62F668F04598}"/>
+              </a:ext>
+            </a:extLst>
+          </p:cNvPr>
+          <p:cNvCxnSpPr/>
+          <p:nvPr/>
+        </p:nvCxnSpPr>
+        <p:spPr>
+          <a:xfrm>
+            <a:off x="3345179" y="1554480"/>
+            <a:ext cx="2837615" cy="0"/>
+          </a:xfrm>
+          <a:prstGeom prst="line">
+            <a:avLst/>
+          </a:prstGeom>
+          <a:ln w="63500">
+            <a:solidFill>
+              <a:srgbClr val="FF0000"/>
+            </a:solidFill>
+          </a:ln>
+        </p:spPr>
+        <p:style>
+          <a:lnRef idx="1">
+            <a:schemeClr val="accent1"/>
+          </a:lnRef>
+          <a:fillRef idx="0">
+            <a:schemeClr val="accent1"/>
+          </a:fillRef>
+          <a:effectRef idx="0">
+            <a:schemeClr val="accent1"/>
+          </a:effectRef>
+          <a:fontRef idx="minor">
+            <a:schemeClr val="tx1"/>
+          </a:fontRef>
+        </p:style>
+      </p:cxnSp>
+    </p:spTree>
+    <p:extLst>
+      <p:ext uri="{BB962C8B-B14F-4D97-AF65-F5344CB8AC3E}">
+        <p14:creationId xmlns:p14="http://schemas.microsoft.com/office/powerpoint/2010/main" val="3784482480"/>
+      </p:ext>
+    </p:extLst>
+  </p:cSld>
+  <p:clrMapOvr>
+    <a:masterClrMapping/>
+  </p:clrMapOvr>
+</p:sld>
+</file>
+
+<file path=ppt/slides/slide12.xml><?xml version="1.0" encoding="utf-8"?>
+<p:sld xmlns:a="http://schemas.openxmlformats.org/drawingml/2006/main" xmlns:r="http://schemas.openxmlformats.org/officeDocument/2006/relationships" xmlns:p="http://schemas.openxmlformats.org/presentationml/2006/main">
+  <p:cSld>
+    <p:spTree>
+      <p:nvGrpSpPr>
+        <p:cNvPr id="1" name=""/>
+        <p:cNvGrpSpPr/>
+        <p:nvPr/>
+      </p:nvGrpSpPr>
+      <p:grpSpPr>
+        <a:xfrm>
+          <a:off x="0" y="0"/>
+          <a:ext cx="0" cy="0"/>
+          <a:chOff x="0" y="0"/>
+          <a:chExt cx="0" cy="0"/>
+        </a:xfrm>
+      </p:grpSpPr>
+      <p:cxnSp>
+        <p:nvCxnSpPr>
+          <p:cNvPr id="56" name="Straight Connector 55">
+            <a:extLst>
+              <a:ext uri="{FF2B5EF4-FFF2-40B4-BE49-F238E27FC236}">
+                <a16:creationId xmlns:a16="http://schemas.microsoft.com/office/drawing/2014/main" id="{D6273B1A-8156-0742-A1EF-3C2C1AFE179A}"/>
+              </a:ext>
+            </a:extLst>
+          </p:cNvPr>
+          <p:cNvCxnSpPr>
+            <a:cxnSpLocks/>
+          </p:cNvCxnSpPr>
+          <p:nvPr/>
+        </p:nvCxnSpPr>
+        <p:spPr>
+          <a:xfrm flipV="1">
+            <a:off x="5011890" y="4665765"/>
+            <a:ext cx="227736" cy="3725"/>
+          </a:xfrm>
+          <a:prstGeom prst="line">
+            <a:avLst/>
+          </a:prstGeom>
+          <a:ln w="63500" cap="sq">
+            <a:solidFill>
+              <a:srgbClr val="FF0000"/>
+            </a:solidFill>
+          </a:ln>
+        </p:spPr>
+        <p:style>
+          <a:lnRef idx="1">
+            <a:schemeClr val="accent1"/>
+          </a:lnRef>
+          <a:fillRef idx="0">
+            <a:schemeClr val="accent1"/>
+          </a:fillRef>
+          <a:effectRef idx="0">
+            <a:schemeClr val="accent1"/>
+          </a:effectRef>
+          <a:fontRef idx="minor">
+            <a:schemeClr val="tx1"/>
+          </a:fontRef>
+        </p:style>
+      </p:cxnSp>
+      <p:cxnSp>
+        <p:nvCxnSpPr>
+          <p:cNvPr id="66" name="Straight Connector 65">
+            <a:extLst>
+              <a:ext uri="{FF2B5EF4-FFF2-40B4-BE49-F238E27FC236}">
+                <a16:creationId xmlns:a16="http://schemas.microsoft.com/office/drawing/2014/main" id="{83E95B9A-9B2D-AD42-9355-8FDF45D109A4}"/>
+              </a:ext>
+            </a:extLst>
+          </p:cNvPr>
+          <p:cNvCxnSpPr>
+            <a:cxnSpLocks/>
+          </p:cNvCxnSpPr>
+          <p:nvPr/>
+        </p:nvCxnSpPr>
+        <p:spPr>
+          <a:xfrm flipV="1">
+            <a:off x="6429372" y="4408756"/>
+            <a:ext cx="193698" cy="7734"/>
+          </a:xfrm>
+          <a:prstGeom prst="line">
+            <a:avLst/>
+          </a:prstGeom>
+          <a:ln w="63500" cap="sq">
+            <a:solidFill>
+              <a:srgbClr val="FFC000"/>
+            </a:solidFill>
+          </a:ln>
+        </p:spPr>
+        <p:style>
+          <a:lnRef idx="1">
+            <a:schemeClr val="accent1"/>
+          </a:lnRef>
+          <a:fillRef idx="0">
+            <a:schemeClr val="accent1"/>
+          </a:fillRef>
+          <a:effectRef idx="0">
+            <a:schemeClr val="accent1"/>
+          </a:effectRef>
+          <a:fontRef idx="minor">
+            <a:schemeClr val="tx1"/>
+          </a:fontRef>
+        </p:style>
+      </p:cxnSp>
+      <p:cxnSp>
+        <p:nvCxnSpPr>
+          <p:cNvPr id="53" name="Straight Connector 52">
+            <a:extLst>
+              <a:ext uri="{FF2B5EF4-FFF2-40B4-BE49-F238E27FC236}">
+                <a16:creationId xmlns:a16="http://schemas.microsoft.com/office/drawing/2014/main" id="{C9ACDB02-D841-FB48-8B6E-C1E78BB47A10}"/>
+              </a:ext>
+            </a:extLst>
+          </p:cNvPr>
+          <p:cNvCxnSpPr>
+            <a:cxnSpLocks/>
+          </p:cNvCxnSpPr>
+          <p:nvPr/>
+        </p:nvCxnSpPr>
+        <p:spPr>
+          <a:xfrm flipV="1">
+            <a:off x="6384396" y="4939700"/>
+            <a:ext cx="433894" cy="8048"/>
+          </a:xfrm>
+          <a:prstGeom prst="line">
+            <a:avLst/>
+          </a:prstGeom>
+          <a:ln w="63500" cap="sq">
+            <a:solidFill>
+              <a:srgbClr val="FF0000"/>
+            </a:solidFill>
+          </a:ln>
+        </p:spPr>
+        <p:style>
+          <a:lnRef idx="1">
+            <a:schemeClr val="accent1"/>
+          </a:lnRef>
+          <a:fillRef idx="0">
+            <a:schemeClr val="accent1"/>
+          </a:fillRef>
+          <a:effectRef idx="0">
+            <a:schemeClr val="accent1"/>
+          </a:effectRef>
+          <a:fontRef idx="minor">
+            <a:schemeClr val="tx1"/>
+          </a:fontRef>
+        </p:style>
+      </p:cxnSp>
+      <p:cxnSp>
+        <p:nvCxnSpPr>
+          <p:cNvPr id="54" name="Straight Connector 53">
+            <a:extLst>
+              <a:ext uri="{FF2B5EF4-FFF2-40B4-BE49-F238E27FC236}">
+                <a16:creationId xmlns:a16="http://schemas.microsoft.com/office/drawing/2014/main" id="{17EA42D6-F7AC-6845-BB30-21CCC783B7DF}"/>
+              </a:ext>
+            </a:extLst>
+          </p:cNvPr>
+          <p:cNvCxnSpPr>
+            <a:cxnSpLocks/>
+          </p:cNvCxnSpPr>
+          <p:nvPr/>
+        </p:nvCxnSpPr>
+        <p:spPr>
+          <a:xfrm flipV="1">
+            <a:off x="4984044" y="2715971"/>
+            <a:ext cx="0" cy="1949794"/>
+          </a:xfrm>
+          <a:prstGeom prst="line">
+            <a:avLst/>
+          </a:prstGeom>
+          <a:ln w="63500" cap="sq">
+            <a:solidFill>
+              <a:srgbClr val="FF0000"/>
+            </a:solidFill>
+          </a:ln>
+        </p:spPr>
+        <p:style>
+          <a:lnRef idx="1">
+            <a:schemeClr val="accent1"/>
+          </a:lnRef>
+          <a:fillRef idx="0">
+            <a:schemeClr val="accent1"/>
+          </a:fillRef>
+          <a:effectRef idx="0">
+            <a:schemeClr val="accent1"/>
+          </a:effectRef>
+          <a:fontRef idx="minor">
+            <a:schemeClr val="tx1"/>
+          </a:fontRef>
+        </p:style>
+      </p:cxnSp>
+      <p:sp>
+        <p:nvSpPr>
+          <p:cNvPr id="2" name="Title 1">
+            <a:extLst>
+              <a:ext uri="{FF2B5EF4-FFF2-40B4-BE49-F238E27FC236}">
+                <a16:creationId xmlns:a16="http://schemas.microsoft.com/office/drawing/2014/main" id="{DFEFA16C-A157-F248-AFA1-440E69529FA7}"/>
+              </a:ext>
+            </a:extLst>
+          </p:cNvPr>
+          <p:cNvSpPr>
+            <a:spLocks noGrp="1"/>
+          </p:cNvSpPr>
+          <p:nvPr>
+            <p:ph type="title"/>
+          </p:nvPr>
+        </p:nvSpPr>
+        <p:spPr>
+          <a:xfrm>
+            <a:off x="411480" y="338773"/>
+            <a:ext cx="10515600" cy="644843"/>
+          </a:xfrm>
+        </p:spPr>
+        <p:txBody>
+          <a:bodyPr>
+            <a:normAutofit fontScale="90000"/>
+          </a:bodyPr>
+          <a:lstStyle/>
+          <a:p>
+            <a:r>
+              <a:rPr lang="en-US" dirty="0"/>
+              <a:t>Motor Driver Circuit</a:t>
+            </a:r>
+          </a:p>
+        </p:txBody>
+      </p:sp>
+      <p:sp>
+        <p:nvSpPr>
+          <p:cNvPr id="3" name="Content Placeholder 2">
+            <a:extLst>
+              <a:ext uri="{FF2B5EF4-FFF2-40B4-BE49-F238E27FC236}">
+                <a16:creationId xmlns:a16="http://schemas.microsoft.com/office/drawing/2014/main" id="{CA680DBB-1CEA-C34E-8B41-75C42D17D005}"/>
+              </a:ext>
+            </a:extLst>
+          </p:cNvPr>
+          <p:cNvSpPr>
+            <a:spLocks noGrp="1"/>
+          </p:cNvSpPr>
+          <p:nvPr>
+            <p:ph idx="1"/>
+          </p:nvPr>
+        </p:nvSpPr>
+        <p:spPr>
+          <a:xfrm>
+            <a:off x="838200" y="5770947"/>
+            <a:ext cx="10515600" cy="644843"/>
+          </a:xfrm>
+        </p:spPr>
+        <p:txBody>
+          <a:bodyPr/>
+          <a:lstStyle/>
+          <a:p>
+            <a:endParaRPr lang="en-US" dirty="0"/>
+          </a:p>
+        </p:txBody>
+      </p:sp>
+      <p:pic>
+        <p:nvPicPr>
+          <p:cNvPr id="5" name="Picture 4">
+            <a:extLst>
+              <a:ext uri="{FF2B5EF4-FFF2-40B4-BE49-F238E27FC236}">
+                <a16:creationId xmlns:a16="http://schemas.microsoft.com/office/drawing/2014/main" id="{9E692AE7-C1FE-2C40-9678-9A6D3C7C28F4}"/>
+              </a:ext>
+            </a:extLst>
+          </p:cNvPr>
+          <p:cNvPicPr>
+            <a:picLocks noChangeAspect="1"/>
+          </p:cNvPicPr>
+          <p:nvPr/>
+        </p:nvPicPr>
+        <p:blipFill>
+          <a:blip r:embed="rId2"/>
+          <a:stretch>
+            <a:fillRect/>
+          </a:stretch>
+        </p:blipFill>
+        <p:spPr>
+          <a:xfrm>
+            <a:off x="1838699" y="1802523"/>
+            <a:ext cx="1442375" cy="3617760"/>
+          </a:xfrm>
+          <a:prstGeom prst="rect">
+            <a:avLst/>
+          </a:prstGeom>
+        </p:spPr>
+      </p:pic>
+      <p:cxnSp>
+        <p:nvCxnSpPr>
+          <p:cNvPr id="8" name="Straight Connector 7">
+            <a:extLst>
+              <a:ext uri="{FF2B5EF4-FFF2-40B4-BE49-F238E27FC236}">
+                <a16:creationId xmlns:a16="http://schemas.microsoft.com/office/drawing/2014/main" id="{96C10E0D-8E37-D14F-B90D-BF5E763779D9}"/>
+              </a:ext>
+            </a:extLst>
+          </p:cNvPr>
+          <p:cNvCxnSpPr>
+            <a:cxnSpLocks/>
+          </p:cNvCxnSpPr>
+          <p:nvPr/>
+        </p:nvCxnSpPr>
+        <p:spPr>
+          <a:xfrm flipV="1">
+            <a:off x="3188349" y="2693848"/>
+            <a:ext cx="3630140" cy="34854"/>
+          </a:xfrm>
+          <a:prstGeom prst="line">
+            <a:avLst/>
+          </a:prstGeom>
+          <a:ln w="63500" cap="sq">
+            <a:solidFill>
+              <a:srgbClr val="FF0000"/>
+            </a:solidFill>
+          </a:ln>
+        </p:spPr>
+        <p:style>
+          <a:lnRef idx="1">
+            <a:schemeClr val="accent1"/>
+          </a:lnRef>
+          <a:fillRef idx="0">
+            <a:schemeClr val="accent1"/>
+          </a:fillRef>
+          <a:effectRef idx="0">
+            <a:schemeClr val="accent1"/>
+          </a:effectRef>
+          <a:fontRef idx="minor">
+            <a:schemeClr val="tx1"/>
+          </a:fontRef>
+        </p:style>
+      </p:cxnSp>
+      <p:cxnSp>
+        <p:nvCxnSpPr>
+          <p:cNvPr id="10" name="Straight Connector 9">
+            <a:extLst>
+              <a:ext uri="{FF2B5EF4-FFF2-40B4-BE49-F238E27FC236}">
+                <a16:creationId xmlns:a16="http://schemas.microsoft.com/office/drawing/2014/main" id="{CC39F5DB-6E80-3348-9ABC-FCE12E576711}"/>
+              </a:ext>
+            </a:extLst>
+          </p:cNvPr>
+          <p:cNvCxnSpPr>
+            <a:cxnSpLocks/>
+            <a:endCxn id="39" idx="2"/>
+          </p:cNvCxnSpPr>
+          <p:nvPr/>
+        </p:nvCxnSpPr>
+        <p:spPr>
+          <a:xfrm flipV="1">
+            <a:off x="3311807" y="5152320"/>
+            <a:ext cx="1898681" cy="165030"/>
+          </a:xfrm>
+          <a:prstGeom prst="line">
+            <a:avLst/>
+          </a:prstGeom>
+          <a:ln w="63500" cap="sq">
+            <a:solidFill>
+              <a:schemeClr val="accent6">
+                <a:lumMod val="60000"/>
+                <a:lumOff val="40000"/>
+              </a:schemeClr>
+            </a:solidFill>
+          </a:ln>
+        </p:spPr>
+        <p:style>
+          <a:lnRef idx="1">
+            <a:schemeClr val="accent1"/>
+          </a:lnRef>
+          <a:fillRef idx="0">
+            <a:schemeClr val="accent1"/>
+          </a:fillRef>
+          <a:effectRef idx="0">
+            <a:schemeClr val="accent1"/>
+          </a:effectRef>
+          <a:fontRef idx="minor">
+            <a:schemeClr val="tx1"/>
+          </a:fontRef>
+        </p:style>
+      </p:cxnSp>
+      <p:sp>
+        <p:nvSpPr>
+          <p:cNvPr id="13" name="Rectangle 12">
+            <a:extLst>
+              <a:ext uri="{FF2B5EF4-FFF2-40B4-BE49-F238E27FC236}">
+                <a16:creationId xmlns:a16="http://schemas.microsoft.com/office/drawing/2014/main" id="{02F6877E-6AF1-0F4C-B242-AF53955515E9}"/>
+              </a:ext>
+            </a:extLst>
+          </p:cNvPr>
+          <p:cNvSpPr/>
+          <p:nvPr/>
+        </p:nvSpPr>
+        <p:spPr>
+          <a:xfrm>
+            <a:off x="3095625" y="4924425"/>
+            <a:ext cx="185449" cy="111125"/>
+          </a:xfrm>
+          <a:prstGeom prst="rect">
+            <a:avLst/>
+          </a:prstGeom>
+          <a:solidFill>
+            <a:schemeClr val="tx1"/>
+          </a:solidFill>
+          <a:ln>
+            <a:noFill/>
+          </a:ln>
+        </p:spPr>
+        <p:style>
+          <a:lnRef idx="2">
+            <a:schemeClr val="accent1">
+              <a:shade val="50000"/>
+            </a:schemeClr>
+          </a:lnRef>
+          <a:fillRef idx="1">
+            <a:schemeClr val="accent1"/>
+          </a:fillRef>
+          <a:effectRef idx="0">
+            <a:schemeClr val="accent1"/>
+          </a:effectRef>
+          <a:fontRef idx="minor">
+            <a:schemeClr val="lt1"/>
+          </a:fontRef>
+        </p:style>
+        <p:txBody>
+          <a:bodyPr rtlCol="0" anchor="ctr"/>
+          <a:lstStyle/>
+          <a:p>
+            <a:pPr algn="ctr"/>
+            <a:endParaRPr lang="en-US"/>
+          </a:p>
+        </p:txBody>
+      </p:sp>
+      <p:sp>
+        <p:nvSpPr>
+          <p:cNvPr id="15" name="Rectangle 14">
+            <a:extLst>
+              <a:ext uri="{FF2B5EF4-FFF2-40B4-BE49-F238E27FC236}">
+                <a16:creationId xmlns:a16="http://schemas.microsoft.com/office/drawing/2014/main" id="{51951276-F1A8-6A43-8B72-9BBDC810BBED}"/>
+              </a:ext>
+            </a:extLst>
+          </p:cNvPr>
+          <p:cNvSpPr/>
+          <p:nvPr/>
+        </p:nvSpPr>
+        <p:spPr>
+          <a:xfrm>
+            <a:off x="3081669" y="4073613"/>
+            <a:ext cx="185449" cy="111125"/>
+          </a:xfrm>
+          <a:prstGeom prst="rect">
+            <a:avLst/>
+          </a:prstGeom>
+          <a:solidFill>
+            <a:schemeClr val="tx1"/>
+          </a:solidFill>
+          <a:ln>
+            <a:noFill/>
+          </a:ln>
+        </p:spPr>
+        <p:style>
+          <a:lnRef idx="2">
+            <a:schemeClr val="accent1">
+              <a:shade val="50000"/>
+            </a:schemeClr>
+          </a:lnRef>
+          <a:fillRef idx="1">
+            <a:schemeClr val="accent1"/>
+          </a:fillRef>
+          <a:effectRef idx="0">
+            <a:schemeClr val="accent1"/>
+          </a:effectRef>
+          <a:fontRef idx="minor">
+            <a:schemeClr val="lt1"/>
+          </a:fontRef>
+        </p:style>
+        <p:txBody>
+          <a:bodyPr rtlCol="0" anchor="ctr"/>
+          <a:lstStyle/>
+          <a:p>
+            <a:pPr algn="ctr"/>
+            <a:endParaRPr lang="en-US"/>
+          </a:p>
+        </p:txBody>
+      </p:sp>
+      <p:sp>
+        <p:nvSpPr>
+          <p:cNvPr id="16" name="Rectangle 15">
+            <a:extLst>
+              <a:ext uri="{FF2B5EF4-FFF2-40B4-BE49-F238E27FC236}">
+                <a16:creationId xmlns:a16="http://schemas.microsoft.com/office/drawing/2014/main" id="{2191F2AC-445E-5549-8720-222A4D573F5C}"/>
+              </a:ext>
+            </a:extLst>
+          </p:cNvPr>
+          <p:cNvSpPr/>
+          <p:nvPr/>
+        </p:nvSpPr>
+        <p:spPr>
+          <a:xfrm>
+            <a:off x="3081668" y="3201439"/>
+            <a:ext cx="185449" cy="111125"/>
+          </a:xfrm>
+          <a:prstGeom prst="rect">
+            <a:avLst/>
+          </a:prstGeom>
+          <a:solidFill>
+            <a:schemeClr val="tx1"/>
+          </a:solidFill>
+          <a:ln>
+            <a:noFill/>
+          </a:ln>
+        </p:spPr>
+        <p:style>
+          <a:lnRef idx="2">
+            <a:schemeClr val="accent1">
+              <a:shade val="50000"/>
+            </a:schemeClr>
+          </a:lnRef>
+          <a:fillRef idx="1">
+            <a:schemeClr val="accent1"/>
+          </a:fillRef>
+          <a:effectRef idx="0">
+            <a:schemeClr val="accent1"/>
+          </a:effectRef>
+          <a:fontRef idx="minor">
+            <a:schemeClr val="lt1"/>
+          </a:fontRef>
+        </p:style>
+        <p:txBody>
+          <a:bodyPr rtlCol="0" anchor="ctr"/>
+          <a:lstStyle/>
+          <a:p>
+            <a:pPr algn="ctr"/>
+            <a:endParaRPr lang="en-US"/>
+          </a:p>
+        </p:txBody>
+      </p:sp>
+      <p:sp>
+        <p:nvSpPr>
+          <p:cNvPr id="17" name="TextBox 16">
+            <a:extLst>
+              <a:ext uri="{FF2B5EF4-FFF2-40B4-BE49-F238E27FC236}">
+                <a16:creationId xmlns:a16="http://schemas.microsoft.com/office/drawing/2014/main" id="{297B7FDB-EF69-584A-B141-C36DEFA6FB98}"/>
+              </a:ext>
+            </a:extLst>
+          </p:cNvPr>
+          <p:cNvSpPr txBox="1"/>
+          <p:nvPr/>
+        </p:nvSpPr>
+        <p:spPr>
+          <a:xfrm>
+            <a:off x="3333050" y="2337996"/>
+            <a:ext cx="1421095" cy="369332"/>
+          </a:xfrm>
+          <a:prstGeom prst="rect">
+            <a:avLst/>
+          </a:prstGeom>
+          <a:noFill/>
+        </p:spPr>
+        <p:txBody>
+          <a:bodyPr wrap="none" rtlCol="0">
+            <a:spAutoFit/>
+          </a:bodyPr>
+          <a:lstStyle/>
+          <a:p>
+            <a:r>
+              <a:rPr lang="en-US" b="1" dirty="0">
+                <a:solidFill>
+                  <a:srgbClr val="FF0000"/>
+                </a:solidFill>
+              </a:rPr>
+              <a:t>3.3 Volts Out</a:t>
+            </a:r>
+          </a:p>
+        </p:txBody>
+      </p:sp>
+      <p:sp>
+        <p:nvSpPr>
+          <p:cNvPr id="19" name="Rectangle 18">
+            <a:extLst>
+              <a:ext uri="{FF2B5EF4-FFF2-40B4-BE49-F238E27FC236}">
+                <a16:creationId xmlns:a16="http://schemas.microsoft.com/office/drawing/2014/main" id="{90E09ABD-7FD9-8D49-A0AB-88C7B0D9082F}"/>
+              </a:ext>
+            </a:extLst>
+          </p:cNvPr>
+          <p:cNvSpPr/>
+          <p:nvPr/>
+        </p:nvSpPr>
+        <p:spPr>
+          <a:xfrm>
+            <a:off x="4221479" y="3841729"/>
+            <a:ext cx="226910" cy="287446"/>
+          </a:xfrm>
+          <a:prstGeom prst="rect">
+            <a:avLst/>
+          </a:prstGeom>
+          <a:solidFill>
+            <a:schemeClr val="bg1"/>
+          </a:solidFill>
+          <a:ln>
+            <a:noFill/>
+          </a:ln>
+        </p:spPr>
+        <p:style>
+          <a:lnRef idx="2">
+            <a:schemeClr val="accent1">
+              <a:shade val="50000"/>
+            </a:schemeClr>
+          </a:lnRef>
+          <a:fillRef idx="1">
+            <a:schemeClr val="accent1"/>
+          </a:fillRef>
+          <a:effectRef idx="0">
+            <a:schemeClr val="accent1"/>
+          </a:effectRef>
+          <a:fontRef idx="minor">
+            <a:schemeClr val="lt1"/>
+          </a:fontRef>
+        </p:style>
+        <p:txBody>
+          <a:bodyPr rtlCol="0" anchor="ctr"/>
+          <a:lstStyle/>
+          <a:p>
+            <a:pPr algn="ctr"/>
+            <a:endParaRPr lang="en-US"/>
+          </a:p>
+        </p:txBody>
+      </p:sp>
+      <p:cxnSp>
+        <p:nvCxnSpPr>
+          <p:cNvPr id="35" name="Straight Connector 34">
+            <a:extLst>
+              <a:ext uri="{FF2B5EF4-FFF2-40B4-BE49-F238E27FC236}">
+                <a16:creationId xmlns:a16="http://schemas.microsoft.com/office/drawing/2014/main" id="{416094CB-C908-FB4B-81CD-91595B3CA4C7}"/>
+              </a:ext>
+            </a:extLst>
+          </p:cNvPr>
+          <p:cNvCxnSpPr>
+            <a:cxnSpLocks/>
+            <a:endCxn id="25" idx="2"/>
+          </p:cNvCxnSpPr>
+          <p:nvPr/>
+        </p:nvCxnSpPr>
+        <p:spPr>
+          <a:xfrm flipV="1">
+            <a:off x="3307136" y="4288315"/>
+            <a:ext cx="1888728" cy="913556"/>
+          </a:xfrm>
+          <a:prstGeom prst="line">
+            <a:avLst/>
+          </a:prstGeom>
+          <a:ln w="63500" cap="sq">
+            <a:solidFill>
+              <a:schemeClr val="accent6">
+                <a:lumMod val="75000"/>
+              </a:schemeClr>
+            </a:solidFill>
+          </a:ln>
+        </p:spPr>
+        <p:style>
+          <a:lnRef idx="1">
+            <a:schemeClr val="accent1"/>
+          </a:lnRef>
+          <a:fillRef idx="0">
+            <a:schemeClr val="accent1"/>
+          </a:fillRef>
+          <a:effectRef idx="0">
+            <a:schemeClr val="accent1"/>
+          </a:effectRef>
+          <a:fontRef idx="minor">
+            <a:schemeClr val="tx1"/>
+          </a:fontRef>
+        </p:style>
+      </p:cxnSp>
+      <p:sp>
+        <p:nvSpPr>
+          <p:cNvPr id="52" name="TextBox 51">
+            <a:extLst>
+              <a:ext uri="{FF2B5EF4-FFF2-40B4-BE49-F238E27FC236}">
+                <a16:creationId xmlns:a16="http://schemas.microsoft.com/office/drawing/2014/main" id="{FECB9567-BB8C-A947-A0AF-C7A8A05807F1}"/>
+              </a:ext>
+            </a:extLst>
+          </p:cNvPr>
+          <p:cNvSpPr txBox="1"/>
+          <p:nvPr/>
+        </p:nvSpPr>
+        <p:spPr>
+          <a:xfrm>
+            <a:off x="3281074" y="5282174"/>
+            <a:ext cx="1433085" cy="307777"/>
+          </a:xfrm>
+          <a:prstGeom prst="rect">
+            <a:avLst/>
+          </a:prstGeom>
+          <a:noFill/>
+        </p:spPr>
+        <p:txBody>
+          <a:bodyPr wrap="none" rtlCol="0">
+            <a:spAutoFit/>
+          </a:bodyPr>
+          <a:lstStyle/>
+          <a:p>
+            <a:r>
+              <a:rPr lang="en-US" sz="1400" b="1" dirty="0"/>
+              <a:t>GP16 (pulldown)</a:t>
+            </a:r>
+          </a:p>
+        </p:txBody>
+      </p:sp>
+      <p:cxnSp>
+        <p:nvCxnSpPr>
+          <p:cNvPr id="30" name="Straight Connector 29">
+            <a:extLst>
+              <a:ext uri="{FF2B5EF4-FFF2-40B4-BE49-F238E27FC236}">
+                <a16:creationId xmlns:a16="http://schemas.microsoft.com/office/drawing/2014/main" id="{97491383-EA14-644E-85C6-131D3C01E208}"/>
+              </a:ext>
+            </a:extLst>
+          </p:cNvPr>
+          <p:cNvCxnSpPr>
+            <a:cxnSpLocks/>
+          </p:cNvCxnSpPr>
+          <p:nvPr/>
+        </p:nvCxnSpPr>
+        <p:spPr>
+          <a:xfrm flipV="1">
+            <a:off x="3263361" y="3892031"/>
+            <a:ext cx="3373516" cy="63128"/>
+          </a:xfrm>
+          <a:prstGeom prst="line">
+            <a:avLst/>
+          </a:prstGeom>
+          <a:ln w="63500" cap="sq">
+            <a:solidFill>
+              <a:srgbClr val="FFC000"/>
+            </a:solidFill>
+          </a:ln>
+        </p:spPr>
+        <p:style>
+          <a:lnRef idx="1">
+            <a:schemeClr val="accent1"/>
+          </a:lnRef>
+          <a:fillRef idx="0">
+            <a:schemeClr val="accent1"/>
+          </a:fillRef>
+          <a:effectRef idx="0">
+            <a:schemeClr val="accent1"/>
+          </a:effectRef>
+          <a:fontRef idx="minor">
+            <a:schemeClr val="tx1"/>
+          </a:fontRef>
+        </p:style>
+      </p:cxnSp>
+      <p:grpSp>
+        <p:nvGrpSpPr>
+          <p:cNvPr id="22" name="Group 21">
+            <a:extLst>
+              <a:ext uri="{FF2B5EF4-FFF2-40B4-BE49-F238E27FC236}">
+                <a16:creationId xmlns:a16="http://schemas.microsoft.com/office/drawing/2014/main" id="{1926C835-9051-D840-8EEA-34C19ACB1590}"/>
+              </a:ext>
+            </a:extLst>
+          </p:cNvPr>
+          <p:cNvGrpSpPr/>
+          <p:nvPr/>
+        </p:nvGrpSpPr>
+        <p:grpSpPr>
+          <a:xfrm>
+            <a:off x="5261128" y="4087087"/>
+            <a:ext cx="1112704" cy="1176672"/>
+            <a:chOff x="5871990" y="3201439"/>
+            <a:chExt cx="1112704" cy="1176672"/>
+          </a:xfrm>
+        </p:grpSpPr>
+        <p:sp>
+          <p:nvSpPr>
+            <p:cNvPr id="12" name="Rectangle 11">
+              <a:extLst>
+                <a:ext uri="{FF2B5EF4-FFF2-40B4-BE49-F238E27FC236}">
+                  <a16:creationId xmlns:a16="http://schemas.microsoft.com/office/drawing/2014/main" id="{823663CC-EA02-0D48-9643-0A09D7DC65B3}"/>
+                </a:ext>
+              </a:extLst>
+            </p:cNvPr>
+            <p:cNvSpPr/>
+            <p:nvPr/>
+          </p:nvSpPr>
+          <p:spPr>
+            <a:xfrm>
+              <a:off x="5871990" y="3201439"/>
+              <a:ext cx="1112704" cy="1176672"/>
+            </a:xfrm>
+            <a:prstGeom prst="rect">
+              <a:avLst/>
+            </a:prstGeom>
+          </p:spPr>
+          <p:style>
+            <a:lnRef idx="2">
+              <a:schemeClr val="accent1">
+                <a:shade val="50000"/>
+              </a:schemeClr>
+            </a:lnRef>
+            <a:fillRef idx="1">
+              <a:schemeClr val="accent1"/>
+            </a:fillRef>
+            <a:effectRef idx="0">
+              <a:schemeClr val="accent1"/>
+            </a:effectRef>
+            <a:fontRef idx="minor">
+              <a:schemeClr val="lt1"/>
+            </a:fontRef>
+          </p:style>
+          <p:txBody>
+            <a:bodyPr rtlCol="0" anchor="ctr"/>
+            <a:lstStyle/>
+            <a:p>
+              <a:pPr algn="ctr"/>
+              <a:endParaRPr lang="en-US"/>
+            </a:p>
+          </p:txBody>
+        </p:sp>
+        <p:grpSp>
+          <p:nvGrpSpPr>
+            <p:cNvPr id="20" name="Group 19">
+              <a:extLst>
+                <a:ext uri="{FF2B5EF4-FFF2-40B4-BE49-F238E27FC236}">
+                  <a16:creationId xmlns:a16="http://schemas.microsoft.com/office/drawing/2014/main" id="{B29CD4EA-E5FD-3041-963F-E2B2FF558D58}"/>
+                </a:ext>
+              </a:extLst>
+            </p:cNvPr>
+            <p:cNvGrpSpPr/>
+            <p:nvPr/>
+          </p:nvGrpSpPr>
+          <p:grpSpPr>
+            <a:xfrm>
+              <a:off x="6110689" y="3484562"/>
+              <a:ext cx="635306" cy="644613"/>
+              <a:chOff x="6096000" y="3429000"/>
+              <a:chExt cx="635306" cy="644613"/>
+            </a:xfrm>
+          </p:grpSpPr>
+          <p:sp>
+            <p:nvSpPr>
+              <p:cNvPr id="14" name="Oval 13">
+                <a:extLst>
+                  <a:ext uri="{FF2B5EF4-FFF2-40B4-BE49-F238E27FC236}">
+                    <a16:creationId xmlns:a16="http://schemas.microsoft.com/office/drawing/2014/main" id="{F3CD8557-C545-D64A-97B3-940BE52CAA20}"/>
+                  </a:ext>
+                </a:extLst>
+              </p:cNvPr>
+              <p:cNvSpPr/>
+              <p:nvPr/>
+            </p:nvSpPr>
+            <p:spPr>
+              <a:xfrm>
+                <a:off x="6096000" y="3429000"/>
+                <a:ext cx="635306" cy="644613"/>
+              </a:xfrm>
+              <a:prstGeom prst="ellipse">
+                <a:avLst/>
+              </a:prstGeom>
+              <a:solidFill>
+                <a:schemeClr val="bg1">
+                  <a:lumMod val="75000"/>
+                </a:schemeClr>
+              </a:solidFill>
+            </p:spPr>
+            <p:style>
+              <a:lnRef idx="2">
+                <a:schemeClr val="accent1">
+                  <a:shade val="50000"/>
+                </a:schemeClr>
+              </a:lnRef>
+              <a:fillRef idx="1">
+                <a:schemeClr val="accent1"/>
+              </a:fillRef>
+              <a:effectRef idx="0">
+                <a:schemeClr val="accent1"/>
+              </a:effectRef>
+              <a:fontRef idx="minor">
+                <a:schemeClr val="lt1"/>
+              </a:fontRef>
+            </p:style>
+            <p:txBody>
+              <a:bodyPr rtlCol="0" anchor="ctr"/>
+              <a:lstStyle/>
+              <a:p>
+                <a:pPr algn="ctr"/>
+                <a:endParaRPr lang="en-US"/>
+              </a:p>
+            </p:txBody>
+          </p:sp>
+          <p:sp>
+            <p:nvSpPr>
+              <p:cNvPr id="18" name="Chord 17">
+                <a:extLst>
+                  <a:ext uri="{FF2B5EF4-FFF2-40B4-BE49-F238E27FC236}">
+                    <a16:creationId xmlns:a16="http://schemas.microsoft.com/office/drawing/2014/main" id="{4C871FAF-F61E-0447-A39B-5BF1644A05D8}"/>
+                  </a:ext>
+                </a:extLst>
+              </p:cNvPr>
+              <p:cNvSpPr/>
+              <p:nvPr/>
+            </p:nvSpPr>
+            <p:spPr>
+              <a:xfrm>
+                <a:off x="6193905" y="3512436"/>
+                <a:ext cx="440675" cy="472616"/>
+              </a:xfrm>
+              <a:prstGeom prst="chord">
+                <a:avLst>
+                  <a:gd name="adj1" fmla="val 19236062"/>
+                  <a:gd name="adj2" fmla="val 13073188"/>
+                </a:avLst>
+              </a:prstGeom>
+              <a:solidFill>
+                <a:schemeClr val="bg1"/>
+              </a:solidFill>
+            </p:spPr>
+            <p:style>
+              <a:lnRef idx="2">
+                <a:schemeClr val="accent1">
+                  <a:shade val="50000"/>
+                </a:schemeClr>
+              </a:lnRef>
+              <a:fillRef idx="1">
+                <a:schemeClr val="accent1"/>
+              </a:fillRef>
+              <a:effectRef idx="0">
+                <a:schemeClr val="accent1"/>
+              </a:effectRef>
+              <a:fontRef idx="minor">
+                <a:schemeClr val="lt1"/>
+              </a:fontRef>
+            </p:style>
+            <p:txBody>
+              <a:bodyPr rtlCol="0" anchor="ctr"/>
+              <a:lstStyle/>
+              <a:p>
+                <a:pPr algn="ctr"/>
+                <a:endParaRPr lang="en-US"/>
+              </a:p>
+            </p:txBody>
+          </p:sp>
+        </p:grpSp>
+      </p:grpSp>
+      <p:sp>
+        <p:nvSpPr>
+          <p:cNvPr id="25" name="Oval 24">
+            <a:extLst>
+              <a:ext uri="{FF2B5EF4-FFF2-40B4-BE49-F238E27FC236}">
+                <a16:creationId xmlns:a16="http://schemas.microsoft.com/office/drawing/2014/main" id="{F98C201C-3393-0D4D-8235-3090F37D3334}"/>
+              </a:ext>
+            </a:extLst>
+          </p:cNvPr>
+          <p:cNvSpPr/>
+          <p:nvPr/>
+        </p:nvSpPr>
+        <p:spPr>
+          <a:xfrm>
+            <a:off x="5195864" y="4243018"/>
+            <a:ext cx="95639" cy="90594"/>
+          </a:xfrm>
+          <a:prstGeom prst="ellipse">
+            <a:avLst/>
+          </a:prstGeom>
+          <a:solidFill>
+            <a:schemeClr val="tx1">
+              <a:lumMod val="95000"/>
+              <a:lumOff val="5000"/>
+            </a:schemeClr>
+          </a:solidFill>
+          <a:ln>
+            <a:noFill/>
+          </a:ln>
+        </p:spPr>
+        <p:style>
+          <a:lnRef idx="2">
+            <a:schemeClr val="accent1">
+              <a:shade val="50000"/>
+            </a:schemeClr>
+          </a:lnRef>
+          <a:fillRef idx="1">
+            <a:schemeClr val="accent1"/>
+          </a:fillRef>
+          <a:effectRef idx="0">
+            <a:schemeClr val="accent1"/>
+          </a:effectRef>
+          <a:fontRef idx="minor">
+            <a:schemeClr val="lt1"/>
+          </a:fontRef>
+        </p:style>
+        <p:txBody>
+          <a:bodyPr rtlCol="0" anchor="ctr"/>
+          <a:lstStyle/>
+          <a:p>
+            <a:pPr algn="ctr"/>
+            <a:endParaRPr lang="en-US"/>
+          </a:p>
+        </p:txBody>
+      </p:sp>
+      <p:sp>
+        <p:nvSpPr>
+          <p:cNvPr id="38" name="Oval 37">
+            <a:extLst>
+              <a:ext uri="{FF2B5EF4-FFF2-40B4-BE49-F238E27FC236}">
+                <a16:creationId xmlns:a16="http://schemas.microsoft.com/office/drawing/2014/main" id="{38735703-EFFC-E84D-80F5-19EE3DEE5032}"/>
+              </a:ext>
+            </a:extLst>
+          </p:cNvPr>
+          <p:cNvSpPr/>
+          <p:nvPr/>
+        </p:nvSpPr>
+        <p:spPr>
+          <a:xfrm>
+            <a:off x="5212948" y="4622330"/>
+            <a:ext cx="95639" cy="90594"/>
+          </a:xfrm>
+          <a:prstGeom prst="ellipse">
+            <a:avLst/>
+          </a:prstGeom>
+          <a:solidFill>
+            <a:schemeClr val="tx1">
+              <a:lumMod val="95000"/>
+              <a:lumOff val="5000"/>
+            </a:schemeClr>
+          </a:solidFill>
+          <a:ln>
+            <a:noFill/>
+          </a:ln>
+        </p:spPr>
+        <p:style>
+          <a:lnRef idx="2">
+            <a:schemeClr val="accent1">
+              <a:shade val="50000"/>
+            </a:schemeClr>
+          </a:lnRef>
+          <a:fillRef idx="1">
+            <a:schemeClr val="accent1"/>
+          </a:fillRef>
+          <a:effectRef idx="0">
+            <a:schemeClr val="accent1"/>
+          </a:effectRef>
+          <a:fontRef idx="minor">
+            <a:schemeClr val="lt1"/>
+          </a:fontRef>
+        </p:style>
+        <p:txBody>
+          <a:bodyPr rtlCol="0" anchor="ctr"/>
+          <a:lstStyle/>
+          <a:p>
+            <a:pPr algn="ctr"/>
+            <a:endParaRPr lang="en-US"/>
+          </a:p>
+        </p:txBody>
+      </p:sp>
+      <p:sp>
+        <p:nvSpPr>
+          <p:cNvPr id="39" name="Oval 38">
+            <a:extLst>
+              <a:ext uri="{FF2B5EF4-FFF2-40B4-BE49-F238E27FC236}">
+                <a16:creationId xmlns:a16="http://schemas.microsoft.com/office/drawing/2014/main" id="{38AFB0F3-63AE-4442-B2A2-5957E03CBAB2}"/>
+              </a:ext>
+            </a:extLst>
+          </p:cNvPr>
+          <p:cNvSpPr/>
+          <p:nvPr/>
+        </p:nvSpPr>
+        <p:spPr>
+          <a:xfrm>
+            <a:off x="5210488" y="5107023"/>
+            <a:ext cx="95639" cy="90594"/>
+          </a:xfrm>
+          <a:prstGeom prst="ellipse">
+            <a:avLst/>
+          </a:prstGeom>
+          <a:solidFill>
+            <a:schemeClr val="tx1">
+              <a:lumMod val="95000"/>
+              <a:lumOff val="5000"/>
+            </a:schemeClr>
+          </a:solidFill>
+          <a:ln>
+            <a:noFill/>
+          </a:ln>
+        </p:spPr>
+        <p:style>
+          <a:lnRef idx="2">
+            <a:schemeClr val="accent1">
+              <a:shade val="50000"/>
+            </a:schemeClr>
+          </a:lnRef>
+          <a:fillRef idx="1">
+            <a:schemeClr val="accent1"/>
+          </a:fillRef>
+          <a:effectRef idx="0">
+            <a:schemeClr val="accent1"/>
+          </a:effectRef>
+          <a:fontRef idx="minor">
+            <a:schemeClr val="lt1"/>
+          </a:fontRef>
+        </p:style>
+        <p:txBody>
+          <a:bodyPr rtlCol="0" anchor="ctr"/>
+          <a:lstStyle/>
+          <a:p>
+            <a:pPr algn="ctr"/>
+            <a:endParaRPr lang="en-US"/>
+          </a:p>
+        </p:txBody>
+      </p:sp>
+      <p:sp>
+        <p:nvSpPr>
+          <p:cNvPr id="41" name="Oval 40">
+            <a:extLst>
+              <a:ext uri="{FF2B5EF4-FFF2-40B4-BE49-F238E27FC236}">
+                <a16:creationId xmlns:a16="http://schemas.microsoft.com/office/drawing/2014/main" id="{F8822D1C-7399-9F43-88D9-4F57BBC0174F}"/>
+              </a:ext>
+            </a:extLst>
+          </p:cNvPr>
+          <p:cNvSpPr/>
+          <p:nvPr/>
+        </p:nvSpPr>
+        <p:spPr>
+          <a:xfrm>
+            <a:off x="6326012" y="4367336"/>
+            <a:ext cx="95639" cy="90594"/>
+          </a:xfrm>
+          <a:prstGeom prst="ellipse">
+            <a:avLst/>
+          </a:prstGeom>
+          <a:solidFill>
+            <a:schemeClr val="tx1">
+              <a:lumMod val="95000"/>
+              <a:lumOff val="5000"/>
+            </a:schemeClr>
+          </a:solidFill>
+          <a:ln>
+            <a:noFill/>
+          </a:ln>
+        </p:spPr>
+        <p:style>
+          <a:lnRef idx="2">
+            <a:schemeClr val="accent1">
+              <a:shade val="50000"/>
+            </a:schemeClr>
+          </a:lnRef>
+          <a:fillRef idx="1">
+            <a:schemeClr val="accent1"/>
+          </a:fillRef>
+          <a:effectRef idx="0">
+            <a:schemeClr val="accent1"/>
+          </a:effectRef>
+          <a:fontRef idx="minor">
+            <a:schemeClr val="lt1"/>
+          </a:fontRef>
+        </p:style>
+        <p:txBody>
+          <a:bodyPr rtlCol="0" anchor="ctr"/>
+          <a:lstStyle/>
+          <a:p>
+            <a:pPr algn="ctr"/>
+            <a:endParaRPr lang="en-US"/>
+          </a:p>
+        </p:txBody>
+      </p:sp>
+      <p:sp>
+        <p:nvSpPr>
+          <p:cNvPr id="42" name="Oval 41">
+            <a:extLst>
+              <a:ext uri="{FF2B5EF4-FFF2-40B4-BE49-F238E27FC236}">
+                <a16:creationId xmlns:a16="http://schemas.microsoft.com/office/drawing/2014/main" id="{D84BDA90-105F-8346-81D1-446EC5A1A524}"/>
+              </a:ext>
+            </a:extLst>
+          </p:cNvPr>
+          <p:cNvSpPr/>
+          <p:nvPr/>
+        </p:nvSpPr>
+        <p:spPr>
+          <a:xfrm>
+            <a:off x="6325813" y="4879275"/>
+            <a:ext cx="95639" cy="90594"/>
+          </a:xfrm>
+          <a:prstGeom prst="ellipse">
+            <a:avLst/>
+          </a:prstGeom>
+          <a:solidFill>
+            <a:schemeClr val="tx1">
+              <a:lumMod val="95000"/>
+              <a:lumOff val="5000"/>
+            </a:schemeClr>
+          </a:solidFill>
+          <a:ln>
+            <a:noFill/>
+          </a:ln>
+        </p:spPr>
+        <p:style>
+          <a:lnRef idx="2">
+            <a:schemeClr val="accent1">
+              <a:shade val="50000"/>
+            </a:schemeClr>
+          </a:lnRef>
+          <a:fillRef idx="1">
+            <a:schemeClr val="accent1"/>
+          </a:fillRef>
+          <a:effectRef idx="0">
+            <a:schemeClr val="accent1"/>
+          </a:effectRef>
+          <a:fontRef idx="minor">
+            <a:schemeClr val="lt1"/>
+          </a:fontRef>
+        </p:style>
+        <p:txBody>
+          <a:bodyPr rtlCol="0" anchor="ctr"/>
+          <a:lstStyle/>
+          <a:p>
+            <a:pPr algn="ctr"/>
+            <a:endParaRPr lang="en-US"/>
+          </a:p>
+        </p:txBody>
+      </p:sp>
+      <p:cxnSp>
+        <p:nvCxnSpPr>
+          <p:cNvPr id="49" name="Straight Connector 48">
+            <a:extLst>
+              <a:ext uri="{FF2B5EF4-FFF2-40B4-BE49-F238E27FC236}">
+                <a16:creationId xmlns:a16="http://schemas.microsoft.com/office/drawing/2014/main" id="{400E74B1-04A3-DA48-B136-27AC75FDAF18}"/>
+              </a:ext>
+            </a:extLst>
+          </p:cNvPr>
+          <p:cNvCxnSpPr>
+            <a:cxnSpLocks/>
+          </p:cNvCxnSpPr>
+          <p:nvPr/>
+        </p:nvCxnSpPr>
+        <p:spPr>
+          <a:xfrm flipV="1">
+            <a:off x="6818489" y="2707328"/>
+            <a:ext cx="0" cy="2232372"/>
+          </a:xfrm>
+          <a:prstGeom prst="line">
+            <a:avLst/>
+          </a:prstGeom>
+          <a:ln w="63500" cap="sq">
+            <a:solidFill>
+              <a:srgbClr val="FF0000"/>
+            </a:solidFill>
+          </a:ln>
+        </p:spPr>
+        <p:style>
+          <a:lnRef idx="1">
+            <a:schemeClr val="accent1"/>
+          </a:lnRef>
+          <a:fillRef idx="0">
+            <a:schemeClr val="accent1"/>
+          </a:fillRef>
+          <a:effectRef idx="0">
+            <a:schemeClr val="accent1"/>
+          </a:effectRef>
+          <a:fontRef idx="minor">
+            <a:schemeClr val="tx1"/>
+          </a:fontRef>
+        </p:style>
+      </p:cxnSp>
+      <p:cxnSp>
+        <p:nvCxnSpPr>
+          <p:cNvPr id="58" name="Straight Connector 57">
+            <a:extLst>
+              <a:ext uri="{FF2B5EF4-FFF2-40B4-BE49-F238E27FC236}">
+                <a16:creationId xmlns:a16="http://schemas.microsoft.com/office/drawing/2014/main" id="{9F0B1891-B9B6-1A46-9BC3-AA22F52429D7}"/>
+              </a:ext>
+            </a:extLst>
+          </p:cNvPr>
+          <p:cNvCxnSpPr>
+            <a:cxnSpLocks/>
+          </p:cNvCxnSpPr>
+          <p:nvPr/>
+        </p:nvCxnSpPr>
+        <p:spPr>
+          <a:xfrm flipV="1">
+            <a:off x="6630791" y="3894508"/>
+            <a:ext cx="6086" cy="512478"/>
+          </a:xfrm>
+          <a:prstGeom prst="line">
+            <a:avLst/>
+          </a:prstGeom>
+          <a:ln w="63500" cap="sq">
+            <a:solidFill>
+              <a:srgbClr val="FFC000"/>
+            </a:solidFill>
+          </a:ln>
+        </p:spPr>
+        <p:style>
+          <a:lnRef idx="1">
+            <a:schemeClr val="accent1"/>
+          </a:lnRef>
+          <a:fillRef idx="0">
+            <a:schemeClr val="accent1"/>
+          </a:fillRef>
+          <a:effectRef idx="0">
+            <a:schemeClr val="accent1"/>
+          </a:effectRef>
+          <a:fontRef idx="minor">
+            <a:schemeClr val="tx1"/>
+          </a:fontRef>
+        </p:style>
+      </p:cxnSp>
+      <p:sp>
+        <p:nvSpPr>
+          <p:cNvPr id="62" name="TextBox 61">
+            <a:extLst>
+              <a:ext uri="{FF2B5EF4-FFF2-40B4-BE49-F238E27FC236}">
+                <a16:creationId xmlns:a16="http://schemas.microsoft.com/office/drawing/2014/main" id="{81025A52-6AAE-6B4F-B3EA-24945ACEC778}"/>
+              </a:ext>
+            </a:extLst>
+          </p:cNvPr>
+          <p:cNvSpPr txBox="1"/>
+          <p:nvPr/>
+        </p:nvSpPr>
+        <p:spPr>
+          <a:xfrm>
+            <a:off x="3272651" y="4697038"/>
+            <a:ext cx="1441100" cy="523220"/>
+          </a:xfrm>
+          <a:prstGeom prst="rect">
+            <a:avLst/>
+          </a:prstGeom>
+          <a:noFill/>
+        </p:spPr>
+        <p:txBody>
+          <a:bodyPr wrap="none" rtlCol="0">
+            <a:spAutoFit/>
+          </a:bodyPr>
+          <a:lstStyle/>
+          <a:p>
+            <a:r>
+              <a:rPr lang="en-US" sz="1400" b="1" dirty="0"/>
+              <a:t>GP17</a:t>
+            </a:r>
+          </a:p>
+          <a:p>
+            <a:r>
+              <a:rPr lang="en-US" sz="1400" b="1" dirty="0"/>
+              <a:t>           (pulldown)</a:t>
+            </a:r>
+          </a:p>
+        </p:txBody>
+      </p:sp>
+      <p:sp>
+        <p:nvSpPr>
+          <p:cNvPr id="63" name="TextBox 62">
+            <a:extLst>
+              <a:ext uri="{FF2B5EF4-FFF2-40B4-BE49-F238E27FC236}">
+                <a16:creationId xmlns:a16="http://schemas.microsoft.com/office/drawing/2014/main" id="{0B265F71-B595-4440-A61B-E9B686E58E87}"/>
+              </a:ext>
+            </a:extLst>
+          </p:cNvPr>
+          <p:cNvSpPr txBox="1"/>
+          <p:nvPr/>
+        </p:nvSpPr>
+        <p:spPr>
+          <a:xfrm>
+            <a:off x="3272651" y="3645388"/>
+            <a:ext cx="1433085" cy="307777"/>
+          </a:xfrm>
+          <a:prstGeom prst="rect">
+            <a:avLst/>
+          </a:prstGeom>
+          <a:noFill/>
+        </p:spPr>
+        <p:txBody>
+          <a:bodyPr wrap="none" rtlCol="0">
+            <a:spAutoFit/>
+          </a:bodyPr>
+          <a:lstStyle/>
+          <a:p>
+            <a:r>
+              <a:rPr lang="en-US" sz="1400" b="1" dirty="0"/>
+              <a:t>GP22 (pulldown)</a:t>
+            </a:r>
+          </a:p>
+        </p:txBody>
+      </p:sp>
+      <p:sp>
+        <p:nvSpPr>
+          <p:cNvPr id="70" name="TextBox 69">
+            <a:extLst>
+              <a:ext uri="{FF2B5EF4-FFF2-40B4-BE49-F238E27FC236}">
+                <a16:creationId xmlns:a16="http://schemas.microsoft.com/office/drawing/2014/main" id="{9028FDCF-1886-6F48-AF53-48D964034C0C}"/>
+              </a:ext>
+            </a:extLst>
+          </p:cNvPr>
+          <p:cNvSpPr txBox="1"/>
+          <p:nvPr/>
+        </p:nvSpPr>
+        <p:spPr>
+          <a:xfrm>
+            <a:off x="5342143" y="4047158"/>
+            <a:ext cx="953787" cy="369332"/>
+          </a:xfrm>
+          <a:prstGeom prst="rect">
+            <a:avLst/>
+          </a:prstGeom>
+          <a:noFill/>
+        </p:spPr>
+        <p:txBody>
+          <a:bodyPr wrap="none" rtlCol="0">
+            <a:spAutoFit/>
+          </a:bodyPr>
+          <a:lstStyle/>
+          <a:p>
+            <a:r>
+              <a:rPr lang="en-US" dirty="0">
+                <a:solidFill>
+                  <a:schemeClr val="bg1"/>
+                </a:solidFill>
+              </a:rPr>
+              <a:t>Encoder</a:t>
+            </a:r>
+          </a:p>
+        </p:txBody>
+      </p:sp>
+    </p:spTree>
+    <p:extLst>
+      <p:ext uri="{BB962C8B-B14F-4D97-AF65-F5344CB8AC3E}">
+        <p14:creationId xmlns:p14="http://schemas.microsoft.com/office/powerpoint/2010/main" val="2745928662"/>
+      </p:ext>
+    </p:extLst>
+  </p:cSld>
+  <p:clrMapOvr>
+    <a:masterClrMapping/>
+  </p:clrMapOvr>
+</p:sld>
+</file>
+
 <file path=ppt/slides/slide2.xml><?xml version="1.0" encoding="utf-8"?>
 <p:sld xmlns:a="http://schemas.openxmlformats.org/drawingml/2006/main" xmlns:r="http://schemas.openxmlformats.org/officeDocument/2006/relationships" xmlns:p="http://schemas.openxmlformats.org/presentationml/2006/main">
   <p:cSld>
@@ -6160,6 +9165,1585 @@
 </file>
 
 <file path=ppt/slides/slide6.xml><?xml version="1.0" encoding="utf-8"?>
+<p:sld xmlns:a="http://schemas.openxmlformats.org/drawingml/2006/main" xmlns:r="http://schemas.openxmlformats.org/officeDocument/2006/relationships" xmlns:p="http://schemas.openxmlformats.org/presentationml/2006/main">
+  <p:cSld>
+    <p:spTree>
+      <p:nvGrpSpPr>
+        <p:cNvPr id="1" name=""/>
+        <p:cNvGrpSpPr/>
+        <p:nvPr/>
+      </p:nvGrpSpPr>
+      <p:grpSpPr>
+        <a:xfrm>
+          <a:off x="0" y="0"/>
+          <a:ext cx="0" cy="0"/>
+          <a:chOff x="0" y="0"/>
+          <a:chExt cx="0" cy="0"/>
+        </a:xfrm>
+      </p:grpSpPr>
+      <p:sp>
+        <p:nvSpPr>
+          <p:cNvPr id="2" name="Title 1">
+            <a:extLst>
+              <a:ext uri="{FF2B5EF4-FFF2-40B4-BE49-F238E27FC236}">
+                <a16:creationId xmlns:a16="http://schemas.microsoft.com/office/drawing/2014/main" id="{38977F6B-07B5-BA49-8810-745106D167EF}"/>
+              </a:ext>
+            </a:extLst>
+          </p:cNvPr>
+          <p:cNvSpPr>
+            <a:spLocks noGrp="1"/>
+          </p:cNvSpPr>
+          <p:nvPr>
+            <p:ph type="title"/>
+          </p:nvPr>
+        </p:nvSpPr>
+        <p:spPr>
+          <a:xfrm>
+            <a:off x="177187" y="132759"/>
+            <a:ext cx="10515600" cy="476096"/>
+          </a:xfrm>
+        </p:spPr>
+        <p:txBody>
+          <a:bodyPr>
+            <a:normAutofit fontScale="90000"/>
+          </a:bodyPr>
+          <a:lstStyle/>
+          <a:p>
+            <a:r>
+              <a:rPr lang="en-US" dirty="0"/>
+              <a:t>Button Connections</a:t>
+            </a:r>
+          </a:p>
+        </p:txBody>
+      </p:sp>
+      <p:sp>
+        <p:nvSpPr>
+          <p:cNvPr id="3" name="Content Placeholder 2">
+            <a:extLst>
+              <a:ext uri="{FF2B5EF4-FFF2-40B4-BE49-F238E27FC236}">
+                <a16:creationId xmlns:a16="http://schemas.microsoft.com/office/drawing/2014/main" id="{DA78C6A0-755A-1E4F-B525-91A60C99B206}"/>
+              </a:ext>
+            </a:extLst>
+          </p:cNvPr>
+          <p:cNvSpPr>
+            <a:spLocks noGrp="1"/>
+          </p:cNvSpPr>
+          <p:nvPr>
+            <p:ph idx="1"/>
+          </p:nvPr>
+        </p:nvSpPr>
+        <p:spPr>
+          <a:xfrm>
+            <a:off x="604024" y="6214501"/>
+            <a:ext cx="10515600" cy="556748"/>
+          </a:xfrm>
+        </p:spPr>
+        <p:txBody>
+          <a:bodyPr/>
+          <a:lstStyle/>
+          <a:p>
+            <a:endParaRPr lang="en-US"/>
+          </a:p>
+        </p:txBody>
+      </p:sp>
+      <p:pic>
+        <p:nvPicPr>
+          <p:cNvPr id="4" name="Picture 3">
+            <a:extLst>
+              <a:ext uri="{FF2B5EF4-FFF2-40B4-BE49-F238E27FC236}">
+                <a16:creationId xmlns:a16="http://schemas.microsoft.com/office/drawing/2014/main" id="{CAE99699-3187-EB42-B03C-57E42C224092}"/>
+              </a:ext>
+            </a:extLst>
+          </p:cNvPr>
+          <p:cNvPicPr>
+            <a:picLocks noChangeAspect="1"/>
+          </p:cNvPicPr>
+          <p:nvPr/>
+        </p:nvPicPr>
+        <p:blipFill rotWithShape="1">
+          <a:blip r:embed="rId2"/>
+          <a:srcRect r="15024"/>
+          <a:stretch/>
+        </p:blipFill>
+        <p:spPr>
+          <a:xfrm rot="5400000">
+            <a:off x="2320167" y="1348735"/>
+            <a:ext cx="4657900" cy="3507263"/>
+          </a:xfrm>
+          <a:prstGeom prst="rect">
+            <a:avLst/>
+          </a:prstGeom>
+        </p:spPr>
+      </p:pic>
+      <p:sp>
+        <p:nvSpPr>
+          <p:cNvPr id="5" name="Rounded Rectangle 4">
+            <a:extLst>
+              <a:ext uri="{FF2B5EF4-FFF2-40B4-BE49-F238E27FC236}">
+                <a16:creationId xmlns:a16="http://schemas.microsoft.com/office/drawing/2014/main" id="{F656DB42-E75B-6144-B7FB-0BF38A18C1BD}"/>
+              </a:ext>
+            </a:extLst>
+          </p:cNvPr>
+          <p:cNvSpPr/>
+          <p:nvPr/>
+        </p:nvSpPr>
+        <p:spPr>
+          <a:xfrm>
+            <a:off x="4258018" y="4456718"/>
+            <a:ext cx="782198" cy="782198"/>
+          </a:xfrm>
+          <a:prstGeom prst="roundRect">
+            <a:avLst/>
+          </a:prstGeom>
+          <a:solidFill>
+            <a:schemeClr val="tx1">
+              <a:lumMod val="95000"/>
+              <a:lumOff val="5000"/>
+            </a:schemeClr>
+          </a:solidFill>
+          <a:ln>
+            <a:noFill/>
+          </a:ln>
+        </p:spPr>
+        <p:style>
+          <a:lnRef idx="2">
+            <a:schemeClr val="accent1">
+              <a:shade val="50000"/>
+            </a:schemeClr>
+          </a:lnRef>
+          <a:fillRef idx="1">
+            <a:schemeClr val="accent1"/>
+          </a:fillRef>
+          <a:effectRef idx="0">
+            <a:schemeClr val="accent1"/>
+          </a:effectRef>
+          <a:fontRef idx="minor">
+            <a:schemeClr val="lt1"/>
+          </a:fontRef>
+        </p:style>
+        <p:txBody>
+          <a:bodyPr rtlCol="0" anchor="ctr"/>
+          <a:lstStyle/>
+          <a:p>
+            <a:pPr algn="ctr"/>
+            <a:endParaRPr lang="en-US"/>
+          </a:p>
+        </p:txBody>
+      </p:sp>
+      <p:sp>
+        <p:nvSpPr>
+          <p:cNvPr id="6" name="Oval 5">
+            <a:extLst>
+              <a:ext uri="{FF2B5EF4-FFF2-40B4-BE49-F238E27FC236}">
+                <a16:creationId xmlns:a16="http://schemas.microsoft.com/office/drawing/2014/main" id="{DFFE87F1-84DB-1642-BD46-CC9189D2FBDE}"/>
+              </a:ext>
+            </a:extLst>
+          </p:cNvPr>
+          <p:cNvSpPr/>
+          <p:nvPr/>
+        </p:nvSpPr>
+        <p:spPr>
+          <a:xfrm>
+            <a:off x="4401237" y="4621971"/>
+            <a:ext cx="495759" cy="451692"/>
+          </a:xfrm>
+          <a:prstGeom prst="ellipse">
+            <a:avLst/>
+          </a:prstGeom>
+          <a:solidFill>
+            <a:srgbClr val="0432FF"/>
+          </a:solidFill>
+        </p:spPr>
+        <p:style>
+          <a:lnRef idx="2">
+            <a:schemeClr val="accent1">
+              <a:shade val="50000"/>
+            </a:schemeClr>
+          </a:lnRef>
+          <a:fillRef idx="1">
+            <a:schemeClr val="accent1"/>
+          </a:fillRef>
+          <a:effectRef idx="0">
+            <a:schemeClr val="accent1"/>
+          </a:effectRef>
+          <a:fontRef idx="minor">
+            <a:schemeClr val="lt1"/>
+          </a:fontRef>
+        </p:style>
+        <p:txBody>
+          <a:bodyPr rtlCol="0" anchor="ctr"/>
+          <a:lstStyle/>
+          <a:p>
+            <a:pPr algn="ctr"/>
+            <a:endParaRPr lang="en-US"/>
+          </a:p>
+        </p:txBody>
+      </p:sp>
+      <p:cxnSp>
+        <p:nvCxnSpPr>
+          <p:cNvPr id="8" name="Straight Connector 7">
+            <a:extLst>
+              <a:ext uri="{FF2B5EF4-FFF2-40B4-BE49-F238E27FC236}">
+                <a16:creationId xmlns:a16="http://schemas.microsoft.com/office/drawing/2014/main" id="{463F9776-AF79-5D45-84EC-B2CDD9F5A0C2}"/>
+              </a:ext>
+            </a:extLst>
+          </p:cNvPr>
+          <p:cNvCxnSpPr/>
+          <p:nvPr/>
+        </p:nvCxnSpPr>
+        <p:spPr>
+          <a:xfrm flipV="1">
+            <a:off x="5216525" y="4794250"/>
+            <a:ext cx="755650" cy="209550"/>
+          </a:xfrm>
+          <a:prstGeom prst="line">
+            <a:avLst/>
+          </a:prstGeom>
+          <a:ln w="76200">
+            <a:solidFill>
+              <a:srgbClr val="FF0000"/>
+            </a:solidFill>
+          </a:ln>
+        </p:spPr>
+        <p:style>
+          <a:lnRef idx="1">
+            <a:schemeClr val="accent1"/>
+          </a:lnRef>
+          <a:fillRef idx="0">
+            <a:schemeClr val="accent1"/>
+          </a:fillRef>
+          <a:effectRef idx="0">
+            <a:schemeClr val="accent1"/>
+          </a:effectRef>
+          <a:fontRef idx="minor">
+            <a:schemeClr val="tx1"/>
+          </a:fontRef>
+        </p:style>
+      </p:cxnSp>
+      <p:cxnSp>
+        <p:nvCxnSpPr>
+          <p:cNvPr id="9" name="Straight Connector 8">
+            <a:extLst>
+              <a:ext uri="{FF2B5EF4-FFF2-40B4-BE49-F238E27FC236}">
+                <a16:creationId xmlns:a16="http://schemas.microsoft.com/office/drawing/2014/main" id="{3C96D406-3E3B-1C42-B1D8-683A6376D422}"/>
+              </a:ext>
+            </a:extLst>
+          </p:cNvPr>
+          <p:cNvCxnSpPr>
+            <a:cxnSpLocks/>
+          </p:cNvCxnSpPr>
+          <p:nvPr/>
+        </p:nvCxnSpPr>
+        <p:spPr>
+          <a:xfrm>
+            <a:off x="3916611" y="4221768"/>
+            <a:ext cx="0" cy="469900"/>
+          </a:xfrm>
+          <a:prstGeom prst="line">
+            <a:avLst/>
+          </a:prstGeom>
+          <a:ln w="76200">
+            <a:solidFill>
+              <a:srgbClr val="0432FF"/>
+            </a:solidFill>
+          </a:ln>
+        </p:spPr>
+        <p:style>
+          <a:lnRef idx="1">
+            <a:schemeClr val="accent1"/>
+          </a:lnRef>
+          <a:fillRef idx="0">
+            <a:schemeClr val="accent1"/>
+          </a:fillRef>
+          <a:effectRef idx="0">
+            <a:schemeClr val="accent1"/>
+          </a:effectRef>
+          <a:fontRef idx="minor">
+            <a:schemeClr val="tx1"/>
+          </a:fontRef>
+        </p:style>
+      </p:cxnSp>
+      <p:sp>
+        <p:nvSpPr>
+          <p:cNvPr id="13" name="Oval 12">
+            <a:extLst>
+              <a:ext uri="{FF2B5EF4-FFF2-40B4-BE49-F238E27FC236}">
+                <a16:creationId xmlns:a16="http://schemas.microsoft.com/office/drawing/2014/main" id="{3CA0B368-4291-9146-88D3-D7E7B70F2AF5}"/>
+              </a:ext>
+            </a:extLst>
+          </p:cNvPr>
+          <p:cNvSpPr/>
+          <p:nvPr/>
+        </p:nvSpPr>
+        <p:spPr>
+          <a:xfrm>
+            <a:off x="4227512" y="4644610"/>
+            <a:ext cx="61010" cy="115129"/>
+          </a:xfrm>
+          <a:prstGeom prst="ellipse">
+            <a:avLst/>
+          </a:prstGeom>
+          <a:solidFill>
+            <a:schemeClr val="bg1">
+              <a:lumMod val="50000"/>
+            </a:schemeClr>
+          </a:solidFill>
+          <a:ln>
+            <a:noFill/>
+          </a:ln>
+        </p:spPr>
+        <p:style>
+          <a:lnRef idx="2">
+            <a:schemeClr val="accent1">
+              <a:shade val="50000"/>
+            </a:schemeClr>
+          </a:lnRef>
+          <a:fillRef idx="1">
+            <a:schemeClr val="accent1"/>
+          </a:fillRef>
+          <a:effectRef idx="0">
+            <a:schemeClr val="accent1"/>
+          </a:effectRef>
+          <a:fontRef idx="minor">
+            <a:schemeClr val="lt1"/>
+          </a:fontRef>
+        </p:style>
+        <p:txBody>
+          <a:bodyPr rtlCol="0" anchor="ctr"/>
+          <a:lstStyle/>
+          <a:p>
+            <a:pPr algn="ctr"/>
+            <a:endParaRPr lang="en-US"/>
+          </a:p>
+        </p:txBody>
+      </p:sp>
+      <p:sp>
+        <p:nvSpPr>
+          <p:cNvPr id="14" name="Oval 13">
+            <a:extLst>
+              <a:ext uri="{FF2B5EF4-FFF2-40B4-BE49-F238E27FC236}">
+                <a16:creationId xmlns:a16="http://schemas.microsoft.com/office/drawing/2014/main" id="{02836186-2333-5140-841A-50F7B4BB92FA}"/>
+              </a:ext>
+            </a:extLst>
+          </p:cNvPr>
+          <p:cNvSpPr/>
+          <p:nvPr/>
+        </p:nvSpPr>
+        <p:spPr>
+          <a:xfrm>
+            <a:off x="4224928" y="4960385"/>
+            <a:ext cx="61010" cy="115129"/>
+          </a:xfrm>
+          <a:prstGeom prst="ellipse">
+            <a:avLst/>
+          </a:prstGeom>
+          <a:solidFill>
+            <a:schemeClr val="bg1">
+              <a:lumMod val="50000"/>
+            </a:schemeClr>
+          </a:solidFill>
+          <a:ln>
+            <a:noFill/>
+          </a:ln>
+        </p:spPr>
+        <p:style>
+          <a:lnRef idx="2">
+            <a:schemeClr val="accent1">
+              <a:shade val="50000"/>
+            </a:schemeClr>
+          </a:lnRef>
+          <a:fillRef idx="1">
+            <a:schemeClr val="accent1"/>
+          </a:fillRef>
+          <a:effectRef idx="0">
+            <a:schemeClr val="accent1"/>
+          </a:effectRef>
+          <a:fontRef idx="minor">
+            <a:schemeClr val="lt1"/>
+          </a:fontRef>
+        </p:style>
+        <p:txBody>
+          <a:bodyPr rtlCol="0" anchor="ctr"/>
+          <a:lstStyle/>
+          <a:p>
+            <a:pPr algn="ctr"/>
+            <a:endParaRPr lang="en-US"/>
+          </a:p>
+        </p:txBody>
+      </p:sp>
+      <p:sp>
+        <p:nvSpPr>
+          <p:cNvPr id="15" name="Oval 14">
+            <a:extLst>
+              <a:ext uri="{FF2B5EF4-FFF2-40B4-BE49-F238E27FC236}">
+                <a16:creationId xmlns:a16="http://schemas.microsoft.com/office/drawing/2014/main" id="{9D638636-D904-8D4B-8A0F-E5A58E4CC00E}"/>
+              </a:ext>
+            </a:extLst>
+          </p:cNvPr>
+          <p:cNvSpPr/>
+          <p:nvPr/>
+        </p:nvSpPr>
+        <p:spPr>
+          <a:xfrm>
+            <a:off x="5019019" y="4637852"/>
+            <a:ext cx="61010" cy="115129"/>
+          </a:xfrm>
+          <a:prstGeom prst="ellipse">
+            <a:avLst/>
+          </a:prstGeom>
+          <a:solidFill>
+            <a:schemeClr val="bg1">
+              <a:lumMod val="50000"/>
+            </a:schemeClr>
+          </a:solidFill>
+          <a:ln>
+            <a:noFill/>
+          </a:ln>
+        </p:spPr>
+        <p:style>
+          <a:lnRef idx="2">
+            <a:schemeClr val="accent1">
+              <a:shade val="50000"/>
+            </a:schemeClr>
+          </a:lnRef>
+          <a:fillRef idx="1">
+            <a:schemeClr val="accent1"/>
+          </a:fillRef>
+          <a:effectRef idx="0">
+            <a:schemeClr val="accent1"/>
+          </a:effectRef>
+          <a:fontRef idx="minor">
+            <a:schemeClr val="lt1"/>
+          </a:fontRef>
+        </p:style>
+        <p:txBody>
+          <a:bodyPr rtlCol="0" anchor="ctr"/>
+          <a:lstStyle/>
+          <a:p>
+            <a:pPr algn="ctr"/>
+            <a:endParaRPr lang="en-US"/>
+          </a:p>
+        </p:txBody>
+      </p:sp>
+      <p:sp>
+        <p:nvSpPr>
+          <p:cNvPr id="16" name="Oval 15">
+            <a:extLst>
+              <a:ext uri="{FF2B5EF4-FFF2-40B4-BE49-F238E27FC236}">
+                <a16:creationId xmlns:a16="http://schemas.microsoft.com/office/drawing/2014/main" id="{92F781CC-30A6-2848-B451-057334940025}"/>
+              </a:ext>
+            </a:extLst>
+          </p:cNvPr>
+          <p:cNvSpPr/>
+          <p:nvPr/>
+        </p:nvSpPr>
+        <p:spPr>
+          <a:xfrm>
+            <a:off x="5016435" y="4953627"/>
+            <a:ext cx="61010" cy="115129"/>
+          </a:xfrm>
+          <a:prstGeom prst="ellipse">
+            <a:avLst/>
+          </a:prstGeom>
+          <a:solidFill>
+            <a:schemeClr val="bg1">
+              <a:lumMod val="50000"/>
+            </a:schemeClr>
+          </a:solidFill>
+          <a:ln>
+            <a:noFill/>
+          </a:ln>
+        </p:spPr>
+        <p:style>
+          <a:lnRef idx="2">
+            <a:schemeClr val="accent1">
+              <a:shade val="50000"/>
+            </a:schemeClr>
+          </a:lnRef>
+          <a:fillRef idx="1">
+            <a:schemeClr val="accent1"/>
+          </a:fillRef>
+          <a:effectRef idx="0">
+            <a:schemeClr val="accent1"/>
+          </a:effectRef>
+          <a:fontRef idx="minor">
+            <a:schemeClr val="lt1"/>
+          </a:fontRef>
+        </p:style>
+        <p:txBody>
+          <a:bodyPr rtlCol="0" anchor="ctr"/>
+          <a:lstStyle/>
+          <a:p>
+            <a:pPr algn="ctr"/>
+            <a:endParaRPr lang="en-US"/>
+          </a:p>
+        </p:txBody>
+      </p:sp>
+      <p:cxnSp>
+        <p:nvCxnSpPr>
+          <p:cNvPr id="18" name="Straight Connector 17">
+            <a:extLst>
+              <a:ext uri="{FF2B5EF4-FFF2-40B4-BE49-F238E27FC236}">
+                <a16:creationId xmlns:a16="http://schemas.microsoft.com/office/drawing/2014/main" id="{300EFAEF-A06E-B64E-AE54-3CC51F57DB0E}"/>
+              </a:ext>
+            </a:extLst>
+          </p:cNvPr>
+          <p:cNvCxnSpPr>
+            <a:cxnSpLocks/>
+          </p:cNvCxnSpPr>
+          <p:nvPr/>
+        </p:nvCxnSpPr>
+        <p:spPr>
+          <a:xfrm>
+            <a:off x="5519451" y="1861851"/>
+            <a:ext cx="452724" cy="68680"/>
+          </a:xfrm>
+          <a:prstGeom prst="line">
+            <a:avLst/>
+          </a:prstGeom>
+          <a:ln w="76200">
+            <a:solidFill>
+              <a:srgbClr val="FF0000"/>
+            </a:solidFill>
+          </a:ln>
+        </p:spPr>
+        <p:style>
+          <a:lnRef idx="1">
+            <a:schemeClr val="accent1"/>
+          </a:lnRef>
+          <a:fillRef idx="0">
+            <a:schemeClr val="accent1"/>
+          </a:fillRef>
+          <a:effectRef idx="0">
+            <a:schemeClr val="accent1"/>
+          </a:effectRef>
+          <a:fontRef idx="minor">
+            <a:schemeClr val="tx1"/>
+          </a:fontRef>
+        </p:style>
+      </p:cxnSp>
+      <p:sp>
+        <p:nvSpPr>
+          <p:cNvPr id="23" name="Rectangle 22">
+            <a:extLst>
+              <a:ext uri="{FF2B5EF4-FFF2-40B4-BE49-F238E27FC236}">
+                <a16:creationId xmlns:a16="http://schemas.microsoft.com/office/drawing/2014/main" id="{46FC73F3-AD34-3F4E-B5EB-FF500C20EA9F}"/>
+              </a:ext>
+            </a:extLst>
+          </p:cNvPr>
+          <p:cNvSpPr/>
+          <p:nvPr/>
+        </p:nvSpPr>
+        <p:spPr>
+          <a:xfrm>
+            <a:off x="4918816" y="1791488"/>
+            <a:ext cx="365759" cy="122258"/>
+          </a:xfrm>
+          <a:prstGeom prst="rect">
+            <a:avLst/>
+          </a:prstGeom>
+          <a:solidFill>
+            <a:srgbClr val="FF0000"/>
+          </a:solidFill>
+          <a:ln>
+            <a:noFill/>
+          </a:ln>
+        </p:spPr>
+        <p:style>
+          <a:lnRef idx="2">
+            <a:schemeClr val="accent1">
+              <a:shade val="50000"/>
+            </a:schemeClr>
+          </a:lnRef>
+          <a:fillRef idx="1">
+            <a:schemeClr val="accent1"/>
+          </a:fillRef>
+          <a:effectRef idx="0">
+            <a:schemeClr val="accent1"/>
+          </a:effectRef>
+          <a:fontRef idx="minor">
+            <a:schemeClr val="lt1"/>
+          </a:fontRef>
+        </p:style>
+        <p:txBody>
+          <a:bodyPr wrap="none" rtlCol="0" anchor="ctr"/>
+          <a:lstStyle/>
+          <a:p>
+            <a:pPr algn="ctr"/>
+            <a:r>
+              <a:rPr lang="en-US" sz="800" dirty="0"/>
+              <a:t>3.3 OUT</a:t>
+            </a:r>
+          </a:p>
+        </p:txBody>
+      </p:sp>
+    </p:spTree>
+    <p:extLst>
+      <p:ext uri="{BB962C8B-B14F-4D97-AF65-F5344CB8AC3E}">
+        <p14:creationId xmlns:p14="http://schemas.microsoft.com/office/powerpoint/2010/main" val="17495640"/>
+      </p:ext>
+    </p:extLst>
+  </p:cSld>
+  <p:clrMapOvr>
+    <a:masterClrMapping/>
+  </p:clrMapOvr>
+</p:sld>
+</file>
+
+<file path=ppt/slides/slide7.xml><?xml version="1.0" encoding="utf-8"?>
+<p:sld xmlns:a="http://schemas.openxmlformats.org/drawingml/2006/main" xmlns:r="http://schemas.openxmlformats.org/officeDocument/2006/relationships" xmlns:p="http://schemas.openxmlformats.org/presentationml/2006/main">
+  <p:cSld>
+    <p:spTree>
+      <p:nvGrpSpPr>
+        <p:cNvPr id="1" name=""/>
+        <p:cNvGrpSpPr/>
+        <p:nvPr/>
+      </p:nvGrpSpPr>
+      <p:grpSpPr>
+        <a:xfrm>
+          <a:off x="0" y="0"/>
+          <a:ext cx="0" cy="0"/>
+          <a:chOff x="0" y="0"/>
+          <a:chExt cx="0" cy="0"/>
+        </a:xfrm>
+      </p:grpSpPr>
+      <p:sp>
+        <p:nvSpPr>
+          <p:cNvPr id="2" name="Title 1">
+            <a:extLst>
+              <a:ext uri="{FF2B5EF4-FFF2-40B4-BE49-F238E27FC236}">
+                <a16:creationId xmlns:a16="http://schemas.microsoft.com/office/drawing/2014/main" id="{D16DC0C2-45A1-B840-8EB9-4C49B5772B3A}"/>
+              </a:ext>
+            </a:extLst>
+          </p:cNvPr>
+          <p:cNvSpPr>
+            <a:spLocks noGrp="1"/>
+          </p:cNvSpPr>
+          <p:nvPr>
+            <p:ph type="title"/>
+          </p:nvPr>
+        </p:nvSpPr>
+        <p:spPr/>
+        <p:txBody>
+          <a:bodyPr/>
+          <a:lstStyle/>
+          <a:p>
+            <a:r>
+              <a:rPr lang="en-US" dirty="0"/>
+              <a:t>Noisy Transition</a:t>
+            </a:r>
+          </a:p>
+        </p:txBody>
+      </p:sp>
+      <p:sp>
+        <p:nvSpPr>
+          <p:cNvPr id="3" name="Content Placeholder 2">
+            <a:extLst>
+              <a:ext uri="{FF2B5EF4-FFF2-40B4-BE49-F238E27FC236}">
+                <a16:creationId xmlns:a16="http://schemas.microsoft.com/office/drawing/2014/main" id="{FE841D6A-F764-D740-AFC9-0E687EAD504B}"/>
+              </a:ext>
+            </a:extLst>
+          </p:cNvPr>
+          <p:cNvSpPr>
+            <a:spLocks noGrp="1"/>
+          </p:cNvSpPr>
+          <p:nvPr>
+            <p:ph idx="1"/>
+          </p:nvPr>
+        </p:nvSpPr>
+        <p:spPr>
+          <a:xfrm>
+            <a:off x="838200" y="4693185"/>
+            <a:ext cx="10515600" cy="1483777"/>
+          </a:xfrm>
+        </p:spPr>
+        <p:txBody>
+          <a:bodyPr/>
+          <a:lstStyle/>
+          <a:p>
+            <a:endParaRPr lang="en-US" dirty="0"/>
+          </a:p>
+        </p:txBody>
+      </p:sp>
+      <p:cxnSp>
+        <p:nvCxnSpPr>
+          <p:cNvPr id="5" name="Straight Connector 4">
+            <a:extLst>
+              <a:ext uri="{FF2B5EF4-FFF2-40B4-BE49-F238E27FC236}">
+                <a16:creationId xmlns:a16="http://schemas.microsoft.com/office/drawing/2014/main" id="{B1A36E11-8746-FB46-8F19-9795FF7C8373}"/>
+              </a:ext>
+            </a:extLst>
+          </p:cNvPr>
+          <p:cNvCxnSpPr/>
+          <p:nvPr/>
+        </p:nvCxnSpPr>
+        <p:spPr>
+          <a:xfrm>
+            <a:off x="2016087" y="1994053"/>
+            <a:ext cx="0" cy="2038120"/>
+          </a:xfrm>
+          <a:prstGeom prst="line">
+            <a:avLst/>
+          </a:prstGeom>
+          <a:ln w="28575">
+            <a:solidFill>
+              <a:schemeClr val="tx1">
+                <a:lumMod val="95000"/>
+                <a:lumOff val="5000"/>
+              </a:schemeClr>
+            </a:solidFill>
+          </a:ln>
+        </p:spPr>
+        <p:style>
+          <a:lnRef idx="1">
+            <a:schemeClr val="accent1"/>
+          </a:lnRef>
+          <a:fillRef idx="0">
+            <a:schemeClr val="accent1"/>
+          </a:fillRef>
+          <a:effectRef idx="0">
+            <a:schemeClr val="accent1"/>
+          </a:effectRef>
+          <a:fontRef idx="minor">
+            <a:schemeClr val="tx1"/>
+          </a:fontRef>
+        </p:style>
+      </p:cxnSp>
+      <p:cxnSp>
+        <p:nvCxnSpPr>
+          <p:cNvPr id="6" name="Straight Connector 5">
+            <a:extLst>
+              <a:ext uri="{FF2B5EF4-FFF2-40B4-BE49-F238E27FC236}">
+                <a16:creationId xmlns:a16="http://schemas.microsoft.com/office/drawing/2014/main" id="{B666863E-5BB6-F94D-AF62-DF12F9BD37A3}"/>
+              </a:ext>
+            </a:extLst>
+          </p:cNvPr>
+          <p:cNvCxnSpPr>
+            <a:cxnSpLocks/>
+          </p:cNvCxnSpPr>
+          <p:nvPr/>
+        </p:nvCxnSpPr>
+        <p:spPr>
+          <a:xfrm>
+            <a:off x="2016087" y="4020037"/>
+            <a:ext cx="3833870" cy="0"/>
+          </a:xfrm>
+          <a:prstGeom prst="line">
+            <a:avLst/>
+          </a:prstGeom>
+          <a:ln w="28575">
+            <a:solidFill>
+              <a:schemeClr val="tx1">
+                <a:lumMod val="95000"/>
+                <a:lumOff val="5000"/>
+              </a:schemeClr>
+            </a:solidFill>
+            <a:headEnd type="none" w="med" len="med"/>
+            <a:tailEnd type="triangle" w="med" len="med"/>
+          </a:ln>
+        </p:spPr>
+        <p:style>
+          <a:lnRef idx="1">
+            <a:schemeClr val="accent1"/>
+          </a:lnRef>
+          <a:fillRef idx="0">
+            <a:schemeClr val="accent1"/>
+          </a:fillRef>
+          <a:effectRef idx="0">
+            <a:schemeClr val="accent1"/>
+          </a:effectRef>
+          <a:fontRef idx="minor">
+            <a:schemeClr val="tx1"/>
+          </a:fontRef>
+        </p:style>
+      </p:cxnSp>
+      <p:sp>
+        <p:nvSpPr>
+          <p:cNvPr id="9" name="TextBox 8">
+            <a:extLst>
+              <a:ext uri="{FF2B5EF4-FFF2-40B4-BE49-F238E27FC236}">
+                <a16:creationId xmlns:a16="http://schemas.microsoft.com/office/drawing/2014/main" id="{B1AAA0B0-27B1-AD45-A8AF-7FA6272F9647}"/>
+              </a:ext>
+            </a:extLst>
+          </p:cNvPr>
+          <p:cNvSpPr txBox="1"/>
+          <p:nvPr/>
+        </p:nvSpPr>
+        <p:spPr>
+          <a:xfrm>
+            <a:off x="1366092" y="3718124"/>
+            <a:ext cx="632353" cy="369332"/>
+          </a:xfrm>
+          <a:prstGeom prst="rect">
+            <a:avLst/>
+          </a:prstGeom>
+          <a:noFill/>
+        </p:spPr>
+        <p:txBody>
+          <a:bodyPr wrap="none" rtlCol="0">
+            <a:spAutoFit/>
+          </a:bodyPr>
+          <a:lstStyle/>
+          <a:p>
+            <a:pPr algn="ctr"/>
+            <a:r>
+              <a:rPr lang="en-US" dirty="0"/>
+              <a:t>LOW</a:t>
+            </a:r>
+          </a:p>
+        </p:txBody>
+      </p:sp>
+      <p:sp>
+        <p:nvSpPr>
+          <p:cNvPr id="10" name="TextBox 9">
+            <a:extLst>
+              <a:ext uri="{FF2B5EF4-FFF2-40B4-BE49-F238E27FC236}">
+                <a16:creationId xmlns:a16="http://schemas.microsoft.com/office/drawing/2014/main" id="{BEBA4C98-6E59-0243-9A6C-53EB1FB789F1}"/>
+              </a:ext>
+            </a:extLst>
+          </p:cNvPr>
+          <p:cNvSpPr txBox="1"/>
+          <p:nvPr/>
+        </p:nvSpPr>
+        <p:spPr>
+          <a:xfrm>
+            <a:off x="1321657" y="1927085"/>
+            <a:ext cx="676788" cy="369332"/>
+          </a:xfrm>
+          <a:prstGeom prst="rect">
+            <a:avLst/>
+          </a:prstGeom>
+          <a:noFill/>
+        </p:spPr>
+        <p:txBody>
+          <a:bodyPr wrap="none" rtlCol="0">
+            <a:spAutoFit/>
+          </a:bodyPr>
+          <a:lstStyle/>
+          <a:p>
+            <a:pPr algn="ctr"/>
+            <a:r>
+              <a:rPr lang="en-US" dirty="0"/>
+              <a:t>HIGH</a:t>
+            </a:r>
+          </a:p>
+        </p:txBody>
+      </p:sp>
+      <p:cxnSp>
+        <p:nvCxnSpPr>
+          <p:cNvPr id="11" name="Straight Connector 10">
+            <a:extLst>
+              <a:ext uri="{FF2B5EF4-FFF2-40B4-BE49-F238E27FC236}">
+                <a16:creationId xmlns:a16="http://schemas.microsoft.com/office/drawing/2014/main" id="{24C4D7E8-2A42-2D43-855E-33D00BC14789}"/>
+              </a:ext>
+            </a:extLst>
+          </p:cNvPr>
+          <p:cNvCxnSpPr>
+            <a:cxnSpLocks/>
+          </p:cNvCxnSpPr>
+          <p:nvPr/>
+        </p:nvCxnSpPr>
+        <p:spPr>
+          <a:xfrm flipH="1">
+            <a:off x="1998445" y="2296417"/>
+            <a:ext cx="1251531" cy="0"/>
+          </a:xfrm>
+          <a:prstGeom prst="line">
+            <a:avLst/>
+          </a:prstGeom>
+          <a:ln w="57150">
+            <a:solidFill>
+              <a:srgbClr val="00B050"/>
+            </a:solidFill>
+          </a:ln>
+        </p:spPr>
+        <p:style>
+          <a:lnRef idx="1">
+            <a:schemeClr val="accent1"/>
+          </a:lnRef>
+          <a:fillRef idx="0">
+            <a:schemeClr val="accent1"/>
+          </a:fillRef>
+          <a:effectRef idx="0">
+            <a:schemeClr val="accent1"/>
+          </a:effectRef>
+          <a:fontRef idx="minor">
+            <a:schemeClr val="tx1"/>
+          </a:fontRef>
+        </p:style>
+      </p:cxnSp>
+      <p:cxnSp>
+        <p:nvCxnSpPr>
+          <p:cNvPr id="15" name="Straight Connector 14">
+            <a:extLst>
+              <a:ext uri="{FF2B5EF4-FFF2-40B4-BE49-F238E27FC236}">
+                <a16:creationId xmlns:a16="http://schemas.microsoft.com/office/drawing/2014/main" id="{58624F16-2FF6-7946-811A-1005D26A6B51}"/>
+              </a:ext>
+            </a:extLst>
+          </p:cNvPr>
+          <p:cNvCxnSpPr/>
+          <p:nvPr/>
+        </p:nvCxnSpPr>
+        <p:spPr>
+          <a:xfrm>
+            <a:off x="3281191" y="1994053"/>
+            <a:ext cx="0" cy="2038120"/>
+          </a:xfrm>
+          <a:prstGeom prst="line">
+            <a:avLst/>
+          </a:prstGeom>
+          <a:ln w="28575">
+            <a:solidFill>
+              <a:schemeClr val="tx1">
+                <a:lumMod val="95000"/>
+                <a:lumOff val="5000"/>
+              </a:schemeClr>
+            </a:solidFill>
+            <a:prstDash val="dash"/>
+          </a:ln>
+        </p:spPr>
+        <p:style>
+          <a:lnRef idx="1">
+            <a:schemeClr val="accent1"/>
+          </a:lnRef>
+          <a:fillRef idx="0">
+            <a:schemeClr val="accent1"/>
+          </a:fillRef>
+          <a:effectRef idx="0">
+            <a:schemeClr val="accent1"/>
+          </a:effectRef>
+          <a:fontRef idx="minor">
+            <a:schemeClr val="tx1"/>
+          </a:fontRef>
+        </p:style>
+      </p:cxnSp>
+      <p:cxnSp>
+        <p:nvCxnSpPr>
+          <p:cNvPr id="17" name="Straight Connector 16">
+            <a:extLst>
+              <a:ext uri="{FF2B5EF4-FFF2-40B4-BE49-F238E27FC236}">
+                <a16:creationId xmlns:a16="http://schemas.microsoft.com/office/drawing/2014/main" id="{D14810B1-4834-4D4C-90BF-070D91507A3D}"/>
+              </a:ext>
+            </a:extLst>
+          </p:cNvPr>
+          <p:cNvCxnSpPr>
+            <a:cxnSpLocks/>
+          </p:cNvCxnSpPr>
+          <p:nvPr/>
+        </p:nvCxnSpPr>
+        <p:spPr>
+          <a:xfrm>
+            <a:off x="3249976" y="2296417"/>
+            <a:ext cx="266239" cy="1735755"/>
+          </a:xfrm>
+          <a:prstGeom prst="line">
+            <a:avLst/>
+          </a:prstGeom>
+          <a:ln w="28575">
+            <a:solidFill>
+              <a:srgbClr val="FF0000"/>
+            </a:solidFill>
+          </a:ln>
+        </p:spPr>
+        <p:style>
+          <a:lnRef idx="1">
+            <a:schemeClr val="accent1"/>
+          </a:lnRef>
+          <a:fillRef idx="0">
+            <a:schemeClr val="accent1"/>
+          </a:fillRef>
+          <a:effectRef idx="0">
+            <a:schemeClr val="accent1"/>
+          </a:effectRef>
+          <a:fontRef idx="minor">
+            <a:schemeClr val="tx1"/>
+          </a:fontRef>
+        </p:style>
+      </p:cxnSp>
+      <p:cxnSp>
+        <p:nvCxnSpPr>
+          <p:cNvPr id="18" name="Straight Connector 17">
+            <a:extLst>
+              <a:ext uri="{FF2B5EF4-FFF2-40B4-BE49-F238E27FC236}">
+                <a16:creationId xmlns:a16="http://schemas.microsoft.com/office/drawing/2014/main" id="{83285925-0025-D945-8C0A-6B44C8E6199B}"/>
+              </a:ext>
+            </a:extLst>
+          </p:cNvPr>
+          <p:cNvCxnSpPr>
+            <a:cxnSpLocks/>
+          </p:cNvCxnSpPr>
+          <p:nvPr/>
+        </p:nvCxnSpPr>
+        <p:spPr>
+          <a:xfrm flipH="1">
+            <a:off x="3516215" y="2469644"/>
+            <a:ext cx="141385" cy="1562528"/>
+          </a:xfrm>
+          <a:prstGeom prst="line">
+            <a:avLst/>
+          </a:prstGeom>
+          <a:ln w="28575">
+            <a:solidFill>
+              <a:srgbClr val="FF0000"/>
+            </a:solidFill>
+          </a:ln>
+        </p:spPr>
+        <p:style>
+          <a:lnRef idx="1">
+            <a:schemeClr val="accent1"/>
+          </a:lnRef>
+          <a:fillRef idx="0">
+            <a:schemeClr val="accent1"/>
+          </a:fillRef>
+          <a:effectRef idx="0">
+            <a:schemeClr val="accent1"/>
+          </a:effectRef>
+          <a:fontRef idx="minor">
+            <a:schemeClr val="tx1"/>
+          </a:fontRef>
+        </p:style>
+      </p:cxnSp>
+      <p:cxnSp>
+        <p:nvCxnSpPr>
+          <p:cNvPr id="27" name="Straight Connector 26">
+            <a:extLst>
+              <a:ext uri="{FF2B5EF4-FFF2-40B4-BE49-F238E27FC236}">
+                <a16:creationId xmlns:a16="http://schemas.microsoft.com/office/drawing/2014/main" id="{9C8FAF27-5442-A54E-B5F1-5C1515228AFB}"/>
+              </a:ext>
+            </a:extLst>
+          </p:cNvPr>
+          <p:cNvCxnSpPr>
+            <a:cxnSpLocks/>
+          </p:cNvCxnSpPr>
+          <p:nvPr/>
+        </p:nvCxnSpPr>
+        <p:spPr>
+          <a:xfrm>
+            <a:off x="3657600" y="2469644"/>
+            <a:ext cx="181778" cy="1562528"/>
+          </a:xfrm>
+          <a:prstGeom prst="line">
+            <a:avLst/>
+          </a:prstGeom>
+          <a:ln w="28575">
+            <a:solidFill>
+              <a:srgbClr val="FF0000"/>
+            </a:solidFill>
+          </a:ln>
+        </p:spPr>
+        <p:style>
+          <a:lnRef idx="1">
+            <a:schemeClr val="accent1"/>
+          </a:lnRef>
+          <a:fillRef idx="0">
+            <a:schemeClr val="accent1"/>
+          </a:fillRef>
+          <a:effectRef idx="0">
+            <a:schemeClr val="accent1"/>
+          </a:effectRef>
+          <a:fontRef idx="minor">
+            <a:schemeClr val="tx1"/>
+          </a:fontRef>
+        </p:style>
+      </p:cxnSp>
+      <p:cxnSp>
+        <p:nvCxnSpPr>
+          <p:cNvPr id="30" name="Straight Connector 29">
+            <a:extLst>
+              <a:ext uri="{FF2B5EF4-FFF2-40B4-BE49-F238E27FC236}">
+                <a16:creationId xmlns:a16="http://schemas.microsoft.com/office/drawing/2014/main" id="{889A803D-A014-264F-B5B3-217063F41A57}"/>
+              </a:ext>
+            </a:extLst>
+          </p:cNvPr>
+          <p:cNvCxnSpPr>
+            <a:cxnSpLocks/>
+          </p:cNvCxnSpPr>
+          <p:nvPr/>
+        </p:nvCxnSpPr>
+        <p:spPr>
+          <a:xfrm flipH="1">
+            <a:off x="3839378" y="3164294"/>
+            <a:ext cx="53245" cy="738496"/>
+          </a:xfrm>
+          <a:prstGeom prst="line">
+            <a:avLst/>
+          </a:prstGeom>
+          <a:ln w="28575">
+            <a:solidFill>
+              <a:srgbClr val="FF0000"/>
+            </a:solidFill>
+          </a:ln>
+        </p:spPr>
+        <p:style>
+          <a:lnRef idx="1">
+            <a:schemeClr val="accent1"/>
+          </a:lnRef>
+          <a:fillRef idx="0">
+            <a:schemeClr val="accent1"/>
+          </a:fillRef>
+          <a:effectRef idx="0">
+            <a:schemeClr val="accent1"/>
+          </a:effectRef>
+          <a:fontRef idx="minor">
+            <a:schemeClr val="tx1"/>
+          </a:fontRef>
+        </p:style>
+      </p:cxnSp>
+      <p:cxnSp>
+        <p:nvCxnSpPr>
+          <p:cNvPr id="34" name="Straight Connector 33">
+            <a:extLst>
+              <a:ext uri="{FF2B5EF4-FFF2-40B4-BE49-F238E27FC236}">
+                <a16:creationId xmlns:a16="http://schemas.microsoft.com/office/drawing/2014/main" id="{FB5EB7F2-AFDA-CC4E-988E-E776C919E571}"/>
+              </a:ext>
+            </a:extLst>
+          </p:cNvPr>
+          <p:cNvCxnSpPr>
+            <a:cxnSpLocks/>
+          </p:cNvCxnSpPr>
+          <p:nvPr/>
+        </p:nvCxnSpPr>
+        <p:spPr>
+          <a:xfrm>
+            <a:off x="3910265" y="3164294"/>
+            <a:ext cx="110891" cy="867878"/>
+          </a:xfrm>
+          <a:prstGeom prst="line">
+            <a:avLst/>
+          </a:prstGeom>
+          <a:ln w="28575">
+            <a:solidFill>
+              <a:srgbClr val="FF0000"/>
+            </a:solidFill>
+          </a:ln>
+        </p:spPr>
+        <p:style>
+          <a:lnRef idx="1">
+            <a:schemeClr val="accent1"/>
+          </a:lnRef>
+          <a:fillRef idx="0">
+            <a:schemeClr val="accent1"/>
+          </a:fillRef>
+          <a:effectRef idx="0">
+            <a:schemeClr val="accent1"/>
+          </a:effectRef>
+          <a:fontRef idx="minor">
+            <a:schemeClr val="tx1"/>
+          </a:fontRef>
+        </p:style>
+      </p:cxnSp>
+      <p:cxnSp>
+        <p:nvCxnSpPr>
+          <p:cNvPr id="37" name="Straight Connector 36">
+            <a:extLst>
+              <a:ext uri="{FF2B5EF4-FFF2-40B4-BE49-F238E27FC236}">
+                <a16:creationId xmlns:a16="http://schemas.microsoft.com/office/drawing/2014/main" id="{2770961C-D50D-8441-8942-59432CDDC7D1}"/>
+              </a:ext>
+            </a:extLst>
+          </p:cNvPr>
+          <p:cNvCxnSpPr>
+            <a:cxnSpLocks/>
+          </p:cNvCxnSpPr>
+          <p:nvPr/>
+        </p:nvCxnSpPr>
+        <p:spPr>
+          <a:xfrm flipH="1">
+            <a:off x="4021156" y="3718124"/>
+            <a:ext cx="70887" cy="314048"/>
+          </a:xfrm>
+          <a:prstGeom prst="line">
+            <a:avLst/>
+          </a:prstGeom>
+          <a:ln w="28575">
+            <a:solidFill>
+              <a:srgbClr val="FF0000"/>
+            </a:solidFill>
+          </a:ln>
+        </p:spPr>
+        <p:style>
+          <a:lnRef idx="1">
+            <a:schemeClr val="accent1"/>
+          </a:lnRef>
+          <a:fillRef idx="0">
+            <a:schemeClr val="accent1"/>
+          </a:fillRef>
+          <a:effectRef idx="0">
+            <a:schemeClr val="accent1"/>
+          </a:effectRef>
+          <a:fontRef idx="minor">
+            <a:schemeClr val="tx1"/>
+          </a:fontRef>
+        </p:style>
+      </p:cxnSp>
+      <p:cxnSp>
+        <p:nvCxnSpPr>
+          <p:cNvPr id="41" name="Straight Connector 40">
+            <a:extLst>
+              <a:ext uri="{FF2B5EF4-FFF2-40B4-BE49-F238E27FC236}">
+                <a16:creationId xmlns:a16="http://schemas.microsoft.com/office/drawing/2014/main" id="{6992DBC5-0D9D-3C47-AD52-66101A9CD07E}"/>
+              </a:ext>
+            </a:extLst>
+          </p:cNvPr>
+          <p:cNvCxnSpPr>
+            <a:cxnSpLocks/>
+          </p:cNvCxnSpPr>
+          <p:nvPr/>
+        </p:nvCxnSpPr>
+        <p:spPr>
+          <a:xfrm>
+            <a:off x="4109685" y="3718124"/>
+            <a:ext cx="93249" cy="314048"/>
+          </a:xfrm>
+          <a:prstGeom prst="line">
+            <a:avLst/>
+          </a:prstGeom>
+          <a:ln w="28575">
+            <a:solidFill>
+              <a:srgbClr val="FF0000"/>
+            </a:solidFill>
+          </a:ln>
+        </p:spPr>
+        <p:style>
+          <a:lnRef idx="1">
+            <a:schemeClr val="accent1"/>
+          </a:lnRef>
+          <a:fillRef idx="0">
+            <a:schemeClr val="accent1"/>
+          </a:fillRef>
+          <a:effectRef idx="0">
+            <a:schemeClr val="accent1"/>
+          </a:effectRef>
+          <a:fontRef idx="minor">
+            <a:schemeClr val="tx1"/>
+          </a:fontRef>
+        </p:style>
+      </p:cxnSp>
+      <p:cxnSp>
+        <p:nvCxnSpPr>
+          <p:cNvPr id="44" name="Straight Connector 43">
+            <a:extLst>
+              <a:ext uri="{FF2B5EF4-FFF2-40B4-BE49-F238E27FC236}">
+                <a16:creationId xmlns:a16="http://schemas.microsoft.com/office/drawing/2014/main" id="{BB072070-690A-054D-9818-2D0BF6949E69}"/>
+              </a:ext>
+            </a:extLst>
+          </p:cNvPr>
+          <p:cNvCxnSpPr/>
+          <p:nvPr/>
+        </p:nvCxnSpPr>
+        <p:spPr>
+          <a:xfrm>
+            <a:off x="4221296" y="1994053"/>
+            <a:ext cx="0" cy="2038120"/>
+          </a:xfrm>
+          <a:prstGeom prst="line">
+            <a:avLst/>
+          </a:prstGeom>
+          <a:ln w="28575">
+            <a:solidFill>
+              <a:schemeClr val="tx1">
+                <a:lumMod val="95000"/>
+                <a:lumOff val="5000"/>
+              </a:schemeClr>
+            </a:solidFill>
+            <a:prstDash val="dash"/>
+          </a:ln>
+        </p:spPr>
+        <p:style>
+          <a:lnRef idx="1">
+            <a:schemeClr val="accent1"/>
+          </a:lnRef>
+          <a:fillRef idx="0">
+            <a:schemeClr val="accent1"/>
+          </a:fillRef>
+          <a:effectRef idx="0">
+            <a:schemeClr val="accent1"/>
+          </a:effectRef>
+          <a:fontRef idx="minor">
+            <a:schemeClr val="tx1"/>
+          </a:fontRef>
+        </p:style>
+      </p:cxnSp>
+      <p:cxnSp>
+        <p:nvCxnSpPr>
+          <p:cNvPr id="45" name="Straight Connector 44">
+            <a:extLst>
+              <a:ext uri="{FF2B5EF4-FFF2-40B4-BE49-F238E27FC236}">
+                <a16:creationId xmlns:a16="http://schemas.microsoft.com/office/drawing/2014/main" id="{562C881E-0E63-CA4D-B86A-2E84D7EAE139}"/>
+              </a:ext>
+            </a:extLst>
+          </p:cNvPr>
+          <p:cNvCxnSpPr>
+            <a:cxnSpLocks/>
+          </p:cNvCxnSpPr>
+          <p:nvPr/>
+        </p:nvCxnSpPr>
+        <p:spPr>
+          <a:xfrm flipH="1">
+            <a:off x="4221296" y="4032172"/>
+            <a:ext cx="1251531" cy="0"/>
+          </a:xfrm>
+          <a:prstGeom prst="line">
+            <a:avLst/>
+          </a:prstGeom>
+          <a:ln w="57150">
+            <a:solidFill>
+              <a:srgbClr val="00B050"/>
+            </a:solidFill>
+          </a:ln>
+        </p:spPr>
+        <p:style>
+          <a:lnRef idx="1">
+            <a:schemeClr val="accent1"/>
+          </a:lnRef>
+          <a:fillRef idx="0">
+            <a:schemeClr val="accent1"/>
+          </a:fillRef>
+          <a:effectRef idx="0">
+            <a:schemeClr val="accent1"/>
+          </a:effectRef>
+          <a:fontRef idx="minor">
+            <a:schemeClr val="tx1"/>
+          </a:fontRef>
+        </p:style>
+      </p:cxnSp>
+      <p:sp>
+        <p:nvSpPr>
+          <p:cNvPr id="46" name="TextBox 45">
+            <a:extLst>
+              <a:ext uri="{FF2B5EF4-FFF2-40B4-BE49-F238E27FC236}">
+                <a16:creationId xmlns:a16="http://schemas.microsoft.com/office/drawing/2014/main" id="{29124C32-6A91-5F40-876E-07BF36740CC5}"/>
+              </a:ext>
+            </a:extLst>
+          </p:cNvPr>
+          <p:cNvSpPr txBox="1"/>
+          <p:nvPr/>
+        </p:nvSpPr>
+        <p:spPr>
+          <a:xfrm>
+            <a:off x="3195196" y="1669886"/>
+            <a:ext cx="1106585" cy="646331"/>
+          </a:xfrm>
+          <a:prstGeom prst="rect">
+            <a:avLst/>
+          </a:prstGeom>
+          <a:noFill/>
+        </p:spPr>
+        <p:txBody>
+          <a:bodyPr wrap="none" rtlCol="0">
+            <a:spAutoFit/>
+          </a:bodyPr>
+          <a:lstStyle/>
+          <a:p>
+            <a:pPr algn="ctr"/>
+            <a:r>
+              <a:rPr lang="en-US" dirty="0">
+                <a:solidFill>
+                  <a:srgbClr val="FF0000"/>
+                </a:solidFill>
+              </a:rPr>
+              <a:t>Transition</a:t>
+            </a:r>
+          </a:p>
+          <a:p>
+            <a:pPr algn="ctr"/>
+            <a:r>
+              <a:rPr lang="en-US" dirty="0">
+                <a:solidFill>
+                  <a:srgbClr val="FF0000"/>
+                </a:solidFill>
+              </a:rPr>
+              <a:t>State</a:t>
+            </a:r>
+          </a:p>
+        </p:txBody>
+      </p:sp>
+      <p:sp>
+        <p:nvSpPr>
+          <p:cNvPr id="47" name="TextBox 46">
+            <a:extLst>
+              <a:ext uri="{FF2B5EF4-FFF2-40B4-BE49-F238E27FC236}">
+                <a16:creationId xmlns:a16="http://schemas.microsoft.com/office/drawing/2014/main" id="{050E7A8D-BC70-A94B-A7B2-913933F6B84C}"/>
+              </a:ext>
+            </a:extLst>
+          </p:cNvPr>
+          <p:cNvSpPr txBox="1"/>
+          <p:nvPr/>
+        </p:nvSpPr>
+        <p:spPr>
+          <a:xfrm>
+            <a:off x="5200420" y="3598233"/>
+            <a:ext cx="649537" cy="369332"/>
+          </a:xfrm>
+          <a:prstGeom prst="rect">
+            <a:avLst/>
+          </a:prstGeom>
+          <a:noFill/>
+        </p:spPr>
+        <p:txBody>
+          <a:bodyPr wrap="none" rtlCol="0">
+            <a:spAutoFit/>
+          </a:bodyPr>
+          <a:lstStyle/>
+          <a:p>
+            <a:pPr algn="ctr"/>
+            <a:r>
+              <a:rPr lang="en-US" dirty="0"/>
+              <a:t>Time</a:t>
+            </a:r>
+          </a:p>
+        </p:txBody>
+      </p:sp>
+      <p:sp>
+        <p:nvSpPr>
+          <p:cNvPr id="53" name="TextBox 52">
+            <a:extLst>
+              <a:ext uri="{FF2B5EF4-FFF2-40B4-BE49-F238E27FC236}">
+                <a16:creationId xmlns:a16="http://schemas.microsoft.com/office/drawing/2014/main" id="{C65F9199-0A64-594F-BD14-2D9822CD32EC}"/>
+              </a:ext>
+            </a:extLst>
+          </p:cNvPr>
+          <p:cNvSpPr txBox="1"/>
+          <p:nvPr/>
+        </p:nvSpPr>
+        <p:spPr>
+          <a:xfrm>
+            <a:off x="2222972" y="1637951"/>
+            <a:ext cx="765339" cy="646331"/>
+          </a:xfrm>
+          <a:prstGeom prst="rect">
+            <a:avLst/>
+          </a:prstGeom>
+          <a:noFill/>
+        </p:spPr>
+        <p:txBody>
+          <a:bodyPr wrap="none" rtlCol="0">
+            <a:spAutoFit/>
+          </a:bodyPr>
+          <a:lstStyle/>
+          <a:p>
+            <a:pPr algn="ctr"/>
+            <a:r>
+              <a:rPr lang="en-US" dirty="0">
+                <a:solidFill>
+                  <a:srgbClr val="00B050"/>
+                </a:solidFill>
+              </a:rPr>
+              <a:t>Stable</a:t>
+            </a:r>
+          </a:p>
+          <a:p>
+            <a:pPr algn="ctr"/>
+            <a:r>
+              <a:rPr lang="en-US" dirty="0">
+                <a:solidFill>
+                  <a:srgbClr val="00B050"/>
+                </a:solidFill>
+              </a:rPr>
+              <a:t>State</a:t>
+            </a:r>
+          </a:p>
+        </p:txBody>
+      </p:sp>
+      <p:sp>
+        <p:nvSpPr>
+          <p:cNvPr id="54" name="TextBox 53">
+            <a:extLst>
+              <a:ext uri="{FF2B5EF4-FFF2-40B4-BE49-F238E27FC236}">
+                <a16:creationId xmlns:a16="http://schemas.microsoft.com/office/drawing/2014/main" id="{D136EB0A-B280-3743-97D7-FACFBB543374}"/>
+              </a:ext>
+            </a:extLst>
+          </p:cNvPr>
+          <p:cNvSpPr txBox="1"/>
+          <p:nvPr/>
+        </p:nvSpPr>
+        <p:spPr>
+          <a:xfrm>
+            <a:off x="4469173" y="3378352"/>
+            <a:ext cx="765339" cy="646331"/>
+          </a:xfrm>
+          <a:prstGeom prst="rect">
+            <a:avLst/>
+          </a:prstGeom>
+          <a:noFill/>
+        </p:spPr>
+        <p:txBody>
+          <a:bodyPr wrap="none" rtlCol="0">
+            <a:spAutoFit/>
+          </a:bodyPr>
+          <a:lstStyle/>
+          <a:p>
+            <a:pPr algn="ctr"/>
+            <a:r>
+              <a:rPr lang="en-US" dirty="0">
+                <a:solidFill>
+                  <a:srgbClr val="00B050"/>
+                </a:solidFill>
+              </a:rPr>
+              <a:t>Stable</a:t>
+            </a:r>
+          </a:p>
+          <a:p>
+            <a:pPr algn="ctr"/>
+            <a:r>
+              <a:rPr lang="en-US" dirty="0">
+                <a:solidFill>
+                  <a:srgbClr val="00B050"/>
+                </a:solidFill>
+              </a:rPr>
+              <a:t>State</a:t>
+            </a:r>
+          </a:p>
+        </p:txBody>
+      </p:sp>
+      <p:sp>
+        <p:nvSpPr>
+          <p:cNvPr id="55" name="TextBox 54">
+            <a:extLst>
+              <a:ext uri="{FF2B5EF4-FFF2-40B4-BE49-F238E27FC236}">
+                <a16:creationId xmlns:a16="http://schemas.microsoft.com/office/drawing/2014/main" id="{9FC946BA-0A1B-3D41-B473-1B5B61194151}"/>
+              </a:ext>
+            </a:extLst>
+          </p:cNvPr>
+          <p:cNvSpPr txBox="1"/>
+          <p:nvPr/>
+        </p:nvSpPr>
+        <p:spPr>
+          <a:xfrm>
+            <a:off x="3262379" y="4087288"/>
+            <a:ext cx="958917" cy="369332"/>
+          </a:xfrm>
+          <a:prstGeom prst="rect">
+            <a:avLst/>
+          </a:prstGeom>
+          <a:noFill/>
+        </p:spPr>
+        <p:txBody>
+          <a:bodyPr wrap="none" rtlCol="0">
+            <a:spAutoFit/>
+          </a:bodyPr>
+          <a:lstStyle/>
+          <a:p>
+            <a:r>
+              <a:rPr lang="en-US" dirty="0"/>
+              <a:t>20 msec</a:t>
+            </a:r>
+          </a:p>
+        </p:txBody>
+      </p:sp>
+    </p:spTree>
+    <p:extLst>
+      <p:ext uri="{BB962C8B-B14F-4D97-AF65-F5344CB8AC3E}">
+        <p14:creationId xmlns:p14="http://schemas.microsoft.com/office/powerpoint/2010/main" val="286883739"/>
+      </p:ext>
+    </p:extLst>
+  </p:cSld>
+  <p:clrMapOvr>
+    <a:masterClrMapping/>
+  </p:clrMapOvr>
+</p:sld>
+</file>
+
+<file path=ppt/slides/slide8.xml><?xml version="1.0" encoding="utf-8"?>
 <p:sld xmlns:a="http://schemas.openxmlformats.org/drawingml/2006/main" xmlns:r="http://schemas.openxmlformats.org/officeDocument/2006/relationships" xmlns:p="http://schemas.openxmlformats.org/presentationml/2006/main">
   <p:cSld>
     <p:spTree>
@@ -9128,1682 +13712,6 @@
 </p:sld>
 </file>
 
-<file path=ppt/slides/slide7.xml><?xml version="1.0" encoding="utf-8"?>
-<p:sld xmlns:a="http://schemas.openxmlformats.org/drawingml/2006/main" xmlns:r="http://schemas.openxmlformats.org/officeDocument/2006/relationships" xmlns:p="http://schemas.openxmlformats.org/presentationml/2006/main">
-  <p:cSld>
-    <p:spTree>
-      <p:nvGrpSpPr>
-        <p:cNvPr id="1" name=""/>
-        <p:cNvGrpSpPr/>
-        <p:nvPr/>
-      </p:nvGrpSpPr>
-      <p:grpSpPr>
-        <a:xfrm>
-          <a:off x="0" y="0"/>
-          <a:ext cx="0" cy="0"/>
-          <a:chOff x="0" y="0"/>
-          <a:chExt cx="0" cy="0"/>
-        </a:xfrm>
-      </p:grpSpPr>
-      <p:sp>
-        <p:nvSpPr>
-          <p:cNvPr id="2" name="Title 1">
-            <a:extLst>
-              <a:ext uri="{FF2B5EF4-FFF2-40B4-BE49-F238E27FC236}">
-                <a16:creationId xmlns:a16="http://schemas.microsoft.com/office/drawing/2014/main" id="{DFEFA16C-A157-F248-AFA1-440E69529FA7}"/>
-              </a:ext>
-            </a:extLst>
-          </p:cNvPr>
-          <p:cNvSpPr>
-            <a:spLocks noGrp="1"/>
-          </p:cNvSpPr>
-          <p:nvPr>
-            <p:ph type="title"/>
-          </p:nvPr>
-        </p:nvSpPr>
-        <p:spPr>
-          <a:xfrm>
-            <a:off x="411480" y="338773"/>
-            <a:ext cx="10515600" cy="644843"/>
-          </a:xfrm>
-        </p:spPr>
-        <p:txBody>
-          <a:bodyPr>
-            <a:normAutofit fontScale="90000"/>
-          </a:bodyPr>
-          <a:lstStyle/>
-          <a:p>
-            <a:r>
-              <a:rPr lang="en-US" dirty="0"/>
-              <a:t>Motor Driver Circuit</a:t>
-            </a:r>
-          </a:p>
-        </p:txBody>
-      </p:sp>
-      <p:sp>
-        <p:nvSpPr>
-          <p:cNvPr id="3" name="Content Placeholder 2">
-            <a:extLst>
-              <a:ext uri="{FF2B5EF4-FFF2-40B4-BE49-F238E27FC236}">
-                <a16:creationId xmlns:a16="http://schemas.microsoft.com/office/drawing/2014/main" id="{CA680DBB-1CEA-C34E-8B41-75C42D17D005}"/>
-              </a:ext>
-            </a:extLst>
-          </p:cNvPr>
-          <p:cNvSpPr>
-            <a:spLocks noGrp="1"/>
-          </p:cNvSpPr>
-          <p:nvPr>
-            <p:ph idx="1"/>
-          </p:nvPr>
-        </p:nvSpPr>
-        <p:spPr>
-          <a:xfrm>
-            <a:off x="838200" y="5770947"/>
-            <a:ext cx="10515600" cy="644843"/>
-          </a:xfrm>
-        </p:spPr>
-        <p:txBody>
-          <a:bodyPr/>
-          <a:lstStyle/>
-          <a:p>
-            <a:endParaRPr lang="en-US" dirty="0"/>
-          </a:p>
-        </p:txBody>
-      </p:sp>
-      <p:pic>
-        <p:nvPicPr>
-          <p:cNvPr id="1026" name="Picture 2" descr="Arduino Transistor DC Motor Control">
-            <a:extLst>
-              <a:ext uri="{FF2B5EF4-FFF2-40B4-BE49-F238E27FC236}">
-                <a16:creationId xmlns:a16="http://schemas.microsoft.com/office/drawing/2014/main" id="{33E51726-9330-E54B-9BC7-1C79773865D5}"/>
-              </a:ext>
-            </a:extLst>
-          </p:cNvPr>
-          <p:cNvPicPr>
-            <a:picLocks noChangeAspect="1" noChangeArrowheads="1"/>
-          </p:cNvPicPr>
-          <p:nvPr/>
-        </p:nvPicPr>
-        <p:blipFill rotWithShape="1">
-          <a:blip r:embed="rId2">
-            <a:extLst>
-              <a:ext uri="{28A0092B-C50C-407E-A947-70E740481C1C}">
-                <a14:useLocalDpi xmlns:a14="http://schemas.microsoft.com/office/drawing/2010/main" val="0"/>
-              </a:ext>
-            </a:extLst>
-          </a:blip>
-          <a:srcRect l="26680" t="8347"/>
-          <a:stretch/>
-        </p:blipFill>
-        <p:spPr bwMode="auto">
-          <a:xfrm>
-            <a:off x="4221479" y="1802523"/>
-            <a:ext cx="3487051" cy="3617760"/>
-          </a:xfrm>
-          <a:prstGeom prst="rect">
-            <a:avLst/>
-          </a:prstGeom>
-          <a:noFill/>
-          <a:extLst>
-            <a:ext uri="{909E8E84-426E-40DD-AFC4-6F175D3DCCD1}">
-              <a14:hiddenFill xmlns:a14="http://schemas.microsoft.com/office/drawing/2010/main">
-                <a:solidFill>
-                  <a:srgbClr val="FFFFFF"/>
-                </a:solidFill>
-              </a14:hiddenFill>
-            </a:ext>
-          </a:extLst>
-        </p:spPr>
-      </p:pic>
-      <p:pic>
-        <p:nvPicPr>
-          <p:cNvPr id="5" name="Picture 4">
-            <a:extLst>
-              <a:ext uri="{FF2B5EF4-FFF2-40B4-BE49-F238E27FC236}">
-                <a16:creationId xmlns:a16="http://schemas.microsoft.com/office/drawing/2014/main" id="{9E692AE7-C1FE-2C40-9678-9A6D3C7C28F4}"/>
-              </a:ext>
-            </a:extLst>
-          </p:cNvPr>
-          <p:cNvPicPr>
-            <a:picLocks noChangeAspect="1"/>
-          </p:cNvPicPr>
-          <p:nvPr/>
-        </p:nvPicPr>
-        <p:blipFill>
-          <a:blip r:embed="rId3"/>
-          <a:stretch>
-            <a:fillRect/>
-          </a:stretch>
-        </p:blipFill>
-        <p:spPr>
-          <a:xfrm>
-            <a:off x="1838699" y="1802523"/>
-            <a:ext cx="1442375" cy="3617760"/>
-          </a:xfrm>
-          <a:prstGeom prst="rect">
-            <a:avLst/>
-          </a:prstGeom>
-        </p:spPr>
-      </p:pic>
-      <p:cxnSp>
-        <p:nvCxnSpPr>
-          <p:cNvPr id="6" name="Straight Connector 5">
-            <a:extLst>
-              <a:ext uri="{FF2B5EF4-FFF2-40B4-BE49-F238E27FC236}">
-                <a16:creationId xmlns:a16="http://schemas.microsoft.com/office/drawing/2014/main" id="{F710BA68-9101-E245-9A8F-6B672CCA1A1D}"/>
-              </a:ext>
-            </a:extLst>
-          </p:cNvPr>
-          <p:cNvCxnSpPr/>
-          <p:nvPr/>
-        </p:nvCxnSpPr>
-        <p:spPr>
-          <a:xfrm>
-            <a:off x="3281074" y="4983480"/>
-            <a:ext cx="2921606" cy="320040"/>
-          </a:xfrm>
-          <a:prstGeom prst="line">
-            <a:avLst/>
-          </a:prstGeom>
-          <a:ln w="63500">
-            <a:solidFill>
-              <a:schemeClr val="tx1"/>
-            </a:solidFill>
-          </a:ln>
-        </p:spPr>
-        <p:style>
-          <a:lnRef idx="1">
-            <a:schemeClr val="accent1"/>
-          </a:lnRef>
-          <a:fillRef idx="0">
-            <a:schemeClr val="accent1"/>
-          </a:fillRef>
-          <a:effectRef idx="0">
-            <a:schemeClr val="accent1"/>
-          </a:effectRef>
-          <a:fontRef idx="minor">
-            <a:schemeClr val="tx1"/>
-          </a:fontRef>
-        </p:style>
-      </p:cxnSp>
-      <p:cxnSp>
-        <p:nvCxnSpPr>
-          <p:cNvPr id="8" name="Straight Connector 7">
-            <a:extLst>
-              <a:ext uri="{FF2B5EF4-FFF2-40B4-BE49-F238E27FC236}">
-                <a16:creationId xmlns:a16="http://schemas.microsoft.com/office/drawing/2014/main" id="{96C10E0D-8E37-D14F-B90D-BF5E763779D9}"/>
-              </a:ext>
-            </a:extLst>
-          </p:cNvPr>
-          <p:cNvCxnSpPr>
-            <a:cxnSpLocks/>
-          </p:cNvCxnSpPr>
-          <p:nvPr/>
-        </p:nvCxnSpPr>
-        <p:spPr>
-          <a:xfrm flipV="1">
-            <a:off x="3162341" y="1996911"/>
-            <a:ext cx="3040339" cy="45343"/>
-          </a:xfrm>
-          <a:prstGeom prst="line">
-            <a:avLst/>
-          </a:prstGeom>
-          <a:ln w="63500">
-            <a:solidFill>
-              <a:srgbClr val="FF0000"/>
-            </a:solidFill>
-          </a:ln>
-        </p:spPr>
-        <p:style>
-          <a:lnRef idx="1">
-            <a:schemeClr val="accent1"/>
-          </a:lnRef>
-          <a:fillRef idx="0">
-            <a:schemeClr val="accent1"/>
-          </a:fillRef>
-          <a:effectRef idx="0">
-            <a:schemeClr val="accent1"/>
-          </a:effectRef>
-          <a:fontRef idx="minor">
-            <a:schemeClr val="tx1"/>
-          </a:fontRef>
-        </p:style>
-      </p:cxnSp>
-      <p:cxnSp>
-        <p:nvCxnSpPr>
-          <p:cNvPr id="10" name="Straight Connector 9">
-            <a:extLst>
-              <a:ext uri="{FF2B5EF4-FFF2-40B4-BE49-F238E27FC236}">
-                <a16:creationId xmlns:a16="http://schemas.microsoft.com/office/drawing/2014/main" id="{CC39F5DB-6E80-3348-9ABC-FCE12E576711}"/>
-              </a:ext>
-            </a:extLst>
-          </p:cNvPr>
-          <p:cNvCxnSpPr>
-            <a:cxnSpLocks/>
-          </p:cNvCxnSpPr>
-          <p:nvPr/>
-        </p:nvCxnSpPr>
-        <p:spPr>
-          <a:xfrm flipV="1">
-            <a:off x="3267117" y="4164574"/>
-            <a:ext cx="954362" cy="128026"/>
-          </a:xfrm>
-          <a:prstGeom prst="line">
-            <a:avLst/>
-          </a:prstGeom>
-          <a:ln w="63500">
-            <a:solidFill>
-              <a:srgbClr val="0432FF"/>
-            </a:solidFill>
-          </a:ln>
-        </p:spPr>
-        <p:style>
-          <a:lnRef idx="1">
-            <a:schemeClr val="accent1"/>
-          </a:lnRef>
-          <a:fillRef idx="0">
-            <a:schemeClr val="accent1"/>
-          </a:fillRef>
-          <a:effectRef idx="0">
-            <a:schemeClr val="accent1"/>
-          </a:effectRef>
-          <a:fontRef idx="minor">
-            <a:schemeClr val="tx1"/>
-          </a:fontRef>
-        </p:style>
-      </p:cxnSp>
-      <p:sp>
-        <p:nvSpPr>
-          <p:cNvPr id="12" name="TextBox 11">
-            <a:extLst>
-              <a:ext uri="{FF2B5EF4-FFF2-40B4-BE49-F238E27FC236}">
-                <a16:creationId xmlns:a16="http://schemas.microsoft.com/office/drawing/2014/main" id="{2F2DE8DF-FAA1-344B-924E-E8DE9280131D}"/>
-              </a:ext>
-            </a:extLst>
-          </p:cNvPr>
-          <p:cNvSpPr txBox="1"/>
-          <p:nvPr/>
-        </p:nvSpPr>
-        <p:spPr>
-          <a:xfrm>
-            <a:off x="7708530" y="1920050"/>
-            <a:ext cx="2334630" cy="1754326"/>
-          </a:xfrm>
-          <a:prstGeom prst="rect">
-            <a:avLst/>
-          </a:prstGeom>
-          <a:noFill/>
-        </p:spPr>
-        <p:txBody>
-          <a:bodyPr wrap="square" rtlCol="0">
-            <a:spAutoFit/>
-          </a:bodyPr>
-          <a:lstStyle/>
-          <a:p>
-            <a:r>
-              <a:rPr lang="en-US" dirty="0"/>
-              <a:t>Flyback diode to prevent motor from generating current that will destroy the Pico GPIO circuits.</a:t>
-            </a:r>
-          </a:p>
-          <a:p>
-            <a:endParaRPr lang="en-US" dirty="0"/>
-          </a:p>
-        </p:txBody>
-      </p:sp>
-      <p:sp>
-        <p:nvSpPr>
-          <p:cNvPr id="13" name="Rectangle 12">
-            <a:extLst>
-              <a:ext uri="{FF2B5EF4-FFF2-40B4-BE49-F238E27FC236}">
-                <a16:creationId xmlns:a16="http://schemas.microsoft.com/office/drawing/2014/main" id="{02F6877E-6AF1-0F4C-B242-AF53955515E9}"/>
-              </a:ext>
-            </a:extLst>
-          </p:cNvPr>
-          <p:cNvSpPr/>
-          <p:nvPr/>
-        </p:nvSpPr>
-        <p:spPr>
-          <a:xfrm>
-            <a:off x="3095625" y="4924425"/>
-            <a:ext cx="185449" cy="111125"/>
-          </a:xfrm>
-          <a:prstGeom prst="rect">
-            <a:avLst/>
-          </a:prstGeom>
-          <a:solidFill>
-            <a:schemeClr val="tx1"/>
-          </a:solidFill>
-          <a:ln>
-            <a:noFill/>
-          </a:ln>
-        </p:spPr>
-        <p:style>
-          <a:lnRef idx="2">
-            <a:schemeClr val="accent1">
-              <a:shade val="50000"/>
-            </a:schemeClr>
-          </a:lnRef>
-          <a:fillRef idx="1">
-            <a:schemeClr val="accent1"/>
-          </a:fillRef>
-          <a:effectRef idx="0">
-            <a:schemeClr val="accent1"/>
-          </a:effectRef>
-          <a:fontRef idx="minor">
-            <a:schemeClr val="lt1"/>
-          </a:fontRef>
-        </p:style>
-        <p:txBody>
-          <a:bodyPr rtlCol="0" anchor="ctr"/>
-          <a:lstStyle/>
-          <a:p>
-            <a:pPr algn="ctr"/>
-            <a:endParaRPr lang="en-US"/>
-          </a:p>
-        </p:txBody>
-      </p:sp>
-      <p:sp>
-        <p:nvSpPr>
-          <p:cNvPr id="15" name="Rectangle 14">
-            <a:extLst>
-              <a:ext uri="{FF2B5EF4-FFF2-40B4-BE49-F238E27FC236}">
-                <a16:creationId xmlns:a16="http://schemas.microsoft.com/office/drawing/2014/main" id="{51951276-F1A8-6A43-8B72-9BBDC810BBED}"/>
-              </a:ext>
-            </a:extLst>
-          </p:cNvPr>
-          <p:cNvSpPr/>
-          <p:nvPr/>
-        </p:nvSpPr>
-        <p:spPr>
-          <a:xfrm>
-            <a:off x="3081669" y="4073613"/>
-            <a:ext cx="185449" cy="111125"/>
-          </a:xfrm>
-          <a:prstGeom prst="rect">
-            <a:avLst/>
-          </a:prstGeom>
-          <a:solidFill>
-            <a:schemeClr val="tx1"/>
-          </a:solidFill>
-          <a:ln>
-            <a:noFill/>
-          </a:ln>
-        </p:spPr>
-        <p:style>
-          <a:lnRef idx="2">
-            <a:schemeClr val="accent1">
-              <a:shade val="50000"/>
-            </a:schemeClr>
-          </a:lnRef>
-          <a:fillRef idx="1">
-            <a:schemeClr val="accent1"/>
-          </a:fillRef>
-          <a:effectRef idx="0">
-            <a:schemeClr val="accent1"/>
-          </a:effectRef>
-          <a:fontRef idx="minor">
-            <a:schemeClr val="lt1"/>
-          </a:fontRef>
-        </p:style>
-        <p:txBody>
-          <a:bodyPr rtlCol="0" anchor="ctr"/>
-          <a:lstStyle/>
-          <a:p>
-            <a:pPr algn="ctr"/>
-            <a:endParaRPr lang="en-US"/>
-          </a:p>
-        </p:txBody>
-      </p:sp>
-      <p:sp>
-        <p:nvSpPr>
-          <p:cNvPr id="16" name="Rectangle 15">
-            <a:extLst>
-              <a:ext uri="{FF2B5EF4-FFF2-40B4-BE49-F238E27FC236}">
-                <a16:creationId xmlns:a16="http://schemas.microsoft.com/office/drawing/2014/main" id="{2191F2AC-445E-5549-8720-222A4D573F5C}"/>
-              </a:ext>
-            </a:extLst>
-          </p:cNvPr>
-          <p:cNvSpPr/>
-          <p:nvPr/>
-        </p:nvSpPr>
-        <p:spPr>
-          <a:xfrm>
-            <a:off x="3081668" y="3201439"/>
-            <a:ext cx="185449" cy="111125"/>
-          </a:xfrm>
-          <a:prstGeom prst="rect">
-            <a:avLst/>
-          </a:prstGeom>
-          <a:solidFill>
-            <a:schemeClr val="tx1"/>
-          </a:solidFill>
-          <a:ln>
-            <a:noFill/>
-          </a:ln>
-        </p:spPr>
-        <p:style>
-          <a:lnRef idx="2">
-            <a:schemeClr val="accent1">
-              <a:shade val="50000"/>
-            </a:schemeClr>
-          </a:lnRef>
-          <a:fillRef idx="1">
-            <a:schemeClr val="accent1"/>
-          </a:fillRef>
-          <a:effectRef idx="0">
-            <a:schemeClr val="accent1"/>
-          </a:effectRef>
-          <a:fontRef idx="minor">
-            <a:schemeClr val="lt1"/>
-          </a:fontRef>
-        </p:style>
-        <p:txBody>
-          <a:bodyPr rtlCol="0" anchor="ctr"/>
-          <a:lstStyle/>
-          <a:p>
-            <a:pPr algn="ctr"/>
-            <a:endParaRPr lang="en-US"/>
-          </a:p>
-        </p:txBody>
-      </p:sp>
-      <p:sp>
-        <p:nvSpPr>
-          <p:cNvPr id="17" name="TextBox 16">
-            <a:extLst>
-              <a:ext uri="{FF2B5EF4-FFF2-40B4-BE49-F238E27FC236}">
-                <a16:creationId xmlns:a16="http://schemas.microsoft.com/office/drawing/2014/main" id="{297B7FDB-EF69-584A-B141-C36DEFA6FB98}"/>
-              </a:ext>
-            </a:extLst>
-          </p:cNvPr>
-          <p:cNvSpPr txBox="1"/>
-          <p:nvPr/>
-        </p:nvSpPr>
-        <p:spPr>
-          <a:xfrm>
-            <a:off x="3617199" y="2087403"/>
-            <a:ext cx="831190" cy="369332"/>
-          </a:xfrm>
-          <a:prstGeom prst="rect">
-            <a:avLst/>
-          </a:prstGeom>
-          <a:noFill/>
-        </p:spPr>
-        <p:txBody>
-          <a:bodyPr wrap="none" rtlCol="0">
-            <a:spAutoFit/>
-          </a:bodyPr>
-          <a:lstStyle/>
-          <a:p>
-            <a:r>
-              <a:rPr lang="en-US" b="1" dirty="0">
-                <a:solidFill>
-                  <a:srgbClr val="FF0000"/>
-                </a:solidFill>
-              </a:rPr>
-              <a:t>5 Volts</a:t>
-            </a:r>
-          </a:p>
-        </p:txBody>
-      </p:sp>
-      <p:sp>
-        <p:nvSpPr>
-          <p:cNvPr id="20" name="TextBox 19">
-            <a:extLst>
-              <a:ext uri="{FF2B5EF4-FFF2-40B4-BE49-F238E27FC236}">
-                <a16:creationId xmlns:a16="http://schemas.microsoft.com/office/drawing/2014/main" id="{206F3650-4CF5-1C4D-8D90-929FAF6DC195}"/>
-              </a:ext>
-            </a:extLst>
-          </p:cNvPr>
-          <p:cNvSpPr txBox="1"/>
-          <p:nvPr/>
-        </p:nvSpPr>
-        <p:spPr>
-          <a:xfrm>
-            <a:off x="3464832" y="5073526"/>
-            <a:ext cx="630301" cy="369332"/>
-          </a:xfrm>
-          <a:prstGeom prst="rect">
-            <a:avLst/>
-          </a:prstGeom>
-          <a:noFill/>
-        </p:spPr>
-        <p:txBody>
-          <a:bodyPr wrap="none" rtlCol="0">
-            <a:spAutoFit/>
-          </a:bodyPr>
-          <a:lstStyle/>
-          <a:p>
-            <a:r>
-              <a:rPr lang="en-US" b="1" dirty="0"/>
-              <a:t>GND</a:t>
-            </a:r>
-          </a:p>
-        </p:txBody>
-      </p:sp>
-      <p:sp>
-        <p:nvSpPr>
-          <p:cNvPr id="19" name="Rectangle 18">
-            <a:extLst>
-              <a:ext uri="{FF2B5EF4-FFF2-40B4-BE49-F238E27FC236}">
-                <a16:creationId xmlns:a16="http://schemas.microsoft.com/office/drawing/2014/main" id="{90E09ABD-7FD9-8D49-A0AB-88C7B0D9082F}"/>
-              </a:ext>
-            </a:extLst>
-          </p:cNvPr>
-          <p:cNvSpPr/>
-          <p:nvPr/>
-        </p:nvSpPr>
-        <p:spPr>
-          <a:xfrm>
-            <a:off x="4221479" y="3841729"/>
-            <a:ext cx="226910" cy="287446"/>
-          </a:xfrm>
-          <a:prstGeom prst="rect">
-            <a:avLst/>
-          </a:prstGeom>
-          <a:solidFill>
-            <a:schemeClr val="bg1"/>
-          </a:solidFill>
-          <a:ln>
-            <a:noFill/>
-          </a:ln>
-        </p:spPr>
-        <p:style>
-          <a:lnRef idx="2">
-            <a:schemeClr val="accent1">
-              <a:shade val="50000"/>
-            </a:schemeClr>
-          </a:lnRef>
-          <a:fillRef idx="1">
-            <a:schemeClr val="accent1"/>
-          </a:fillRef>
-          <a:effectRef idx="0">
-            <a:schemeClr val="accent1"/>
-          </a:effectRef>
-          <a:fontRef idx="minor">
-            <a:schemeClr val="lt1"/>
-          </a:fontRef>
-        </p:style>
-        <p:txBody>
-          <a:bodyPr rtlCol="0" anchor="ctr"/>
-          <a:lstStyle/>
-          <a:p>
-            <a:pPr algn="ctr"/>
-            <a:endParaRPr lang="en-US"/>
-          </a:p>
-        </p:txBody>
-      </p:sp>
-      <p:sp>
-        <p:nvSpPr>
-          <p:cNvPr id="22" name="TextBox 21">
-            <a:extLst>
-              <a:ext uri="{FF2B5EF4-FFF2-40B4-BE49-F238E27FC236}">
-                <a16:creationId xmlns:a16="http://schemas.microsoft.com/office/drawing/2014/main" id="{B8F23673-2323-074C-BB46-684BB0878A40}"/>
-              </a:ext>
-            </a:extLst>
-          </p:cNvPr>
-          <p:cNvSpPr txBox="1"/>
-          <p:nvPr/>
-        </p:nvSpPr>
-        <p:spPr>
-          <a:xfrm>
-            <a:off x="6386438" y="4309156"/>
-            <a:ext cx="2334630" cy="1200329"/>
-          </a:xfrm>
-          <a:prstGeom prst="rect">
-            <a:avLst/>
-          </a:prstGeom>
-          <a:noFill/>
-        </p:spPr>
-        <p:txBody>
-          <a:bodyPr wrap="square" rtlCol="0">
-            <a:spAutoFit/>
-          </a:bodyPr>
-          <a:lstStyle/>
-          <a:p>
-            <a:r>
-              <a:rPr lang="en-US" dirty="0"/>
-              <a:t>NPN Transistor used to</a:t>
-            </a:r>
-          </a:p>
-          <a:p>
-            <a:r>
-              <a:rPr lang="en-US" dirty="0"/>
-              <a:t>switch the the power to the motor</a:t>
-            </a:r>
-          </a:p>
-          <a:p>
-            <a:endParaRPr lang="en-US" dirty="0"/>
-          </a:p>
-        </p:txBody>
-      </p:sp>
-      <p:sp>
-        <p:nvSpPr>
-          <p:cNvPr id="21" name="TextBox 20">
-            <a:extLst>
-              <a:ext uri="{FF2B5EF4-FFF2-40B4-BE49-F238E27FC236}">
-                <a16:creationId xmlns:a16="http://schemas.microsoft.com/office/drawing/2014/main" id="{A2EF73F5-DB60-D14F-A9EB-A16AE0702B43}"/>
-              </a:ext>
-            </a:extLst>
-          </p:cNvPr>
-          <p:cNvSpPr txBox="1"/>
-          <p:nvPr/>
-        </p:nvSpPr>
-        <p:spPr>
-          <a:xfrm>
-            <a:off x="6417106" y="3616120"/>
-            <a:ext cx="2231829" cy="369332"/>
-          </a:xfrm>
-          <a:prstGeom prst="rect">
-            <a:avLst/>
-          </a:prstGeom>
-          <a:noFill/>
-        </p:spPr>
-        <p:txBody>
-          <a:bodyPr wrap="none" rtlCol="0">
-            <a:spAutoFit/>
-          </a:bodyPr>
-          <a:lstStyle/>
-          <a:p>
-            <a:r>
-              <a:rPr lang="en-US" dirty="0"/>
-              <a:t>200 milliamps current</a:t>
-            </a:r>
-          </a:p>
-        </p:txBody>
-      </p:sp>
-    </p:spTree>
-    <p:extLst>
-      <p:ext uri="{BB962C8B-B14F-4D97-AF65-F5344CB8AC3E}">
-        <p14:creationId xmlns:p14="http://schemas.microsoft.com/office/powerpoint/2010/main" val="2218377891"/>
-      </p:ext>
-    </p:extLst>
-  </p:cSld>
-  <p:clrMapOvr>
-    <a:masterClrMapping/>
-  </p:clrMapOvr>
-</p:sld>
-</file>
-
-<file path=ppt/slides/slide8.xml><?xml version="1.0" encoding="utf-8"?>
-<p:sld xmlns:a="http://schemas.openxmlformats.org/drawingml/2006/main" xmlns:r="http://schemas.openxmlformats.org/officeDocument/2006/relationships" xmlns:p="http://schemas.openxmlformats.org/presentationml/2006/main">
-  <p:cSld>
-    <p:spTree>
-      <p:nvGrpSpPr>
-        <p:cNvPr id="1" name=""/>
-        <p:cNvGrpSpPr/>
-        <p:nvPr/>
-      </p:nvGrpSpPr>
-      <p:grpSpPr>
-        <a:xfrm>
-          <a:off x="0" y="0"/>
-          <a:ext cx="0" cy="0"/>
-          <a:chOff x="0" y="0"/>
-          <a:chExt cx="0" cy="0"/>
-        </a:xfrm>
-      </p:grpSpPr>
-      <p:sp>
-        <p:nvSpPr>
-          <p:cNvPr id="2" name="Title 1">
-            <a:extLst>
-              <a:ext uri="{FF2B5EF4-FFF2-40B4-BE49-F238E27FC236}">
-                <a16:creationId xmlns:a16="http://schemas.microsoft.com/office/drawing/2014/main" id="{DFEFA16C-A157-F248-AFA1-440E69529FA7}"/>
-              </a:ext>
-            </a:extLst>
-          </p:cNvPr>
-          <p:cNvSpPr>
-            <a:spLocks noGrp="1"/>
-          </p:cNvSpPr>
-          <p:nvPr>
-            <p:ph type="title"/>
-          </p:nvPr>
-        </p:nvSpPr>
-        <p:spPr>
-          <a:xfrm>
-            <a:off x="411480" y="338773"/>
-            <a:ext cx="10515600" cy="644843"/>
-          </a:xfrm>
-        </p:spPr>
-        <p:txBody>
-          <a:bodyPr>
-            <a:normAutofit fontScale="90000"/>
-          </a:bodyPr>
-          <a:lstStyle/>
-          <a:p>
-            <a:r>
-              <a:rPr lang="en-US" dirty="0"/>
-              <a:t>Motor Driver Circuit</a:t>
-            </a:r>
-          </a:p>
-        </p:txBody>
-      </p:sp>
-      <p:sp>
-        <p:nvSpPr>
-          <p:cNvPr id="3" name="Content Placeholder 2">
-            <a:extLst>
-              <a:ext uri="{FF2B5EF4-FFF2-40B4-BE49-F238E27FC236}">
-                <a16:creationId xmlns:a16="http://schemas.microsoft.com/office/drawing/2014/main" id="{CA680DBB-1CEA-C34E-8B41-75C42D17D005}"/>
-              </a:ext>
-            </a:extLst>
-          </p:cNvPr>
-          <p:cNvSpPr>
-            <a:spLocks noGrp="1"/>
-          </p:cNvSpPr>
-          <p:nvPr>
-            <p:ph idx="1"/>
-          </p:nvPr>
-        </p:nvSpPr>
-        <p:spPr>
-          <a:xfrm>
-            <a:off x="838200" y="5770947"/>
-            <a:ext cx="10515600" cy="644843"/>
-          </a:xfrm>
-        </p:spPr>
-        <p:txBody>
-          <a:bodyPr/>
-          <a:lstStyle/>
-          <a:p>
-            <a:endParaRPr lang="en-US" dirty="0"/>
-          </a:p>
-        </p:txBody>
-      </p:sp>
-      <p:pic>
-        <p:nvPicPr>
-          <p:cNvPr id="5" name="Picture 4">
-            <a:extLst>
-              <a:ext uri="{FF2B5EF4-FFF2-40B4-BE49-F238E27FC236}">
-                <a16:creationId xmlns:a16="http://schemas.microsoft.com/office/drawing/2014/main" id="{9E692AE7-C1FE-2C40-9678-9A6D3C7C28F4}"/>
-              </a:ext>
-            </a:extLst>
-          </p:cNvPr>
-          <p:cNvPicPr>
-            <a:picLocks noChangeAspect="1"/>
-          </p:cNvPicPr>
-          <p:nvPr/>
-        </p:nvPicPr>
-        <p:blipFill>
-          <a:blip r:embed="rId2"/>
-          <a:stretch>
-            <a:fillRect/>
-          </a:stretch>
-        </p:blipFill>
-        <p:spPr>
-          <a:xfrm>
-            <a:off x="1838699" y="1802523"/>
-            <a:ext cx="1442375" cy="3617760"/>
-          </a:xfrm>
-          <a:prstGeom prst="rect">
-            <a:avLst/>
-          </a:prstGeom>
-        </p:spPr>
-      </p:pic>
-      <p:cxnSp>
-        <p:nvCxnSpPr>
-          <p:cNvPr id="6" name="Straight Connector 5">
-            <a:extLst>
-              <a:ext uri="{FF2B5EF4-FFF2-40B4-BE49-F238E27FC236}">
-                <a16:creationId xmlns:a16="http://schemas.microsoft.com/office/drawing/2014/main" id="{F710BA68-9101-E245-9A8F-6B672CCA1A1D}"/>
-              </a:ext>
-            </a:extLst>
-          </p:cNvPr>
-          <p:cNvCxnSpPr>
-            <a:cxnSpLocks/>
-          </p:cNvCxnSpPr>
-          <p:nvPr/>
-        </p:nvCxnSpPr>
-        <p:spPr>
-          <a:xfrm flipV="1">
-            <a:off x="3267117" y="3235279"/>
-            <a:ext cx="1594815" cy="19056"/>
-          </a:xfrm>
-          <a:prstGeom prst="line">
-            <a:avLst/>
-          </a:prstGeom>
-          <a:ln w="63500" cap="sq">
-            <a:solidFill>
-              <a:schemeClr val="tx1"/>
-            </a:solidFill>
-          </a:ln>
-        </p:spPr>
-        <p:style>
-          <a:lnRef idx="1">
-            <a:schemeClr val="accent1"/>
-          </a:lnRef>
-          <a:fillRef idx="0">
-            <a:schemeClr val="accent1"/>
-          </a:fillRef>
-          <a:effectRef idx="0">
-            <a:schemeClr val="accent1"/>
-          </a:effectRef>
-          <a:fontRef idx="minor">
-            <a:schemeClr val="tx1"/>
-          </a:fontRef>
-        </p:style>
-      </p:cxnSp>
-      <p:cxnSp>
-        <p:nvCxnSpPr>
-          <p:cNvPr id="8" name="Straight Connector 7">
-            <a:extLst>
-              <a:ext uri="{FF2B5EF4-FFF2-40B4-BE49-F238E27FC236}">
-                <a16:creationId xmlns:a16="http://schemas.microsoft.com/office/drawing/2014/main" id="{96C10E0D-8E37-D14F-B90D-BF5E763779D9}"/>
-              </a:ext>
-            </a:extLst>
-          </p:cNvPr>
-          <p:cNvCxnSpPr>
-            <a:cxnSpLocks/>
-          </p:cNvCxnSpPr>
-          <p:nvPr/>
-        </p:nvCxnSpPr>
-        <p:spPr>
-          <a:xfrm flipV="1">
-            <a:off x="3095625" y="2878211"/>
-            <a:ext cx="2573655" cy="25462"/>
-          </a:xfrm>
-          <a:prstGeom prst="line">
-            <a:avLst/>
-          </a:prstGeom>
-          <a:ln w="63500" cap="sq">
-            <a:solidFill>
-              <a:srgbClr val="FF0000"/>
-            </a:solidFill>
-          </a:ln>
-        </p:spPr>
-        <p:style>
-          <a:lnRef idx="1">
-            <a:schemeClr val="accent1"/>
-          </a:lnRef>
-          <a:fillRef idx="0">
-            <a:schemeClr val="accent1"/>
-          </a:fillRef>
-          <a:effectRef idx="0">
-            <a:schemeClr val="accent1"/>
-          </a:effectRef>
-          <a:fontRef idx="minor">
-            <a:schemeClr val="tx1"/>
-          </a:fontRef>
-        </p:style>
-      </p:cxnSp>
-      <p:cxnSp>
-        <p:nvCxnSpPr>
-          <p:cNvPr id="10" name="Straight Connector 9">
-            <a:extLst>
-              <a:ext uri="{FF2B5EF4-FFF2-40B4-BE49-F238E27FC236}">
-                <a16:creationId xmlns:a16="http://schemas.microsoft.com/office/drawing/2014/main" id="{CC39F5DB-6E80-3348-9ABC-FCE12E576711}"/>
-              </a:ext>
-            </a:extLst>
-          </p:cNvPr>
-          <p:cNvCxnSpPr>
-            <a:cxnSpLocks/>
-          </p:cNvCxnSpPr>
-          <p:nvPr/>
-        </p:nvCxnSpPr>
-        <p:spPr>
-          <a:xfrm>
-            <a:off x="3127124" y="3611403"/>
-            <a:ext cx="937400" cy="0"/>
-          </a:xfrm>
-          <a:prstGeom prst="line">
-            <a:avLst/>
-          </a:prstGeom>
-          <a:ln w="63500" cap="sq">
-            <a:solidFill>
-              <a:srgbClr val="0432FF"/>
-            </a:solidFill>
-          </a:ln>
-        </p:spPr>
-        <p:style>
-          <a:lnRef idx="1">
-            <a:schemeClr val="accent1"/>
-          </a:lnRef>
-          <a:fillRef idx="0">
-            <a:schemeClr val="accent1"/>
-          </a:fillRef>
-          <a:effectRef idx="0">
-            <a:schemeClr val="accent1"/>
-          </a:effectRef>
-          <a:fontRef idx="minor">
-            <a:schemeClr val="tx1"/>
-          </a:fontRef>
-        </p:style>
-      </p:cxnSp>
-      <p:sp>
-        <p:nvSpPr>
-          <p:cNvPr id="13" name="Rectangle 12">
-            <a:extLst>
-              <a:ext uri="{FF2B5EF4-FFF2-40B4-BE49-F238E27FC236}">
-                <a16:creationId xmlns:a16="http://schemas.microsoft.com/office/drawing/2014/main" id="{02F6877E-6AF1-0F4C-B242-AF53955515E9}"/>
-              </a:ext>
-            </a:extLst>
-          </p:cNvPr>
-          <p:cNvSpPr/>
-          <p:nvPr/>
-        </p:nvSpPr>
-        <p:spPr>
-          <a:xfrm>
-            <a:off x="3095625" y="4924425"/>
-            <a:ext cx="185449" cy="111125"/>
-          </a:xfrm>
-          <a:prstGeom prst="rect">
-            <a:avLst/>
-          </a:prstGeom>
-          <a:solidFill>
-            <a:schemeClr val="tx1"/>
-          </a:solidFill>
-          <a:ln>
-            <a:noFill/>
-          </a:ln>
-        </p:spPr>
-        <p:style>
-          <a:lnRef idx="2">
-            <a:schemeClr val="accent1">
-              <a:shade val="50000"/>
-            </a:schemeClr>
-          </a:lnRef>
-          <a:fillRef idx="1">
-            <a:schemeClr val="accent1"/>
-          </a:fillRef>
-          <a:effectRef idx="0">
-            <a:schemeClr val="accent1"/>
-          </a:effectRef>
-          <a:fontRef idx="minor">
-            <a:schemeClr val="lt1"/>
-          </a:fontRef>
-        </p:style>
-        <p:txBody>
-          <a:bodyPr rtlCol="0" anchor="ctr"/>
-          <a:lstStyle/>
-          <a:p>
-            <a:pPr algn="ctr"/>
-            <a:endParaRPr lang="en-US"/>
-          </a:p>
-        </p:txBody>
-      </p:sp>
-      <p:sp>
-        <p:nvSpPr>
-          <p:cNvPr id="15" name="Rectangle 14">
-            <a:extLst>
-              <a:ext uri="{FF2B5EF4-FFF2-40B4-BE49-F238E27FC236}">
-                <a16:creationId xmlns:a16="http://schemas.microsoft.com/office/drawing/2014/main" id="{51951276-F1A8-6A43-8B72-9BBDC810BBED}"/>
-              </a:ext>
-            </a:extLst>
-          </p:cNvPr>
-          <p:cNvSpPr/>
-          <p:nvPr/>
-        </p:nvSpPr>
-        <p:spPr>
-          <a:xfrm>
-            <a:off x="3081669" y="4073613"/>
-            <a:ext cx="185449" cy="111125"/>
-          </a:xfrm>
-          <a:prstGeom prst="rect">
-            <a:avLst/>
-          </a:prstGeom>
-          <a:solidFill>
-            <a:schemeClr val="tx1"/>
-          </a:solidFill>
-          <a:ln>
-            <a:noFill/>
-          </a:ln>
-        </p:spPr>
-        <p:style>
-          <a:lnRef idx="2">
-            <a:schemeClr val="accent1">
-              <a:shade val="50000"/>
-            </a:schemeClr>
-          </a:lnRef>
-          <a:fillRef idx="1">
-            <a:schemeClr val="accent1"/>
-          </a:fillRef>
-          <a:effectRef idx="0">
-            <a:schemeClr val="accent1"/>
-          </a:effectRef>
-          <a:fontRef idx="minor">
-            <a:schemeClr val="lt1"/>
-          </a:fontRef>
-        </p:style>
-        <p:txBody>
-          <a:bodyPr rtlCol="0" anchor="ctr"/>
-          <a:lstStyle/>
-          <a:p>
-            <a:pPr algn="ctr"/>
-            <a:endParaRPr lang="en-US"/>
-          </a:p>
-        </p:txBody>
-      </p:sp>
-      <p:sp>
-        <p:nvSpPr>
-          <p:cNvPr id="16" name="Rectangle 15">
-            <a:extLst>
-              <a:ext uri="{FF2B5EF4-FFF2-40B4-BE49-F238E27FC236}">
-                <a16:creationId xmlns:a16="http://schemas.microsoft.com/office/drawing/2014/main" id="{2191F2AC-445E-5549-8720-222A4D573F5C}"/>
-              </a:ext>
-            </a:extLst>
-          </p:cNvPr>
-          <p:cNvSpPr/>
-          <p:nvPr/>
-        </p:nvSpPr>
-        <p:spPr>
-          <a:xfrm>
-            <a:off x="3081668" y="3201439"/>
-            <a:ext cx="185449" cy="111125"/>
-          </a:xfrm>
-          <a:prstGeom prst="rect">
-            <a:avLst/>
-          </a:prstGeom>
-          <a:solidFill>
-            <a:schemeClr val="tx1"/>
-          </a:solidFill>
-          <a:ln>
-            <a:noFill/>
-          </a:ln>
-        </p:spPr>
-        <p:style>
-          <a:lnRef idx="2">
-            <a:schemeClr val="accent1">
-              <a:shade val="50000"/>
-            </a:schemeClr>
-          </a:lnRef>
-          <a:fillRef idx="1">
-            <a:schemeClr val="accent1"/>
-          </a:fillRef>
-          <a:effectRef idx="0">
-            <a:schemeClr val="accent1"/>
-          </a:effectRef>
-          <a:fontRef idx="minor">
-            <a:schemeClr val="lt1"/>
-          </a:fontRef>
-        </p:style>
-        <p:txBody>
-          <a:bodyPr rtlCol="0" anchor="ctr"/>
-          <a:lstStyle/>
-          <a:p>
-            <a:pPr algn="ctr"/>
-            <a:endParaRPr lang="en-US"/>
-          </a:p>
-        </p:txBody>
-      </p:sp>
-      <p:sp>
-        <p:nvSpPr>
-          <p:cNvPr id="17" name="TextBox 16">
-            <a:extLst>
-              <a:ext uri="{FF2B5EF4-FFF2-40B4-BE49-F238E27FC236}">
-                <a16:creationId xmlns:a16="http://schemas.microsoft.com/office/drawing/2014/main" id="{297B7FDB-EF69-584A-B141-C36DEFA6FB98}"/>
-              </a:ext>
-            </a:extLst>
-          </p:cNvPr>
-          <p:cNvSpPr txBox="1"/>
-          <p:nvPr/>
-        </p:nvSpPr>
-        <p:spPr>
-          <a:xfrm>
-            <a:off x="3352319" y="2525118"/>
-            <a:ext cx="2192139" cy="369332"/>
-          </a:xfrm>
-          <a:prstGeom prst="rect">
-            <a:avLst/>
-          </a:prstGeom>
-          <a:noFill/>
-        </p:spPr>
-        <p:txBody>
-          <a:bodyPr wrap="none" rtlCol="0">
-            <a:spAutoFit/>
-          </a:bodyPr>
-          <a:lstStyle/>
-          <a:p>
-            <a:r>
-              <a:rPr lang="en-US" b="1" dirty="0">
-                <a:solidFill>
-                  <a:srgbClr val="FF0000"/>
-                </a:solidFill>
-              </a:rPr>
-              <a:t>ADC_VREF - 3.3 Volts</a:t>
-            </a:r>
-          </a:p>
-        </p:txBody>
-      </p:sp>
-      <p:sp>
-        <p:nvSpPr>
-          <p:cNvPr id="19" name="Rectangle 18">
-            <a:extLst>
-              <a:ext uri="{FF2B5EF4-FFF2-40B4-BE49-F238E27FC236}">
-                <a16:creationId xmlns:a16="http://schemas.microsoft.com/office/drawing/2014/main" id="{90E09ABD-7FD9-8D49-A0AB-88C7B0D9082F}"/>
-              </a:ext>
-            </a:extLst>
-          </p:cNvPr>
-          <p:cNvSpPr/>
-          <p:nvPr/>
-        </p:nvSpPr>
-        <p:spPr>
-          <a:xfrm>
-            <a:off x="4221479" y="3841729"/>
-            <a:ext cx="226910" cy="287446"/>
-          </a:xfrm>
-          <a:prstGeom prst="rect">
-            <a:avLst/>
-          </a:prstGeom>
-          <a:solidFill>
-            <a:schemeClr val="bg1"/>
-          </a:solidFill>
-          <a:ln>
-            <a:noFill/>
-          </a:ln>
-        </p:spPr>
-        <p:style>
-          <a:lnRef idx="2">
-            <a:schemeClr val="accent1">
-              <a:shade val="50000"/>
-            </a:schemeClr>
-          </a:lnRef>
-          <a:fillRef idx="1">
-            <a:schemeClr val="accent1"/>
-          </a:fillRef>
-          <a:effectRef idx="0">
-            <a:schemeClr val="accent1"/>
-          </a:effectRef>
-          <a:fontRef idx="minor">
-            <a:schemeClr val="lt1"/>
-          </a:fontRef>
-        </p:style>
-        <p:txBody>
-          <a:bodyPr rtlCol="0" anchor="ctr"/>
-          <a:lstStyle/>
-          <a:p>
-            <a:pPr algn="ctr"/>
-            <a:endParaRPr lang="en-US"/>
-          </a:p>
-        </p:txBody>
-      </p:sp>
-      <p:cxnSp>
-        <p:nvCxnSpPr>
-          <p:cNvPr id="23" name="Straight Connector 22">
-            <a:extLst>
-              <a:ext uri="{FF2B5EF4-FFF2-40B4-BE49-F238E27FC236}">
-                <a16:creationId xmlns:a16="http://schemas.microsoft.com/office/drawing/2014/main" id="{F0915835-80A1-1441-9483-C322FEC37497}"/>
-              </a:ext>
-            </a:extLst>
-          </p:cNvPr>
-          <p:cNvCxnSpPr>
-            <a:cxnSpLocks/>
-          </p:cNvCxnSpPr>
-          <p:nvPr/>
-        </p:nvCxnSpPr>
-        <p:spPr>
-          <a:xfrm flipV="1">
-            <a:off x="4861932" y="3234177"/>
-            <a:ext cx="0" cy="1555163"/>
-          </a:xfrm>
-          <a:prstGeom prst="line">
-            <a:avLst/>
-          </a:prstGeom>
-          <a:ln w="63500" cap="sq">
-            <a:solidFill>
-              <a:schemeClr val="tx1"/>
-            </a:solidFill>
-          </a:ln>
-        </p:spPr>
-        <p:style>
-          <a:lnRef idx="1">
-            <a:schemeClr val="accent1"/>
-          </a:lnRef>
-          <a:fillRef idx="0">
-            <a:schemeClr val="accent1"/>
-          </a:fillRef>
-          <a:effectRef idx="0">
-            <a:schemeClr val="accent1"/>
-          </a:effectRef>
-          <a:fontRef idx="minor">
-            <a:schemeClr val="tx1"/>
-          </a:fontRef>
-        </p:style>
-      </p:cxnSp>
-      <p:cxnSp>
-        <p:nvCxnSpPr>
-          <p:cNvPr id="27" name="Straight Connector 26">
-            <a:extLst>
-              <a:ext uri="{FF2B5EF4-FFF2-40B4-BE49-F238E27FC236}">
-                <a16:creationId xmlns:a16="http://schemas.microsoft.com/office/drawing/2014/main" id="{D74F871C-8CD1-3D44-8C8F-D5B333E9AC6A}"/>
-              </a:ext>
-            </a:extLst>
-          </p:cNvPr>
-          <p:cNvCxnSpPr>
-            <a:cxnSpLocks/>
-          </p:cNvCxnSpPr>
-          <p:nvPr/>
-        </p:nvCxnSpPr>
-        <p:spPr>
-          <a:xfrm>
-            <a:off x="4861932" y="4789340"/>
-            <a:ext cx="856582" cy="0"/>
-          </a:xfrm>
-          <a:prstGeom prst="line">
-            <a:avLst/>
-          </a:prstGeom>
-          <a:ln w="63500" cap="sq">
-            <a:solidFill>
-              <a:schemeClr val="tx1"/>
-            </a:solidFill>
-          </a:ln>
-        </p:spPr>
-        <p:style>
-          <a:lnRef idx="1">
-            <a:schemeClr val="accent1"/>
-          </a:lnRef>
-          <a:fillRef idx="0">
-            <a:schemeClr val="accent1"/>
-          </a:fillRef>
-          <a:effectRef idx="0">
-            <a:schemeClr val="accent1"/>
-          </a:effectRef>
-          <a:fontRef idx="minor">
-            <a:schemeClr val="tx1"/>
-          </a:fontRef>
-        </p:style>
-      </p:cxnSp>
-      <p:pic>
-        <p:nvPicPr>
-          <p:cNvPr id="28" name="Picture 27">
-            <a:extLst>
-              <a:ext uri="{FF2B5EF4-FFF2-40B4-BE49-F238E27FC236}">
-                <a16:creationId xmlns:a16="http://schemas.microsoft.com/office/drawing/2014/main" id="{F1CB67F1-244A-F346-82AE-E707C22FE6A1}"/>
-              </a:ext>
-            </a:extLst>
-          </p:cNvPr>
-          <p:cNvPicPr>
-            <a:picLocks noChangeAspect="1"/>
-          </p:cNvPicPr>
-          <p:nvPr/>
-        </p:nvPicPr>
-        <p:blipFill>
-          <a:blip r:embed="rId3"/>
-          <a:stretch>
-            <a:fillRect/>
-          </a:stretch>
-        </p:blipFill>
-        <p:spPr>
-          <a:xfrm rot="2758370">
-            <a:off x="5325070" y="3027230"/>
-            <a:ext cx="673100" cy="609600"/>
-          </a:xfrm>
-          <a:prstGeom prst="rect">
-            <a:avLst/>
-          </a:prstGeom>
-        </p:spPr>
-      </p:pic>
-      <p:pic>
-        <p:nvPicPr>
-          <p:cNvPr id="29" name="Picture 2">
-            <a:extLst>
-              <a:ext uri="{FF2B5EF4-FFF2-40B4-BE49-F238E27FC236}">
-                <a16:creationId xmlns:a16="http://schemas.microsoft.com/office/drawing/2014/main" id="{39CB4D9C-4B4C-E14A-B9EF-8638FD4EDEDC}"/>
-              </a:ext>
-            </a:extLst>
-          </p:cNvPr>
-          <p:cNvPicPr>
-            <a:picLocks noChangeAspect="1" noChangeArrowheads="1"/>
-          </p:cNvPicPr>
-          <p:nvPr/>
-        </p:nvPicPr>
-        <p:blipFill>
-          <a:blip r:embed="rId4">
-            <a:extLst>
-              <a:ext uri="{28A0092B-C50C-407E-A947-70E740481C1C}">
-                <a14:useLocalDpi xmlns:a14="http://schemas.microsoft.com/office/drawing/2010/main" val="0"/>
-              </a:ext>
-            </a:extLst>
-          </a:blip>
-          <a:srcRect/>
-          <a:stretch>
-            <a:fillRect/>
-          </a:stretch>
-        </p:blipFill>
-        <p:spPr bwMode="auto">
-          <a:xfrm rot="5400000">
-            <a:off x="5347306" y="3938309"/>
-            <a:ext cx="742416" cy="636357"/>
-          </a:xfrm>
-          <a:prstGeom prst="rect">
-            <a:avLst/>
-          </a:prstGeom>
-          <a:noFill/>
-          <a:extLst>
-            <a:ext uri="{909E8E84-426E-40DD-AFC4-6F175D3DCCD1}">
-              <a14:hiddenFill xmlns:a14="http://schemas.microsoft.com/office/drawing/2010/main">
-                <a:solidFill>
-                  <a:srgbClr val="FFFFFF"/>
-                </a:solidFill>
-              </a14:hiddenFill>
-            </a:ext>
-          </a:extLst>
-        </p:spPr>
-      </p:pic>
-      <p:cxnSp>
-        <p:nvCxnSpPr>
-          <p:cNvPr id="31" name="Straight Connector 30">
-            <a:extLst>
-              <a:ext uri="{FF2B5EF4-FFF2-40B4-BE49-F238E27FC236}">
-                <a16:creationId xmlns:a16="http://schemas.microsoft.com/office/drawing/2014/main" id="{C69EDAA7-79B7-694E-BFC9-C2084A6F3974}"/>
-              </a:ext>
-            </a:extLst>
-          </p:cNvPr>
-          <p:cNvCxnSpPr>
-            <a:cxnSpLocks/>
-          </p:cNvCxnSpPr>
-          <p:nvPr/>
-        </p:nvCxnSpPr>
-        <p:spPr>
-          <a:xfrm flipH="1" flipV="1">
-            <a:off x="5718514" y="3807734"/>
-            <a:ext cx="2" cy="252878"/>
-          </a:xfrm>
-          <a:prstGeom prst="line">
-            <a:avLst/>
-          </a:prstGeom>
-          <a:ln w="63500">
-            <a:solidFill>
-              <a:schemeClr val="tx1"/>
-            </a:solidFill>
-          </a:ln>
-        </p:spPr>
-        <p:style>
-          <a:lnRef idx="1">
-            <a:schemeClr val="accent1"/>
-          </a:lnRef>
-          <a:fillRef idx="0">
-            <a:schemeClr val="accent1"/>
-          </a:fillRef>
-          <a:effectRef idx="0">
-            <a:schemeClr val="accent1"/>
-          </a:effectRef>
-          <a:fontRef idx="minor">
-            <a:schemeClr val="tx1"/>
-          </a:fontRef>
-        </p:style>
-      </p:cxnSp>
-      <p:cxnSp>
-        <p:nvCxnSpPr>
-          <p:cNvPr id="35" name="Straight Connector 34">
-            <a:extLst>
-              <a:ext uri="{FF2B5EF4-FFF2-40B4-BE49-F238E27FC236}">
-                <a16:creationId xmlns:a16="http://schemas.microsoft.com/office/drawing/2014/main" id="{416094CB-C908-FB4B-81CD-91595B3CA4C7}"/>
-              </a:ext>
-            </a:extLst>
-          </p:cNvPr>
-          <p:cNvCxnSpPr>
-            <a:cxnSpLocks/>
-          </p:cNvCxnSpPr>
-          <p:nvPr/>
-        </p:nvCxnSpPr>
-        <p:spPr>
-          <a:xfrm>
-            <a:off x="4080762" y="3836420"/>
-            <a:ext cx="1637752" cy="0"/>
-          </a:xfrm>
-          <a:prstGeom prst="line">
-            <a:avLst/>
-          </a:prstGeom>
-          <a:ln w="63500" cap="sq">
-            <a:solidFill>
-              <a:srgbClr val="0432FF"/>
-            </a:solidFill>
-          </a:ln>
-        </p:spPr>
-        <p:style>
-          <a:lnRef idx="1">
-            <a:schemeClr val="accent1"/>
-          </a:lnRef>
-          <a:fillRef idx="0">
-            <a:schemeClr val="accent1"/>
-          </a:fillRef>
-          <a:effectRef idx="0">
-            <a:schemeClr val="accent1"/>
-          </a:effectRef>
-          <a:fontRef idx="minor">
-            <a:schemeClr val="tx1"/>
-          </a:fontRef>
-        </p:style>
-      </p:cxnSp>
-      <p:cxnSp>
-        <p:nvCxnSpPr>
-          <p:cNvPr id="37" name="Straight Connector 36">
-            <a:extLst>
-              <a:ext uri="{FF2B5EF4-FFF2-40B4-BE49-F238E27FC236}">
-                <a16:creationId xmlns:a16="http://schemas.microsoft.com/office/drawing/2014/main" id="{F65FF222-7895-8145-B61F-CE882209944E}"/>
-              </a:ext>
-            </a:extLst>
-          </p:cNvPr>
-          <p:cNvCxnSpPr>
-            <a:cxnSpLocks/>
-          </p:cNvCxnSpPr>
-          <p:nvPr/>
-        </p:nvCxnSpPr>
-        <p:spPr>
-          <a:xfrm flipV="1">
-            <a:off x="4064524" y="3611404"/>
-            <a:ext cx="0" cy="225016"/>
-          </a:xfrm>
-          <a:prstGeom prst="line">
-            <a:avLst/>
-          </a:prstGeom>
-          <a:ln w="63500" cap="sq">
-            <a:solidFill>
-              <a:srgbClr val="0432FF"/>
-            </a:solidFill>
-          </a:ln>
-        </p:spPr>
-        <p:style>
-          <a:lnRef idx="1">
-            <a:schemeClr val="accent1"/>
-          </a:lnRef>
-          <a:fillRef idx="0">
-            <a:schemeClr val="accent1"/>
-          </a:fillRef>
-          <a:effectRef idx="0">
-            <a:schemeClr val="accent1"/>
-          </a:effectRef>
-          <a:fontRef idx="minor">
-            <a:schemeClr val="tx1"/>
-          </a:fontRef>
-        </p:style>
-      </p:cxnSp>
-      <p:cxnSp>
-        <p:nvCxnSpPr>
-          <p:cNvPr id="40" name="Straight Connector 39">
-            <a:extLst>
-              <a:ext uri="{FF2B5EF4-FFF2-40B4-BE49-F238E27FC236}">
-                <a16:creationId xmlns:a16="http://schemas.microsoft.com/office/drawing/2014/main" id="{1C0185CD-83CC-4346-ACC6-1AC2C00C81CE}"/>
-              </a:ext>
-            </a:extLst>
-          </p:cNvPr>
-          <p:cNvCxnSpPr>
-            <a:cxnSpLocks/>
-          </p:cNvCxnSpPr>
-          <p:nvPr/>
-        </p:nvCxnSpPr>
-        <p:spPr>
-          <a:xfrm flipV="1">
-            <a:off x="5718515" y="4563723"/>
-            <a:ext cx="0" cy="225617"/>
-          </a:xfrm>
-          <a:prstGeom prst="line">
-            <a:avLst/>
-          </a:prstGeom>
-          <a:ln w="63500" cap="sq">
-            <a:solidFill>
-              <a:schemeClr val="tx1"/>
-            </a:solidFill>
-          </a:ln>
-        </p:spPr>
-        <p:style>
-          <a:lnRef idx="1">
-            <a:schemeClr val="accent1"/>
-          </a:lnRef>
-          <a:fillRef idx="0">
-            <a:schemeClr val="accent1"/>
-          </a:fillRef>
-          <a:effectRef idx="0">
-            <a:schemeClr val="accent1"/>
-          </a:effectRef>
-          <a:fontRef idx="minor">
-            <a:schemeClr val="tx1"/>
-          </a:fontRef>
-        </p:style>
-      </p:cxnSp>
-      <p:sp>
-        <p:nvSpPr>
-          <p:cNvPr id="48" name="TextBox 47">
-            <a:extLst>
-              <a:ext uri="{FF2B5EF4-FFF2-40B4-BE49-F238E27FC236}">
-                <a16:creationId xmlns:a16="http://schemas.microsoft.com/office/drawing/2014/main" id="{BA72798C-D482-F54C-8FCF-6D11883B1209}"/>
-              </a:ext>
-            </a:extLst>
-          </p:cNvPr>
-          <p:cNvSpPr txBox="1"/>
-          <p:nvPr/>
-        </p:nvSpPr>
-        <p:spPr>
-          <a:xfrm>
-            <a:off x="6033074" y="4120408"/>
-            <a:ext cx="1442574" cy="369332"/>
-          </a:xfrm>
-          <a:prstGeom prst="rect">
-            <a:avLst/>
-          </a:prstGeom>
-          <a:noFill/>
-        </p:spPr>
-        <p:txBody>
-          <a:bodyPr wrap="none" rtlCol="0">
-            <a:spAutoFit/>
-          </a:bodyPr>
-          <a:lstStyle/>
-          <a:p>
-            <a:r>
-              <a:rPr lang="en-US" dirty="0"/>
-              <a:t>Photoresistor</a:t>
-            </a:r>
-          </a:p>
-        </p:txBody>
-      </p:sp>
-      <p:sp>
-        <p:nvSpPr>
-          <p:cNvPr id="50" name="TextBox 49">
-            <a:extLst>
-              <a:ext uri="{FF2B5EF4-FFF2-40B4-BE49-F238E27FC236}">
-                <a16:creationId xmlns:a16="http://schemas.microsoft.com/office/drawing/2014/main" id="{DE7EBE9A-03FF-B34B-86C3-B8EF2DEFA79A}"/>
-              </a:ext>
-            </a:extLst>
-          </p:cNvPr>
-          <p:cNvSpPr txBox="1"/>
-          <p:nvPr/>
-        </p:nvSpPr>
-        <p:spPr>
-          <a:xfrm>
-            <a:off x="5793912" y="3127898"/>
-            <a:ext cx="1334789" cy="369332"/>
-          </a:xfrm>
-          <a:prstGeom prst="rect">
-            <a:avLst/>
-          </a:prstGeom>
-          <a:noFill/>
-        </p:spPr>
-        <p:txBody>
-          <a:bodyPr wrap="none" rtlCol="0">
-            <a:spAutoFit/>
-          </a:bodyPr>
-          <a:lstStyle/>
-          <a:p>
-            <a:r>
-              <a:rPr lang="en-US" dirty="0"/>
-              <a:t>10K Resistor</a:t>
-            </a:r>
-          </a:p>
-        </p:txBody>
-      </p:sp>
-      <p:sp>
-        <p:nvSpPr>
-          <p:cNvPr id="51" name="TextBox 50">
-            <a:extLst>
-              <a:ext uri="{FF2B5EF4-FFF2-40B4-BE49-F238E27FC236}">
-                <a16:creationId xmlns:a16="http://schemas.microsoft.com/office/drawing/2014/main" id="{8611B276-0258-134E-A746-E2837507EAB0}"/>
-              </a:ext>
-            </a:extLst>
-          </p:cNvPr>
-          <p:cNvSpPr txBox="1"/>
-          <p:nvPr/>
-        </p:nvSpPr>
-        <p:spPr>
-          <a:xfrm>
-            <a:off x="3325894" y="2922300"/>
-            <a:ext cx="766941" cy="369332"/>
-          </a:xfrm>
-          <a:prstGeom prst="rect">
-            <a:avLst/>
-          </a:prstGeom>
-          <a:noFill/>
-        </p:spPr>
-        <p:txBody>
-          <a:bodyPr wrap="none" rtlCol="0">
-            <a:spAutoFit/>
-          </a:bodyPr>
-          <a:lstStyle/>
-          <a:p>
-            <a:r>
-              <a:rPr lang="en-US" b="1" dirty="0"/>
-              <a:t>AGND</a:t>
-            </a:r>
-          </a:p>
-        </p:txBody>
-      </p:sp>
-      <p:sp>
-        <p:nvSpPr>
-          <p:cNvPr id="52" name="TextBox 51">
-            <a:extLst>
-              <a:ext uri="{FF2B5EF4-FFF2-40B4-BE49-F238E27FC236}">
-                <a16:creationId xmlns:a16="http://schemas.microsoft.com/office/drawing/2014/main" id="{FECB9567-BB8C-A947-A0AF-C7A8A05807F1}"/>
-              </a:ext>
-            </a:extLst>
-          </p:cNvPr>
-          <p:cNvSpPr txBox="1"/>
-          <p:nvPr/>
-        </p:nvSpPr>
-        <p:spPr>
-          <a:xfrm>
-            <a:off x="3320816" y="3282298"/>
-            <a:ext cx="689612" cy="369332"/>
-          </a:xfrm>
-          <a:prstGeom prst="rect">
-            <a:avLst/>
-          </a:prstGeom>
-          <a:noFill/>
-        </p:spPr>
-        <p:txBody>
-          <a:bodyPr wrap="none" rtlCol="0">
-            <a:spAutoFit/>
-          </a:bodyPr>
-          <a:lstStyle/>
-          <a:p>
-            <a:r>
-              <a:rPr lang="en-US" b="1" dirty="0">
-                <a:solidFill>
-                  <a:srgbClr val="0432FF"/>
-                </a:solidFill>
-              </a:rPr>
-              <a:t>GP26</a:t>
-            </a:r>
-          </a:p>
-        </p:txBody>
-      </p:sp>
-    </p:spTree>
-    <p:extLst>
-      <p:ext uri="{BB962C8B-B14F-4D97-AF65-F5344CB8AC3E}">
-        <p14:creationId xmlns:p14="http://schemas.microsoft.com/office/powerpoint/2010/main" val="617354240"/>
-      </p:ext>
-    </p:extLst>
-  </p:cSld>
-  <p:clrMapOvr>
-    <a:masterClrMapping/>
-  </p:clrMapOvr>
-</p:sld>
-</file>
-
 <file path=ppt/slides/slide9.xml><?xml version="1.0" encoding="utf-8"?>
 <p:sld xmlns:a="http://schemas.openxmlformats.org/drawingml/2006/main" xmlns:r="http://schemas.openxmlformats.org/officeDocument/2006/relationships" xmlns:p="http://schemas.openxmlformats.org/presentationml/2006/main">
   <p:cSld>
@@ -10826,7 +13734,7 @@
           <p:cNvPr id="2" name="Title 1">
             <a:extLst>
               <a:ext uri="{FF2B5EF4-FFF2-40B4-BE49-F238E27FC236}">
-                <a16:creationId xmlns:a16="http://schemas.microsoft.com/office/drawing/2014/main" id="{9575E5BC-FD74-7245-99F2-A0AE98AF7BB4}"/>
+                <a16:creationId xmlns:a16="http://schemas.microsoft.com/office/drawing/2014/main" id="{DFEFA16C-A157-F248-AFA1-440E69529FA7}"/>
               </a:ext>
             </a:extLst>
           </p:cNvPr>
@@ -10837,14 +13745,21 @@
             <p:ph type="title"/>
           </p:nvPr>
         </p:nvSpPr>
-        <p:spPr/>
-        <p:txBody>
-          <a:bodyPr/>
+        <p:spPr>
+          <a:xfrm>
+            <a:off x="411480" y="338773"/>
+            <a:ext cx="10515600" cy="644843"/>
+          </a:xfrm>
+        </p:spPr>
+        <p:txBody>
+          <a:bodyPr>
+            <a:normAutofit fontScale="90000"/>
+          </a:bodyPr>
           <a:lstStyle/>
           <a:p>
             <a:r>
               <a:rPr lang="en-US" dirty="0"/>
-              <a:t>H-Bridge</a:t>
+              <a:t>Motor Driver Circuit</a:t>
             </a:r>
           </a:p>
         </p:txBody>
@@ -10854,7 +13769,7 @@
           <p:cNvPr id="3" name="Content Placeholder 2">
             <a:extLst>
               <a:ext uri="{FF2B5EF4-FFF2-40B4-BE49-F238E27FC236}">
-                <a16:creationId xmlns:a16="http://schemas.microsoft.com/office/drawing/2014/main" id="{6AC99294-23A8-B149-AF0B-4BAACD26ECD5}"/>
+                <a16:creationId xmlns:a16="http://schemas.microsoft.com/office/drawing/2014/main" id="{CA680DBB-1CEA-C34E-8B41-75C42D17D005}"/>
               </a:ext>
             </a:extLst>
           </p:cNvPr>
@@ -10867,8 +13782,8 @@
         </p:nvSpPr>
         <p:spPr>
           <a:xfrm>
-            <a:off x="838200" y="4951141"/>
-            <a:ext cx="10515600" cy="1225822"/>
+            <a:off x="838200" y="5770947"/>
+            <a:ext cx="10515600" cy="644843"/>
           </a:xfrm>
         </p:spPr>
         <p:txBody>
@@ -10879,29 +13794,102 @@
           </a:p>
         </p:txBody>
       </p:sp>
+      <p:pic>
+        <p:nvPicPr>
+          <p:cNvPr id="1026" name="Picture 2" descr="Arduino Transistor DC Motor Control">
+            <a:extLst>
+              <a:ext uri="{FF2B5EF4-FFF2-40B4-BE49-F238E27FC236}">
+                <a16:creationId xmlns:a16="http://schemas.microsoft.com/office/drawing/2014/main" id="{33E51726-9330-E54B-9BC7-1C79773865D5}"/>
+              </a:ext>
+            </a:extLst>
+          </p:cNvPr>
+          <p:cNvPicPr>
+            <a:picLocks noChangeAspect="1" noChangeArrowheads="1"/>
+          </p:cNvPicPr>
+          <p:nvPr/>
+        </p:nvPicPr>
+        <p:blipFill rotWithShape="1">
+          <a:blip r:embed="rId2">
+            <a:extLst>
+              <a:ext uri="{28A0092B-C50C-407E-A947-70E740481C1C}">
+                <a14:useLocalDpi xmlns:a14="http://schemas.microsoft.com/office/drawing/2010/main" val="0"/>
+              </a:ext>
+            </a:extLst>
+          </a:blip>
+          <a:srcRect l="26680" t="8347"/>
+          <a:stretch/>
+        </p:blipFill>
+        <p:spPr bwMode="auto">
+          <a:xfrm>
+            <a:off x="4221479" y="1802523"/>
+            <a:ext cx="3487051" cy="3617760"/>
+          </a:xfrm>
+          <a:prstGeom prst="rect">
+            <a:avLst/>
+          </a:prstGeom>
+          <a:noFill/>
+          <a:extLst>
+            <a:ext uri="{909E8E84-426E-40DD-AFC4-6F175D3DCCD1}">
+              <a14:hiddenFill xmlns:a14="http://schemas.microsoft.com/office/drawing/2010/main">
+                <a:solidFill>
+                  <a:srgbClr val="FFFFFF"/>
+                </a:solidFill>
+              </a14:hiddenFill>
+            </a:ext>
+          </a:extLst>
+        </p:spPr>
+      </p:pic>
+      <p:pic>
+        <p:nvPicPr>
+          <p:cNvPr id="5" name="Picture 4">
+            <a:extLst>
+              <a:ext uri="{FF2B5EF4-FFF2-40B4-BE49-F238E27FC236}">
+                <a16:creationId xmlns:a16="http://schemas.microsoft.com/office/drawing/2014/main" id="{9E692AE7-C1FE-2C40-9678-9A6D3C7C28F4}"/>
+              </a:ext>
+            </a:extLst>
+          </p:cNvPr>
+          <p:cNvPicPr>
+            <a:picLocks noChangeAspect="1"/>
+          </p:cNvPicPr>
+          <p:nvPr/>
+        </p:nvPicPr>
+        <p:blipFill>
+          <a:blip r:embed="rId3"/>
+          <a:stretch>
+            <a:fillRect/>
+          </a:stretch>
+        </p:blipFill>
+        <p:spPr>
+          <a:xfrm>
+            <a:off x="1838699" y="1802523"/>
+            <a:ext cx="1442375" cy="3617760"/>
+          </a:xfrm>
+          <a:prstGeom prst="rect">
+            <a:avLst/>
+          </a:prstGeom>
+        </p:spPr>
+      </p:pic>
       <p:cxnSp>
         <p:nvCxnSpPr>
-          <p:cNvPr id="5" name="Straight Connector 4">
-            <a:extLst>
-              <a:ext uri="{FF2B5EF4-FFF2-40B4-BE49-F238E27FC236}">
-                <a16:creationId xmlns:a16="http://schemas.microsoft.com/office/drawing/2014/main" id="{8C03662A-1AAA-2042-8C21-6086968D5DAD}"/>
-              </a:ext>
-            </a:extLst>
-          </p:cNvPr>
-          <p:cNvCxnSpPr>
-            <a:cxnSpLocks/>
-          </p:cNvCxnSpPr>
+          <p:cNvPr id="6" name="Straight Connector 5">
+            <a:extLst>
+              <a:ext uri="{FF2B5EF4-FFF2-40B4-BE49-F238E27FC236}">
+                <a16:creationId xmlns:a16="http://schemas.microsoft.com/office/drawing/2014/main" id="{F710BA68-9101-E245-9A8F-6B672CCA1A1D}"/>
+              </a:ext>
+            </a:extLst>
+          </p:cNvPr>
+          <p:cNvCxnSpPr/>
           <p:nvPr/>
         </p:nvCxnSpPr>
         <p:spPr>
           <a:xfrm>
-            <a:off x="3445727" y="1690688"/>
-            <a:ext cx="0" cy="2363152"/>
+            <a:off x="3281074" y="4983480"/>
+            <a:ext cx="2921606" cy="320040"/>
           </a:xfrm>
           <a:prstGeom prst="line">
             <a:avLst/>
           </a:prstGeom>
-          <a:ln w="177800" cap="sq">
+          <a:ln w="63500">
             <a:solidFill>
               <a:schemeClr val="tx1"/>
             </a:solidFill>
@@ -10924,10 +13912,10 @@
       </p:cxnSp>
       <p:cxnSp>
         <p:nvCxnSpPr>
-          <p:cNvPr id="6" name="Straight Connector 5">
-            <a:extLst>
-              <a:ext uri="{FF2B5EF4-FFF2-40B4-BE49-F238E27FC236}">
-                <a16:creationId xmlns:a16="http://schemas.microsoft.com/office/drawing/2014/main" id="{BC239FEC-185E-A94D-B798-8365695A47AB}"/>
+          <p:cNvPr id="8" name="Straight Connector 7">
+            <a:extLst>
+              <a:ext uri="{FF2B5EF4-FFF2-40B4-BE49-F238E27FC236}">
+                <a16:creationId xmlns:a16="http://schemas.microsoft.com/office/drawing/2014/main" id="{96C10E0D-8E37-D14F-B90D-BF5E763779D9}"/>
               </a:ext>
             </a:extLst>
           </p:cNvPr>
@@ -10937,16 +13925,16 @@
           <p:nvPr/>
         </p:nvCxnSpPr>
         <p:spPr>
-          <a:xfrm>
-            <a:off x="6082247" y="1697832"/>
-            <a:ext cx="0" cy="2363152"/>
+          <a:xfrm flipV="1">
+            <a:off x="3162341" y="1996911"/>
+            <a:ext cx="3040339" cy="45343"/>
           </a:xfrm>
           <a:prstGeom prst="line">
             <a:avLst/>
           </a:prstGeom>
-          <a:ln w="177800" cap="sq">
+          <a:ln w="63500">
             <a:solidFill>
-              <a:schemeClr val="tx1"/>
+              <a:srgbClr val="FF0000"/>
             </a:solidFill>
           </a:ln>
         </p:spPr>
@@ -10970,7 +13958,7 @@
           <p:cNvPr id="10" name="Straight Connector 9">
             <a:extLst>
               <a:ext uri="{FF2B5EF4-FFF2-40B4-BE49-F238E27FC236}">
-                <a16:creationId xmlns:a16="http://schemas.microsoft.com/office/drawing/2014/main" id="{3103643C-E5A8-2847-92DE-FD1B12E87DDC}"/>
+                <a16:creationId xmlns:a16="http://schemas.microsoft.com/office/drawing/2014/main" id="{CC39F5DB-6E80-3348-9ABC-FCE12E576711}"/>
               </a:ext>
             </a:extLst>
           </p:cNvPr>
@@ -10980,16 +13968,16 @@
           <p:nvPr/>
         </p:nvCxnSpPr>
         <p:spPr>
-          <a:xfrm>
-            <a:off x="3445727" y="2872264"/>
-            <a:ext cx="2607528" cy="0"/>
+          <a:xfrm flipV="1">
+            <a:off x="3267117" y="4164574"/>
+            <a:ext cx="954362" cy="128026"/>
           </a:xfrm>
           <a:prstGeom prst="line">
             <a:avLst/>
           </a:prstGeom>
-          <a:ln w="177800" cap="sq">
+          <a:ln w="63500">
             <a:solidFill>
-              <a:schemeClr val="tx1"/>
+              <a:srgbClr val="0432FF"/>
             </a:solidFill>
           </a:ln>
         </p:spPr>
@@ -11010,10 +13998,48 @@
       </p:cxnSp>
       <p:sp>
         <p:nvSpPr>
-          <p:cNvPr id="9" name="Oval 8">
-            <a:extLst>
-              <a:ext uri="{FF2B5EF4-FFF2-40B4-BE49-F238E27FC236}">
-                <a16:creationId xmlns:a16="http://schemas.microsoft.com/office/drawing/2014/main" id="{ABC971EC-F826-B64D-A054-38C75FE701F9}"/>
+          <p:cNvPr id="12" name="TextBox 11">
+            <a:extLst>
+              <a:ext uri="{FF2B5EF4-FFF2-40B4-BE49-F238E27FC236}">
+                <a16:creationId xmlns:a16="http://schemas.microsoft.com/office/drawing/2014/main" id="{2F2DE8DF-FAA1-344B-924E-E8DE9280131D}"/>
+              </a:ext>
+            </a:extLst>
+          </p:cNvPr>
+          <p:cNvSpPr txBox="1"/>
+          <p:nvPr/>
+        </p:nvSpPr>
+        <p:spPr>
+          <a:xfrm>
+            <a:off x="7708530" y="1920050"/>
+            <a:ext cx="2334630" cy="1754326"/>
+          </a:xfrm>
+          <a:prstGeom prst="rect">
+            <a:avLst/>
+          </a:prstGeom>
+          <a:noFill/>
+        </p:spPr>
+        <p:txBody>
+          <a:bodyPr wrap="square" rtlCol="0">
+            <a:spAutoFit/>
+          </a:bodyPr>
+          <a:lstStyle/>
+          <a:p>
+            <a:r>
+              <a:rPr lang="en-US" dirty="0"/>
+              <a:t>Flyback diode to prevent motor from generating current that will destroy the Pico GPIO circuits.</a:t>
+            </a:r>
+          </a:p>
+          <a:p>
+            <a:endParaRPr lang="en-US" dirty="0"/>
+          </a:p>
+        </p:txBody>
+      </p:sp>
+      <p:sp>
+        <p:nvSpPr>
+          <p:cNvPr id="13" name="Rectangle 12">
+            <a:extLst>
+              <a:ext uri="{FF2B5EF4-FFF2-40B4-BE49-F238E27FC236}">
+                <a16:creationId xmlns:a16="http://schemas.microsoft.com/office/drawing/2014/main" id="{02F6877E-6AF1-0F4C-B242-AF53955515E9}"/>
               </a:ext>
             </a:extLst>
           </p:cNvPr>
@@ -11022,21 +14048,17 @@
         </p:nvSpPr>
         <p:spPr>
           <a:xfrm>
-            <a:off x="4192488" y="2580845"/>
-            <a:ext cx="1142999" cy="579120"/>
-          </a:xfrm>
-          <a:prstGeom prst="ellipse">
+            <a:off x="3095625" y="4924425"/>
+            <a:ext cx="185449" cy="111125"/>
+          </a:xfrm>
+          <a:prstGeom prst="rect">
             <a:avLst/>
           </a:prstGeom>
           <a:solidFill>
-            <a:schemeClr val="bg1">
-              <a:lumMod val="50000"/>
-            </a:schemeClr>
+            <a:schemeClr val="tx1"/>
           </a:solidFill>
-          <a:ln w="28575">
-            <a:solidFill>
-              <a:schemeClr val="tx1"/>
-            </a:solidFill>
+          <a:ln>
+            <a:noFill/>
           </a:ln>
         </p:spPr>
         <p:style>
@@ -11056,23 +14078,20 @@
           </a:fontRef>
         </p:style>
         <p:txBody>
-          <a:bodyPr wrap="none" rtlCol="0" anchor="ctr"/>
+          <a:bodyPr rtlCol="0" anchor="ctr"/>
           <a:lstStyle/>
           <a:p>
             <a:pPr algn="ctr"/>
-            <a:r>
-              <a:rPr lang="en-US" sz="2000" dirty="0"/>
-              <a:t>Motor</a:t>
-            </a:r>
-          </a:p>
-        </p:txBody>
-      </p:sp>
-      <p:sp>
-        <p:nvSpPr>
-          <p:cNvPr id="13" name="Oval 12">
-            <a:extLst>
-              <a:ext uri="{FF2B5EF4-FFF2-40B4-BE49-F238E27FC236}">
-                <a16:creationId xmlns:a16="http://schemas.microsoft.com/office/drawing/2014/main" id="{173901C6-D2E7-4F46-B959-EFAA588B2E36}"/>
+            <a:endParaRPr lang="en-US"/>
+          </a:p>
+        </p:txBody>
+      </p:sp>
+      <p:sp>
+        <p:nvSpPr>
+          <p:cNvPr id="15" name="Rectangle 14">
+            <a:extLst>
+              <a:ext uri="{FF2B5EF4-FFF2-40B4-BE49-F238E27FC236}">
+                <a16:creationId xmlns:a16="http://schemas.microsoft.com/office/drawing/2014/main" id="{51951276-F1A8-6A43-8B72-9BBDC810BBED}"/>
               </a:ext>
             </a:extLst>
           </p:cNvPr>
@@ -11081,21 +14100,17 @@
         </p:nvSpPr>
         <p:spPr>
           <a:xfrm>
-            <a:off x="2993081" y="1919923"/>
-            <a:ext cx="905292" cy="579120"/>
-          </a:xfrm>
-          <a:prstGeom prst="ellipse">
+            <a:off x="3081669" y="4073613"/>
+            <a:ext cx="185449" cy="111125"/>
+          </a:xfrm>
+          <a:prstGeom prst="rect">
             <a:avLst/>
           </a:prstGeom>
           <a:solidFill>
-            <a:schemeClr val="bg1">
-              <a:lumMod val="50000"/>
-            </a:schemeClr>
+            <a:schemeClr val="tx1"/>
           </a:solidFill>
-          <a:ln w="28575">
-            <a:solidFill>
-              <a:schemeClr val="tx1"/>
-            </a:solidFill>
+          <a:ln>
+            <a:noFill/>
           </a:ln>
         </p:spPr>
         <p:style>
@@ -11115,23 +14130,20 @@
           </a:fontRef>
         </p:style>
         <p:txBody>
-          <a:bodyPr wrap="none" rtlCol="0" anchor="ctr"/>
+          <a:bodyPr rtlCol="0" anchor="ctr"/>
           <a:lstStyle/>
           <a:p>
             <a:pPr algn="ctr"/>
-            <a:r>
-              <a:rPr lang="en-US" dirty="0"/>
-              <a:t>SW 1</a:t>
-            </a:r>
-          </a:p>
-        </p:txBody>
-      </p:sp>
-      <p:sp>
-        <p:nvSpPr>
-          <p:cNvPr id="14" name="Oval 13">
-            <a:extLst>
-              <a:ext uri="{FF2B5EF4-FFF2-40B4-BE49-F238E27FC236}">
-                <a16:creationId xmlns:a16="http://schemas.microsoft.com/office/drawing/2014/main" id="{7F691547-34A0-7240-B0CD-755B9EF6B1A7}"/>
+            <a:endParaRPr lang="en-US"/>
+          </a:p>
+        </p:txBody>
+      </p:sp>
+      <p:sp>
+        <p:nvSpPr>
+          <p:cNvPr id="16" name="Rectangle 15">
+            <a:extLst>
+              <a:ext uri="{FF2B5EF4-FFF2-40B4-BE49-F238E27FC236}">
+                <a16:creationId xmlns:a16="http://schemas.microsoft.com/office/drawing/2014/main" id="{2191F2AC-445E-5549-8720-222A4D573F5C}"/>
               </a:ext>
             </a:extLst>
           </p:cNvPr>
@@ -11140,21 +14152,17 @@
         </p:nvSpPr>
         <p:spPr>
           <a:xfrm>
-            <a:off x="5643354" y="1873886"/>
-            <a:ext cx="905292" cy="579120"/>
-          </a:xfrm>
-          <a:prstGeom prst="ellipse">
+            <a:off x="3081668" y="3201439"/>
+            <a:ext cx="185449" cy="111125"/>
+          </a:xfrm>
+          <a:prstGeom prst="rect">
             <a:avLst/>
           </a:prstGeom>
           <a:solidFill>
-            <a:schemeClr val="bg1">
-              <a:lumMod val="50000"/>
-            </a:schemeClr>
+            <a:schemeClr val="tx1"/>
           </a:solidFill>
-          <a:ln w="28575">
-            <a:solidFill>
-              <a:schemeClr val="tx1"/>
-            </a:solidFill>
+          <a:ln>
+            <a:noFill/>
           </a:ln>
         </p:spPr>
         <p:style>
@@ -11174,23 +14182,94 @@
           </a:fontRef>
         </p:style>
         <p:txBody>
-          <a:bodyPr wrap="none" rtlCol="0" anchor="ctr"/>
+          <a:bodyPr rtlCol="0" anchor="ctr"/>
           <a:lstStyle/>
           <a:p>
             <a:pPr algn="ctr"/>
-            <a:r>
-              <a:rPr lang="en-US" dirty="0"/>
-              <a:t>SW 2</a:t>
-            </a:r>
-          </a:p>
-        </p:txBody>
-      </p:sp>
-      <p:sp>
-        <p:nvSpPr>
-          <p:cNvPr id="15" name="Oval 14">
-            <a:extLst>
-              <a:ext uri="{FF2B5EF4-FFF2-40B4-BE49-F238E27FC236}">
-                <a16:creationId xmlns:a16="http://schemas.microsoft.com/office/drawing/2014/main" id="{F8A1B2E1-3B2B-6943-8879-3A3CA67617B1}"/>
+            <a:endParaRPr lang="en-US"/>
+          </a:p>
+        </p:txBody>
+      </p:sp>
+      <p:sp>
+        <p:nvSpPr>
+          <p:cNvPr id="17" name="TextBox 16">
+            <a:extLst>
+              <a:ext uri="{FF2B5EF4-FFF2-40B4-BE49-F238E27FC236}">
+                <a16:creationId xmlns:a16="http://schemas.microsoft.com/office/drawing/2014/main" id="{297B7FDB-EF69-584A-B141-C36DEFA6FB98}"/>
+              </a:ext>
+            </a:extLst>
+          </p:cNvPr>
+          <p:cNvSpPr txBox="1"/>
+          <p:nvPr/>
+        </p:nvSpPr>
+        <p:spPr>
+          <a:xfrm>
+            <a:off x="3617199" y="2087403"/>
+            <a:ext cx="831190" cy="369332"/>
+          </a:xfrm>
+          <a:prstGeom prst="rect">
+            <a:avLst/>
+          </a:prstGeom>
+          <a:noFill/>
+        </p:spPr>
+        <p:txBody>
+          <a:bodyPr wrap="none" rtlCol="0">
+            <a:spAutoFit/>
+          </a:bodyPr>
+          <a:lstStyle/>
+          <a:p>
+            <a:r>
+              <a:rPr lang="en-US" b="1" dirty="0">
+                <a:solidFill>
+                  <a:srgbClr val="FF0000"/>
+                </a:solidFill>
+              </a:rPr>
+              <a:t>5 Volts</a:t>
+            </a:r>
+          </a:p>
+        </p:txBody>
+      </p:sp>
+      <p:sp>
+        <p:nvSpPr>
+          <p:cNvPr id="20" name="TextBox 19">
+            <a:extLst>
+              <a:ext uri="{FF2B5EF4-FFF2-40B4-BE49-F238E27FC236}">
+                <a16:creationId xmlns:a16="http://schemas.microsoft.com/office/drawing/2014/main" id="{206F3650-4CF5-1C4D-8D90-929FAF6DC195}"/>
+              </a:ext>
+            </a:extLst>
+          </p:cNvPr>
+          <p:cNvSpPr txBox="1"/>
+          <p:nvPr/>
+        </p:nvSpPr>
+        <p:spPr>
+          <a:xfrm>
+            <a:off x="3464832" y="5073526"/>
+            <a:ext cx="630301" cy="369332"/>
+          </a:xfrm>
+          <a:prstGeom prst="rect">
+            <a:avLst/>
+          </a:prstGeom>
+          <a:noFill/>
+        </p:spPr>
+        <p:txBody>
+          <a:bodyPr wrap="none" rtlCol="0">
+            <a:spAutoFit/>
+          </a:bodyPr>
+          <a:lstStyle/>
+          <a:p>
+            <a:r>
+              <a:rPr lang="en-US" b="1" dirty="0"/>
+              <a:t>GND</a:t>
+            </a:r>
+          </a:p>
+        </p:txBody>
+      </p:sp>
+      <p:sp>
+        <p:nvSpPr>
+          <p:cNvPr id="19" name="Rectangle 18">
+            <a:extLst>
+              <a:ext uri="{FF2B5EF4-FFF2-40B4-BE49-F238E27FC236}">
+                <a16:creationId xmlns:a16="http://schemas.microsoft.com/office/drawing/2014/main" id="{90E09ABD-7FD9-8D49-A0AB-88C7B0D9082F}"/>
               </a:ext>
             </a:extLst>
           </p:cNvPr>
@@ -11199,21 +14278,17 @@
         </p:nvSpPr>
         <p:spPr>
           <a:xfrm>
-            <a:off x="2993081" y="3256043"/>
-            <a:ext cx="905292" cy="579120"/>
-          </a:xfrm>
-          <a:prstGeom prst="ellipse">
+            <a:off x="4221479" y="3841729"/>
+            <a:ext cx="226910" cy="287446"/>
+          </a:xfrm>
+          <a:prstGeom prst="rect">
             <a:avLst/>
           </a:prstGeom>
           <a:solidFill>
-            <a:schemeClr val="bg1">
-              <a:lumMod val="50000"/>
-            </a:schemeClr>
+            <a:schemeClr val="bg1"/>
           </a:solidFill>
-          <a:ln w="28575">
-            <a:solidFill>
-              <a:schemeClr val="tx1"/>
-            </a:solidFill>
+          <a:ln>
+            <a:noFill/>
           </a:ln>
         </p:spPr>
         <p:style>
@@ -11233,165 +14308,97 @@
           </a:fontRef>
         </p:style>
         <p:txBody>
-          <a:bodyPr wrap="none" rtlCol="0" anchor="ctr"/>
+          <a:bodyPr rtlCol="0" anchor="ctr"/>
           <a:lstStyle/>
           <a:p>
             <a:pPr algn="ctr"/>
+            <a:endParaRPr lang="en-US"/>
+          </a:p>
+        </p:txBody>
+      </p:sp>
+      <p:sp>
+        <p:nvSpPr>
+          <p:cNvPr id="22" name="TextBox 21">
+            <a:extLst>
+              <a:ext uri="{FF2B5EF4-FFF2-40B4-BE49-F238E27FC236}">
+                <a16:creationId xmlns:a16="http://schemas.microsoft.com/office/drawing/2014/main" id="{B8F23673-2323-074C-BB46-684BB0878A40}"/>
+              </a:ext>
+            </a:extLst>
+          </p:cNvPr>
+          <p:cNvSpPr txBox="1"/>
+          <p:nvPr/>
+        </p:nvSpPr>
+        <p:spPr>
+          <a:xfrm>
+            <a:off x="6386438" y="4309156"/>
+            <a:ext cx="2334630" cy="1200329"/>
+          </a:xfrm>
+          <a:prstGeom prst="rect">
+            <a:avLst/>
+          </a:prstGeom>
+          <a:noFill/>
+        </p:spPr>
+        <p:txBody>
+          <a:bodyPr wrap="square" rtlCol="0">
+            <a:spAutoFit/>
+          </a:bodyPr>
+          <a:lstStyle/>
+          <a:p>
             <a:r>
               <a:rPr lang="en-US" dirty="0"/>
-              <a:t>SW 3</a:t>
-            </a:r>
-          </a:p>
-        </p:txBody>
-      </p:sp>
-      <p:sp>
-        <p:nvSpPr>
-          <p:cNvPr id="16" name="Oval 15">
-            <a:extLst>
-              <a:ext uri="{FF2B5EF4-FFF2-40B4-BE49-F238E27FC236}">
-                <a16:creationId xmlns:a16="http://schemas.microsoft.com/office/drawing/2014/main" id="{14D08803-E256-BC4F-88FC-FCE62A0ECA6E}"/>
-              </a:ext>
-            </a:extLst>
-          </p:cNvPr>
-          <p:cNvSpPr/>
-          <p:nvPr/>
-        </p:nvSpPr>
-        <p:spPr>
-          <a:xfrm>
-            <a:off x="5629601" y="3291523"/>
-            <a:ext cx="905292" cy="579120"/>
-          </a:xfrm>
-          <a:prstGeom prst="ellipse">
-            <a:avLst/>
-          </a:prstGeom>
-          <a:solidFill>
-            <a:schemeClr val="bg1">
-              <a:lumMod val="50000"/>
-            </a:schemeClr>
-          </a:solidFill>
-          <a:ln w="28575">
-            <a:solidFill>
-              <a:schemeClr val="tx1"/>
-            </a:solidFill>
-          </a:ln>
-        </p:spPr>
-        <p:style>
-          <a:lnRef idx="2">
-            <a:schemeClr val="accent1">
-              <a:shade val="50000"/>
-            </a:schemeClr>
-          </a:lnRef>
-          <a:fillRef idx="1">
-            <a:schemeClr val="accent1"/>
-          </a:fillRef>
-          <a:effectRef idx="0">
-            <a:schemeClr val="accent1"/>
-          </a:effectRef>
-          <a:fontRef idx="minor">
-            <a:schemeClr val="lt1"/>
-          </a:fontRef>
-        </p:style>
-        <p:txBody>
-          <a:bodyPr wrap="none" rtlCol="0" anchor="ctr"/>
-          <a:lstStyle/>
-          <a:p>
-            <a:pPr algn="ctr"/>
+              <a:t>NPN Transistor used to</a:t>
+            </a:r>
+          </a:p>
+          <a:p>
             <a:r>
               <a:rPr lang="en-US" dirty="0"/>
-              <a:t>SW 4</a:t>
-            </a:r>
-          </a:p>
-        </p:txBody>
-      </p:sp>
-      <p:cxnSp>
-        <p:nvCxnSpPr>
-          <p:cNvPr id="18" name="Straight Connector 17">
-            <a:extLst>
-              <a:ext uri="{FF2B5EF4-FFF2-40B4-BE49-F238E27FC236}">
-                <a16:creationId xmlns:a16="http://schemas.microsoft.com/office/drawing/2014/main" id="{D2818E63-D029-344C-B29B-669BE187248A}"/>
-              </a:ext>
-            </a:extLst>
-          </p:cNvPr>
-          <p:cNvCxnSpPr/>
-          <p:nvPr/>
-        </p:nvCxnSpPr>
-        <p:spPr>
-          <a:xfrm>
-            <a:off x="3345179" y="4206240"/>
-            <a:ext cx="2837615" cy="0"/>
-          </a:xfrm>
-          <a:prstGeom prst="line">
-            <a:avLst/>
-          </a:prstGeom>
-          <a:ln w="63500">
-            <a:solidFill>
-              <a:schemeClr val="tx1">
-                <a:lumMod val="65000"/>
-                <a:lumOff val="35000"/>
-              </a:schemeClr>
-            </a:solidFill>
-          </a:ln>
-        </p:spPr>
-        <p:style>
-          <a:lnRef idx="1">
-            <a:schemeClr val="accent1"/>
-          </a:lnRef>
-          <a:fillRef idx="0">
-            <a:schemeClr val="accent1"/>
-          </a:fillRef>
-          <a:effectRef idx="0">
-            <a:schemeClr val="accent1"/>
-          </a:effectRef>
-          <a:fontRef idx="minor">
-            <a:schemeClr val="tx1"/>
-          </a:fontRef>
-        </p:style>
-      </p:cxnSp>
-      <p:cxnSp>
-        <p:nvCxnSpPr>
-          <p:cNvPr id="19" name="Straight Connector 18">
-            <a:extLst>
-              <a:ext uri="{FF2B5EF4-FFF2-40B4-BE49-F238E27FC236}">
-                <a16:creationId xmlns:a16="http://schemas.microsoft.com/office/drawing/2014/main" id="{FA5FCD5E-E15F-434C-9B50-62F668F04598}"/>
-              </a:ext>
-            </a:extLst>
-          </p:cNvPr>
-          <p:cNvCxnSpPr/>
-          <p:nvPr/>
-        </p:nvCxnSpPr>
-        <p:spPr>
-          <a:xfrm>
-            <a:off x="3345179" y="1554480"/>
-            <a:ext cx="2837615" cy="0"/>
-          </a:xfrm>
-          <a:prstGeom prst="line">
-            <a:avLst/>
-          </a:prstGeom>
-          <a:ln w="63500">
-            <a:solidFill>
-              <a:srgbClr val="FF0000"/>
-            </a:solidFill>
-          </a:ln>
-        </p:spPr>
-        <p:style>
-          <a:lnRef idx="1">
-            <a:schemeClr val="accent1"/>
-          </a:lnRef>
-          <a:fillRef idx="0">
-            <a:schemeClr val="accent1"/>
-          </a:fillRef>
-          <a:effectRef idx="0">
-            <a:schemeClr val="accent1"/>
-          </a:effectRef>
-          <a:fontRef idx="minor">
-            <a:schemeClr val="tx1"/>
-          </a:fontRef>
-        </p:style>
-      </p:cxnSp>
+              <a:t>switch the the power to the motor</a:t>
+            </a:r>
+          </a:p>
+          <a:p>
+            <a:endParaRPr lang="en-US" dirty="0"/>
+          </a:p>
+        </p:txBody>
+      </p:sp>
+      <p:sp>
+        <p:nvSpPr>
+          <p:cNvPr id="21" name="TextBox 20">
+            <a:extLst>
+              <a:ext uri="{FF2B5EF4-FFF2-40B4-BE49-F238E27FC236}">
+                <a16:creationId xmlns:a16="http://schemas.microsoft.com/office/drawing/2014/main" id="{A2EF73F5-DB60-D14F-A9EB-A16AE0702B43}"/>
+              </a:ext>
+            </a:extLst>
+          </p:cNvPr>
+          <p:cNvSpPr txBox="1"/>
+          <p:nvPr/>
+        </p:nvSpPr>
+        <p:spPr>
+          <a:xfrm>
+            <a:off x="6417106" y="3616120"/>
+            <a:ext cx="2231829" cy="369332"/>
+          </a:xfrm>
+          <a:prstGeom prst="rect">
+            <a:avLst/>
+          </a:prstGeom>
+          <a:noFill/>
+        </p:spPr>
+        <p:txBody>
+          <a:bodyPr wrap="none" rtlCol="0">
+            <a:spAutoFit/>
+          </a:bodyPr>
+          <a:lstStyle/>
+          <a:p>
+            <a:r>
+              <a:rPr lang="en-US" dirty="0"/>
+              <a:t>200 milliamps current</a:t>
+            </a:r>
+          </a:p>
+        </p:txBody>
+      </p:sp>
     </p:spTree>
     <p:extLst>
       <p:ext uri="{BB962C8B-B14F-4D97-AF65-F5344CB8AC3E}">
-        <p14:creationId xmlns:p14="http://schemas.microsoft.com/office/powerpoint/2010/main" val="3784482480"/>
+        <p14:creationId xmlns:p14="http://schemas.microsoft.com/office/powerpoint/2010/main" val="2218377891"/>
       </p:ext>
     </p:extLst>
   </p:cSld>
